--- a/ESS_May_2021/Wednesday_May_5th/2_Component_basics/2_Sources_and_Monitors_2.pptx
+++ b/ESS_May_2021/Wednesday_May_5th/2_Component_basics/2_Sources_and_Monitors_2.pptx
@@ -358,12 +358,140 @@
 <p1510:revInfo xmlns:a="http://schemas.openxmlformats.org/drawingml/2006/main" xmlns:r="http://schemas.openxmlformats.org/officeDocument/2006/relationships" xmlns:p1510="http://schemas.microsoft.com/office/powerpoint/2015/10/main">
   <p1510:revLst>
     <p1510:client id="{192497DD-4841-1F2E-2102-CD52C9305636}" v="460" dt="2021-05-03T18:20:52.827"/>
+    <p1510:client id="{4DBFD482-A271-941E-7EBB-8524531C8CF1}" v="14" dt="2021-05-03T19:36:18.840"/>
   </p1510:revLst>
 </p1510:revInfo>
 </file>
 
 <file path=ppt/changesInfos/changesInfo1.xml><?xml version="1.0" encoding="utf-8"?>
 <pc:chgInfo xmlns:a="http://schemas.openxmlformats.org/drawingml/2006/main" xmlns:r="http://schemas.openxmlformats.org/officeDocument/2006/relationships" xmlns:ac="http://schemas.microsoft.com/office/drawing/2013/main/command" xmlns:pc="http://schemas.microsoft.com/office/powerpoint/2013/main/command">
+  <pc:docChgLst>
+    <pc:chgData name="Erik Bergbäck Knudsen" userId="S::erkn@dtu.dk::7028c474-af22-41ee-9ddd-5fdf2cd26899" providerId="AD" clId="Web-{4DBFD482-A271-941E-7EBB-8524531C8CF1}"/>
+    <pc:docChg chg="modSld">
+      <pc:chgData name="Erik Bergbäck Knudsen" userId="S::erkn@dtu.dk::7028c474-af22-41ee-9ddd-5fdf2cd26899" providerId="AD" clId="Web-{4DBFD482-A271-941E-7EBB-8524531C8CF1}" dt="2021-05-03T19:36:18.840" v="13" actId="14100"/>
+      <pc:docMkLst>
+        <pc:docMk/>
+      </pc:docMkLst>
+      <pc:sldChg chg="modSp">
+        <pc:chgData name="Erik Bergbäck Knudsen" userId="S::erkn@dtu.dk::7028c474-af22-41ee-9ddd-5fdf2cd26899" providerId="AD" clId="Web-{4DBFD482-A271-941E-7EBB-8524531C8CF1}" dt="2021-05-03T19:36:18.840" v="13" actId="14100"/>
+        <pc:sldMkLst>
+          <pc:docMk/>
+          <pc:sldMk cId="0" sldId="265"/>
+        </pc:sldMkLst>
+        <pc:spChg chg="mod">
+          <ac:chgData name="Erik Bergbäck Knudsen" userId="S::erkn@dtu.dk::7028c474-af22-41ee-9ddd-5fdf2cd26899" providerId="AD" clId="Web-{4DBFD482-A271-941E-7EBB-8524531C8CF1}" dt="2021-05-03T19:36:10.152" v="9" actId="14100"/>
+          <ac:spMkLst>
+            <pc:docMk/>
+            <pc:sldMk cId="0" sldId="265"/>
+            <ac:spMk id="373" creationId="{00000000-0000-0000-0000-000000000000}"/>
+          </ac:spMkLst>
+        </pc:spChg>
+        <pc:spChg chg="mod">
+          <ac:chgData name="Erik Bergbäck Knudsen" userId="S::erkn@dtu.dk::7028c474-af22-41ee-9ddd-5fdf2cd26899" providerId="AD" clId="Web-{4DBFD482-A271-941E-7EBB-8524531C8CF1}" dt="2021-05-03T19:36:12.840" v="10" actId="14100"/>
+          <ac:spMkLst>
+            <pc:docMk/>
+            <pc:sldMk cId="0" sldId="265"/>
+            <ac:spMk id="374" creationId="{00000000-0000-0000-0000-000000000000}"/>
+          </ac:spMkLst>
+        </pc:spChg>
+        <pc:spChg chg="mod">
+          <ac:chgData name="Erik Bergbäck Knudsen" userId="S::erkn@dtu.dk::7028c474-af22-41ee-9ddd-5fdf2cd26899" providerId="AD" clId="Web-{4DBFD482-A271-941E-7EBB-8524531C8CF1}" dt="2021-05-03T19:36:15.371" v="11" actId="14100"/>
+          <ac:spMkLst>
+            <pc:docMk/>
+            <pc:sldMk cId="0" sldId="265"/>
+            <ac:spMk id="375" creationId="{00000000-0000-0000-0000-000000000000}"/>
+          </ac:spMkLst>
+        </pc:spChg>
+        <pc:spChg chg="mod">
+          <ac:chgData name="Erik Bergbäck Knudsen" userId="S::erkn@dtu.dk::7028c474-af22-41ee-9ddd-5fdf2cd26899" providerId="AD" clId="Web-{4DBFD482-A271-941E-7EBB-8524531C8CF1}" dt="2021-05-03T19:36:18.840" v="13" actId="14100"/>
+          <ac:spMkLst>
+            <pc:docMk/>
+            <pc:sldMk cId="0" sldId="265"/>
+            <ac:spMk id="376" creationId="{00000000-0000-0000-0000-000000000000}"/>
+          </ac:spMkLst>
+        </pc:spChg>
+      </pc:sldChg>
+      <pc:sldChg chg="modSp">
+        <pc:chgData name="Erik Bergbäck Knudsen" userId="S::erkn@dtu.dk::7028c474-af22-41ee-9ddd-5fdf2cd26899" providerId="AD" clId="Web-{4DBFD482-A271-941E-7EBB-8524531C8CF1}" dt="2021-05-03T19:36:05.355" v="8" actId="14100"/>
+        <pc:sldMkLst>
+          <pc:docMk/>
+          <pc:sldMk cId="0" sldId="266"/>
+        </pc:sldMkLst>
+        <pc:spChg chg="mod">
+          <ac:chgData name="Erik Bergbäck Knudsen" userId="S::erkn@dtu.dk::7028c474-af22-41ee-9ddd-5fdf2cd26899" providerId="AD" clId="Web-{4DBFD482-A271-941E-7EBB-8524531C8CF1}" dt="2021-05-03T19:35:55.746" v="5" actId="14100"/>
+          <ac:spMkLst>
+            <pc:docMk/>
+            <pc:sldMk cId="0" sldId="266"/>
+            <ac:spMk id="399" creationId="{00000000-0000-0000-0000-000000000000}"/>
+          </ac:spMkLst>
+        </pc:spChg>
+        <pc:spChg chg="mod">
+          <ac:chgData name="Erik Bergbäck Knudsen" userId="S::erkn@dtu.dk::7028c474-af22-41ee-9ddd-5fdf2cd26899" providerId="AD" clId="Web-{4DBFD482-A271-941E-7EBB-8524531C8CF1}" dt="2021-05-03T19:35:49.886" v="3" actId="14100"/>
+          <ac:spMkLst>
+            <pc:docMk/>
+            <pc:sldMk cId="0" sldId="266"/>
+            <ac:spMk id="400" creationId="{00000000-0000-0000-0000-000000000000}"/>
+          </ac:spMkLst>
+        </pc:spChg>
+        <pc:spChg chg="mod">
+          <ac:chgData name="Erik Bergbäck Knudsen" userId="S::erkn@dtu.dk::7028c474-af22-41ee-9ddd-5fdf2cd26899" providerId="AD" clId="Web-{4DBFD482-A271-941E-7EBB-8524531C8CF1}" dt="2021-05-03T19:35:52.996" v="4" actId="14100"/>
+          <ac:spMkLst>
+            <pc:docMk/>
+            <pc:sldMk cId="0" sldId="266"/>
+            <ac:spMk id="401" creationId="{00000000-0000-0000-0000-000000000000}"/>
+          </ac:spMkLst>
+        </pc:spChg>
+        <pc:spChg chg="mod">
+          <ac:chgData name="Erik Bergbäck Knudsen" userId="S::erkn@dtu.dk::7028c474-af22-41ee-9ddd-5fdf2cd26899" providerId="AD" clId="Web-{4DBFD482-A271-941E-7EBB-8524531C8CF1}" dt="2021-05-03T19:35:38.792" v="1" actId="14100"/>
+          <ac:spMkLst>
+            <pc:docMk/>
+            <pc:sldMk cId="0" sldId="266"/>
+            <ac:spMk id="405" creationId="{00000000-0000-0000-0000-000000000000}"/>
+          </ac:spMkLst>
+        </pc:spChg>
+        <pc:spChg chg="mod">
+          <ac:chgData name="Erik Bergbäck Knudsen" userId="S::erkn@dtu.dk::7028c474-af22-41ee-9ddd-5fdf2cd26899" providerId="AD" clId="Web-{4DBFD482-A271-941E-7EBB-8524531C8CF1}" dt="2021-05-03T19:35:41.386" v="2" actId="14100"/>
+          <ac:spMkLst>
+            <pc:docMk/>
+            <pc:sldMk cId="0" sldId="266"/>
+            <ac:spMk id="406" creationId="{00000000-0000-0000-0000-000000000000}"/>
+          </ac:spMkLst>
+        </pc:spChg>
+        <pc:spChg chg="mod">
+          <ac:chgData name="Erik Bergbäck Knudsen" userId="S::erkn@dtu.dk::7028c474-af22-41ee-9ddd-5fdf2cd26899" providerId="AD" clId="Web-{4DBFD482-A271-941E-7EBB-8524531C8CF1}" dt="2021-05-03T19:36:05.355" v="8" actId="14100"/>
+          <ac:spMkLst>
+            <pc:docMk/>
+            <pc:sldMk cId="0" sldId="266"/>
+            <ac:spMk id="427" creationId="{00000000-0000-0000-0000-000000000000}"/>
+          </ac:spMkLst>
+        </pc:spChg>
+        <pc:spChg chg="mod">
+          <ac:chgData name="Erik Bergbäck Knudsen" userId="S::erkn@dtu.dk::7028c474-af22-41ee-9ddd-5fdf2cd26899" providerId="AD" clId="Web-{4DBFD482-A271-941E-7EBB-8524531C8CF1}" dt="2021-05-03T19:36:02.480" v="7" actId="14100"/>
+          <ac:spMkLst>
+            <pc:docMk/>
+            <pc:sldMk cId="0" sldId="266"/>
+            <ac:spMk id="428" creationId="{00000000-0000-0000-0000-000000000000}"/>
+          </ac:spMkLst>
+        </pc:spChg>
+        <pc:spChg chg="mod">
+          <ac:chgData name="Erik Bergbäck Knudsen" userId="S::erkn@dtu.dk::7028c474-af22-41ee-9ddd-5fdf2cd26899" providerId="AD" clId="Web-{4DBFD482-A271-941E-7EBB-8524531C8CF1}" dt="2021-05-03T19:35:59.386" v="6" actId="14100"/>
+          <ac:spMkLst>
+            <pc:docMk/>
+            <pc:sldMk cId="0" sldId="266"/>
+            <ac:spMk id="429" creationId="{00000000-0000-0000-0000-000000000000}"/>
+          </ac:spMkLst>
+        </pc:spChg>
+        <pc:spChg chg="mod">
+          <ac:chgData name="Erik Bergbäck Knudsen" userId="S::erkn@dtu.dk::7028c474-af22-41ee-9ddd-5fdf2cd26899" providerId="AD" clId="Web-{4DBFD482-A271-941E-7EBB-8524531C8CF1}" dt="2021-05-03T19:35:35.433" v="0" actId="14100"/>
+          <ac:spMkLst>
+            <pc:docMk/>
+            <pc:sldMk cId="0" sldId="266"/>
+            <ac:spMk id="430" creationId="{00000000-0000-0000-0000-000000000000}"/>
+          </ac:spMkLst>
+        </pc:spChg>
+      </pc:sldChg>
+    </pc:docChg>
+  </pc:docChgLst>
   <pc:docChgLst>
     <pc:chgData name="Erik Bergbäck Knudsen" userId="S::erkn@dtu.dk::7028c474-af22-41ee-9ddd-5fdf2cd26899" providerId="AD" clId="Web-{192497DD-4841-1F2E-2102-CD52C9305636}"/>
     <pc:docChg chg="addSld delSld modSld sldOrd">
@@ -1913,7 +2041,7 @@
           </a:ln>
           <a:extLst>
             <a:ext uri="{C572A759-6A51-4108-AA02-DFA0A04FC94B}">
-              <ma14:wrappingTextBoxFlag xmlns="" xmlns:m="http://schemas.openxmlformats.org/officeDocument/2006/math" xmlns:a14="http://schemas.microsoft.com/office/drawing/2010/main" xmlns:ma14="http://schemas.microsoft.com/office/mac/drawingml/2011/main" val="1"/>
+              <ma14:wrappingTextBoxFlag xmlns:ma14="http://schemas.microsoft.com/office/mac/drawingml/2011/main" xmlns:a14="http://schemas.microsoft.com/office/drawing/2010/main" xmlns:m="http://schemas.openxmlformats.org/officeDocument/2006/math" xmlns="" val="1"/>
             </a:ext>
           </a:extLst>
         </p:spPr>
@@ -2817,7 +2945,7 @@
           </a:ln>
           <a:extLst>
             <a:ext uri="{C572A759-6A51-4108-AA02-DFA0A04FC94B}">
-              <ma14:wrappingTextBoxFlag xmlns="" xmlns:m="http://schemas.openxmlformats.org/officeDocument/2006/math" xmlns:a14="http://schemas.microsoft.com/office/drawing/2010/main" xmlns:ma14="http://schemas.microsoft.com/office/mac/drawingml/2011/main" val="1"/>
+              <ma14:wrappingTextBoxFlag xmlns:ma14="http://schemas.microsoft.com/office/mac/drawingml/2011/main" xmlns:a14="http://schemas.microsoft.com/office/drawing/2010/main" xmlns:m="http://schemas.openxmlformats.org/officeDocument/2006/math" xmlns="" val="1"/>
             </a:ext>
           </a:extLst>
         </p:spPr>
@@ -3064,7 +3192,7 @@
             <a:effectLst/>
             <a:extLst>
               <a:ext uri="{C572A759-6A51-4108-AA02-DFA0A04FC94B}">
-                <ma14:wrappingTextBoxFlag xmlns="" xmlns:m="http://schemas.openxmlformats.org/officeDocument/2006/math" xmlns:a14="http://schemas.microsoft.com/office/drawing/2010/main" xmlns:ma14="http://schemas.microsoft.com/office/mac/drawingml/2011/main" val="1"/>
+                <ma14:wrappingTextBoxFlag xmlns:ma14="http://schemas.microsoft.com/office/mac/drawingml/2011/main" xmlns:a14="http://schemas.microsoft.com/office/drawing/2010/main" xmlns:m="http://schemas.openxmlformats.org/officeDocument/2006/math" xmlns="" val="1"/>
               </a:ext>
             </a:extLst>
           </p:spPr>
@@ -4538,7 +4666,7 @@
           </a:ln>
           <a:extLst>
             <a:ext uri="{C572A759-6A51-4108-AA02-DFA0A04FC94B}">
-              <ma14:wrappingTextBoxFlag xmlns="" xmlns:m="http://schemas.openxmlformats.org/officeDocument/2006/math" xmlns:a14="http://schemas.microsoft.com/office/drawing/2010/main" xmlns:ma14="http://schemas.microsoft.com/office/mac/drawingml/2011/main" val="1"/>
+              <ma14:wrappingTextBoxFlag xmlns:ma14="http://schemas.microsoft.com/office/mac/drawingml/2011/main" xmlns:a14="http://schemas.microsoft.com/office/drawing/2010/main" xmlns:m="http://schemas.openxmlformats.org/officeDocument/2006/math" xmlns="" val="1"/>
             </a:ext>
           </a:extLst>
         </p:spPr>
@@ -4785,7 +4913,7 @@
             <a:effectLst/>
             <a:extLst>
               <a:ext uri="{C572A759-6A51-4108-AA02-DFA0A04FC94B}">
-                <ma14:wrappingTextBoxFlag xmlns="" xmlns:m="http://schemas.openxmlformats.org/officeDocument/2006/math" xmlns:a14="http://schemas.microsoft.com/office/drawing/2010/main" xmlns:ma14="http://schemas.microsoft.com/office/mac/drawingml/2011/main" val="1"/>
+                <ma14:wrappingTextBoxFlag xmlns:ma14="http://schemas.microsoft.com/office/mac/drawingml/2011/main" xmlns:a14="http://schemas.microsoft.com/office/drawing/2010/main" xmlns:m="http://schemas.openxmlformats.org/officeDocument/2006/math" xmlns="" val="1"/>
               </a:ext>
             </a:extLst>
           </p:spPr>
@@ -6313,7 +6441,7 @@
           </a:ln>
           <a:extLst>
             <a:ext uri="{C572A759-6A51-4108-AA02-DFA0A04FC94B}">
-              <ma14:wrappingTextBoxFlag xmlns="" xmlns:m="http://schemas.openxmlformats.org/officeDocument/2006/math" xmlns:a14="http://schemas.microsoft.com/office/drawing/2010/main" xmlns:ma14="http://schemas.microsoft.com/office/mac/drawingml/2011/main" val="1"/>
+              <ma14:wrappingTextBoxFlag xmlns:ma14="http://schemas.microsoft.com/office/mac/drawingml/2011/main" xmlns:a14="http://schemas.microsoft.com/office/drawing/2010/main" xmlns:m="http://schemas.openxmlformats.org/officeDocument/2006/math" xmlns="" val="1"/>
             </a:ext>
           </a:extLst>
         </p:spPr>
@@ -6560,7 +6688,7 @@
             <a:effectLst/>
             <a:extLst>
               <a:ext uri="{C572A759-6A51-4108-AA02-DFA0A04FC94B}">
-                <ma14:wrappingTextBoxFlag xmlns="" xmlns:m="http://schemas.openxmlformats.org/officeDocument/2006/math" xmlns:a14="http://schemas.microsoft.com/office/drawing/2010/main" xmlns:ma14="http://schemas.microsoft.com/office/mac/drawingml/2011/main" val="1"/>
+                <ma14:wrappingTextBoxFlag xmlns:ma14="http://schemas.microsoft.com/office/mac/drawingml/2011/main" xmlns:a14="http://schemas.microsoft.com/office/drawing/2010/main" xmlns:m="http://schemas.openxmlformats.org/officeDocument/2006/math" xmlns="" val="1"/>
               </a:ext>
             </a:extLst>
           </p:spPr>
@@ -8088,7 +8216,7 @@
           </a:ln>
           <a:extLst>
             <a:ext uri="{C572A759-6A51-4108-AA02-DFA0A04FC94B}">
-              <ma14:wrappingTextBoxFlag xmlns="" xmlns:m="http://schemas.openxmlformats.org/officeDocument/2006/math" xmlns:a14="http://schemas.microsoft.com/office/drawing/2010/main" xmlns:ma14="http://schemas.microsoft.com/office/mac/drawingml/2011/main" val="1"/>
+              <ma14:wrappingTextBoxFlag xmlns:ma14="http://schemas.microsoft.com/office/mac/drawingml/2011/main" xmlns:a14="http://schemas.microsoft.com/office/drawing/2010/main" xmlns:m="http://schemas.openxmlformats.org/officeDocument/2006/math" xmlns="" val="1"/>
             </a:ext>
           </a:extLst>
         </p:spPr>
@@ -8362,7 +8490,7 @@
             <a:effectLst/>
             <a:extLst>
               <a:ext uri="{C572A759-6A51-4108-AA02-DFA0A04FC94B}">
-                <ma14:wrappingTextBoxFlag xmlns="" xmlns:m="http://schemas.openxmlformats.org/officeDocument/2006/math" xmlns:a14="http://schemas.microsoft.com/office/drawing/2010/main" xmlns:ma14="http://schemas.microsoft.com/office/mac/drawingml/2011/main" val="1"/>
+                <ma14:wrappingTextBoxFlag xmlns:ma14="http://schemas.microsoft.com/office/mac/drawingml/2011/main" xmlns:a14="http://schemas.microsoft.com/office/drawing/2010/main" xmlns:m="http://schemas.openxmlformats.org/officeDocument/2006/math" xmlns="" val="1"/>
               </a:ext>
             </a:extLst>
           </p:spPr>
@@ -10648,7 +10776,7 @@
           </a:ln>
           <a:extLst>
             <a:ext uri="{C572A759-6A51-4108-AA02-DFA0A04FC94B}">
-              <ma14:wrappingTextBoxFlag xmlns="" xmlns:m="http://schemas.openxmlformats.org/officeDocument/2006/math" xmlns:a14="http://schemas.microsoft.com/office/drawing/2010/main" xmlns:ma14="http://schemas.microsoft.com/office/mac/drawingml/2011/main" val="1"/>
+              <ma14:wrappingTextBoxFlag xmlns:ma14="http://schemas.microsoft.com/office/mac/drawingml/2011/main" xmlns:a14="http://schemas.microsoft.com/office/drawing/2010/main" xmlns:m="http://schemas.openxmlformats.org/officeDocument/2006/math" xmlns="" val="1"/>
             </a:ext>
           </a:extLst>
         </p:spPr>
@@ -10696,7 +10824,7 @@
           </a:ln>
           <a:extLst>
             <a:ext uri="{C572A759-6A51-4108-AA02-DFA0A04FC94B}">
-              <ma14:wrappingTextBoxFlag xmlns="" xmlns:m="http://schemas.openxmlformats.org/officeDocument/2006/math" xmlns:a14="http://schemas.microsoft.com/office/drawing/2010/main" xmlns:ma14="http://schemas.microsoft.com/office/mac/drawingml/2011/main" val="1"/>
+              <ma14:wrappingTextBoxFlag xmlns:ma14="http://schemas.microsoft.com/office/mac/drawingml/2011/main" xmlns:a14="http://schemas.microsoft.com/office/drawing/2010/main" xmlns:m="http://schemas.openxmlformats.org/officeDocument/2006/math" xmlns="" val="1"/>
             </a:ext>
           </a:extLst>
         </p:spPr>
@@ -11518,7 +11646,7 @@
           </a:ln>
           <a:extLst>
             <a:ext uri="{C572A759-6A51-4108-AA02-DFA0A04FC94B}">
-              <ma14:wrappingTextBoxFlag xmlns="" xmlns:m="http://schemas.openxmlformats.org/officeDocument/2006/math" xmlns:a14="http://schemas.microsoft.com/office/drawing/2010/main" xmlns:ma14="http://schemas.microsoft.com/office/mac/drawingml/2011/main" val="1"/>
+              <ma14:wrappingTextBoxFlag xmlns:ma14="http://schemas.microsoft.com/office/mac/drawingml/2011/main" xmlns:a14="http://schemas.microsoft.com/office/drawing/2010/main" xmlns:m="http://schemas.openxmlformats.org/officeDocument/2006/math" xmlns="" val="1"/>
             </a:ext>
           </a:extLst>
         </p:spPr>
@@ -11765,7 +11893,7 @@
             <a:effectLst/>
             <a:extLst>
               <a:ext uri="{C572A759-6A51-4108-AA02-DFA0A04FC94B}">
-                <ma14:wrappingTextBoxFlag xmlns="" xmlns:m="http://schemas.openxmlformats.org/officeDocument/2006/math" xmlns:a14="http://schemas.microsoft.com/office/drawing/2010/main" xmlns:ma14="http://schemas.microsoft.com/office/mac/drawingml/2011/main" val="1"/>
+                <ma14:wrappingTextBoxFlag xmlns:ma14="http://schemas.microsoft.com/office/mac/drawingml/2011/main" xmlns:a14="http://schemas.microsoft.com/office/drawing/2010/main" xmlns:m="http://schemas.openxmlformats.org/officeDocument/2006/math" xmlns="" val="1"/>
               </a:ext>
             </a:extLst>
           </p:spPr>
@@ -13113,7 +13241,7 @@
           </a:ln>
           <a:extLst>
             <a:ext uri="{C572A759-6A51-4108-AA02-DFA0A04FC94B}">
-              <ma14:wrappingTextBoxFlag xmlns="" xmlns:m="http://schemas.openxmlformats.org/officeDocument/2006/math" xmlns:a14="http://schemas.microsoft.com/office/drawing/2010/main" xmlns:ma14="http://schemas.microsoft.com/office/mac/drawingml/2011/main" val="1"/>
+              <ma14:wrappingTextBoxFlag xmlns:ma14="http://schemas.microsoft.com/office/mac/drawingml/2011/main" xmlns:a14="http://schemas.microsoft.com/office/drawing/2010/main" xmlns:m="http://schemas.openxmlformats.org/officeDocument/2006/math" xmlns="" val="1"/>
             </a:ext>
           </a:extLst>
         </p:spPr>
@@ -13159,7 +13287,7 @@
           </a:ln>
           <a:extLst>
             <a:ext uri="{C572A759-6A51-4108-AA02-DFA0A04FC94B}">
-              <ma14:wrappingTextBoxFlag xmlns="" xmlns:m="http://schemas.openxmlformats.org/officeDocument/2006/math" xmlns:a14="http://schemas.microsoft.com/office/drawing/2010/main" xmlns:ma14="http://schemas.microsoft.com/office/mac/drawingml/2011/main" val="1"/>
+              <ma14:wrappingTextBoxFlag xmlns:ma14="http://schemas.microsoft.com/office/mac/drawingml/2011/main" xmlns:a14="http://schemas.microsoft.com/office/drawing/2010/main" xmlns:m="http://schemas.openxmlformats.org/officeDocument/2006/math" xmlns="" val="1"/>
             </a:ext>
           </a:extLst>
         </p:spPr>
@@ -15198,7 +15326,7 @@
           </a:ln>
           <a:extLst>
             <a:ext uri="{C572A759-6A51-4108-AA02-DFA0A04FC94B}">
-              <ma14:wrappingTextBoxFlag xmlns="" xmlns:m="http://schemas.openxmlformats.org/officeDocument/2006/math" xmlns:a14="http://schemas.microsoft.com/office/drawing/2010/main" xmlns:ma14="http://schemas.microsoft.com/office/mac/drawingml/2011/main" val="1"/>
+              <ma14:wrappingTextBoxFlag xmlns:ma14="http://schemas.microsoft.com/office/mac/drawingml/2011/main" xmlns:a14="http://schemas.microsoft.com/office/drawing/2010/main" xmlns:m="http://schemas.openxmlformats.org/officeDocument/2006/math" xmlns="" val="1"/>
             </a:ext>
           </a:extLst>
         </p:spPr>
@@ -16044,7 +16172,7 @@
           </a:ln>
           <a:extLst>
             <a:ext uri="{C572A759-6A51-4108-AA02-DFA0A04FC94B}">
-              <ma14:wrappingTextBoxFlag xmlns="" xmlns:m="http://schemas.openxmlformats.org/officeDocument/2006/math" xmlns:a14="http://schemas.microsoft.com/office/drawing/2010/main" xmlns:ma14="http://schemas.microsoft.com/office/mac/drawingml/2011/main" val="1"/>
+              <ma14:wrappingTextBoxFlag xmlns:ma14="http://schemas.microsoft.com/office/mac/drawingml/2011/main" xmlns:a14="http://schemas.microsoft.com/office/drawing/2010/main" xmlns:m="http://schemas.openxmlformats.org/officeDocument/2006/math" xmlns="" val="1"/>
             </a:ext>
           </a:extLst>
         </p:spPr>
@@ -16319,7 +16447,7 @@
             <a:effectLst/>
             <a:extLst>
               <a:ext uri="{C572A759-6A51-4108-AA02-DFA0A04FC94B}">
-                <ma14:wrappingTextBoxFlag xmlns="" xmlns:m="http://schemas.openxmlformats.org/officeDocument/2006/math" xmlns:a14="http://schemas.microsoft.com/office/drawing/2010/main" xmlns:ma14="http://schemas.microsoft.com/office/mac/drawingml/2011/main" val="1"/>
+                <ma14:wrappingTextBoxFlag xmlns:ma14="http://schemas.microsoft.com/office/mac/drawingml/2011/main" xmlns:a14="http://schemas.microsoft.com/office/drawing/2010/main" xmlns:m="http://schemas.openxmlformats.org/officeDocument/2006/math" xmlns="" val="1"/>
               </a:ext>
             </a:extLst>
           </p:spPr>
@@ -17070,7 +17198,7 @@
           </a:ln>
           <a:extLst>
             <a:ext uri="{C572A759-6A51-4108-AA02-DFA0A04FC94B}">
-              <ma14:wrappingTextBoxFlag xmlns="" xmlns:m="http://schemas.openxmlformats.org/officeDocument/2006/math" xmlns:a14="http://schemas.microsoft.com/office/drawing/2010/main" xmlns:ma14="http://schemas.microsoft.com/office/mac/drawingml/2011/main" val="1"/>
+              <ma14:wrappingTextBoxFlag xmlns:ma14="http://schemas.microsoft.com/office/mac/drawingml/2011/main" xmlns:a14="http://schemas.microsoft.com/office/drawing/2010/main" xmlns:m="http://schemas.openxmlformats.org/officeDocument/2006/math" xmlns="" val="1"/>
             </a:ext>
           </a:extLst>
         </p:spPr>
@@ -17107,7 +17235,7 @@
           </a:ln>
           <a:extLst>
             <a:ext uri="{C572A759-6A51-4108-AA02-DFA0A04FC94B}">
-              <ma14:wrappingTextBoxFlag xmlns="" xmlns:m="http://schemas.openxmlformats.org/officeDocument/2006/math" xmlns:a14="http://schemas.microsoft.com/office/drawing/2010/main" xmlns:ma14="http://schemas.microsoft.com/office/mac/drawingml/2011/main" val="1"/>
+              <ma14:wrappingTextBoxFlag xmlns:ma14="http://schemas.microsoft.com/office/mac/drawingml/2011/main" xmlns:a14="http://schemas.microsoft.com/office/drawing/2010/main" xmlns:m="http://schemas.openxmlformats.org/officeDocument/2006/math" xmlns="" val="1"/>
             </a:ext>
           </a:extLst>
         </p:spPr>
@@ -17909,7 +18037,7 @@
           </a:ln>
           <a:extLst>
             <a:ext uri="{C572A759-6A51-4108-AA02-DFA0A04FC94B}">
-              <ma14:wrappingTextBoxFlag xmlns="" xmlns:m="http://schemas.openxmlformats.org/officeDocument/2006/math" xmlns:a14="http://schemas.microsoft.com/office/drawing/2010/main" xmlns:ma14="http://schemas.microsoft.com/office/mac/drawingml/2011/main" val="1"/>
+              <ma14:wrappingTextBoxFlag xmlns:ma14="http://schemas.microsoft.com/office/mac/drawingml/2011/main" xmlns:a14="http://schemas.microsoft.com/office/drawing/2010/main" xmlns:m="http://schemas.openxmlformats.org/officeDocument/2006/math" xmlns="" val="1"/>
             </a:ext>
           </a:extLst>
         </p:spPr>
@@ -17954,7 +18082,7 @@
           </a:ln>
           <a:extLst>
             <a:ext uri="{C572A759-6A51-4108-AA02-DFA0A04FC94B}">
-              <ma14:wrappingTextBoxFlag xmlns="" xmlns:m="http://schemas.openxmlformats.org/officeDocument/2006/math" xmlns:a14="http://schemas.microsoft.com/office/drawing/2010/main" xmlns:ma14="http://schemas.microsoft.com/office/mac/drawingml/2011/main" val="1"/>
+              <ma14:wrappingTextBoxFlag xmlns:ma14="http://schemas.microsoft.com/office/mac/drawingml/2011/main" xmlns:a14="http://schemas.microsoft.com/office/drawing/2010/main" xmlns:m="http://schemas.openxmlformats.org/officeDocument/2006/math" xmlns="" val="1"/>
             </a:ext>
           </a:extLst>
         </p:spPr>
@@ -17993,7 +18121,7 @@
           </a:prstGeom>
           <a:extLst>
             <a:ext uri="{C572A759-6A51-4108-AA02-DFA0A04FC94B}">
-              <ma14:wrappingTextBoxFlag xmlns="" xmlns:m="http://schemas.openxmlformats.org/officeDocument/2006/math" xmlns:a14="http://schemas.microsoft.com/office/drawing/2010/main" xmlns:ma14="http://schemas.microsoft.com/office/mac/drawingml/2011/main" val="1"/>
+              <ma14:wrappingTextBoxFlag xmlns:ma14="http://schemas.microsoft.com/office/mac/drawingml/2011/main" xmlns:a14="http://schemas.microsoft.com/office/drawing/2010/main" xmlns:m="http://schemas.openxmlformats.org/officeDocument/2006/math" xmlns="" val="1"/>
             </a:ext>
           </a:extLst>
         </p:spPr>
@@ -18057,7 +18185,7 @@
           </a:ln>
           <a:extLst>
             <a:ext uri="{C572A759-6A51-4108-AA02-DFA0A04FC94B}">
-              <ma14:wrappingTextBoxFlag xmlns="" xmlns:m="http://schemas.openxmlformats.org/officeDocument/2006/math" xmlns:a14="http://schemas.microsoft.com/office/drawing/2010/main" xmlns:ma14="http://schemas.microsoft.com/office/mac/drawingml/2011/main" val="1"/>
+              <ma14:wrappingTextBoxFlag xmlns:ma14="http://schemas.microsoft.com/office/mac/drawingml/2011/main" xmlns:a14="http://schemas.microsoft.com/office/drawing/2010/main" xmlns:m="http://schemas.openxmlformats.org/officeDocument/2006/math" xmlns="" val="1"/>
             </a:ext>
           </a:extLst>
         </p:spPr>
@@ -18093,7 +18221,7 @@
           </a:prstGeom>
           <a:extLst>
             <a:ext uri="{C572A759-6A51-4108-AA02-DFA0A04FC94B}">
-              <ma14:wrappingTextBoxFlag xmlns="" xmlns:m="http://schemas.openxmlformats.org/officeDocument/2006/math" xmlns:a14="http://schemas.microsoft.com/office/drawing/2010/main" xmlns:ma14="http://schemas.microsoft.com/office/mac/drawingml/2011/main" val="1"/>
+              <ma14:wrappingTextBoxFlag xmlns:ma14="http://schemas.microsoft.com/office/mac/drawingml/2011/main" xmlns:a14="http://schemas.microsoft.com/office/drawing/2010/main" xmlns:m="http://schemas.openxmlformats.org/officeDocument/2006/math" xmlns="" val="1"/>
             </a:ext>
           </a:extLst>
         </p:spPr>
@@ -18131,7 +18259,7 @@
           </a:ln>
           <a:extLst>
             <a:ext uri="{C572A759-6A51-4108-AA02-DFA0A04FC94B}">
-              <ma14:wrappingTextBoxFlag xmlns="" xmlns:m="http://schemas.openxmlformats.org/officeDocument/2006/math" xmlns:a14="http://schemas.microsoft.com/office/drawing/2010/main" xmlns:ma14="http://schemas.microsoft.com/office/mac/drawingml/2011/main" val="1"/>
+              <ma14:wrappingTextBoxFlag xmlns:ma14="http://schemas.microsoft.com/office/mac/drawingml/2011/main" xmlns:a14="http://schemas.microsoft.com/office/drawing/2010/main" xmlns:m="http://schemas.openxmlformats.org/officeDocument/2006/math" xmlns="" val="1"/>
             </a:ext>
           </a:extLst>
         </p:spPr>
@@ -18319,7 +18447,7 @@
           </a:ln>
           <a:extLst>
             <a:ext uri="{C572A759-6A51-4108-AA02-DFA0A04FC94B}">
-              <ma14:wrappingTextBoxFlag xmlns="" xmlns:m="http://schemas.openxmlformats.org/officeDocument/2006/math" xmlns:a14="http://schemas.microsoft.com/office/drawing/2010/main" xmlns:ma14="http://schemas.microsoft.com/office/mac/drawingml/2011/main" val="1"/>
+              <ma14:wrappingTextBoxFlag xmlns:ma14="http://schemas.microsoft.com/office/mac/drawingml/2011/main" xmlns:a14="http://schemas.microsoft.com/office/drawing/2010/main" xmlns:m="http://schemas.openxmlformats.org/officeDocument/2006/math" xmlns="" val="1"/>
             </a:ext>
           </a:extLst>
         </p:spPr>
@@ -18447,7 +18575,7 @@
             <a:effectLst/>
             <a:extLst>
               <a:ext uri="{C572A759-6A51-4108-AA02-DFA0A04FC94B}">
-                <ma14:wrappingTextBoxFlag xmlns="" xmlns:m="http://schemas.openxmlformats.org/officeDocument/2006/math" xmlns:a14="http://schemas.microsoft.com/office/drawing/2010/main" xmlns:ma14="http://schemas.microsoft.com/office/mac/drawingml/2011/main" val="1"/>
+                <ma14:wrappingTextBoxFlag xmlns:ma14="http://schemas.microsoft.com/office/mac/drawingml/2011/main" xmlns:a14="http://schemas.microsoft.com/office/drawing/2010/main" xmlns:m="http://schemas.openxmlformats.org/officeDocument/2006/math" xmlns="" val="1"/>
               </a:ext>
             </a:extLst>
           </p:spPr>
@@ -18576,7 +18704,7 @@
             <a:effectLst/>
             <a:extLst>
               <a:ext uri="{C572A759-6A51-4108-AA02-DFA0A04FC94B}">
-                <ma14:wrappingTextBoxFlag xmlns="" xmlns:m="http://schemas.openxmlformats.org/officeDocument/2006/math" xmlns:a14="http://schemas.microsoft.com/office/drawing/2010/main" xmlns:ma14="http://schemas.microsoft.com/office/mac/drawingml/2011/main" val="1"/>
+                <ma14:wrappingTextBoxFlag xmlns:ma14="http://schemas.microsoft.com/office/mac/drawingml/2011/main" xmlns:a14="http://schemas.microsoft.com/office/drawing/2010/main" xmlns:m="http://schemas.openxmlformats.org/officeDocument/2006/math" xmlns="" val="1"/>
               </a:ext>
             </a:extLst>
           </p:spPr>
@@ -18697,7 +18825,7 @@
         <p:spPr>
           <a:xfrm>
             <a:off x="2426399" y="4077360"/>
-            <a:ext cx="782281" cy="650281"/>
+            <a:ext cx="860896" cy="337098"/>
           </a:xfrm>
           <a:prstGeom prst="rect">
             <a:avLst/>
@@ -18707,12 +18835,12 @@
           </a:ln>
           <a:extLst>
             <a:ext uri="{C572A759-6A51-4108-AA02-DFA0A04FC94B}">
-              <ma14:wrappingTextBoxFlag xmlns="" xmlns:m="http://schemas.openxmlformats.org/officeDocument/2006/math" xmlns:a14="http://schemas.microsoft.com/office/drawing/2010/main" xmlns:ma14="http://schemas.microsoft.com/office/mac/drawingml/2011/main" val="1"/>
+              <ma14:wrappingTextBoxFlag xmlns:ma14="http://schemas.microsoft.com/office/mac/drawingml/2011/main" xmlns:a14="http://schemas.microsoft.com/office/drawing/2010/main" xmlns:m="http://schemas.openxmlformats.org/officeDocument/2006/math" xmlns="" val="1"/>
             </a:ext>
           </a:extLst>
         </p:spPr>
         <p:txBody>
-          <a:bodyPr lIns="44999" tIns="44999" rIns="44999" bIns="44999">
+          <a:bodyPr wrap="square" lIns="44999" tIns="44999" rIns="44999" bIns="44999">
             <a:spAutoFit/>
           </a:bodyPr>
           <a:lstStyle/>
@@ -18760,7 +18888,7 @@
         <p:spPr>
           <a:xfrm>
             <a:off x="2426399" y="5041079"/>
-            <a:ext cx="782281" cy="650282"/>
+            <a:ext cx="824612" cy="501246"/>
           </a:xfrm>
           <a:prstGeom prst="rect">
             <a:avLst/>
@@ -18770,12 +18898,12 @@
           </a:ln>
           <a:extLst>
             <a:ext uri="{C572A759-6A51-4108-AA02-DFA0A04FC94B}">
-              <ma14:wrappingTextBoxFlag xmlns="" xmlns:m="http://schemas.openxmlformats.org/officeDocument/2006/math" xmlns:a14="http://schemas.microsoft.com/office/drawing/2010/main" xmlns:ma14="http://schemas.microsoft.com/office/mac/drawingml/2011/main" val="1"/>
+              <ma14:wrappingTextBoxFlag xmlns:ma14="http://schemas.microsoft.com/office/mac/drawingml/2011/main" xmlns:a14="http://schemas.microsoft.com/office/drawing/2010/main" xmlns:m="http://schemas.openxmlformats.org/officeDocument/2006/math" xmlns="" val="1"/>
             </a:ext>
           </a:extLst>
         </p:spPr>
         <p:txBody>
-          <a:bodyPr lIns="44999" tIns="44999" rIns="44999" bIns="44999">
+          <a:bodyPr wrap="square" lIns="44999" tIns="44999" rIns="44999" bIns="44999">
             <a:spAutoFit/>
           </a:bodyPr>
           <a:lstStyle/>
@@ -18822,8 +18950,8 @@
         </p:nvSpPr>
         <p:spPr>
           <a:xfrm>
-            <a:off x="4154399" y="5162400"/>
-            <a:ext cx="782281" cy="650281"/>
+            <a:off x="4142305" y="5162400"/>
+            <a:ext cx="854848" cy="337098"/>
           </a:xfrm>
           <a:prstGeom prst="rect">
             <a:avLst/>
@@ -18833,12 +18961,12 @@
           </a:ln>
           <a:extLst>
             <a:ext uri="{C572A759-6A51-4108-AA02-DFA0A04FC94B}">
-              <ma14:wrappingTextBoxFlag xmlns="" xmlns:m="http://schemas.openxmlformats.org/officeDocument/2006/math" xmlns:a14="http://schemas.microsoft.com/office/drawing/2010/main" xmlns:ma14="http://schemas.microsoft.com/office/mac/drawingml/2011/main" val="1"/>
+              <ma14:wrappingTextBoxFlag xmlns:ma14="http://schemas.microsoft.com/office/mac/drawingml/2011/main" xmlns:a14="http://schemas.microsoft.com/office/drawing/2010/main" xmlns:m="http://schemas.openxmlformats.org/officeDocument/2006/math" xmlns="" val="1"/>
             </a:ext>
           </a:extLst>
         </p:spPr>
         <p:txBody>
-          <a:bodyPr lIns="44999" tIns="44999" rIns="44999" bIns="44999">
+          <a:bodyPr wrap="square" lIns="44999" tIns="44999" rIns="44999" bIns="44999">
             <a:spAutoFit/>
           </a:bodyPr>
           <a:lstStyle/>
@@ -18886,7 +19014,7 @@
         <p:spPr>
           <a:xfrm>
             <a:off x="4082400" y="4802399"/>
-            <a:ext cx="1818361" cy="602065"/>
+            <a:ext cx="1933259" cy="337098"/>
           </a:xfrm>
           <a:prstGeom prst="rect">
             <a:avLst/>
@@ -18896,12 +19024,12 @@
           </a:ln>
           <a:extLst>
             <a:ext uri="{C572A759-6A51-4108-AA02-DFA0A04FC94B}">
-              <ma14:wrappingTextBoxFlag xmlns="" xmlns:m="http://schemas.openxmlformats.org/officeDocument/2006/math" xmlns:a14="http://schemas.microsoft.com/office/drawing/2010/main" xmlns:ma14="http://schemas.microsoft.com/office/mac/drawingml/2011/main" val="1"/>
+              <ma14:wrappingTextBoxFlag xmlns:ma14="http://schemas.microsoft.com/office/mac/drawingml/2011/main" xmlns:a14="http://schemas.microsoft.com/office/drawing/2010/main" xmlns:m="http://schemas.openxmlformats.org/officeDocument/2006/math" xmlns="" val="1"/>
             </a:ext>
           </a:extLst>
         </p:spPr>
         <p:txBody>
-          <a:bodyPr lIns="44999" tIns="44999" rIns="44999" bIns="44999">
+          <a:bodyPr wrap="square" lIns="44999" tIns="44999" rIns="44999" bIns="44999">
             <a:spAutoFit/>
           </a:bodyPr>
           <a:lstStyle/>
@@ -18963,7 +19091,7 @@
           </a:ln>
           <a:extLst>
             <a:ext uri="{C572A759-6A51-4108-AA02-DFA0A04FC94B}">
-              <ma14:wrappingTextBoxFlag xmlns="" xmlns:m="http://schemas.openxmlformats.org/officeDocument/2006/math" xmlns:a14="http://schemas.microsoft.com/office/drawing/2010/main" xmlns:ma14="http://schemas.microsoft.com/office/mac/drawingml/2011/main" val="1"/>
+              <ma14:wrappingTextBoxFlag xmlns:ma14="http://schemas.microsoft.com/office/mac/drawingml/2011/main" xmlns:a14="http://schemas.microsoft.com/office/drawing/2010/main" xmlns:m="http://schemas.openxmlformats.org/officeDocument/2006/math" xmlns="" val="1"/>
             </a:ext>
           </a:extLst>
         </p:spPr>
@@ -19038,7 +19166,7 @@
           </a:prstGeom>
           <a:extLst>
             <a:ext uri="{C572A759-6A51-4108-AA02-DFA0A04FC94B}">
-              <ma14:wrappingTextBoxFlag xmlns="" xmlns:m="http://schemas.openxmlformats.org/officeDocument/2006/math" xmlns:a14="http://schemas.microsoft.com/office/drawing/2010/main" xmlns:ma14="http://schemas.microsoft.com/office/mac/drawingml/2011/main" val="1"/>
+              <ma14:wrappingTextBoxFlag xmlns:ma14="http://schemas.microsoft.com/office/mac/drawingml/2011/main" xmlns:a14="http://schemas.microsoft.com/office/drawing/2010/main" xmlns:m="http://schemas.openxmlformats.org/officeDocument/2006/math" xmlns="" val="1"/>
             </a:ext>
           </a:extLst>
         </p:spPr>
@@ -19076,7 +19204,7 @@
           </a:ln>
           <a:extLst>
             <a:ext uri="{C572A759-6A51-4108-AA02-DFA0A04FC94B}">
-              <ma14:wrappingTextBoxFlag xmlns="" xmlns:m="http://schemas.openxmlformats.org/officeDocument/2006/math" xmlns:a14="http://schemas.microsoft.com/office/drawing/2010/main" xmlns:ma14="http://schemas.microsoft.com/office/mac/drawingml/2011/main" val="1"/>
+              <ma14:wrappingTextBoxFlag xmlns:ma14="http://schemas.microsoft.com/office/mac/drawingml/2011/main" xmlns:a14="http://schemas.microsoft.com/office/drawing/2010/main" xmlns:m="http://schemas.openxmlformats.org/officeDocument/2006/math" xmlns="" val="1"/>
             </a:ext>
           </a:extLst>
         </p:spPr>
@@ -19292,7 +19420,7 @@
           </a:ln>
           <a:extLst>
             <a:ext uri="{C572A759-6A51-4108-AA02-DFA0A04FC94B}">
-              <ma14:wrappingTextBoxFlag xmlns="" xmlns:m="http://schemas.openxmlformats.org/officeDocument/2006/math" xmlns:a14="http://schemas.microsoft.com/office/drawing/2010/main" xmlns:ma14="http://schemas.microsoft.com/office/mac/drawingml/2011/main" val="1"/>
+              <ma14:wrappingTextBoxFlag xmlns:ma14="http://schemas.microsoft.com/office/mac/drawingml/2011/main" xmlns:a14="http://schemas.microsoft.com/office/drawing/2010/main" xmlns:m="http://schemas.openxmlformats.org/officeDocument/2006/math" xmlns="" val="1"/>
             </a:ext>
           </a:extLst>
         </p:spPr>
@@ -19420,7 +19548,7 @@
             <a:effectLst/>
             <a:extLst>
               <a:ext uri="{C572A759-6A51-4108-AA02-DFA0A04FC94B}">
-                <ma14:wrappingTextBoxFlag xmlns="" xmlns:m="http://schemas.openxmlformats.org/officeDocument/2006/math" xmlns:a14="http://schemas.microsoft.com/office/drawing/2010/main" xmlns:ma14="http://schemas.microsoft.com/office/mac/drawingml/2011/main" val="1"/>
+                <ma14:wrappingTextBoxFlag xmlns:ma14="http://schemas.microsoft.com/office/mac/drawingml/2011/main" xmlns:a14="http://schemas.microsoft.com/office/drawing/2010/main" xmlns:m="http://schemas.openxmlformats.org/officeDocument/2006/math" xmlns="" val="1"/>
               </a:ext>
             </a:extLst>
           </p:spPr>
@@ -19549,7 +19677,7 @@
             <a:effectLst/>
             <a:extLst>
               <a:ext uri="{C572A759-6A51-4108-AA02-DFA0A04FC94B}">
-                <ma14:wrappingTextBoxFlag xmlns="" xmlns:m="http://schemas.openxmlformats.org/officeDocument/2006/math" xmlns:a14="http://schemas.microsoft.com/office/drawing/2010/main" xmlns:ma14="http://schemas.microsoft.com/office/mac/drawingml/2011/main" val="1"/>
+                <ma14:wrappingTextBoxFlag xmlns:ma14="http://schemas.microsoft.com/office/mac/drawingml/2011/main" xmlns:a14="http://schemas.microsoft.com/office/drawing/2010/main" xmlns:m="http://schemas.openxmlformats.org/officeDocument/2006/math" xmlns="" val="1"/>
               </a:ext>
             </a:extLst>
           </p:spPr>
@@ -19670,7 +19798,7 @@
         <p:spPr>
           <a:xfrm>
             <a:off x="7272359" y="2472480"/>
-            <a:ext cx="782281" cy="650281"/>
+            <a:ext cx="885085" cy="337098"/>
           </a:xfrm>
           <a:prstGeom prst="rect">
             <a:avLst/>
@@ -19680,12 +19808,12 @@
           </a:ln>
           <a:extLst>
             <a:ext uri="{C572A759-6A51-4108-AA02-DFA0A04FC94B}">
-              <ma14:wrappingTextBoxFlag xmlns="" xmlns:m="http://schemas.openxmlformats.org/officeDocument/2006/math" xmlns:a14="http://schemas.microsoft.com/office/drawing/2010/main" xmlns:ma14="http://schemas.microsoft.com/office/mac/drawingml/2011/main" val="1"/>
+              <ma14:wrappingTextBoxFlag xmlns:ma14="http://schemas.microsoft.com/office/mac/drawingml/2011/main" xmlns:a14="http://schemas.microsoft.com/office/drawing/2010/main" xmlns:m="http://schemas.openxmlformats.org/officeDocument/2006/math" xmlns="" val="1"/>
             </a:ext>
           </a:extLst>
         </p:spPr>
         <p:txBody>
-          <a:bodyPr lIns="44999" tIns="44999" rIns="44999" bIns="44999">
+          <a:bodyPr wrap="square" lIns="44999" tIns="44999" rIns="44999" bIns="44999">
             <a:spAutoFit/>
           </a:bodyPr>
           <a:lstStyle/>
@@ -19732,8 +19860,8 @@
         </p:nvSpPr>
         <p:spPr>
           <a:xfrm>
-            <a:off x="7272359" y="3436199"/>
-            <a:ext cx="782281" cy="650282"/>
+            <a:off x="7272359" y="3430152"/>
+            <a:ext cx="915322" cy="337098"/>
           </a:xfrm>
           <a:prstGeom prst="rect">
             <a:avLst/>
@@ -19743,12 +19871,12 @@
           </a:ln>
           <a:extLst>
             <a:ext uri="{C572A759-6A51-4108-AA02-DFA0A04FC94B}">
-              <ma14:wrappingTextBoxFlag xmlns="" xmlns:m="http://schemas.openxmlformats.org/officeDocument/2006/math" xmlns:a14="http://schemas.microsoft.com/office/drawing/2010/main" xmlns:ma14="http://schemas.microsoft.com/office/mac/drawingml/2011/main" val="1"/>
+              <ma14:wrappingTextBoxFlag xmlns:ma14="http://schemas.microsoft.com/office/mac/drawingml/2011/main" xmlns:a14="http://schemas.microsoft.com/office/drawing/2010/main" xmlns:m="http://schemas.openxmlformats.org/officeDocument/2006/math" xmlns="" val="1"/>
             </a:ext>
           </a:extLst>
         </p:spPr>
         <p:txBody>
-          <a:bodyPr lIns="44999" tIns="44999" rIns="44999" bIns="44999">
+          <a:bodyPr wrap="square" lIns="44999" tIns="44999" rIns="44999" bIns="44999">
             <a:spAutoFit/>
           </a:bodyPr>
           <a:lstStyle/>
@@ -19795,8 +19923,8 @@
         </p:nvSpPr>
         <p:spPr>
           <a:xfrm>
-            <a:off x="9000360" y="3557520"/>
-            <a:ext cx="782281" cy="650281"/>
+            <a:off x="8988266" y="3557520"/>
+            <a:ext cx="915321" cy="337098"/>
           </a:xfrm>
           <a:prstGeom prst="rect">
             <a:avLst/>
@@ -19806,12 +19934,12 @@
           </a:ln>
           <a:extLst>
             <a:ext uri="{C572A759-6A51-4108-AA02-DFA0A04FC94B}">
-              <ma14:wrappingTextBoxFlag xmlns="" xmlns:m="http://schemas.openxmlformats.org/officeDocument/2006/math" xmlns:a14="http://schemas.microsoft.com/office/drawing/2010/main" xmlns:ma14="http://schemas.microsoft.com/office/mac/drawingml/2011/main" val="1"/>
+              <ma14:wrappingTextBoxFlag xmlns:ma14="http://schemas.microsoft.com/office/mac/drawingml/2011/main" xmlns:a14="http://schemas.microsoft.com/office/drawing/2010/main" xmlns:m="http://schemas.openxmlformats.org/officeDocument/2006/math" xmlns="" val="1"/>
             </a:ext>
           </a:extLst>
         </p:spPr>
         <p:txBody>
-          <a:bodyPr lIns="44999" tIns="44999" rIns="44999" bIns="44999">
+          <a:bodyPr wrap="square" lIns="44999" tIns="44999" rIns="44999" bIns="44999">
             <a:spAutoFit/>
           </a:bodyPr>
           <a:lstStyle/>
@@ -19945,8 +20073,8 @@
         </p:nvSpPr>
         <p:spPr>
           <a:xfrm>
-            <a:off x="8973000" y="3142800"/>
-            <a:ext cx="1607759" cy="602065"/>
+            <a:off x="8985094" y="3148847"/>
+            <a:ext cx="1728706" cy="337098"/>
           </a:xfrm>
           <a:prstGeom prst="rect">
             <a:avLst/>
@@ -19956,12 +20084,12 @@
           </a:ln>
           <a:extLst>
             <a:ext uri="{C572A759-6A51-4108-AA02-DFA0A04FC94B}">
-              <ma14:wrappingTextBoxFlag xmlns="" xmlns:m="http://schemas.openxmlformats.org/officeDocument/2006/math" xmlns:a14="http://schemas.microsoft.com/office/drawing/2010/main" xmlns:ma14="http://schemas.microsoft.com/office/mac/drawingml/2011/main" val="1"/>
+              <ma14:wrappingTextBoxFlag xmlns:ma14="http://schemas.microsoft.com/office/mac/drawingml/2011/main" xmlns:a14="http://schemas.microsoft.com/office/drawing/2010/main" xmlns:m="http://schemas.openxmlformats.org/officeDocument/2006/math" xmlns="" val="1"/>
             </a:ext>
           </a:extLst>
         </p:spPr>
         <p:txBody>
-          <a:bodyPr lIns="44999" tIns="44999" rIns="44999" bIns="44999">
+          <a:bodyPr wrap="square" lIns="44999" tIns="44999" rIns="44999" bIns="44999">
             <a:spAutoFit/>
           </a:bodyPr>
           <a:lstStyle/>
@@ -20013,7 +20141,7 @@
         <p:spPr>
           <a:xfrm>
             <a:off x="7856999" y="6010559"/>
-            <a:ext cx="1818361" cy="602065"/>
+            <a:ext cx="1951402" cy="337098"/>
           </a:xfrm>
           <a:prstGeom prst="rect">
             <a:avLst/>
@@ -20023,12 +20151,12 @@
           </a:ln>
           <a:extLst>
             <a:ext uri="{C572A759-6A51-4108-AA02-DFA0A04FC94B}">
-              <ma14:wrappingTextBoxFlag xmlns="" xmlns:m="http://schemas.openxmlformats.org/officeDocument/2006/math" xmlns:a14="http://schemas.microsoft.com/office/drawing/2010/main" xmlns:ma14="http://schemas.microsoft.com/office/mac/drawingml/2011/main" val="1"/>
+              <ma14:wrappingTextBoxFlag xmlns:ma14="http://schemas.microsoft.com/office/mac/drawingml/2011/main" xmlns:a14="http://schemas.microsoft.com/office/drawing/2010/main" xmlns:m="http://schemas.openxmlformats.org/officeDocument/2006/math" xmlns="" val="1"/>
             </a:ext>
           </a:extLst>
         </p:spPr>
         <p:txBody>
-          <a:bodyPr lIns="44999" tIns="44999" rIns="44999" bIns="44999">
+          <a:bodyPr wrap="square" lIns="44999" tIns="44999" rIns="44999" bIns="44999">
             <a:spAutoFit/>
           </a:bodyPr>
           <a:lstStyle/>
@@ -20090,7 +20218,7 @@
           </a:ln>
           <a:extLst>
             <a:ext uri="{C572A759-6A51-4108-AA02-DFA0A04FC94B}">
-              <ma14:wrappingTextBoxFlag xmlns="" xmlns:m="http://schemas.openxmlformats.org/officeDocument/2006/math" xmlns:a14="http://schemas.microsoft.com/office/drawing/2010/main" xmlns:ma14="http://schemas.microsoft.com/office/mac/drawingml/2011/main" val="1"/>
+              <ma14:wrappingTextBoxFlag xmlns:ma14="http://schemas.microsoft.com/office/mac/drawingml/2011/main" xmlns:a14="http://schemas.microsoft.com/office/drawing/2010/main" xmlns:m="http://schemas.openxmlformats.org/officeDocument/2006/math" xmlns="" val="1"/>
             </a:ext>
           </a:extLst>
         </p:spPr>
@@ -20210,7 +20338,7 @@
           </a:ln>
           <a:extLst>
             <a:ext uri="{C572A759-6A51-4108-AA02-DFA0A04FC94B}">
-              <ma14:wrappingTextBoxFlag xmlns="" xmlns:m="http://schemas.openxmlformats.org/officeDocument/2006/math" xmlns:a14="http://schemas.microsoft.com/office/drawing/2010/main" xmlns:ma14="http://schemas.microsoft.com/office/mac/drawingml/2011/main" val="1"/>
+              <ma14:wrappingTextBoxFlag xmlns:ma14="http://schemas.microsoft.com/office/mac/drawingml/2011/main" xmlns:a14="http://schemas.microsoft.com/office/drawing/2010/main" xmlns:m="http://schemas.openxmlformats.org/officeDocument/2006/math" xmlns="" val="1"/>
             </a:ext>
           </a:extLst>
         </p:spPr>
@@ -20398,7 +20526,7 @@
           </a:ln>
           <a:extLst>
             <a:ext uri="{C572A759-6A51-4108-AA02-DFA0A04FC94B}">
-              <ma14:wrappingTextBoxFlag xmlns="" xmlns:m="http://schemas.openxmlformats.org/officeDocument/2006/math" xmlns:a14="http://schemas.microsoft.com/office/drawing/2010/main" xmlns:ma14="http://schemas.microsoft.com/office/mac/drawingml/2011/main" val="1"/>
+              <ma14:wrappingTextBoxFlag xmlns:ma14="http://schemas.microsoft.com/office/mac/drawingml/2011/main" xmlns:a14="http://schemas.microsoft.com/office/drawing/2010/main" xmlns:m="http://schemas.openxmlformats.org/officeDocument/2006/math" xmlns="" val="1"/>
             </a:ext>
           </a:extLst>
         </p:spPr>
@@ -20526,7 +20654,7 @@
             <a:effectLst/>
             <a:extLst>
               <a:ext uri="{C572A759-6A51-4108-AA02-DFA0A04FC94B}">
-                <ma14:wrappingTextBoxFlag xmlns="" xmlns:m="http://schemas.openxmlformats.org/officeDocument/2006/math" xmlns:a14="http://schemas.microsoft.com/office/drawing/2010/main" xmlns:ma14="http://schemas.microsoft.com/office/mac/drawingml/2011/main" val="1"/>
+                <ma14:wrappingTextBoxFlag xmlns:ma14="http://schemas.microsoft.com/office/mac/drawingml/2011/main" xmlns:a14="http://schemas.microsoft.com/office/drawing/2010/main" xmlns:m="http://schemas.openxmlformats.org/officeDocument/2006/math" xmlns="" val="1"/>
               </a:ext>
             </a:extLst>
           </p:spPr>
@@ -20655,7 +20783,7 @@
             <a:effectLst/>
             <a:extLst>
               <a:ext uri="{C572A759-6A51-4108-AA02-DFA0A04FC94B}">
-                <ma14:wrappingTextBoxFlag xmlns="" xmlns:m="http://schemas.openxmlformats.org/officeDocument/2006/math" xmlns:a14="http://schemas.microsoft.com/office/drawing/2010/main" xmlns:ma14="http://schemas.microsoft.com/office/mac/drawingml/2011/main" val="1"/>
+                <ma14:wrappingTextBoxFlag xmlns:ma14="http://schemas.microsoft.com/office/mac/drawingml/2011/main" xmlns:a14="http://schemas.microsoft.com/office/drawing/2010/main" xmlns:m="http://schemas.openxmlformats.org/officeDocument/2006/math" xmlns="" val="1"/>
               </a:ext>
             </a:extLst>
           </p:spPr>
@@ -20776,7 +20904,7 @@
         <p:spPr>
           <a:xfrm>
             <a:off x="2030399" y="4077720"/>
-            <a:ext cx="782281" cy="650281"/>
+            <a:ext cx="836706" cy="337098"/>
           </a:xfrm>
           <a:prstGeom prst="rect">
             <a:avLst/>
@@ -20786,12 +20914,12 @@
           </a:ln>
           <a:extLst>
             <a:ext uri="{C572A759-6A51-4108-AA02-DFA0A04FC94B}">
-              <ma14:wrappingTextBoxFlag xmlns="" xmlns:m="http://schemas.openxmlformats.org/officeDocument/2006/math" xmlns:a14="http://schemas.microsoft.com/office/drawing/2010/main" xmlns:ma14="http://schemas.microsoft.com/office/mac/drawingml/2011/main" val="1"/>
+              <ma14:wrappingTextBoxFlag xmlns:ma14="http://schemas.microsoft.com/office/mac/drawingml/2011/main" xmlns:a14="http://schemas.microsoft.com/office/drawing/2010/main" xmlns:m="http://schemas.openxmlformats.org/officeDocument/2006/math" xmlns="" val="1"/>
             </a:ext>
           </a:extLst>
         </p:spPr>
         <p:txBody>
-          <a:bodyPr lIns="44999" tIns="44999" rIns="44999" bIns="44999">
+          <a:bodyPr wrap="square" lIns="44999" tIns="44999" rIns="44999" bIns="44999">
             <a:spAutoFit/>
           </a:bodyPr>
           <a:lstStyle/>
@@ -20839,7 +20967,7 @@
         <p:spPr>
           <a:xfrm>
             <a:off x="2030399" y="5041439"/>
-            <a:ext cx="782281" cy="650282"/>
+            <a:ext cx="860896" cy="337098"/>
           </a:xfrm>
           <a:prstGeom prst="rect">
             <a:avLst/>
@@ -20849,12 +20977,12 @@
           </a:ln>
           <a:extLst>
             <a:ext uri="{C572A759-6A51-4108-AA02-DFA0A04FC94B}">
-              <ma14:wrappingTextBoxFlag xmlns="" xmlns:m="http://schemas.openxmlformats.org/officeDocument/2006/math" xmlns:a14="http://schemas.microsoft.com/office/drawing/2010/main" xmlns:ma14="http://schemas.microsoft.com/office/mac/drawingml/2011/main" val="1"/>
+              <ma14:wrappingTextBoxFlag xmlns:ma14="http://schemas.microsoft.com/office/mac/drawingml/2011/main" xmlns:a14="http://schemas.microsoft.com/office/drawing/2010/main" xmlns:m="http://schemas.openxmlformats.org/officeDocument/2006/math" xmlns="" val="1"/>
             </a:ext>
           </a:extLst>
         </p:spPr>
         <p:txBody>
-          <a:bodyPr lIns="44999" tIns="44999" rIns="44999" bIns="44999">
+          <a:bodyPr wrap="square" lIns="44999" tIns="44999" rIns="44999" bIns="44999">
             <a:spAutoFit/>
           </a:bodyPr>
           <a:lstStyle/>
@@ -20901,8 +21029,8 @@
         </p:nvSpPr>
         <p:spPr>
           <a:xfrm>
-            <a:off x="3758400" y="5162760"/>
-            <a:ext cx="782281" cy="650281"/>
+            <a:off x="3746306" y="5162760"/>
+            <a:ext cx="915321" cy="337098"/>
           </a:xfrm>
           <a:prstGeom prst="rect">
             <a:avLst/>
@@ -20912,12 +21040,12 @@
           </a:ln>
           <a:extLst>
             <a:ext uri="{C572A759-6A51-4108-AA02-DFA0A04FC94B}">
-              <ma14:wrappingTextBoxFlag xmlns="" xmlns:m="http://schemas.openxmlformats.org/officeDocument/2006/math" xmlns:a14="http://schemas.microsoft.com/office/drawing/2010/main" xmlns:ma14="http://schemas.microsoft.com/office/mac/drawingml/2011/main" val="1"/>
+              <ma14:wrappingTextBoxFlag xmlns:ma14="http://schemas.microsoft.com/office/mac/drawingml/2011/main" xmlns:a14="http://schemas.microsoft.com/office/drawing/2010/main" xmlns:m="http://schemas.openxmlformats.org/officeDocument/2006/math" xmlns="" val="1"/>
             </a:ext>
           </a:extLst>
         </p:spPr>
         <p:txBody>
-          <a:bodyPr lIns="44999" tIns="44999" rIns="44999" bIns="44999">
+          <a:bodyPr wrap="square" lIns="44999" tIns="44999" rIns="44999" bIns="44999">
             <a:spAutoFit/>
           </a:bodyPr>
           <a:lstStyle/>
@@ -20964,8 +21092,8 @@
         </p:nvSpPr>
         <p:spPr>
           <a:xfrm>
-            <a:off x="3686399" y="4802759"/>
-            <a:ext cx="1818361" cy="602065"/>
+            <a:off x="3686399" y="4796712"/>
+            <a:ext cx="1963496" cy="337098"/>
           </a:xfrm>
           <a:prstGeom prst="rect">
             <a:avLst/>
@@ -20975,12 +21103,12 @@
           </a:ln>
           <a:extLst>
             <a:ext uri="{C572A759-6A51-4108-AA02-DFA0A04FC94B}">
-              <ma14:wrappingTextBoxFlag xmlns="" xmlns:m="http://schemas.openxmlformats.org/officeDocument/2006/math" xmlns:a14="http://schemas.microsoft.com/office/drawing/2010/main" xmlns:ma14="http://schemas.microsoft.com/office/mac/drawingml/2011/main" val="1"/>
+              <ma14:wrappingTextBoxFlag xmlns:ma14="http://schemas.microsoft.com/office/mac/drawingml/2011/main" xmlns:a14="http://schemas.microsoft.com/office/drawing/2010/main" xmlns:m="http://schemas.openxmlformats.org/officeDocument/2006/math" xmlns="" val="1"/>
             </a:ext>
           </a:extLst>
         </p:spPr>
         <p:txBody>
-          <a:bodyPr lIns="44999" tIns="44999" rIns="44999" bIns="44999">
+          <a:bodyPr wrap="square" lIns="44999" tIns="44999" rIns="44999" bIns="44999">
             <a:spAutoFit/>
           </a:bodyPr>
           <a:lstStyle/>
@@ -21042,7 +21170,7 @@
           </a:ln>
           <a:extLst>
             <a:ext uri="{C572A759-6A51-4108-AA02-DFA0A04FC94B}">
-              <ma14:wrappingTextBoxFlag xmlns="" xmlns:m="http://schemas.openxmlformats.org/officeDocument/2006/math" xmlns:a14="http://schemas.microsoft.com/office/drawing/2010/main" xmlns:ma14="http://schemas.microsoft.com/office/mac/drawingml/2011/main" val="1"/>
+              <ma14:wrappingTextBoxFlag xmlns:ma14="http://schemas.microsoft.com/office/mac/drawingml/2011/main" xmlns:a14="http://schemas.microsoft.com/office/drawing/2010/main" xmlns:m="http://schemas.openxmlformats.org/officeDocument/2006/math" xmlns="" val="1"/>
             </a:ext>
           </a:extLst>
         </p:spPr>
@@ -21094,7 +21222,7 @@
           </a:ln>
           <a:extLst>
             <a:ext uri="{C572A759-6A51-4108-AA02-DFA0A04FC94B}">
-              <ma14:wrappingTextBoxFlag xmlns="" xmlns:m="http://schemas.openxmlformats.org/officeDocument/2006/math" xmlns:a14="http://schemas.microsoft.com/office/drawing/2010/main" xmlns:ma14="http://schemas.microsoft.com/office/mac/drawingml/2011/main" val="1"/>
+              <ma14:wrappingTextBoxFlag xmlns:ma14="http://schemas.microsoft.com/office/mac/drawingml/2011/main" xmlns:a14="http://schemas.microsoft.com/office/drawing/2010/main" xmlns:m="http://schemas.openxmlformats.org/officeDocument/2006/math" xmlns="" val="1"/>
             </a:ext>
           </a:extLst>
         </p:spPr>
@@ -21159,7 +21287,7 @@
           </a:ln>
           <a:extLst>
             <a:ext uri="{C572A759-6A51-4108-AA02-DFA0A04FC94B}">
-              <ma14:wrappingTextBoxFlag xmlns="" xmlns:m="http://schemas.openxmlformats.org/officeDocument/2006/math" xmlns:a14="http://schemas.microsoft.com/office/drawing/2010/main" xmlns:ma14="http://schemas.microsoft.com/office/mac/drawingml/2011/main" val="1"/>
+              <ma14:wrappingTextBoxFlag xmlns:ma14="http://schemas.microsoft.com/office/mac/drawingml/2011/main" xmlns:a14="http://schemas.microsoft.com/office/drawing/2010/main" xmlns:m="http://schemas.openxmlformats.org/officeDocument/2006/math" xmlns="" val="1"/>
             </a:ext>
           </a:extLst>
         </p:spPr>
@@ -21195,7 +21323,7 @@
           </a:prstGeom>
           <a:extLst>
             <a:ext uri="{C572A759-6A51-4108-AA02-DFA0A04FC94B}">
-              <ma14:wrappingTextBoxFlag xmlns="" xmlns:m="http://schemas.openxmlformats.org/officeDocument/2006/math" xmlns:a14="http://schemas.microsoft.com/office/drawing/2010/main" xmlns:ma14="http://schemas.microsoft.com/office/mac/drawingml/2011/main" val="1"/>
+              <ma14:wrappingTextBoxFlag xmlns:ma14="http://schemas.microsoft.com/office/mac/drawingml/2011/main" xmlns:a14="http://schemas.microsoft.com/office/drawing/2010/main" xmlns:m="http://schemas.openxmlformats.org/officeDocument/2006/math" xmlns="" val="1"/>
             </a:ext>
           </a:extLst>
         </p:spPr>
@@ -21233,7 +21361,7 @@
           </a:ln>
           <a:extLst>
             <a:ext uri="{C572A759-6A51-4108-AA02-DFA0A04FC94B}">
-              <ma14:wrappingTextBoxFlag xmlns="" xmlns:m="http://schemas.openxmlformats.org/officeDocument/2006/math" xmlns:a14="http://schemas.microsoft.com/office/drawing/2010/main" xmlns:ma14="http://schemas.microsoft.com/office/mac/drawingml/2011/main" val="1"/>
+              <ma14:wrappingTextBoxFlag xmlns:ma14="http://schemas.microsoft.com/office/mac/drawingml/2011/main" xmlns:a14="http://schemas.microsoft.com/office/drawing/2010/main" xmlns:m="http://schemas.openxmlformats.org/officeDocument/2006/math" xmlns="" val="1"/>
             </a:ext>
           </a:extLst>
         </p:spPr>
@@ -21430,7 +21558,7 @@
             <a:effectLst/>
             <a:extLst>
               <a:ext uri="{C572A759-6A51-4108-AA02-DFA0A04FC94B}">
-                <ma14:wrappingTextBoxFlag xmlns="" xmlns:m="http://schemas.openxmlformats.org/officeDocument/2006/math" xmlns:a14="http://schemas.microsoft.com/office/drawing/2010/main" xmlns:ma14="http://schemas.microsoft.com/office/mac/drawingml/2011/main" val="1"/>
+                <ma14:wrappingTextBoxFlag xmlns:ma14="http://schemas.microsoft.com/office/mac/drawingml/2011/main" xmlns:a14="http://schemas.microsoft.com/office/drawing/2010/main" xmlns:m="http://schemas.openxmlformats.org/officeDocument/2006/math" xmlns="" val="1"/>
               </a:ext>
             </a:extLst>
           </p:spPr>
@@ -21628,7 +21756,7 @@
           </a:prstGeom>
           <a:extLst>
             <a:ext uri="{C572A759-6A51-4108-AA02-DFA0A04FC94B}">
-              <ma14:wrappingTextBoxFlag xmlns="" xmlns:m="http://schemas.openxmlformats.org/officeDocument/2006/math" xmlns:a14="http://schemas.microsoft.com/office/drawing/2010/main" xmlns:ma14="http://schemas.microsoft.com/office/mac/drawingml/2011/main" val="1"/>
+              <ma14:wrappingTextBoxFlag xmlns:ma14="http://schemas.microsoft.com/office/mac/drawingml/2011/main" xmlns:a14="http://schemas.microsoft.com/office/drawing/2010/main" xmlns:m="http://schemas.openxmlformats.org/officeDocument/2006/math" xmlns="" val="1"/>
             </a:ext>
           </a:extLst>
         </p:spPr>
@@ -21753,7 +21881,7 @@
             <a:effectLst/>
             <a:extLst>
               <a:ext uri="{C572A759-6A51-4108-AA02-DFA0A04FC94B}">
-                <ma14:wrappingTextBoxFlag xmlns="" xmlns:m="http://schemas.openxmlformats.org/officeDocument/2006/math" xmlns:a14="http://schemas.microsoft.com/office/drawing/2010/main" xmlns:ma14="http://schemas.microsoft.com/office/mac/drawingml/2011/main" val="1"/>
+                <ma14:wrappingTextBoxFlag xmlns:ma14="http://schemas.microsoft.com/office/mac/drawingml/2011/main" xmlns:a14="http://schemas.microsoft.com/office/drawing/2010/main" xmlns:m="http://schemas.openxmlformats.org/officeDocument/2006/math" xmlns="" val="1"/>
               </a:ext>
             </a:extLst>
           </p:spPr>
@@ -21965,7 +22093,7 @@
           </a:ln>
           <a:extLst>
             <a:ext uri="{C572A759-6A51-4108-AA02-DFA0A04FC94B}">
-              <ma14:wrappingTextBoxFlag xmlns="" xmlns:m="http://schemas.openxmlformats.org/officeDocument/2006/math" xmlns:a14="http://schemas.microsoft.com/office/drawing/2010/main" xmlns:ma14="http://schemas.microsoft.com/office/mac/drawingml/2011/main" val="1"/>
+              <ma14:wrappingTextBoxFlag xmlns:ma14="http://schemas.microsoft.com/office/mac/drawingml/2011/main" xmlns:a14="http://schemas.microsoft.com/office/drawing/2010/main" xmlns:m="http://schemas.openxmlformats.org/officeDocument/2006/math" xmlns="" val="1"/>
             </a:ext>
           </a:extLst>
         </p:spPr>
@@ -22004,7 +22132,7 @@
           </a:ln>
           <a:extLst>
             <a:ext uri="{C572A759-6A51-4108-AA02-DFA0A04FC94B}">
-              <ma14:wrappingTextBoxFlag xmlns="" xmlns:m="http://schemas.openxmlformats.org/officeDocument/2006/math" xmlns:a14="http://schemas.microsoft.com/office/drawing/2010/main" xmlns:ma14="http://schemas.microsoft.com/office/mac/drawingml/2011/main" val="1"/>
+              <ma14:wrappingTextBoxFlag xmlns:ma14="http://schemas.microsoft.com/office/mac/drawingml/2011/main" xmlns:a14="http://schemas.microsoft.com/office/drawing/2010/main" xmlns:m="http://schemas.openxmlformats.org/officeDocument/2006/math" xmlns="" val="1"/>
             </a:ext>
           </a:extLst>
         </p:spPr>
@@ -22166,7 +22294,7 @@
           </a:prstGeom>
           <a:extLst>
             <a:ext uri="{C572A759-6A51-4108-AA02-DFA0A04FC94B}">
-              <ma14:wrappingTextBoxFlag xmlns="" xmlns:m="http://schemas.openxmlformats.org/officeDocument/2006/math" xmlns:a14="http://schemas.microsoft.com/office/drawing/2010/main" xmlns:ma14="http://schemas.microsoft.com/office/mac/drawingml/2011/main" val="1"/>
+              <ma14:wrappingTextBoxFlag xmlns:ma14="http://schemas.microsoft.com/office/mac/drawingml/2011/main" xmlns:a14="http://schemas.microsoft.com/office/drawing/2010/main" xmlns:m="http://schemas.openxmlformats.org/officeDocument/2006/math" xmlns="" val="1"/>
             </a:ext>
           </a:extLst>
         </p:spPr>
@@ -22291,7 +22419,7 @@
             <a:effectLst/>
             <a:extLst>
               <a:ext uri="{C572A759-6A51-4108-AA02-DFA0A04FC94B}">
-                <ma14:wrappingTextBoxFlag xmlns="" xmlns:m="http://schemas.openxmlformats.org/officeDocument/2006/math" xmlns:a14="http://schemas.microsoft.com/office/drawing/2010/main" xmlns:ma14="http://schemas.microsoft.com/office/mac/drawingml/2011/main" val="1"/>
+                <ma14:wrappingTextBoxFlag xmlns:ma14="http://schemas.microsoft.com/office/mac/drawingml/2011/main" xmlns:a14="http://schemas.microsoft.com/office/drawing/2010/main" xmlns:m="http://schemas.openxmlformats.org/officeDocument/2006/math" xmlns="" val="1"/>
               </a:ext>
             </a:extLst>
           </p:spPr>
@@ -22503,7 +22631,7 @@
           </a:ln>
           <a:extLst>
             <a:ext uri="{C572A759-6A51-4108-AA02-DFA0A04FC94B}">
-              <ma14:wrappingTextBoxFlag xmlns="" xmlns:m="http://schemas.openxmlformats.org/officeDocument/2006/math" xmlns:a14="http://schemas.microsoft.com/office/drawing/2010/main" xmlns:ma14="http://schemas.microsoft.com/office/mac/drawingml/2011/main" val="1"/>
+              <ma14:wrappingTextBoxFlag xmlns:ma14="http://schemas.microsoft.com/office/mac/drawingml/2011/main" xmlns:a14="http://schemas.microsoft.com/office/drawing/2010/main" xmlns:m="http://schemas.openxmlformats.org/officeDocument/2006/math" xmlns="" val="1"/>
             </a:ext>
           </a:extLst>
         </p:spPr>
@@ -22542,7 +22670,7 @@
           </a:ln>
           <a:extLst>
             <a:ext uri="{C572A759-6A51-4108-AA02-DFA0A04FC94B}">
-              <ma14:wrappingTextBoxFlag xmlns="" xmlns:m="http://schemas.openxmlformats.org/officeDocument/2006/math" xmlns:a14="http://schemas.microsoft.com/office/drawing/2010/main" xmlns:ma14="http://schemas.microsoft.com/office/mac/drawingml/2011/main" val="1"/>
+              <ma14:wrappingTextBoxFlag xmlns:ma14="http://schemas.microsoft.com/office/mac/drawingml/2011/main" xmlns:a14="http://schemas.microsoft.com/office/drawing/2010/main" xmlns:m="http://schemas.openxmlformats.org/officeDocument/2006/math" xmlns="" val="1"/>
             </a:ext>
           </a:extLst>
         </p:spPr>
@@ -22708,7 +22836,7 @@
             <a:effectLst/>
             <a:extLst>
               <a:ext uri="{C572A759-6A51-4108-AA02-DFA0A04FC94B}">
-                <ma14:wrappingTextBoxFlag xmlns="" xmlns:m="http://schemas.openxmlformats.org/officeDocument/2006/math" xmlns:a14="http://schemas.microsoft.com/office/drawing/2010/main" xmlns:ma14="http://schemas.microsoft.com/office/mac/drawingml/2011/main" val="1"/>
+                <ma14:wrappingTextBoxFlag xmlns:ma14="http://schemas.microsoft.com/office/mac/drawingml/2011/main" xmlns:a14="http://schemas.microsoft.com/office/drawing/2010/main" xmlns:m="http://schemas.openxmlformats.org/officeDocument/2006/math" xmlns="" val="1"/>
               </a:ext>
             </a:extLst>
           </p:spPr>
@@ -22787,7 +22915,7 @@
           </a:ln>
           <a:extLst>
             <a:ext uri="{C572A759-6A51-4108-AA02-DFA0A04FC94B}">
-              <ma14:wrappingTextBoxFlag xmlns="" xmlns:m="http://schemas.openxmlformats.org/officeDocument/2006/math" xmlns:a14="http://schemas.microsoft.com/office/drawing/2010/main" xmlns:ma14="http://schemas.microsoft.com/office/mac/drawingml/2011/main" val="1"/>
+              <ma14:wrappingTextBoxFlag xmlns:ma14="http://schemas.microsoft.com/office/mac/drawingml/2011/main" xmlns:a14="http://schemas.microsoft.com/office/drawing/2010/main" xmlns:m="http://schemas.openxmlformats.org/officeDocument/2006/math" xmlns="" val="1"/>
             </a:ext>
           </a:extLst>
         </p:spPr>
@@ -22823,7 +22951,7 @@
           </a:prstGeom>
           <a:extLst>
             <a:ext uri="{C572A759-6A51-4108-AA02-DFA0A04FC94B}">
-              <ma14:wrappingTextBoxFlag xmlns="" xmlns:m="http://schemas.openxmlformats.org/officeDocument/2006/math" xmlns:a14="http://schemas.microsoft.com/office/drawing/2010/main" xmlns:ma14="http://schemas.microsoft.com/office/mac/drawingml/2011/main" val="1"/>
+              <ma14:wrappingTextBoxFlag xmlns:ma14="http://schemas.microsoft.com/office/mac/drawingml/2011/main" xmlns:a14="http://schemas.microsoft.com/office/drawing/2010/main" xmlns:m="http://schemas.openxmlformats.org/officeDocument/2006/math" xmlns="" val="1"/>
             </a:ext>
           </a:extLst>
         </p:spPr>
@@ -22861,7 +22989,7 @@
           </a:ln>
           <a:extLst>
             <a:ext uri="{C572A759-6A51-4108-AA02-DFA0A04FC94B}">
-              <ma14:wrappingTextBoxFlag xmlns="" xmlns:m="http://schemas.openxmlformats.org/officeDocument/2006/math" xmlns:a14="http://schemas.microsoft.com/office/drawing/2010/main" xmlns:ma14="http://schemas.microsoft.com/office/mac/drawingml/2011/main" val="1"/>
+              <ma14:wrappingTextBoxFlag xmlns:ma14="http://schemas.microsoft.com/office/mac/drawingml/2011/main" xmlns:a14="http://schemas.microsoft.com/office/drawing/2010/main" xmlns:m="http://schemas.openxmlformats.org/officeDocument/2006/math" xmlns="" val="1"/>
             </a:ext>
           </a:extLst>
         </p:spPr>
@@ -22902,7 +23030,7 @@
               </a:ln>
               <a:extLst>
                 <a:ext uri="{C572A759-6A51-4108-AA02-DFA0A04FC94B}">
-                  <ma14:wrappingTextBoxFlag xmlns="" xmlns:m="http://schemas.openxmlformats.org/officeDocument/2006/math" xmlns:ma14="http://schemas.microsoft.com/office/mac/drawingml/2011/main" val="1"/>
+                  <ma14:wrappingTextBoxFlag xmlns:ma14="http://schemas.microsoft.com/office/mac/drawingml/2011/main" xmlns:m="http://schemas.openxmlformats.org/officeDocument/2006/math" xmlns="" val="1"/>
                 </a:ext>
               </a:extLst>
             </p:spPr>
@@ -23277,7 +23405,7 @@
               </a:ln>
               <a:extLst>
                 <a:ext uri="{C572A759-6A51-4108-AA02-DFA0A04FC94B}">
-                  <ma14:wrappingTextBoxFlag xmlns="" xmlns:m="http://schemas.openxmlformats.org/officeDocument/2006/math" xmlns:ma14="http://schemas.microsoft.com/office/mac/drawingml/2011/main" val="1"/>
+                  <ma14:wrappingTextBoxFlag xmlns:ma14="http://schemas.microsoft.com/office/mac/drawingml/2011/main" xmlns:m="http://schemas.openxmlformats.org/officeDocument/2006/math" xmlns="" val="1"/>
                 </a:ext>
               </a:extLst>
             </p:spPr>
@@ -23569,7 +23697,7 @@
           </a:ln>
           <a:extLst>
             <a:ext uri="{C572A759-6A51-4108-AA02-DFA0A04FC94B}">
-              <ma14:wrappingTextBoxFlag xmlns="" xmlns:m="http://schemas.openxmlformats.org/officeDocument/2006/math" xmlns:a14="http://schemas.microsoft.com/office/drawing/2010/main" xmlns:ma14="http://schemas.microsoft.com/office/mac/drawingml/2011/main" val="1"/>
+              <ma14:wrappingTextBoxFlag xmlns:ma14="http://schemas.microsoft.com/office/mac/drawingml/2011/main" xmlns:a14="http://schemas.microsoft.com/office/drawing/2010/main" xmlns:m="http://schemas.openxmlformats.org/officeDocument/2006/math" xmlns="" val="1"/>
             </a:ext>
           </a:extLst>
         </p:spPr>
@@ -23610,7 +23738,7 @@
               </a:ln>
               <a:extLst>
                 <a:ext uri="{C572A759-6A51-4108-AA02-DFA0A04FC94B}">
-                  <ma14:wrappingTextBoxFlag xmlns="" xmlns:m="http://schemas.openxmlformats.org/officeDocument/2006/math" xmlns:ma14="http://schemas.microsoft.com/office/mac/drawingml/2011/main" val="1"/>
+                  <ma14:wrappingTextBoxFlag xmlns:ma14="http://schemas.microsoft.com/office/mac/drawingml/2011/main" xmlns:m="http://schemas.openxmlformats.org/officeDocument/2006/math" xmlns="" val="1"/>
                 </a:ext>
               </a:extLst>
             </p:spPr>
@@ -23855,7 +23983,7 @@
               </a:ln>
               <a:extLst>
                 <a:ext uri="{C572A759-6A51-4108-AA02-DFA0A04FC94B}">
-                  <ma14:wrappingTextBoxFlag xmlns="" xmlns:m="http://schemas.openxmlformats.org/officeDocument/2006/math" xmlns:ma14="http://schemas.microsoft.com/office/mac/drawingml/2011/main" val="1"/>
+                  <ma14:wrappingTextBoxFlag xmlns:ma14="http://schemas.microsoft.com/office/mac/drawingml/2011/main" xmlns:m="http://schemas.openxmlformats.org/officeDocument/2006/math" xmlns="" val="1"/>
                 </a:ext>
               </a:extLst>
             </p:spPr>
@@ -24379,7 +24507,7 @@
           </a:ln>
           <a:extLst>
             <a:ext uri="{C572A759-6A51-4108-AA02-DFA0A04FC94B}">
-              <ma14:wrappingTextBoxFlag xmlns:ma14="http://schemas.microsoft.com/office/mac/drawingml/2011/main" xmlns:a14="http://schemas.microsoft.com/office/drawing/2010/main" xmlns:m="http://schemas.openxmlformats.org/officeDocument/2006/math" xmlns="" val="1"/>
+              <ma14:wrappingTextBoxFlag xmlns="" xmlns:m="http://schemas.openxmlformats.org/officeDocument/2006/math" xmlns:a14="http://schemas.microsoft.com/office/drawing/2010/main" xmlns:ma14="http://schemas.microsoft.com/office/mac/drawingml/2011/main" val="1"/>
             </a:ext>
           </a:extLst>
         </p:spPr>
@@ -24424,7 +24552,7 @@
           </a:prstGeom>
           <a:extLst>
             <a:ext uri="{C572A759-6A51-4108-AA02-DFA0A04FC94B}">
-              <ma14:wrappingTextBoxFlag xmlns:ma14="http://schemas.microsoft.com/office/mac/drawingml/2011/main" xmlns:a14="http://schemas.microsoft.com/office/drawing/2010/main" xmlns:m="http://schemas.openxmlformats.org/officeDocument/2006/math" xmlns="" val="1"/>
+              <ma14:wrappingTextBoxFlag xmlns="" xmlns:m="http://schemas.openxmlformats.org/officeDocument/2006/math" xmlns:a14="http://schemas.microsoft.com/office/drawing/2010/main" xmlns:ma14="http://schemas.microsoft.com/office/mac/drawingml/2011/main" val="1"/>
             </a:ext>
           </a:extLst>
         </p:spPr>
@@ -24462,7 +24590,7 @@
           </a:ln>
           <a:extLst>
             <a:ext uri="{C572A759-6A51-4108-AA02-DFA0A04FC94B}">
-              <ma14:wrappingTextBoxFlag xmlns:ma14="http://schemas.microsoft.com/office/mac/drawingml/2011/main" xmlns:a14="http://schemas.microsoft.com/office/drawing/2010/main" xmlns:m="http://schemas.openxmlformats.org/officeDocument/2006/math" xmlns="" val="1"/>
+              <ma14:wrappingTextBoxFlag xmlns="" xmlns:m="http://schemas.openxmlformats.org/officeDocument/2006/math" xmlns:a14="http://schemas.microsoft.com/office/drawing/2010/main" xmlns:ma14="http://schemas.microsoft.com/office/mac/drawingml/2011/main" val="1"/>
             </a:ext>
           </a:extLst>
         </p:spPr>
@@ -24570,7 +24698,7 @@
           </a:ln>
           <a:extLst>
             <a:ext uri="{C572A759-6A51-4108-AA02-DFA0A04FC94B}">
-              <ma14:wrappingTextBoxFlag xmlns:ma14="http://schemas.microsoft.com/office/mac/drawingml/2011/main" xmlns:a14="http://schemas.microsoft.com/office/drawing/2010/main" xmlns:m="http://schemas.openxmlformats.org/officeDocument/2006/math" xmlns="" val="1"/>
+              <ma14:wrappingTextBoxFlag xmlns="" xmlns:m="http://schemas.openxmlformats.org/officeDocument/2006/math" xmlns:a14="http://schemas.microsoft.com/office/drawing/2010/main" xmlns:ma14="http://schemas.microsoft.com/office/mac/drawingml/2011/main" val="1"/>
             </a:ext>
           </a:extLst>
         </p:spPr>
@@ -24615,7 +24743,7 @@
           </a:prstGeom>
           <a:extLst>
             <a:ext uri="{C572A759-6A51-4108-AA02-DFA0A04FC94B}">
-              <ma14:wrappingTextBoxFlag xmlns:ma14="http://schemas.microsoft.com/office/mac/drawingml/2011/main" xmlns:a14="http://schemas.microsoft.com/office/drawing/2010/main" xmlns:m="http://schemas.openxmlformats.org/officeDocument/2006/math" xmlns="" val="1"/>
+              <ma14:wrappingTextBoxFlag xmlns="" xmlns:m="http://schemas.openxmlformats.org/officeDocument/2006/math" xmlns:a14="http://schemas.microsoft.com/office/drawing/2010/main" xmlns:ma14="http://schemas.microsoft.com/office/mac/drawingml/2011/main" val="1"/>
             </a:ext>
           </a:extLst>
         </p:spPr>
@@ -24878,7 +25006,7 @@
           </a:ln>
           <a:extLst>
             <a:ext uri="{C572A759-6A51-4108-AA02-DFA0A04FC94B}">
-              <ma14:wrappingTextBoxFlag xmlns="" xmlns:m="http://schemas.openxmlformats.org/officeDocument/2006/math" xmlns:a14="http://schemas.microsoft.com/office/drawing/2010/main" xmlns:ma14="http://schemas.microsoft.com/office/mac/drawingml/2011/main" val="1"/>
+              <ma14:wrappingTextBoxFlag xmlns:ma14="http://schemas.microsoft.com/office/mac/drawingml/2011/main" xmlns:a14="http://schemas.microsoft.com/office/drawing/2010/main" xmlns:m="http://schemas.openxmlformats.org/officeDocument/2006/math" xmlns="" val="1"/>
             </a:ext>
           </a:extLst>
         </p:spPr>
@@ -24923,7 +25051,7 @@
           </a:prstGeom>
           <a:extLst>
             <a:ext uri="{C572A759-6A51-4108-AA02-DFA0A04FC94B}">
-              <ma14:wrappingTextBoxFlag xmlns="" xmlns:m="http://schemas.openxmlformats.org/officeDocument/2006/math" xmlns:a14="http://schemas.microsoft.com/office/drawing/2010/main" xmlns:ma14="http://schemas.microsoft.com/office/mac/drawingml/2011/main" val="1"/>
+              <ma14:wrappingTextBoxFlag xmlns:ma14="http://schemas.microsoft.com/office/mac/drawingml/2011/main" xmlns:a14="http://schemas.microsoft.com/office/drawing/2010/main" xmlns:m="http://schemas.openxmlformats.org/officeDocument/2006/math" xmlns="" val="1"/>
             </a:ext>
           </a:extLst>
         </p:spPr>
@@ -25285,7 +25413,7 @@
           </a:ln>
           <a:extLst>
             <a:ext uri="{C572A759-6A51-4108-AA02-DFA0A04FC94B}">
-              <ma14:wrappingTextBoxFlag xmlns:ma14="http://schemas.microsoft.com/office/mac/drawingml/2011/main" xmlns:a14="http://schemas.microsoft.com/office/drawing/2010/main" xmlns:m="http://schemas.openxmlformats.org/officeDocument/2006/math" xmlns="" val="1"/>
+              <ma14:wrappingTextBoxFlag xmlns="" xmlns:m="http://schemas.openxmlformats.org/officeDocument/2006/math" xmlns:a14="http://schemas.microsoft.com/office/drawing/2010/main" xmlns:ma14="http://schemas.microsoft.com/office/mac/drawingml/2011/main" val="1"/>
             </a:ext>
           </a:extLst>
         </p:spPr>
@@ -25330,7 +25458,7 @@
           </a:prstGeom>
           <a:extLst>
             <a:ext uri="{C572A759-6A51-4108-AA02-DFA0A04FC94B}">
-              <ma14:wrappingTextBoxFlag xmlns:ma14="http://schemas.microsoft.com/office/mac/drawingml/2011/main" xmlns:a14="http://schemas.microsoft.com/office/drawing/2010/main" xmlns:m="http://schemas.openxmlformats.org/officeDocument/2006/math" xmlns="" val="1"/>
+              <ma14:wrappingTextBoxFlag xmlns="" xmlns:m="http://schemas.openxmlformats.org/officeDocument/2006/math" xmlns:a14="http://schemas.microsoft.com/office/drawing/2010/main" xmlns:ma14="http://schemas.microsoft.com/office/mac/drawingml/2011/main" val="1"/>
             </a:ext>
           </a:extLst>
         </p:spPr>
@@ -25722,7 +25850,7 @@
           </a:ln>
           <a:extLst>
             <a:ext uri="{C572A759-6A51-4108-AA02-DFA0A04FC94B}">
-              <ma14:wrappingTextBoxFlag xmlns="" xmlns:m="http://schemas.openxmlformats.org/officeDocument/2006/math" xmlns:a14="http://schemas.microsoft.com/office/drawing/2010/main" xmlns:ma14="http://schemas.microsoft.com/office/mac/drawingml/2011/main" val="1"/>
+              <ma14:wrappingTextBoxFlag xmlns:ma14="http://schemas.microsoft.com/office/mac/drawingml/2011/main" xmlns:a14="http://schemas.microsoft.com/office/drawing/2010/main" xmlns:m="http://schemas.openxmlformats.org/officeDocument/2006/math" xmlns="" val="1"/>
             </a:ext>
           </a:extLst>
         </p:spPr>
@@ -25758,7 +25886,7 @@
           </a:prstGeom>
           <a:extLst>
             <a:ext uri="{C572A759-6A51-4108-AA02-DFA0A04FC94B}">
-              <ma14:wrappingTextBoxFlag xmlns="" xmlns:m="http://schemas.openxmlformats.org/officeDocument/2006/math" xmlns:a14="http://schemas.microsoft.com/office/drawing/2010/main" xmlns:ma14="http://schemas.microsoft.com/office/mac/drawingml/2011/main" val="1"/>
+              <ma14:wrappingTextBoxFlag xmlns:ma14="http://schemas.microsoft.com/office/mac/drawingml/2011/main" xmlns:a14="http://schemas.microsoft.com/office/drawing/2010/main" xmlns:m="http://schemas.openxmlformats.org/officeDocument/2006/math" xmlns="" val="1"/>
             </a:ext>
           </a:extLst>
         </p:spPr>
@@ -25796,7 +25924,7 @@
           </a:ln>
           <a:extLst>
             <a:ext uri="{C572A759-6A51-4108-AA02-DFA0A04FC94B}">
-              <ma14:wrappingTextBoxFlag xmlns="" xmlns:m="http://schemas.openxmlformats.org/officeDocument/2006/math" xmlns:a14="http://schemas.microsoft.com/office/drawing/2010/main" xmlns:ma14="http://schemas.microsoft.com/office/mac/drawingml/2011/main" val="1"/>
+              <ma14:wrappingTextBoxFlag xmlns:ma14="http://schemas.microsoft.com/office/mac/drawingml/2011/main" xmlns:a14="http://schemas.microsoft.com/office/drawing/2010/main" xmlns:m="http://schemas.openxmlformats.org/officeDocument/2006/math" xmlns="" val="1"/>
             </a:ext>
           </a:extLst>
         </p:spPr>
@@ -25936,7 +26064,7 @@
           </a:ln>
           <a:extLst>
             <a:ext uri="{C572A759-6A51-4108-AA02-DFA0A04FC94B}">
-              <ma14:wrappingTextBoxFlag xmlns="" xmlns:m="http://schemas.openxmlformats.org/officeDocument/2006/math" xmlns:a14="http://schemas.microsoft.com/office/drawing/2010/main" xmlns:ma14="http://schemas.microsoft.com/office/mac/drawingml/2011/main" val="1"/>
+              <ma14:wrappingTextBoxFlag xmlns:ma14="http://schemas.microsoft.com/office/mac/drawingml/2011/main" xmlns:a14="http://schemas.microsoft.com/office/drawing/2010/main" xmlns:m="http://schemas.openxmlformats.org/officeDocument/2006/math" xmlns="" val="1"/>
             </a:ext>
           </a:extLst>
         </p:spPr>
@@ -26231,7 +26359,7 @@
           </a:ln>
           <a:extLst>
             <a:ext uri="{C572A759-6A51-4108-AA02-DFA0A04FC94B}">
-              <ma14:wrappingTextBoxFlag xmlns="" xmlns:m="http://schemas.openxmlformats.org/officeDocument/2006/math" xmlns:a14="http://schemas.microsoft.com/office/drawing/2010/main" xmlns:ma14="http://schemas.microsoft.com/office/mac/drawingml/2011/main" val="1"/>
+              <ma14:wrappingTextBoxFlag xmlns:ma14="http://schemas.microsoft.com/office/mac/drawingml/2011/main" xmlns:a14="http://schemas.microsoft.com/office/drawing/2010/main" xmlns:m="http://schemas.openxmlformats.org/officeDocument/2006/math" xmlns="" val="1"/>
             </a:ext>
           </a:extLst>
         </p:spPr>
@@ -26395,7 +26523,7 @@
           </a:ln>
           <a:extLst>
             <a:ext uri="{C572A759-6A51-4108-AA02-DFA0A04FC94B}">
-              <ma14:wrappingTextBoxFlag xmlns="" xmlns:m="http://schemas.openxmlformats.org/officeDocument/2006/math" xmlns:a14="http://schemas.microsoft.com/office/drawing/2010/main" xmlns:ma14="http://schemas.microsoft.com/office/mac/drawingml/2011/main" val="1"/>
+              <ma14:wrappingTextBoxFlag xmlns:ma14="http://schemas.microsoft.com/office/mac/drawingml/2011/main" xmlns:a14="http://schemas.microsoft.com/office/drawing/2010/main" xmlns:m="http://schemas.openxmlformats.org/officeDocument/2006/math" xmlns="" val="1"/>
             </a:ext>
           </a:extLst>
         </p:spPr>
@@ -26440,7 +26568,7 @@
           </a:prstGeom>
           <a:extLst>
             <a:ext uri="{C572A759-6A51-4108-AA02-DFA0A04FC94B}">
-              <ma14:wrappingTextBoxFlag xmlns="" xmlns:m="http://schemas.openxmlformats.org/officeDocument/2006/math" xmlns:a14="http://schemas.microsoft.com/office/drawing/2010/main" xmlns:ma14="http://schemas.microsoft.com/office/mac/drawingml/2011/main" val="1"/>
+              <ma14:wrappingTextBoxFlag xmlns:ma14="http://schemas.microsoft.com/office/mac/drawingml/2011/main" xmlns:a14="http://schemas.microsoft.com/office/drawing/2010/main" xmlns:m="http://schemas.openxmlformats.org/officeDocument/2006/math" xmlns="" val="1"/>
             </a:ext>
           </a:extLst>
         </p:spPr>
@@ -26996,7 +27124,7 @@
           </a:ln>
           <a:extLst>
             <a:ext uri="{C572A759-6A51-4108-AA02-DFA0A04FC94B}">
-              <ma14:wrappingTextBoxFlag xmlns="" xmlns:m="http://schemas.openxmlformats.org/officeDocument/2006/math" xmlns:a14="http://schemas.microsoft.com/office/drawing/2010/main" xmlns:ma14="http://schemas.microsoft.com/office/mac/drawingml/2011/main" val="1"/>
+              <ma14:wrappingTextBoxFlag xmlns:ma14="http://schemas.microsoft.com/office/mac/drawingml/2011/main" xmlns:a14="http://schemas.microsoft.com/office/drawing/2010/main" xmlns:m="http://schemas.openxmlformats.org/officeDocument/2006/math" xmlns="" val="1"/>
             </a:ext>
           </a:extLst>
         </p:spPr>
@@ -27041,7 +27169,7 @@
           </a:prstGeom>
           <a:extLst>
             <a:ext uri="{C572A759-6A51-4108-AA02-DFA0A04FC94B}">
-              <ma14:wrappingTextBoxFlag xmlns="" xmlns:m="http://schemas.openxmlformats.org/officeDocument/2006/math" xmlns:a14="http://schemas.microsoft.com/office/drawing/2010/main" xmlns:ma14="http://schemas.microsoft.com/office/mac/drawingml/2011/main" val="1"/>
+              <ma14:wrappingTextBoxFlag xmlns:ma14="http://schemas.microsoft.com/office/mac/drawingml/2011/main" xmlns:a14="http://schemas.microsoft.com/office/drawing/2010/main" xmlns:m="http://schemas.openxmlformats.org/officeDocument/2006/math" xmlns="" val="1"/>
             </a:ext>
           </a:extLst>
         </p:spPr>
@@ -27239,7 +27367,7 @@
           </a:ln>
           <a:extLst>
             <a:ext uri="{C572A759-6A51-4108-AA02-DFA0A04FC94B}">
-              <ma14:wrappingTextBoxFlag xmlns="" xmlns:m="http://schemas.openxmlformats.org/officeDocument/2006/math" xmlns:a14="http://schemas.microsoft.com/office/drawing/2010/main" xmlns:ma14="http://schemas.microsoft.com/office/mac/drawingml/2011/main" val="1"/>
+              <ma14:wrappingTextBoxFlag xmlns:ma14="http://schemas.microsoft.com/office/mac/drawingml/2011/main" xmlns:a14="http://schemas.microsoft.com/office/drawing/2010/main" xmlns:m="http://schemas.openxmlformats.org/officeDocument/2006/math" xmlns="" val="1"/>
             </a:ext>
           </a:extLst>
         </p:spPr>
@@ -27284,7 +27412,7 @@
           </a:prstGeom>
           <a:extLst>
             <a:ext uri="{C572A759-6A51-4108-AA02-DFA0A04FC94B}">
-              <ma14:wrappingTextBoxFlag xmlns="" xmlns:m="http://schemas.openxmlformats.org/officeDocument/2006/math" xmlns:a14="http://schemas.microsoft.com/office/drawing/2010/main" xmlns:ma14="http://schemas.microsoft.com/office/mac/drawingml/2011/main" val="1"/>
+              <ma14:wrappingTextBoxFlag xmlns:ma14="http://schemas.microsoft.com/office/mac/drawingml/2011/main" xmlns:a14="http://schemas.microsoft.com/office/drawing/2010/main" xmlns:m="http://schemas.openxmlformats.org/officeDocument/2006/math" xmlns="" val="1"/>
             </a:ext>
           </a:extLst>
         </p:spPr>
@@ -27715,7 +27843,7 @@
           </a:ln>
           <a:extLst>
             <a:ext uri="{C572A759-6A51-4108-AA02-DFA0A04FC94B}">
-              <ma14:wrappingTextBoxFlag xmlns:ma14="http://schemas.microsoft.com/office/mac/drawingml/2011/main" xmlns:a14="http://schemas.microsoft.com/office/drawing/2010/main" xmlns:m="http://schemas.openxmlformats.org/officeDocument/2006/math" xmlns="" val="1"/>
+              <ma14:wrappingTextBoxFlag xmlns="" xmlns:m="http://schemas.openxmlformats.org/officeDocument/2006/math" xmlns:a14="http://schemas.microsoft.com/office/drawing/2010/main" xmlns:ma14="http://schemas.microsoft.com/office/mac/drawingml/2011/main" val="1"/>
             </a:ext>
           </a:extLst>
         </p:spPr>
@@ -27872,7 +28000,7 @@
           </a:prstGeom>
           <a:extLst>
             <a:ext uri="{C572A759-6A51-4108-AA02-DFA0A04FC94B}">
-              <ma14:wrappingTextBoxFlag xmlns:ma14="http://schemas.microsoft.com/office/mac/drawingml/2011/main" xmlns:a14="http://schemas.microsoft.com/office/drawing/2010/main" xmlns:m="http://schemas.openxmlformats.org/officeDocument/2006/math" xmlns="" val="1"/>
+              <ma14:wrappingTextBoxFlag xmlns="" xmlns:m="http://schemas.openxmlformats.org/officeDocument/2006/math" xmlns:a14="http://schemas.microsoft.com/office/drawing/2010/main" xmlns:ma14="http://schemas.microsoft.com/office/mac/drawingml/2011/main" val="1"/>
             </a:ext>
           </a:extLst>
         </p:spPr>
@@ -28333,7 +28461,7 @@
           </a:ln>
           <a:extLst>
             <a:ext uri="{C572A759-6A51-4108-AA02-DFA0A04FC94B}">
-              <ma14:wrappingTextBoxFlag xmlns="" xmlns:m="http://schemas.openxmlformats.org/officeDocument/2006/math" xmlns:a14="http://schemas.microsoft.com/office/drawing/2010/main" xmlns:ma14="http://schemas.microsoft.com/office/mac/drawingml/2011/main" val="1"/>
+              <ma14:wrappingTextBoxFlag xmlns:ma14="http://schemas.microsoft.com/office/mac/drawingml/2011/main" xmlns:a14="http://schemas.microsoft.com/office/drawing/2010/main" xmlns:m="http://schemas.openxmlformats.org/officeDocument/2006/math" xmlns="" val="1"/>
             </a:ext>
           </a:extLst>
         </p:spPr>
@@ -28369,7 +28497,7 @@
           </a:prstGeom>
           <a:extLst>
             <a:ext uri="{C572A759-6A51-4108-AA02-DFA0A04FC94B}">
-              <ma14:wrappingTextBoxFlag xmlns="" xmlns:m="http://schemas.openxmlformats.org/officeDocument/2006/math" xmlns:a14="http://schemas.microsoft.com/office/drawing/2010/main" xmlns:ma14="http://schemas.microsoft.com/office/mac/drawingml/2011/main" val="1"/>
+              <ma14:wrappingTextBoxFlag xmlns:ma14="http://schemas.microsoft.com/office/mac/drawingml/2011/main" xmlns:a14="http://schemas.microsoft.com/office/drawing/2010/main" xmlns:m="http://schemas.openxmlformats.org/officeDocument/2006/math" xmlns="" val="1"/>
             </a:ext>
           </a:extLst>
         </p:spPr>
@@ -28407,7 +28535,7 @@
           </a:ln>
           <a:extLst>
             <a:ext uri="{C572A759-6A51-4108-AA02-DFA0A04FC94B}">
-              <ma14:wrappingTextBoxFlag xmlns="" xmlns:m="http://schemas.openxmlformats.org/officeDocument/2006/math" xmlns:a14="http://schemas.microsoft.com/office/drawing/2010/main" xmlns:ma14="http://schemas.microsoft.com/office/mac/drawingml/2011/main" val="1"/>
+              <ma14:wrappingTextBoxFlag xmlns:ma14="http://schemas.microsoft.com/office/mac/drawingml/2011/main" xmlns:a14="http://schemas.microsoft.com/office/drawing/2010/main" xmlns:m="http://schemas.openxmlformats.org/officeDocument/2006/math" xmlns="" val="1"/>
             </a:ext>
           </a:extLst>
         </p:spPr>
@@ -28497,7 +28625,7 @@
           </a:ln>
           <a:extLst>
             <a:ext uri="{C572A759-6A51-4108-AA02-DFA0A04FC94B}">
-              <ma14:wrappingTextBoxFlag xmlns="" xmlns:m="http://schemas.openxmlformats.org/officeDocument/2006/math" xmlns:a14="http://schemas.microsoft.com/office/drawing/2010/main" xmlns:ma14="http://schemas.microsoft.com/office/mac/drawingml/2011/main" val="1"/>
+              <ma14:wrappingTextBoxFlag xmlns:ma14="http://schemas.microsoft.com/office/mac/drawingml/2011/main" xmlns:a14="http://schemas.microsoft.com/office/drawing/2010/main" xmlns:m="http://schemas.openxmlformats.org/officeDocument/2006/math" xmlns="" val="1"/>
             </a:ext>
           </a:extLst>
         </p:spPr>
@@ -28533,7 +28661,7 @@
           </a:prstGeom>
           <a:extLst>
             <a:ext uri="{C572A759-6A51-4108-AA02-DFA0A04FC94B}">
-              <ma14:wrappingTextBoxFlag xmlns="" xmlns:m="http://schemas.openxmlformats.org/officeDocument/2006/math" xmlns:a14="http://schemas.microsoft.com/office/drawing/2010/main" xmlns:ma14="http://schemas.microsoft.com/office/mac/drawingml/2011/main" val="1"/>
+              <ma14:wrappingTextBoxFlag xmlns:ma14="http://schemas.microsoft.com/office/mac/drawingml/2011/main" xmlns:a14="http://schemas.microsoft.com/office/drawing/2010/main" xmlns:m="http://schemas.openxmlformats.org/officeDocument/2006/math" xmlns="" val="1"/>
             </a:ext>
           </a:extLst>
         </p:spPr>
@@ -28571,7 +28699,7 @@
           </a:ln>
           <a:extLst>
             <a:ext uri="{C572A759-6A51-4108-AA02-DFA0A04FC94B}">
-              <ma14:wrappingTextBoxFlag xmlns="" xmlns:m="http://schemas.openxmlformats.org/officeDocument/2006/math" xmlns:a14="http://schemas.microsoft.com/office/drawing/2010/main" xmlns:ma14="http://schemas.microsoft.com/office/mac/drawingml/2011/main" val="1"/>
+              <ma14:wrappingTextBoxFlag xmlns:ma14="http://schemas.microsoft.com/office/mac/drawingml/2011/main" xmlns:a14="http://schemas.microsoft.com/office/drawing/2010/main" xmlns:m="http://schemas.openxmlformats.org/officeDocument/2006/math" xmlns="" val="1"/>
             </a:ext>
           </a:extLst>
         </p:spPr>
@@ -28662,7 +28790,7 @@
           </a:ln>
           <a:extLst>
             <a:ext uri="{C572A759-6A51-4108-AA02-DFA0A04FC94B}">
-              <ma14:wrappingTextBoxFlag xmlns="" xmlns:m="http://schemas.openxmlformats.org/officeDocument/2006/math" xmlns:a14="http://schemas.microsoft.com/office/drawing/2010/main" xmlns:ma14="http://schemas.microsoft.com/office/mac/drawingml/2011/main" val="1"/>
+              <ma14:wrappingTextBoxFlag xmlns:ma14="http://schemas.microsoft.com/office/mac/drawingml/2011/main" xmlns:a14="http://schemas.microsoft.com/office/drawing/2010/main" xmlns:m="http://schemas.openxmlformats.org/officeDocument/2006/math" xmlns="" val="1"/>
             </a:ext>
           </a:extLst>
         </p:spPr>
@@ -28731,7 +28859,7 @@
           </a:ln>
           <a:extLst>
             <a:ext uri="{C572A759-6A51-4108-AA02-DFA0A04FC94B}">
-              <ma14:wrappingTextBoxFlag xmlns="" xmlns:m="http://schemas.openxmlformats.org/officeDocument/2006/math" xmlns:a14="http://schemas.microsoft.com/office/drawing/2010/main" xmlns:ma14="http://schemas.microsoft.com/office/mac/drawingml/2011/main" val="1"/>
+              <ma14:wrappingTextBoxFlag xmlns:ma14="http://schemas.microsoft.com/office/mac/drawingml/2011/main" xmlns:a14="http://schemas.microsoft.com/office/drawing/2010/main" xmlns:m="http://schemas.openxmlformats.org/officeDocument/2006/math" xmlns="" val="1"/>
             </a:ext>
           </a:extLst>
         </p:spPr>
@@ -28767,7 +28895,7 @@
           </a:prstGeom>
           <a:extLst>
             <a:ext uri="{C572A759-6A51-4108-AA02-DFA0A04FC94B}">
-              <ma14:wrappingTextBoxFlag xmlns="" xmlns:m="http://schemas.openxmlformats.org/officeDocument/2006/math" xmlns:a14="http://schemas.microsoft.com/office/drawing/2010/main" xmlns:ma14="http://schemas.microsoft.com/office/mac/drawingml/2011/main" val="1"/>
+              <ma14:wrappingTextBoxFlag xmlns:ma14="http://schemas.microsoft.com/office/mac/drawingml/2011/main" xmlns:a14="http://schemas.microsoft.com/office/drawing/2010/main" xmlns:m="http://schemas.openxmlformats.org/officeDocument/2006/math" xmlns="" val="1"/>
             </a:ext>
           </a:extLst>
         </p:spPr>
@@ -28805,7 +28933,7 @@
           </a:ln>
           <a:extLst>
             <a:ext uri="{C572A759-6A51-4108-AA02-DFA0A04FC94B}">
-              <ma14:wrappingTextBoxFlag xmlns="" xmlns:m="http://schemas.openxmlformats.org/officeDocument/2006/math" xmlns:a14="http://schemas.microsoft.com/office/drawing/2010/main" xmlns:ma14="http://schemas.microsoft.com/office/mac/drawingml/2011/main" val="1"/>
+              <ma14:wrappingTextBoxFlag xmlns:ma14="http://schemas.microsoft.com/office/mac/drawingml/2011/main" xmlns:a14="http://schemas.microsoft.com/office/drawing/2010/main" xmlns:m="http://schemas.openxmlformats.org/officeDocument/2006/math" xmlns="" val="1"/>
             </a:ext>
           </a:extLst>
         </p:spPr>
@@ -28917,7 +29045,7 @@
           </a:ln>
           <a:extLst>
             <a:ext uri="{C572A759-6A51-4108-AA02-DFA0A04FC94B}">
-              <ma14:wrappingTextBoxFlag xmlns="" xmlns:m="http://schemas.openxmlformats.org/officeDocument/2006/math" xmlns:a14="http://schemas.microsoft.com/office/drawing/2010/main" xmlns:ma14="http://schemas.microsoft.com/office/mac/drawingml/2011/main" val="1"/>
+              <ma14:wrappingTextBoxFlag xmlns:ma14="http://schemas.microsoft.com/office/mac/drawingml/2011/main" xmlns:a14="http://schemas.microsoft.com/office/drawing/2010/main" xmlns:m="http://schemas.openxmlformats.org/officeDocument/2006/math" xmlns="" val="1"/>
             </a:ext>
           </a:extLst>
         </p:spPr>
@@ -28953,7 +29081,7 @@
           </a:prstGeom>
           <a:extLst>
             <a:ext uri="{C572A759-6A51-4108-AA02-DFA0A04FC94B}">
-              <ma14:wrappingTextBoxFlag xmlns="" xmlns:m="http://schemas.openxmlformats.org/officeDocument/2006/math" xmlns:a14="http://schemas.microsoft.com/office/drawing/2010/main" xmlns:ma14="http://schemas.microsoft.com/office/mac/drawingml/2011/main" val="1"/>
+              <ma14:wrappingTextBoxFlag xmlns:ma14="http://schemas.microsoft.com/office/mac/drawingml/2011/main" xmlns:a14="http://schemas.microsoft.com/office/drawing/2010/main" xmlns:m="http://schemas.openxmlformats.org/officeDocument/2006/math" xmlns="" val="1"/>
             </a:ext>
           </a:extLst>
         </p:spPr>
@@ -28991,7 +29119,7 @@
           </a:ln>
           <a:extLst>
             <a:ext uri="{C572A759-6A51-4108-AA02-DFA0A04FC94B}">
-              <ma14:wrappingTextBoxFlag xmlns="" xmlns:m="http://schemas.openxmlformats.org/officeDocument/2006/math" xmlns:a14="http://schemas.microsoft.com/office/drawing/2010/main" xmlns:ma14="http://schemas.microsoft.com/office/mac/drawingml/2011/main" val="1"/>
+              <ma14:wrappingTextBoxFlag xmlns:ma14="http://schemas.microsoft.com/office/mac/drawingml/2011/main" xmlns:a14="http://schemas.microsoft.com/office/drawing/2010/main" xmlns:m="http://schemas.openxmlformats.org/officeDocument/2006/math" xmlns="" val="1"/>
             </a:ext>
           </a:extLst>
         </p:spPr>
@@ -29120,7 +29248,7 @@
           </a:ln>
           <a:extLst>
             <a:ext uri="{C572A759-6A51-4108-AA02-DFA0A04FC94B}">
-              <ma14:wrappingTextBoxFlag xmlns="" xmlns:m="http://schemas.openxmlformats.org/officeDocument/2006/math" xmlns:a14="http://schemas.microsoft.com/office/drawing/2010/main" xmlns:ma14="http://schemas.microsoft.com/office/mac/drawingml/2011/main" val="1"/>
+              <ma14:wrappingTextBoxFlag xmlns:ma14="http://schemas.microsoft.com/office/mac/drawingml/2011/main" xmlns:a14="http://schemas.microsoft.com/office/drawing/2010/main" xmlns:m="http://schemas.openxmlformats.org/officeDocument/2006/math" xmlns="" val="1"/>
             </a:ext>
           </a:extLst>
         </p:spPr>
@@ -29156,7 +29284,7 @@
           </a:prstGeom>
           <a:extLst>
             <a:ext uri="{C572A759-6A51-4108-AA02-DFA0A04FC94B}">
-              <ma14:wrappingTextBoxFlag xmlns="" xmlns:m="http://schemas.openxmlformats.org/officeDocument/2006/math" xmlns:a14="http://schemas.microsoft.com/office/drawing/2010/main" xmlns:ma14="http://schemas.microsoft.com/office/mac/drawingml/2011/main" val="1"/>
+              <ma14:wrappingTextBoxFlag xmlns:ma14="http://schemas.microsoft.com/office/mac/drawingml/2011/main" xmlns:a14="http://schemas.microsoft.com/office/drawing/2010/main" xmlns:m="http://schemas.openxmlformats.org/officeDocument/2006/math" xmlns="" val="1"/>
             </a:ext>
           </a:extLst>
         </p:spPr>
@@ -29194,7 +29322,7 @@
           </a:ln>
           <a:extLst>
             <a:ext uri="{C572A759-6A51-4108-AA02-DFA0A04FC94B}">
-              <ma14:wrappingTextBoxFlag xmlns="" xmlns:m="http://schemas.openxmlformats.org/officeDocument/2006/math" xmlns:a14="http://schemas.microsoft.com/office/drawing/2010/main" xmlns:ma14="http://schemas.microsoft.com/office/mac/drawingml/2011/main" val="1"/>
+              <ma14:wrappingTextBoxFlag xmlns:ma14="http://schemas.microsoft.com/office/mac/drawingml/2011/main" xmlns:a14="http://schemas.microsoft.com/office/drawing/2010/main" xmlns:m="http://schemas.openxmlformats.org/officeDocument/2006/math" xmlns="" val="1"/>
             </a:ext>
           </a:extLst>
         </p:spPr>
@@ -29312,7 +29440,7 @@
           </a:ln>
           <a:extLst>
             <a:ext uri="{C572A759-6A51-4108-AA02-DFA0A04FC94B}">
-              <ma14:wrappingTextBoxFlag xmlns="" xmlns:m="http://schemas.openxmlformats.org/officeDocument/2006/math" xmlns:a14="http://schemas.microsoft.com/office/drawing/2010/main" xmlns:ma14="http://schemas.microsoft.com/office/mac/drawingml/2011/main" val="1"/>
+              <ma14:wrappingTextBoxFlag xmlns:ma14="http://schemas.microsoft.com/office/mac/drawingml/2011/main" xmlns:a14="http://schemas.microsoft.com/office/drawing/2010/main" xmlns:m="http://schemas.openxmlformats.org/officeDocument/2006/math" xmlns="" val="1"/>
             </a:ext>
           </a:extLst>
         </p:spPr>
@@ -29348,7 +29476,7 @@
           </a:prstGeom>
           <a:extLst>
             <a:ext uri="{C572A759-6A51-4108-AA02-DFA0A04FC94B}">
-              <ma14:wrappingTextBoxFlag xmlns="" xmlns:m="http://schemas.openxmlformats.org/officeDocument/2006/math" xmlns:a14="http://schemas.microsoft.com/office/drawing/2010/main" xmlns:ma14="http://schemas.microsoft.com/office/mac/drawingml/2011/main" val="1"/>
+              <ma14:wrappingTextBoxFlag xmlns:ma14="http://schemas.microsoft.com/office/mac/drawingml/2011/main" xmlns:a14="http://schemas.microsoft.com/office/drawing/2010/main" xmlns:m="http://schemas.openxmlformats.org/officeDocument/2006/math" xmlns="" val="1"/>
             </a:ext>
           </a:extLst>
         </p:spPr>
@@ -29386,7 +29514,7 @@
           </a:ln>
           <a:extLst>
             <a:ext uri="{C572A759-6A51-4108-AA02-DFA0A04FC94B}">
-              <ma14:wrappingTextBoxFlag xmlns="" xmlns:m="http://schemas.openxmlformats.org/officeDocument/2006/math" xmlns:a14="http://schemas.microsoft.com/office/drawing/2010/main" xmlns:ma14="http://schemas.microsoft.com/office/mac/drawingml/2011/main" val="1"/>
+              <ma14:wrappingTextBoxFlag xmlns:ma14="http://schemas.microsoft.com/office/mac/drawingml/2011/main" xmlns:a14="http://schemas.microsoft.com/office/drawing/2010/main" xmlns:m="http://schemas.openxmlformats.org/officeDocument/2006/math" xmlns="" val="1"/>
             </a:ext>
           </a:extLst>
         </p:spPr>
@@ -29524,7 +29652,7 @@
           </a:ln>
           <a:extLst>
             <a:ext uri="{C572A759-6A51-4108-AA02-DFA0A04FC94B}">
-              <ma14:wrappingTextBoxFlag xmlns="" xmlns:m="http://schemas.openxmlformats.org/officeDocument/2006/math" xmlns:a14="http://schemas.microsoft.com/office/drawing/2010/main" xmlns:ma14="http://schemas.microsoft.com/office/mac/drawingml/2011/main" val="1"/>
+              <ma14:wrappingTextBoxFlag xmlns:ma14="http://schemas.microsoft.com/office/mac/drawingml/2011/main" xmlns:a14="http://schemas.microsoft.com/office/drawing/2010/main" xmlns:m="http://schemas.openxmlformats.org/officeDocument/2006/math" xmlns="" val="1"/>
             </a:ext>
           </a:extLst>
         </p:spPr>
@@ -29662,7 +29790,7 @@
           </a:ln>
           <a:extLst>
             <a:ext uri="{C572A759-6A51-4108-AA02-DFA0A04FC94B}">
-              <ma14:wrappingTextBoxFlag xmlns="" xmlns:m="http://schemas.openxmlformats.org/officeDocument/2006/math" xmlns:a14="http://schemas.microsoft.com/office/drawing/2010/main" xmlns:ma14="http://schemas.microsoft.com/office/mac/drawingml/2011/main" val="1"/>
+              <ma14:wrappingTextBoxFlag xmlns:ma14="http://schemas.microsoft.com/office/mac/drawingml/2011/main" xmlns:a14="http://schemas.microsoft.com/office/drawing/2010/main" xmlns:m="http://schemas.openxmlformats.org/officeDocument/2006/math" xmlns="" val="1"/>
             </a:ext>
           </a:extLst>
         </p:spPr>
@@ -29721,7 +29849,7 @@
               </a:ln>
               <a:extLst>
                 <a:ext uri="{C572A759-6A51-4108-AA02-DFA0A04FC94B}">
-                  <ma14:wrappingTextBoxFlag xmlns="" xmlns:m="http://schemas.openxmlformats.org/officeDocument/2006/math" xmlns:ma14="http://schemas.microsoft.com/office/mac/drawingml/2011/main" val="1"/>
+                  <ma14:wrappingTextBoxFlag xmlns:ma14="http://schemas.microsoft.com/office/mac/drawingml/2011/main" xmlns:m="http://schemas.openxmlformats.org/officeDocument/2006/math" xmlns="" val="1"/>
                 </a:ext>
               </a:extLst>
             </p:spPr>
@@ -29846,7 +29974,7 @@
               </a:ln>
               <a:extLst>
                 <a:ext uri="{C572A759-6A51-4108-AA02-DFA0A04FC94B}">
-                  <ma14:wrappingTextBoxFlag xmlns="" xmlns:m="http://schemas.openxmlformats.org/officeDocument/2006/math" xmlns:ma14="http://schemas.microsoft.com/office/mac/drawingml/2011/main" val="1"/>
+                  <ma14:wrappingTextBoxFlag xmlns:ma14="http://schemas.microsoft.com/office/mac/drawingml/2011/main" xmlns:m="http://schemas.openxmlformats.org/officeDocument/2006/math" xmlns="" val="1"/>
                 </a:ext>
               </a:extLst>
             </p:spPr>
@@ -29971,7 +30099,7 @@
               </a:ln>
               <a:extLst>
                 <a:ext uri="{C572A759-6A51-4108-AA02-DFA0A04FC94B}">
-                  <ma14:wrappingTextBoxFlag xmlns="" xmlns:m="http://schemas.openxmlformats.org/officeDocument/2006/math" xmlns:ma14="http://schemas.microsoft.com/office/mac/drawingml/2011/main" val="1"/>
+                  <ma14:wrappingTextBoxFlag xmlns:ma14="http://schemas.microsoft.com/office/mac/drawingml/2011/main" xmlns:m="http://schemas.openxmlformats.org/officeDocument/2006/math" xmlns="" val="1"/>
                 </a:ext>
               </a:extLst>
             </p:spPr>
@@ -30136,7 +30264,7 @@
               </a:ln>
               <a:extLst>
                 <a:ext uri="{C572A759-6A51-4108-AA02-DFA0A04FC94B}">
-                  <ma14:wrappingTextBoxFlag xmlns="" xmlns:m="http://schemas.openxmlformats.org/officeDocument/2006/math" xmlns:ma14="http://schemas.microsoft.com/office/mac/drawingml/2011/main" val="1"/>
+                  <ma14:wrappingTextBoxFlag xmlns:ma14="http://schemas.microsoft.com/office/mac/drawingml/2011/main" xmlns:m="http://schemas.openxmlformats.org/officeDocument/2006/math" xmlns="" val="1"/>
                 </a:ext>
               </a:extLst>
             </p:spPr>
@@ -30302,7 +30430,7 @@
               </a:ln>
               <a:extLst>
                 <a:ext uri="{C572A759-6A51-4108-AA02-DFA0A04FC94B}">
-                  <ma14:wrappingTextBoxFlag xmlns="" xmlns:m="http://schemas.openxmlformats.org/officeDocument/2006/math" xmlns:ma14="http://schemas.microsoft.com/office/mac/drawingml/2011/main" val="1"/>
+                  <ma14:wrappingTextBoxFlag xmlns:ma14="http://schemas.microsoft.com/office/mac/drawingml/2011/main" xmlns:m="http://schemas.openxmlformats.org/officeDocument/2006/math" xmlns="" val="1"/>
                 </a:ext>
               </a:extLst>
             </p:spPr>
@@ -30427,7 +30555,7 @@
               </a:ln>
               <a:extLst>
                 <a:ext uri="{C572A759-6A51-4108-AA02-DFA0A04FC94B}">
-                  <ma14:wrappingTextBoxFlag xmlns="" xmlns:m="http://schemas.openxmlformats.org/officeDocument/2006/math" xmlns:ma14="http://schemas.microsoft.com/office/mac/drawingml/2011/main" val="1"/>
+                  <ma14:wrappingTextBoxFlag xmlns:ma14="http://schemas.microsoft.com/office/mac/drawingml/2011/main" xmlns:m="http://schemas.openxmlformats.org/officeDocument/2006/math" xmlns="" val="1"/>
                 </a:ext>
               </a:extLst>
             </p:spPr>
@@ -30549,8 +30677,8 @@
           </p:sp>
         </mc:Fallback>
       </mc:AlternateContent>
-      <mc:AlternateContent xmlns:mc="http://schemas.openxmlformats.org/markup-compatibility/2006">
-        <mc:Choice xmlns:a14="http://schemas.microsoft.com/office/drawing/2010/main" Requires="a14">
+      <mc:AlternateContent xmlns:mc="http://schemas.openxmlformats.org/markup-compatibility/2006" xmlns:a14="http://schemas.microsoft.com/office/drawing/2010/main">
+        <mc:Choice Requires="a14">
           <p:sp>
             <p:nvSpPr>
               <p:cNvPr id="504" name="Text"/>
@@ -30570,7 +30698,7 @@
               </a:ln>
               <a:extLst>
                 <a:ext uri="{C572A759-6A51-4108-AA02-DFA0A04FC94B}">
-                  <ma14:wrappingTextBoxFlag xmlns="" xmlns:m="http://schemas.openxmlformats.org/officeDocument/2006/math" xmlns:ma14="http://schemas.microsoft.com/office/mac/drawingml/2011/main" val="1"/>
+                  <ma14:wrappingTextBoxFlag xmlns:ma14="http://schemas.microsoft.com/office/mac/drawingml/2011/main" xmlns:m="http://schemas.openxmlformats.org/officeDocument/2006/math" xmlns="" val="1"/>
                 </a:ext>
               </a:extLst>
             </p:spPr>
@@ -30645,7 +30773,7 @@
             </p:txBody>
           </p:sp>
         </mc:Choice>
-        <mc:Fallback>
+        <mc:Fallback xmlns="">
           <p:sp>
             <p:nvSpPr>
               <p:cNvPr id="504" name="Text"/>
@@ -30692,8 +30820,8 @@
           </p:sp>
         </mc:Fallback>
       </mc:AlternateContent>
-      <mc:AlternateContent xmlns:mc="http://schemas.openxmlformats.org/markup-compatibility/2006">
-        <mc:Choice xmlns:a14="http://schemas.microsoft.com/office/drawing/2010/main" Requires="a14">
+      <mc:AlternateContent xmlns:mc="http://schemas.openxmlformats.org/markup-compatibility/2006" xmlns:a14="http://schemas.microsoft.com/office/drawing/2010/main">
+        <mc:Choice Requires="a14">
           <p:sp>
             <p:nvSpPr>
               <p:cNvPr id="505" name="Text"/>
@@ -30713,7 +30841,7 @@
               </a:ln>
               <a:extLst>
                 <a:ext uri="{C572A759-6A51-4108-AA02-DFA0A04FC94B}">
-                  <ma14:wrappingTextBoxFlag xmlns="" xmlns:m="http://schemas.openxmlformats.org/officeDocument/2006/math" xmlns:ma14="http://schemas.microsoft.com/office/mac/drawingml/2011/main" val="1"/>
+                  <ma14:wrappingTextBoxFlag xmlns:ma14="http://schemas.microsoft.com/office/mac/drawingml/2011/main" xmlns:m="http://schemas.openxmlformats.org/officeDocument/2006/math" xmlns="" val="1"/>
                 </a:ext>
               </a:extLst>
             </p:spPr>
@@ -30813,7 +30941,7 @@
             </p:txBody>
           </p:sp>
         </mc:Choice>
-        <mc:Fallback>
+        <mc:Fallback xmlns="">
           <p:sp>
             <p:nvSpPr>
               <p:cNvPr id="505" name="Text"/>
@@ -30860,8 +30988,8 @@
           </p:sp>
         </mc:Fallback>
       </mc:AlternateContent>
-      <mc:AlternateContent xmlns:mc="http://schemas.openxmlformats.org/markup-compatibility/2006">
-        <mc:Choice xmlns:a14="http://schemas.microsoft.com/office/drawing/2010/main" Requires="a14">
+      <mc:AlternateContent xmlns:mc="http://schemas.openxmlformats.org/markup-compatibility/2006" xmlns:a14="http://schemas.microsoft.com/office/drawing/2010/main">
+        <mc:Choice Requires="a14">
           <p:sp>
             <p:nvSpPr>
               <p:cNvPr id="506" name="Text"/>
@@ -30881,7 +31009,7 @@
               </a:ln>
               <a:extLst>
                 <a:ext uri="{C572A759-6A51-4108-AA02-DFA0A04FC94B}">
-                  <ma14:wrappingTextBoxFlag xmlns="" xmlns:m="http://schemas.openxmlformats.org/officeDocument/2006/math" xmlns:ma14="http://schemas.microsoft.com/office/mac/drawingml/2011/main" val="1"/>
+                  <ma14:wrappingTextBoxFlag xmlns:ma14="http://schemas.microsoft.com/office/mac/drawingml/2011/main" xmlns:m="http://schemas.openxmlformats.org/officeDocument/2006/math" xmlns="" val="1"/>
                 </a:ext>
               </a:extLst>
             </p:spPr>
@@ -30938,7 +31066,7 @@
             </p:txBody>
           </p:sp>
         </mc:Choice>
-        <mc:Fallback>
+        <mc:Fallback xmlns="">
           <p:sp>
             <p:nvSpPr>
               <p:cNvPr id="506" name="Text"/>
@@ -30985,8 +31113,8 @@
           </p:sp>
         </mc:Fallback>
       </mc:AlternateContent>
-      <mc:AlternateContent xmlns:mc="http://schemas.openxmlformats.org/markup-compatibility/2006">
-        <mc:Choice xmlns:a14="http://schemas.microsoft.com/office/drawing/2010/main" Requires="a14">
+      <mc:AlternateContent xmlns:mc="http://schemas.openxmlformats.org/markup-compatibility/2006" xmlns:a14="http://schemas.microsoft.com/office/drawing/2010/main">
+        <mc:Choice Requires="a14">
           <p:sp>
             <p:nvSpPr>
               <p:cNvPr id="507" name="Text"/>
@@ -31006,7 +31134,7 @@
               </a:ln>
               <a:extLst>
                 <a:ext uri="{C572A759-6A51-4108-AA02-DFA0A04FC94B}">
-                  <ma14:wrappingTextBoxFlag xmlns="" xmlns:m="http://schemas.openxmlformats.org/officeDocument/2006/math" xmlns:ma14="http://schemas.microsoft.com/office/mac/drawingml/2011/main" val="1"/>
+                  <ma14:wrappingTextBoxFlag xmlns:ma14="http://schemas.microsoft.com/office/mac/drawingml/2011/main" xmlns:m="http://schemas.openxmlformats.org/officeDocument/2006/math" xmlns="" val="1"/>
                 </a:ext>
               </a:extLst>
             </p:spPr>
@@ -31081,7 +31209,7 @@
             </p:txBody>
           </p:sp>
         </mc:Choice>
-        <mc:Fallback>
+        <mc:Fallback xmlns="">
           <p:sp>
             <p:nvSpPr>
               <p:cNvPr id="507" name="Text"/>
@@ -31128,8 +31256,8 @@
           </p:sp>
         </mc:Fallback>
       </mc:AlternateContent>
-      <mc:AlternateContent xmlns:mc="http://schemas.openxmlformats.org/markup-compatibility/2006">
-        <mc:Choice xmlns:a14="http://schemas.microsoft.com/office/drawing/2010/main" Requires="a14">
+      <mc:AlternateContent xmlns:mc="http://schemas.openxmlformats.org/markup-compatibility/2006" xmlns:a14="http://schemas.microsoft.com/office/drawing/2010/main">
+        <mc:Choice Requires="a14">
           <p:sp>
             <p:nvSpPr>
               <p:cNvPr id="508" name="Text"/>
@@ -31149,7 +31277,7 @@
               </a:ln>
               <a:extLst>
                 <a:ext uri="{C572A759-6A51-4108-AA02-DFA0A04FC94B}">
-                  <ma14:wrappingTextBoxFlag xmlns="" xmlns:m="http://schemas.openxmlformats.org/officeDocument/2006/math" xmlns:ma14="http://schemas.microsoft.com/office/mac/drawingml/2011/main" val="1"/>
+                  <ma14:wrappingTextBoxFlag xmlns:ma14="http://schemas.microsoft.com/office/mac/drawingml/2011/main" xmlns:m="http://schemas.openxmlformats.org/officeDocument/2006/math" xmlns="" val="1"/>
                 </a:ext>
               </a:extLst>
             </p:spPr>
@@ -31242,7 +31370,7 @@
             </p:txBody>
           </p:sp>
         </mc:Choice>
-        <mc:Fallback>
+        <mc:Fallback xmlns="">
           <p:sp>
             <p:nvSpPr>
               <p:cNvPr id="508" name="Text"/>
@@ -31308,7 +31436,7 @@
           </a:ln>
           <a:extLst>
             <a:ext uri="{C572A759-6A51-4108-AA02-DFA0A04FC94B}">
-              <ma14:wrappingTextBoxFlag xmlns="" xmlns:m="http://schemas.openxmlformats.org/officeDocument/2006/math" xmlns:a14="http://schemas.microsoft.com/office/drawing/2010/main" xmlns:ma14="http://schemas.microsoft.com/office/mac/drawingml/2011/main" val="1"/>
+              <ma14:wrappingTextBoxFlag xmlns:ma14="http://schemas.microsoft.com/office/mac/drawingml/2011/main" xmlns:a14="http://schemas.microsoft.com/office/drawing/2010/main" xmlns:m="http://schemas.openxmlformats.org/officeDocument/2006/math" xmlns="" val="1"/>
             </a:ext>
           </a:extLst>
         </p:spPr>
@@ -31347,7 +31475,7 @@
           </a:ln>
           <a:extLst>
             <a:ext uri="{C572A759-6A51-4108-AA02-DFA0A04FC94B}">
-              <ma14:wrappingTextBoxFlag xmlns="" xmlns:m="http://schemas.openxmlformats.org/officeDocument/2006/math" xmlns:a14="http://schemas.microsoft.com/office/drawing/2010/main" xmlns:ma14="http://schemas.microsoft.com/office/mac/drawingml/2011/main" val="1"/>
+              <ma14:wrappingTextBoxFlag xmlns:ma14="http://schemas.microsoft.com/office/mac/drawingml/2011/main" xmlns:a14="http://schemas.microsoft.com/office/drawing/2010/main" xmlns:m="http://schemas.openxmlformats.org/officeDocument/2006/math" xmlns="" val="1"/>
             </a:ext>
           </a:extLst>
         </p:spPr>
@@ -31442,7 +31570,7 @@
           </a:ln>
           <a:extLst>
             <a:ext uri="{C572A759-6A51-4108-AA02-DFA0A04FC94B}">
-              <ma14:wrappingTextBoxFlag xmlns="" xmlns:m="http://schemas.openxmlformats.org/officeDocument/2006/math" xmlns:a14="http://schemas.microsoft.com/office/drawing/2010/main" xmlns:ma14="http://schemas.microsoft.com/office/mac/drawingml/2011/main" val="1"/>
+              <ma14:wrappingTextBoxFlag xmlns:ma14="http://schemas.microsoft.com/office/mac/drawingml/2011/main" xmlns:a14="http://schemas.microsoft.com/office/drawing/2010/main" xmlns:m="http://schemas.openxmlformats.org/officeDocument/2006/math" xmlns="" val="1"/>
             </a:ext>
           </a:extLst>
         </p:spPr>
@@ -31483,7 +31611,7 @@
               </a:ln>
               <a:extLst>
                 <a:ext uri="{C572A759-6A51-4108-AA02-DFA0A04FC94B}">
-                  <ma14:wrappingTextBoxFlag xmlns="" xmlns:m="http://schemas.openxmlformats.org/officeDocument/2006/math" xmlns:ma14="http://schemas.microsoft.com/office/mac/drawingml/2011/main" val="1"/>
+                  <ma14:wrappingTextBoxFlag xmlns:ma14="http://schemas.microsoft.com/office/mac/drawingml/2011/main" xmlns:m="http://schemas.openxmlformats.org/officeDocument/2006/math" xmlns="" val="1"/>
                 </a:ext>
               </a:extLst>
             </p:spPr>
@@ -31706,7 +31834,7 @@
               </a:ln>
               <a:extLst>
                 <a:ext uri="{C572A759-6A51-4108-AA02-DFA0A04FC94B}">
-                  <ma14:wrappingTextBoxFlag xmlns="" xmlns:m="http://schemas.openxmlformats.org/officeDocument/2006/math" xmlns:ma14="http://schemas.microsoft.com/office/mac/drawingml/2011/main" val="1"/>
+                  <ma14:wrappingTextBoxFlag xmlns:ma14="http://schemas.microsoft.com/office/mac/drawingml/2011/main" xmlns:m="http://schemas.openxmlformats.org/officeDocument/2006/math" xmlns="" val="1"/>
                 </a:ext>
               </a:extLst>
             </p:spPr>
@@ -31980,7 +32108,7 @@
           </a:ln>
           <a:extLst>
             <a:ext uri="{C572A759-6A51-4108-AA02-DFA0A04FC94B}">
-              <ma14:wrappingTextBoxFlag xmlns="" xmlns:m="http://schemas.openxmlformats.org/officeDocument/2006/math" xmlns:a14="http://schemas.microsoft.com/office/drawing/2010/main" xmlns:ma14="http://schemas.microsoft.com/office/mac/drawingml/2011/main" val="1"/>
+              <ma14:wrappingTextBoxFlag xmlns:ma14="http://schemas.microsoft.com/office/mac/drawingml/2011/main" xmlns:a14="http://schemas.microsoft.com/office/drawing/2010/main" xmlns:m="http://schemas.openxmlformats.org/officeDocument/2006/math" xmlns="" val="1"/>
             </a:ext>
           </a:extLst>
         </p:spPr>
@@ -32016,7 +32144,7 @@
           </a:prstGeom>
           <a:extLst>
             <a:ext uri="{C572A759-6A51-4108-AA02-DFA0A04FC94B}">
-              <ma14:wrappingTextBoxFlag xmlns="" xmlns:m="http://schemas.openxmlformats.org/officeDocument/2006/math" xmlns:a14="http://schemas.microsoft.com/office/drawing/2010/main" xmlns:ma14="http://schemas.microsoft.com/office/mac/drawingml/2011/main" val="1"/>
+              <ma14:wrappingTextBoxFlag xmlns:ma14="http://schemas.microsoft.com/office/mac/drawingml/2011/main" xmlns:a14="http://schemas.microsoft.com/office/drawing/2010/main" xmlns:m="http://schemas.openxmlformats.org/officeDocument/2006/math" xmlns="" val="1"/>
             </a:ext>
           </a:extLst>
         </p:spPr>
@@ -32054,7 +32182,7 @@
           </a:ln>
           <a:extLst>
             <a:ext uri="{C572A759-6A51-4108-AA02-DFA0A04FC94B}">
-              <ma14:wrappingTextBoxFlag xmlns="" xmlns:m="http://schemas.openxmlformats.org/officeDocument/2006/math" xmlns:a14="http://schemas.microsoft.com/office/drawing/2010/main" xmlns:ma14="http://schemas.microsoft.com/office/mac/drawingml/2011/main" val="1"/>
+              <ma14:wrappingTextBoxFlag xmlns:ma14="http://schemas.microsoft.com/office/mac/drawingml/2011/main" xmlns:a14="http://schemas.microsoft.com/office/drawing/2010/main" xmlns:m="http://schemas.openxmlformats.org/officeDocument/2006/math" xmlns="" val="1"/>
             </a:ext>
           </a:extLst>
         </p:spPr>
@@ -32372,7 +32500,7 @@
           </a:ln>
           <a:extLst>
             <a:ext uri="{C572A759-6A51-4108-AA02-DFA0A04FC94B}">
-              <ma14:wrappingTextBoxFlag xmlns="" xmlns:m="http://schemas.openxmlformats.org/officeDocument/2006/math" xmlns:a14="http://schemas.microsoft.com/office/drawing/2010/main" xmlns:ma14="http://schemas.microsoft.com/office/mac/drawingml/2011/main" val="1"/>
+              <ma14:wrappingTextBoxFlag xmlns:ma14="http://schemas.microsoft.com/office/mac/drawingml/2011/main" xmlns:a14="http://schemas.microsoft.com/office/drawing/2010/main" xmlns:m="http://schemas.openxmlformats.org/officeDocument/2006/math" xmlns="" val="1"/>
             </a:ext>
           </a:extLst>
         </p:spPr>
@@ -32483,7 +32611,7 @@
           </a:ln>
           <a:extLst>
             <a:ext uri="{C572A759-6A51-4108-AA02-DFA0A04FC94B}">
-              <ma14:wrappingTextBoxFlag xmlns="" xmlns:m="http://schemas.openxmlformats.org/officeDocument/2006/math" xmlns:a14="http://schemas.microsoft.com/office/drawing/2010/main" xmlns:ma14="http://schemas.microsoft.com/office/mac/drawingml/2011/main" val="1"/>
+              <ma14:wrappingTextBoxFlag xmlns:ma14="http://schemas.microsoft.com/office/mac/drawingml/2011/main" xmlns:a14="http://schemas.microsoft.com/office/drawing/2010/main" xmlns:m="http://schemas.openxmlformats.org/officeDocument/2006/math" xmlns="" val="1"/>
             </a:ext>
           </a:extLst>
         </p:spPr>
@@ -32548,7 +32676,7 @@
           </a:ln>
           <a:extLst>
             <a:ext uri="{C572A759-6A51-4108-AA02-DFA0A04FC94B}">
-              <ma14:wrappingTextBoxFlag xmlns="" xmlns:m="http://schemas.openxmlformats.org/officeDocument/2006/math" xmlns:a14="http://schemas.microsoft.com/office/drawing/2010/main" xmlns:ma14="http://schemas.microsoft.com/office/mac/drawingml/2011/main" val="1"/>
+              <ma14:wrappingTextBoxFlag xmlns:ma14="http://schemas.microsoft.com/office/mac/drawingml/2011/main" xmlns:a14="http://schemas.microsoft.com/office/drawing/2010/main" xmlns:m="http://schemas.openxmlformats.org/officeDocument/2006/math" xmlns="" val="1"/>
             </a:ext>
           </a:extLst>
         </p:spPr>
@@ -32584,7 +32712,7 @@
           </a:prstGeom>
           <a:extLst>
             <a:ext uri="{C572A759-6A51-4108-AA02-DFA0A04FC94B}">
-              <ma14:wrappingTextBoxFlag xmlns="" xmlns:m="http://schemas.openxmlformats.org/officeDocument/2006/math" xmlns:a14="http://schemas.microsoft.com/office/drawing/2010/main" xmlns:ma14="http://schemas.microsoft.com/office/mac/drawingml/2011/main" val="1"/>
+              <ma14:wrappingTextBoxFlag xmlns:ma14="http://schemas.microsoft.com/office/mac/drawingml/2011/main" xmlns:a14="http://schemas.microsoft.com/office/drawing/2010/main" xmlns:m="http://schemas.openxmlformats.org/officeDocument/2006/math" xmlns="" val="1"/>
             </a:ext>
           </a:extLst>
         </p:spPr>
@@ -32622,7 +32750,7 @@
           </a:ln>
           <a:extLst>
             <a:ext uri="{C572A759-6A51-4108-AA02-DFA0A04FC94B}">
-              <ma14:wrappingTextBoxFlag xmlns="" xmlns:m="http://schemas.openxmlformats.org/officeDocument/2006/math" xmlns:a14="http://schemas.microsoft.com/office/drawing/2010/main" xmlns:ma14="http://schemas.microsoft.com/office/mac/drawingml/2011/main" val="1"/>
+              <ma14:wrappingTextBoxFlag xmlns:ma14="http://schemas.microsoft.com/office/mac/drawingml/2011/main" xmlns:a14="http://schemas.microsoft.com/office/drawing/2010/main" xmlns:m="http://schemas.openxmlformats.org/officeDocument/2006/math" xmlns="" val="1"/>
             </a:ext>
           </a:extLst>
         </p:spPr>
@@ -32734,7 +32862,7 @@
           </a:prstGeom>
           <a:extLst>
             <a:ext uri="{C572A759-6A51-4108-AA02-DFA0A04FC94B}">
-              <ma14:wrappingTextBoxFlag xmlns="" xmlns:m="http://schemas.openxmlformats.org/officeDocument/2006/math" xmlns:a14="http://schemas.microsoft.com/office/drawing/2010/main" xmlns:ma14="http://schemas.microsoft.com/office/mac/drawingml/2011/main" val="1"/>
+              <ma14:wrappingTextBoxFlag xmlns:ma14="http://schemas.microsoft.com/office/mac/drawingml/2011/main" xmlns:a14="http://schemas.microsoft.com/office/drawing/2010/main" xmlns:m="http://schemas.openxmlformats.org/officeDocument/2006/math" xmlns="" val="1"/>
             </a:ext>
           </a:extLst>
         </p:spPr>
@@ -32768,7 +32896,7 @@
           </a:ln>
           <a:extLst>
             <a:ext uri="{C572A759-6A51-4108-AA02-DFA0A04FC94B}">
-              <ma14:wrappingTextBoxFlag xmlns="" xmlns:m="http://schemas.openxmlformats.org/officeDocument/2006/math" xmlns:a14="http://schemas.microsoft.com/office/drawing/2010/main" xmlns:ma14="http://schemas.microsoft.com/office/mac/drawingml/2011/main" val="1"/>
+              <ma14:wrappingTextBoxFlag xmlns:ma14="http://schemas.microsoft.com/office/mac/drawingml/2011/main" xmlns:a14="http://schemas.microsoft.com/office/drawing/2010/main" xmlns:m="http://schemas.openxmlformats.org/officeDocument/2006/math" xmlns="" val="1"/>
             </a:ext>
           </a:extLst>
         </p:spPr>
@@ -32914,7 +33042,7 @@
           </a:ln>
           <a:extLst>
             <a:ext uri="{C572A759-6A51-4108-AA02-DFA0A04FC94B}">
-              <ma14:wrappingTextBoxFlag xmlns="" xmlns:m="http://schemas.openxmlformats.org/officeDocument/2006/math" xmlns:a14="http://schemas.microsoft.com/office/drawing/2010/main" xmlns:ma14="http://schemas.microsoft.com/office/mac/drawingml/2011/main" val="1"/>
+              <ma14:wrappingTextBoxFlag xmlns:ma14="http://schemas.microsoft.com/office/mac/drawingml/2011/main" xmlns:a14="http://schemas.microsoft.com/office/drawing/2010/main" xmlns:m="http://schemas.openxmlformats.org/officeDocument/2006/math" xmlns="" val="1"/>
             </a:ext>
           </a:extLst>
         </p:spPr>
@@ -33170,7 +33298,7 @@
           </a:ln>
           <a:extLst>
             <a:ext uri="{C572A759-6A51-4108-AA02-DFA0A04FC94B}">
-              <ma14:wrappingTextBoxFlag xmlns="" xmlns:m="http://schemas.openxmlformats.org/officeDocument/2006/math" xmlns:a14="http://schemas.microsoft.com/office/drawing/2010/main" xmlns:ma14="http://schemas.microsoft.com/office/mac/drawingml/2011/main" val="1"/>
+              <ma14:wrappingTextBoxFlag xmlns:ma14="http://schemas.microsoft.com/office/mac/drawingml/2011/main" xmlns:a14="http://schemas.microsoft.com/office/drawing/2010/main" xmlns:m="http://schemas.openxmlformats.org/officeDocument/2006/math" xmlns="" val="1"/>
             </a:ext>
           </a:extLst>
         </p:spPr>
@@ -33209,7 +33337,7 @@
           </a:ln>
           <a:extLst>
             <a:ext uri="{C572A759-6A51-4108-AA02-DFA0A04FC94B}">
-              <ma14:wrappingTextBoxFlag xmlns="" xmlns:m="http://schemas.openxmlformats.org/officeDocument/2006/math" xmlns:a14="http://schemas.microsoft.com/office/drawing/2010/main" xmlns:ma14="http://schemas.microsoft.com/office/mac/drawingml/2011/main" val="1"/>
+              <ma14:wrappingTextBoxFlag xmlns:ma14="http://schemas.microsoft.com/office/mac/drawingml/2011/main" xmlns:a14="http://schemas.microsoft.com/office/drawing/2010/main" xmlns:m="http://schemas.openxmlformats.org/officeDocument/2006/math" xmlns="" val="1"/>
             </a:ext>
           </a:extLst>
         </p:spPr>
@@ -33313,7 +33441,7 @@
           </a:ln>
           <a:extLst>
             <a:ext uri="{C572A759-6A51-4108-AA02-DFA0A04FC94B}">
-              <ma14:wrappingTextBoxFlag xmlns="" xmlns:m="http://schemas.openxmlformats.org/officeDocument/2006/math" xmlns:a14="http://schemas.microsoft.com/office/drawing/2010/main" xmlns:ma14="http://schemas.microsoft.com/office/mac/drawingml/2011/main" val="1"/>
+              <ma14:wrappingTextBoxFlag xmlns:ma14="http://schemas.microsoft.com/office/mac/drawingml/2011/main" xmlns:a14="http://schemas.microsoft.com/office/drawing/2010/main" xmlns:m="http://schemas.openxmlformats.org/officeDocument/2006/math" xmlns="" val="1"/>
             </a:ext>
           </a:extLst>
         </p:spPr>
@@ -33392,7 +33520,7 @@
           </a:ln>
           <a:extLst>
             <a:ext uri="{C572A759-6A51-4108-AA02-DFA0A04FC94B}">
-              <ma14:wrappingTextBoxFlag xmlns="" xmlns:m="http://schemas.openxmlformats.org/officeDocument/2006/math" xmlns:a14="http://schemas.microsoft.com/office/drawing/2010/main" xmlns:ma14="http://schemas.microsoft.com/office/mac/drawingml/2011/main" val="1"/>
+              <ma14:wrappingTextBoxFlag xmlns:ma14="http://schemas.microsoft.com/office/mac/drawingml/2011/main" xmlns:a14="http://schemas.microsoft.com/office/drawing/2010/main" xmlns:m="http://schemas.openxmlformats.org/officeDocument/2006/math" xmlns="" val="1"/>
             </a:ext>
           </a:extLst>
         </p:spPr>
@@ -33431,7 +33559,7 @@
           </a:ln>
           <a:extLst>
             <a:ext uri="{C572A759-6A51-4108-AA02-DFA0A04FC94B}">
-              <ma14:wrappingTextBoxFlag xmlns="" xmlns:m="http://schemas.openxmlformats.org/officeDocument/2006/math" xmlns:a14="http://schemas.microsoft.com/office/drawing/2010/main" xmlns:ma14="http://schemas.microsoft.com/office/mac/drawingml/2011/main" val="1"/>
+              <ma14:wrappingTextBoxFlag xmlns:ma14="http://schemas.microsoft.com/office/mac/drawingml/2011/main" xmlns:a14="http://schemas.microsoft.com/office/drawing/2010/main" xmlns:m="http://schemas.openxmlformats.org/officeDocument/2006/math" xmlns="" val="1"/>
             </a:ext>
           </a:extLst>
         </p:spPr>
@@ -33470,7 +33598,7 @@
           </a:ln>
           <a:extLst>
             <a:ext uri="{C572A759-6A51-4108-AA02-DFA0A04FC94B}">
-              <ma14:wrappingTextBoxFlag xmlns="" xmlns:m="http://schemas.openxmlformats.org/officeDocument/2006/math" xmlns:a14="http://schemas.microsoft.com/office/drawing/2010/main" xmlns:ma14="http://schemas.microsoft.com/office/mac/drawingml/2011/main" val="1"/>
+              <ma14:wrappingTextBoxFlag xmlns:ma14="http://schemas.microsoft.com/office/mac/drawingml/2011/main" xmlns:a14="http://schemas.microsoft.com/office/drawing/2010/main" xmlns:m="http://schemas.openxmlformats.org/officeDocument/2006/math" xmlns="" val="1"/>
             </a:ext>
           </a:extLst>
         </p:spPr>
@@ -33509,7 +33637,7 @@
           </a:ln>
           <a:extLst>
             <a:ext uri="{C572A759-6A51-4108-AA02-DFA0A04FC94B}">
-              <ma14:wrappingTextBoxFlag xmlns="" xmlns:m="http://schemas.openxmlformats.org/officeDocument/2006/math" xmlns:a14="http://schemas.microsoft.com/office/drawing/2010/main" xmlns:ma14="http://schemas.microsoft.com/office/mac/drawingml/2011/main" val="1"/>
+              <ma14:wrappingTextBoxFlag xmlns:ma14="http://schemas.microsoft.com/office/mac/drawingml/2011/main" xmlns:a14="http://schemas.microsoft.com/office/drawing/2010/main" xmlns:m="http://schemas.openxmlformats.org/officeDocument/2006/math" xmlns="" val="1"/>
             </a:ext>
           </a:extLst>
         </p:spPr>
@@ -33548,7 +33676,7 @@
           </a:ln>
           <a:extLst>
             <a:ext uri="{C572A759-6A51-4108-AA02-DFA0A04FC94B}">
-              <ma14:wrappingTextBoxFlag xmlns="" xmlns:m="http://schemas.openxmlformats.org/officeDocument/2006/math" xmlns:a14="http://schemas.microsoft.com/office/drawing/2010/main" xmlns:ma14="http://schemas.microsoft.com/office/mac/drawingml/2011/main" val="1"/>
+              <ma14:wrappingTextBoxFlag xmlns:ma14="http://schemas.microsoft.com/office/mac/drawingml/2011/main" xmlns:a14="http://schemas.microsoft.com/office/drawing/2010/main" xmlns:m="http://schemas.openxmlformats.org/officeDocument/2006/math" xmlns="" val="1"/>
             </a:ext>
           </a:extLst>
         </p:spPr>
@@ -33686,7 +33814,7 @@
           </a:ln>
           <a:extLst>
             <a:ext uri="{C572A759-6A51-4108-AA02-DFA0A04FC94B}">
-              <ma14:wrappingTextBoxFlag xmlns="" xmlns:m="http://schemas.openxmlformats.org/officeDocument/2006/math" xmlns:a14="http://schemas.microsoft.com/office/drawing/2010/main" xmlns:ma14="http://schemas.microsoft.com/office/mac/drawingml/2011/main" val="1"/>
+              <ma14:wrappingTextBoxFlag xmlns:ma14="http://schemas.microsoft.com/office/mac/drawingml/2011/main" xmlns:a14="http://schemas.microsoft.com/office/drawing/2010/main" xmlns:m="http://schemas.openxmlformats.org/officeDocument/2006/math" xmlns="" val="1"/>
             </a:ext>
           </a:extLst>
         </p:spPr>
@@ -33832,7 +33960,7 @@
           </a:ln>
           <a:extLst>
             <a:ext uri="{C572A759-6A51-4108-AA02-DFA0A04FC94B}">
-              <ma14:wrappingTextBoxFlag xmlns="" xmlns:m="http://schemas.openxmlformats.org/officeDocument/2006/math" xmlns:a14="http://schemas.microsoft.com/office/drawing/2010/main" xmlns:ma14="http://schemas.microsoft.com/office/mac/drawingml/2011/main" val="1"/>
+              <ma14:wrappingTextBoxFlag xmlns:ma14="http://schemas.microsoft.com/office/mac/drawingml/2011/main" xmlns:a14="http://schemas.microsoft.com/office/drawing/2010/main" xmlns:m="http://schemas.openxmlformats.org/officeDocument/2006/math" xmlns="" val="1"/>
             </a:ext>
           </a:extLst>
         </p:spPr>
@@ -34088,7 +34216,7 @@
           </a:ln>
           <a:extLst>
             <a:ext uri="{C572A759-6A51-4108-AA02-DFA0A04FC94B}">
-              <ma14:wrappingTextBoxFlag xmlns="" xmlns:m="http://schemas.openxmlformats.org/officeDocument/2006/math" xmlns:a14="http://schemas.microsoft.com/office/drawing/2010/main" xmlns:ma14="http://schemas.microsoft.com/office/mac/drawingml/2011/main" val="1"/>
+              <ma14:wrappingTextBoxFlag xmlns:ma14="http://schemas.microsoft.com/office/mac/drawingml/2011/main" xmlns:a14="http://schemas.microsoft.com/office/drawing/2010/main" xmlns:m="http://schemas.openxmlformats.org/officeDocument/2006/math" xmlns="" val="1"/>
             </a:ext>
           </a:extLst>
         </p:spPr>
@@ -34127,7 +34255,7 @@
           </a:ln>
           <a:extLst>
             <a:ext uri="{C572A759-6A51-4108-AA02-DFA0A04FC94B}">
-              <ma14:wrappingTextBoxFlag xmlns="" xmlns:m="http://schemas.openxmlformats.org/officeDocument/2006/math" xmlns:a14="http://schemas.microsoft.com/office/drawing/2010/main" xmlns:ma14="http://schemas.microsoft.com/office/mac/drawingml/2011/main" val="1"/>
+              <ma14:wrappingTextBoxFlag xmlns:ma14="http://schemas.microsoft.com/office/mac/drawingml/2011/main" xmlns:a14="http://schemas.microsoft.com/office/drawing/2010/main" xmlns:m="http://schemas.openxmlformats.org/officeDocument/2006/math" xmlns="" val="1"/>
             </a:ext>
           </a:extLst>
         </p:spPr>
@@ -34231,7 +34359,7 @@
           </a:ln>
           <a:extLst>
             <a:ext uri="{C572A759-6A51-4108-AA02-DFA0A04FC94B}">
-              <ma14:wrappingTextBoxFlag xmlns="" xmlns:m="http://schemas.openxmlformats.org/officeDocument/2006/math" xmlns:a14="http://schemas.microsoft.com/office/drawing/2010/main" xmlns:ma14="http://schemas.microsoft.com/office/mac/drawingml/2011/main" val="1"/>
+              <ma14:wrappingTextBoxFlag xmlns:ma14="http://schemas.microsoft.com/office/mac/drawingml/2011/main" xmlns:a14="http://schemas.microsoft.com/office/drawing/2010/main" xmlns:m="http://schemas.openxmlformats.org/officeDocument/2006/math" xmlns="" val="1"/>
             </a:ext>
           </a:extLst>
         </p:spPr>
@@ -34306,7 +34434,7 @@
           </a:ln>
           <a:extLst>
             <a:ext uri="{C572A759-6A51-4108-AA02-DFA0A04FC94B}">
-              <ma14:wrappingTextBoxFlag xmlns="" xmlns:m="http://schemas.openxmlformats.org/officeDocument/2006/math" xmlns:a14="http://schemas.microsoft.com/office/drawing/2010/main" xmlns:ma14="http://schemas.microsoft.com/office/mac/drawingml/2011/main" val="1"/>
+              <ma14:wrappingTextBoxFlag xmlns:ma14="http://schemas.microsoft.com/office/mac/drawingml/2011/main" xmlns:a14="http://schemas.microsoft.com/office/drawing/2010/main" xmlns:m="http://schemas.openxmlformats.org/officeDocument/2006/math" xmlns="" val="1"/>
             </a:ext>
           </a:extLst>
         </p:spPr>
@@ -34345,7 +34473,7 @@
           </a:ln>
           <a:extLst>
             <a:ext uri="{C572A759-6A51-4108-AA02-DFA0A04FC94B}">
-              <ma14:wrappingTextBoxFlag xmlns="" xmlns:m="http://schemas.openxmlformats.org/officeDocument/2006/math" xmlns:a14="http://schemas.microsoft.com/office/drawing/2010/main" xmlns:ma14="http://schemas.microsoft.com/office/mac/drawingml/2011/main" val="1"/>
+              <ma14:wrappingTextBoxFlag xmlns:ma14="http://schemas.microsoft.com/office/mac/drawingml/2011/main" xmlns:a14="http://schemas.microsoft.com/office/drawing/2010/main" xmlns:m="http://schemas.openxmlformats.org/officeDocument/2006/math" xmlns="" val="1"/>
             </a:ext>
           </a:extLst>
         </p:spPr>
@@ -34384,7 +34512,7 @@
           </a:ln>
           <a:extLst>
             <a:ext uri="{C572A759-6A51-4108-AA02-DFA0A04FC94B}">
-              <ma14:wrappingTextBoxFlag xmlns="" xmlns:m="http://schemas.openxmlformats.org/officeDocument/2006/math" xmlns:a14="http://schemas.microsoft.com/office/drawing/2010/main" xmlns:ma14="http://schemas.microsoft.com/office/mac/drawingml/2011/main" val="1"/>
+              <ma14:wrappingTextBoxFlag xmlns:ma14="http://schemas.microsoft.com/office/mac/drawingml/2011/main" xmlns:a14="http://schemas.microsoft.com/office/drawing/2010/main" xmlns:m="http://schemas.openxmlformats.org/officeDocument/2006/math" xmlns="" val="1"/>
             </a:ext>
           </a:extLst>
         </p:spPr>
@@ -34423,7 +34551,7 @@
           </a:ln>
           <a:extLst>
             <a:ext uri="{C572A759-6A51-4108-AA02-DFA0A04FC94B}">
-              <ma14:wrappingTextBoxFlag xmlns="" xmlns:m="http://schemas.openxmlformats.org/officeDocument/2006/math" xmlns:a14="http://schemas.microsoft.com/office/drawing/2010/main" xmlns:ma14="http://schemas.microsoft.com/office/mac/drawingml/2011/main" val="1"/>
+              <ma14:wrappingTextBoxFlag xmlns:ma14="http://schemas.microsoft.com/office/mac/drawingml/2011/main" xmlns:a14="http://schemas.microsoft.com/office/drawing/2010/main" xmlns:m="http://schemas.openxmlformats.org/officeDocument/2006/math" xmlns="" val="1"/>
             </a:ext>
           </a:extLst>
         </p:spPr>
@@ -34462,7 +34590,7 @@
           </a:ln>
           <a:extLst>
             <a:ext uri="{C572A759-6A51-4108-AA02-DFA0A04FC94B}">
-              <ma14:wrappingTextBoxFlag xmlns="" xmlns:m="http://schemas.openxmlformats.org/officeDocument/2006/math" xmlns:a14="http://schemas.microsoft.com/office/drawing/2010/main" xmlns:ma14="http://schemas.microsoft.com/office/mac/drawingml/2011/main" val="1"/>
+              <ma14:wrappingTextBoxFlag xmlns:ma14="http://schemas.microsoft.com/office/mac/drawingml/2011/main" xmlns:a14="http://schemas.microsoft.com/office/drawing/2010/main" xmlns:m="http://schemas.openxmlformats.org/officeDocument/2006/math" xmlns="" val="1"/>
             </a:ext>
           </a:extLst>
         </p:spPr>
@@ -34501,7 +34629,7 @@
           </a:ln>
           <a:extLst>
             <a:ext uri="{C572A759-6A51-4108-AA02-DFA0A04FC94B}">
-              <ma14:wrappingTextBoxFlag xmlns="" xmlns:m="http://schemas.openxmlformats.org/officeDocument/2006/math" xmlns:a14="http://schemas.microsoft.com/office/drawing/2010/main" xmlns:ma14="http://schemas.microsoft.com/office/mac/drawingml/2011/main" val="1"/>
+              <ma14:wrappingTextBoxFlag xmlns:ma14="http://schemas.microsoft.com/office/mac/drawingml/2011/main" xmlns:a14="http://schemas.microsoft.com/office/drawing/2010/main" xmlns:m="http://schemas.openxmlformats.org/officeDocument/2006/math" xmlns="" val="1"/>
             </a:ext>
           </a:extLst>
         </p:spPr>
@@ -34548,7 +34676,7 @@
           </a:ln>
           <a:extLst>
             <a:ext uri="{C572A759-6A51-4108-AA02-DFA0A04FC94B}">
-              <ma14:wrappingTextBoxFlag xmlns="" xmlns:m="http://schemas.openxmlformats.org/officeDocument/2006/math" xmlns:a14="http://schemas.microsoft.com/office/drawing/2010/main" xmlns:ma14="http://schemas.microsoft.com/office/mac/drawingml/2011/main" val="1"/>
+              <ma14:wrappingTextBoxFlag xmlns:ma14="http://schemas.microsoft.com/office/mac/drawingml/2011/main" xmlns:a14="http://schemas.microsoft.com/office/drawing/2010/main" xmlns:m="http://schemas.openxmlformats.org/officeDocument/2006/math" xmlns="" val="1"/>
             </a:ext>
           </a:extLst>
         </p:spPr>
@@ -34595,7 +34723,7 @@
           </a:ln>
           <a:extLst>
             <a:ext uri="{C572A759-6A51-4108-AA02-DFA0A04FC94B}">
-              <ma14:wrappingTextBoxFlag xmlns="" xmlns:m="http://schemas.openxmlformats.org/officeDocument/2006/math" xmlns:a14="http://schemas.microsoft.com/office/drawing/2010/main" xmlns:ma14="http://schemas.microsoft.com/office/mac/drawingml/2011/main" val="1"/>
+              <ma14:wrappingTextBoxFlag xmlns:ma14="http://schemas.microsoft.com/office/mac/drawingml/2011/main" xmlns:a14="http://schemas.microsoft.com/office/drawing/2010/main" xmlns:m="http://schemas.openxmlformats.org/officeDocument/2006/math" xmlns="" val="1"/>
             </a:ext>
           </a:extLst>
         </p:spPr>
@@ -34669,7 +34797,7 @@
           </a:ln>
           <a:extLst>
             <a:ext uri="{C572A759-6A51-4108-AA02-DFA0A04FC94B}">
-              <ma14:wrappingTextBoxFlag xmlns="" xmlns:m="http://schemas.openxmlformats.org/officeDocument/2006/math" xmlns:a14="http://schemas.microsoft.com/office/drawing/2010/main" xmlns:ma14="http://schemas.microsoft.com/office/mac/drawingml/2011/main" val="1"/>
+              <ma14:wrappingTextBoxFlag xmlns:ma14="http://schemas.microsoft.com/office/mac/drawingml/2011/main" xmlns:a14="http://schemas.microsoft.com/office/drawing/2010/main" xmlns:m="http://schemas.openxmlformats.org/officeDocument/2006/math" xmlns="" val="1"/>
             </a:ext>
           </a:extLst>
         </p:spPr>
@@ -34705,7 +34833,7 @@
           </a:prstGeom>
           <a:extLst>
             <a:ext uri="{C572A759-6A51-4108-AA02-DFA0A04FC94B}">
-              <ma14:wrappingTextBoxFlag xmlns="" xmlns:m="http://schemas.openxmlformats.org/officeDocument/2006/math" xmlns:a14="http://schemas.microsoft.com/office/drawing/2010/main" xmlns:ma14="http://schemas.microsoft.com/office/mac/drawingml/2011/main" val="1"/>
+              <ma14:wrappingTextBoxFlag xmlns:ma14="http://schemas.microsoft.com/office/mac/drawingml/2011/main" xmlns:a14="http://schemas.microsoft.com/office/drawing/2010/main" xmlns:m="http://schemas.openxmlformats.org/officeDocument/2006/math" xmlns="" val="1"/>
             </a:ext>
           </a:extLst>
         </p:spPr>
@@ -34798,7 +34926,7 @@
           </a:ln>
           <a:extLst>
             <a:ext uri="{C572A759-6A51-4108-AA02-DFA0A04FC94B}">
-              <ma14:wrappingTextBoxFlag xmlns="" xmlns:m="http://schemas.openxmlformats.org/officeDocument/2006/math" xmlns:a14="http://schemas.microsoft.com/office/drawing/2010/main" xmlns:ma14="http://schemas.microsoft.com/office/mac/drawingml/2011/main" val="1"/>
+              <ma14:wrappingTextBoxFlag xmlns:ma14="http://schemas.microsoft.com/office/mac/drawingml/2011/main" xmlns:a14="http://schemas.microsoft.com/office/drawing/2010/main" xmlns:m="http://schemas.openxmlformats.org/officeDocument/2006/math" xmlns="" val="1"/>
             </a:ext>
           </a:extLst>
         </p:spPr>
@@ -34841,7 +34969,7 @@
           </a:ln>
           <a:extLst>
             <a:ext uri="{C572A759-6A51-4108-AA02-DFA0A04FC94B}">
-              <ma14:wrappingTextBoxFlag xmlns="" xmlns:m="http://schemas.openxmlformats.org/officeDocument/2006/math" xmlns:a14="http://schemas.microsoft.com/office/drawing/2010/main" xmlns:ma14="http://schemas.microsoft.com/office/mac/drawingml/2011/main" val="1"/>
+              <ma14:wrappingTextBoxFlag xmlns:ma14="http://schemas.microsoft.com/office/mac/drawingml/2011/main" xmlns:a14="http://schemas.microsoft.com/office/drawing/2010/main" xmlns:m="http://schemas.openxmlformats.org/officeDocument/2006/math" xmlns="" val="1"/>
             </a:ext>
           </a:extLst>
         </p:spPr>
@@ -34884,7 +35012,7 @@
           </a:ln>
           <a:extLst>
             <a:ext uri="{C572A759-6A51-4108-AA02-DFA0A04FC94B}">
-              <ma14:wrappingTextBoxFlag xmlns="" xmlns:m="http://schemas.openxmlformats.org/officeDocument/2006/math" xmlns:a14="http://schemas.microsoft.com/office/drawing/2010/main" xmlns:ma14="http://schemas.microsoft.com/office/mac/drawingml/2011/main" val="1"/>
+              <ma14:wrappingTextBoxFlag xmlns:ma14="http://schemas.microsoft.com/office/mac/drawingml/2011/main" xmlns:a14="http://schemas.microsoft.com/office/drawing/2010/main" xmlns:m="http://schemas.openxmlformats.org/officeDocument/2006/math" xmlns="" val="1"/>
             </a:ext>
           </a:extLst>
         </p:spPr>
@@ -34927,7 +35055,7 @@
           </a:ln>
           <a:extLst>
             <a:ext uri="{C572A759-6A51-4108-AA02-DFA0A04FC94B}">
-              <ma14:wrappingTextBoxFlag xmlns="" xmlns:m="http://schemas.openxmlformats.org/officeDocument/2006/math" xmlns:a14="http://schemas.microsoft.com/office/drawing/2010/main" xmlns:ma14="http://schemas.microsoft.com/office/mac/drawingml/2011/main" val="1"/>
+              <ma14:wrappingTextBoxFlag xmlns:ma14="http://schemas.microsoft.com/office/mac/drawingml/2011/main" xmlns:a14="http://schemas.microsoft.com/office/drawing/2010/main" xmlns:m="http://schemas.openxmlformats.org/officeDocument/2006/math" xmlns="" val="1"/>
             </a:ext>
           </a:extLst>
         </p:spPr>
@@ -34970,7 +35098,7 @@
           </a:ln>
           <a:extLst>
             <a:ext uri="{C572A759-6A51-4108-AA02-DFA0A04FC94B}">
-              <ma14:wrappingTextBoxFlag xmlns="" xmlns:m="http://schemas.openxmlformats.org/officeDocument/2006/math" xmlns:a14="http://schemas.microsoft.com/office/drawing/2010/main" xmlns:ma14="http://schemas.microsoft.com/office/mac/drawingml/2011/main" val="1"/>
+              <ma14:wrappingTextBoxFlag xmlns:ma14="http://schemas.microsoft.com/office/mac/drawingml/2011/main" xmlns:a14="http://schemas.microsoft.com/office/drawing/2010/main" xmlns:m="http://schemas.openxmlformats.org/officeDocument/2006/math" xmlns="" val="1"/>
             </a:ext>
           </a:extLst>
         </p:spPr>
@@ -35243,7 +35371,7 @@
           </a:ln>
           <a:extLst>
             <a:ext uri="{C572A759-6A51-4108-AA02-DFA0A04FC94B}">
-              <ma14:wrappingTextBoxFlag xmlns="" xmlns:m="http://schemas.openxmlformats.org/officeDocument/2006/math" xmlns:a14="http://schemas.microsoft.com/office/drawing/2010/main" xmlns:ma14="http://schemas.microsoft.com/office/mac/drawingml/2011/main" val="1"/>
+              <ma14:wrappingTextBoxFlag xmlns:ma14="http://schemas.microsoft.com/office/mac/drawingml/2011/main" xmlns:a14="http://schemas.microsoft.com/office/drawing/2010/main" xmlns:m="http://schemas.openxmlformats.org/officeDocument/2006/math" xmlns="" val="1"/>
             </a:ext>
           </a:extLst>
         </p:spPr>
@@ -35389,7 +35517,7 @@
           </a:ln>
           <a:extLst>
             <a:ext uri="{C572A759-6A51-4108-AA02-DFA0A04FC94B}">
-              <ma14:wrappingTextBoxFlag xmlns="" xmlns:m="http://schemas.openxmlformats.org/officeDocument/2006/math" xmlns:a14="http://schemas.microsoft.com/office/drawing/2010/main" xmlns:ma14="http://schemas.microsoft.com/office/mac/drawingml/2011/main" val="1"/>
+              <ma14:wrappingTextBoxFlag xmlns:ma14="http://schemas.microsoft.com/office/mac/drawingml/2011/main" xmlns:a14="http://schemas.microsoft.com/office/drawing/2010/main" xmlns:m="http://schemas.openxmlformats.org/officeDocument/2006/math" xmlns="" val="1"/>
             </a:ext>
           </a:extLst>
         </p:spPr>
@@ -35645,7 +35773,7 @@
           </a:ln>
           <a:extLst>
             <a:ext uri="{C572A759-6A51-4108-AA02-DFA0A04FC94B}">
-              <ma14:wrappingTextBoxFlag xmlns="" xmlns:m="http://schemas.openxmlformats.org/officeDocument/2006/math" xmlns:a14="http://schemas.microsoft.com/office/drawing/2010/main" xmlns:ma14="http://schemas.microsoft.com/office/mac/drawingml/2011/main" val="1"/>
+              <ma14:wrappingTextBoxFlag xmlns:ma14="http://schemas.microsoft.com/office/mac/drawingml/2011/main" xmlns:a14="http://schemas.microsoft.com/office/drawing/2010/main" xmlns:m="http://schemas.openxmlformats.org/officeDocument/2006/math" xmlns="" val="1"/>
             </a:ext>
           </a:extLst>
         </p:spPr>
@@ -35684,7 +35812,7 @@
           </a:ln>
           <a:extLst>
             <a:ext uri="{C572A759-6A51-4108-AA02-DFA0A04FC94B}">
-              <ma14:wrappingTextBoxFlag xmlns="" xmlns:m="http://schemas.openxmlformats.org/officeDocument/2006/math" xmlns:a14="http://schemas.microsoft.com/office/drawing/2010/main" xmlns:ma14="http://schemas.microsoft.com/office/mac/drawingml/2011/main" val="1"/>
+              <ma14:wrappingTextBoxFlag xmlns:ma14="http://schemas.microsoft.com/office/mac/drawingml/2011/main" xmlns:a14="http://schemas.microsoft.com/office/drawing/2010/main" xmlns:m="http://schemas.openxmlformats.org/officeDocument/2006/math" xmlns="" val="1"/>
             </a:ext>
           </a:extLst>
         </p:spPr>
@@ -35788,7 +35916,7 @@
           </a:ln>
           <a:extLst>
             <a:ext uri="{C572A759-6A51-4108-AA02-DFA0A04FC94B}">
-              <ma14:wrappingTextBoxFlag xmlns="" xmlns:m="http://schemas.openxmlformats.org/officeDocument/2006/math" xmlns:a14="http://schemas.microsoft.com/office/drawing/2010/main" xmlns:ma14="http://schemas.microsoft.com/office/mac/drawingml/2011/main" val="1"/>
+              <ma14:wrappingTextBoxFlag xmlns:ma14="http://schemas.microsoft.com/office/mac/drawingml/2011/main" xmlns:a14="http://schemas.microsoft.com/office/drawing/2010/main" xmlns:m="http://schemas.openxmlformats.org/officeDocument/2006/math" xmlns="" val="1"/>
             </a:ext>
           </a:extLst>
         </p:spPr>
@@ -35863,7 +35991,7 @@
           </a:ln>
           <a:extLst>
             <a:ext uri="{C572A759-6A51-4108-AA02-DFA0A04FC94B}">
-              <ma14:wrappingTextBoxFlag xmlns="" xmlns:m="http://schemas.openxmlformats.org/officeDocument/2006/math" xmlns:a14="http://schemas.microsoft.com/office/drawing/2010/main" xmlns:ma14="http://schemas.microsoft.com/office/mac/drawingml/2011/main" val="1"/>
+              <ma14:wrappingTextBoxFlag xmlns:ma14="http://schemas.microsoft.com/office/mac/drawingml/2011/main" xmlns:a14="http://schemas.microsoft.com/office/drawing/2010/main" xmlns:m="http://schemas.openxmlformats.org/officeDocument/2006/math" xmlns="" val="1"/>
             </a:ext>
           </a:extLst>
         </p:spPr>
@@ -35902,7 +36030,7 @@
           </a:ln>
           <a:extLst>
             <a:ext uri="{C572A759-6A51-4108-AA02-DFA0A04FC94B}">
-              <ma14:wrappingTextBoxFlag xmlns="" xmlns:m="http://schemas.openxmlformats.org/officeDocument/2006/math" xmlns:a14="http://schemas.microsoft.com/office/drawing/2010/main" xmlns:ma14="http://schemas.microsoft.com/office/mac/drawingml/2011/main" val="1"/>
+              <ma14:wrappingTextBoxFlag xmlns:ma14="http://schemas.microsoft.com/office/mac/drawingml/2011/main" xmlns:a14="http://schemas.microsoft.com/office/drawing/2010/main" xmlns:m="http://schemas.openxmlformats.org/officeDocument/2006/math" xmlns="" val="1"/>
             </a:ext>
           </a:extLst>
         </p:spPr>
@@ -35941,7 +36069,7 @@
           </a:ln>
           <a:extLst>
             <a:ext uri="{C572A759-6A51-4108-AA02-DFA0A04FC94B}">
-              <ma14:wrappingTextBoxFlag xmlns="" xmlns:m="http://schemas.openxmlformats.org/officeDocument/2006/math" xmlns:a14="http://schemas.microsoft.com/office/drawing/2010/main" xmlns:ma14="http://schemas.microsoft.com/office/mac/drawingml/2011/main" val="1"/>
+              <ma14:wrappingTextBoxFlag xmlns:ma14="http://schemas.microsoft.com/office/mac/drawingml/2011/main" xmlns:a14="http://schemas.microsoft.com/office/drawing/2010/main" xmlns:m="http://schemas.openxmlformats.org/officeDocument/2006/math" xmlns="" val="1"/>
             </a:ext>
           </a:extLst>
         </p:spPr>
@@ -35980,7 +36108,7 @@
           </a:ln>
           <a:extLst>
             <a:ext uri="{C572A759-6A51-4108-AA02-DFA0A04FC94B}">
-              <ma14:wrappingTextBoxFlag xmlns="" xmlns:m="http://schemas.openxmlformats.org/officeDocument/2006/math" xmlns:a14="http://schemas.microsoft.com/office/drawing/2010/main" xmlns:ma14="http://schemas.microsoft.com/office/mac/drawingml/2011/main" val="1"/>
+              <ma14:wrappingTextBoxFlag xmlns:ma14="http://schemas.microsoft.com/office/mac/drawingml/2011/main" xmlns:a14="http://schemas.microsoft.com/office/drawing/2010/main" xmlns:m="http://schemas.openxmlformats.org/officeDocument/2006/math" xmlns="" val="1"/>
             </a:ext>
           </a:extLst>
         </p:spPr>
@@ -36019,7 +36147,7 @@
           </a:ln>
           <a:extLst>
             <a:ext uri="{C572A759-6A51-4108-AA02-DFA0A04FC94B}">
-              <ma14:wrappingTextBoxFlag xmlns="" xmlns:m="http://schemas.openxmlformats.org/officeDocument/2006/math" xmlns:a14="http://schemas.microsoft.com/office/drawing/2010/main" xmlns:ma14="http://schemas.microsoft.com/office/mac/drawingml/2011/main" val="1"/>
+              <ma14:wrappingTextBoxFlag xmlns:ma14="http://schemas.microsoft.com/office/mac/drawingml/2011/main" xmlns:a14="http://schemas.microsoft.com/office/drawing/2010/main" xmlns:m="http://schemas.openxmlformats.org/officeDocument/2006/math" xmlns="" val="1"/>
             </a:ext>
           </a:extLst>
         </p:spPr>
@@ -36058,7 +36186,7 @@
           </a:ln>
           <a:extLst>
             <a:ext uri="{C572A759-6A51-4108-AA02-DFA0A04FC94B}">
-              <ma14:wrappingTextBoxFlag xmlns="" xmlns:m="http://schemas.openxmlformats.org/officeDocument/2006/math" xmlns:a14="http://schemas.microsoft.com/office/drawing/2010/main" xmlns:ma14="http://schemas.microsoft.com/office/mac/drawingml/2011/main" val="1"/>
+              <ma14:wrappingTextBoxFlag xmlns:ma14="http://schemas.microsoft.com/office/mac/drawingml/2011/main" xmlns:a14="http://schemas.microsoft.com/office/drawing/2010/main" xmlns:m="http://schemas.openxmlformats.org/officeDocument/2006/math" xmlns="" val="1"/>
             </a:ext>
           </a:extLst>
         </p:spPr>
@@ -36105,7 +36233,7 @@
           </a:ln>
           <a:extLst>
             <a:ext uri="{C572A759-6A51-4108-AA02-DFA0A04FC94B}">
-              <ma14:wrappingTextBoxFlag xmlns="" xmlns:m="http://schemas.openxmlformats.org/officeDocument/2006/math" xmlns:a14="http://schemas.microsoft.com/office/drawing/2010/main" xmlns:ma14="http://schemas.microsoft.com/office/mac/drawingml/2011/main" val="1"/>
+              <ma14:wrappingTextBoxFlag xmlns:ma14="http://schemas.microsoft.com/office/mac/drawingml/2011/main" xmlns:a14="http://schemas.microsoft.com/office/drawing/2010/main" xmlns:m="http://schemas.openxmlformats.org/officeDocument/2006/math" xmlns="" val="1"/>
             </a:ext>
           </a:extLst>
         </p:spPr>
@@ -36152,7 +36280,7 @@
           </a:ln>
           <a:extLst>
             <a:ext uri="{C572A759-6A51-4108-AA02-DFA0A04FC94B}">
-              <ma14:wrappingTextBoxFlag xmlns="" xmlns:m="http://schemas.openxmlformats.org/officeDocument/2006/math" xmlns:a14="http://schemas.microsoft.com/office/drawing/2010/main" xmlns:ma14="http://schemas.microsoft.com/office/mac/drawingml/2011/main" val="1"/>
+              <ma14:wrappingTextBoxFlag xmlns:ma14="http://schemas.microsoft.com/office/mac/drawingml/2011/main" xmlns:a14="http://schemas.microsoft.com/office/drawing/2010/main" xmlns:m="http://schemas.openxmlformats.org/officeDocument/2006/math" xmlns="" val="1"/>
             </a:ext>
           </a:extLst>
         </p:spPr>
@@ -36226,7 +36354,7 @@
           </a:ln>
           <a:extLst>
             <a:ext uri="{C572A759-6A51-4108-AA02-DFA0A04FC94B}">
-              <ma14:wrappingTextBoxFlag xmlns="" xmlns:m="http://schemas.openxmlformats.org/officeDocument/2006/math" xmlns:a14="http://schemas.microsoft.com/office/drawing/2010/main" xmlns:ma14="http://schemas.microsoft.com/office/mac/drawingml/2011/main" val="1"/>
+              <ma14:wrappingTextBoxFlag xmlns:ma14="http://schemas.microsoft.com/office/mac/drawingml/2011/main" xmlns:a14="http://schemas.microsoft.com/office/drawing/2010/main" xmlns:m="http://schemas.openxmlformats.org/officeDocument/2006/math" xmlns="" val="1"/>
             </a:ext>
           </a:extLst>
         </p:spPr>
@@ -36262,7 +36390,7 @@
           </a:prstGeom>
           <a:extLst>
             <a:ext uri="{C572A759-6A51-4108-AA02-DFA0A04FC94B}">
-              <ma14:wrappingTextBoxFlag xmlns="" xmlns:m="http://schemas.openxmlformats.org/officeDocument/2006/math" xmlns:a14="http://schemas.microsoft.com/office/drawing/2010/main" xmlns:ma14="http://schemas.microsoft.com/office/mac/drawingml/2011/main" val="1"/>
+              <ma14:wrappingTextBoxFlag xmlns:ma14="http://schemas.microsoft.com/office/mac/drawingml/2011/main" xmlns:a14="http://schemas.microsoft.com/office/drawing/2010/main" xmlns:m="http://schemas.openxmlformats.org/officeDocument/2006/math" xmlns="" val="1"/>
             </a:ext>
           </a:extLst>
         </p:spPr>
@@ -36355,7 +36483,7 @@
           </a:ln>
           <a:extLst>
             <a:ext uri="{C572A759-6A51-4108-AA02-DFA0A04FC94B}">
-              <ma14:wrappingTextBoxFlag xmlns="" xmlns:m="http://schemas.openxmlformats.org/officeDocument/2006/math" xmlns:a14="http://schemas.microsoft.com/office/drawing/2010/main" xmlns:ma14="http://schemas.microsoft.com/office/mac/drawingml/2011/main" val="1"/>
+              <ma14:wrappingTextBoxFlag xmlns:ma14="http://schemas.microsoft.com/office/mac/drawingml/2011/main" xmlns:a14="http://schemas.microsoft.com/office/drawing/2010/main" xmlns:m="http://schemas.openxmlformats.org/officeDocument/2006/math" xmlns="" val="1"/>
             </a:ext>
           </a:extLst>
         </p:spPr>
@@ -36398,7 +36526,7 @@
           </a:ln>
           <a:extLst>
             <a:ext uri="{C572A759-6A51-4108-AA02-DFA0A04FC94B}">
-              <ma14:wrappingTextBoxFlag xmlns="" xmlns:m="http://schemas.openxmlformats.org/officeDocument/2006/math" xmlns:a14="http://schemas.microsoft.com/office/drawing/2010/main" xmlns:ma14="http://schemas.microsoft.com/office/mac/drawingml/2011/main" val="1"/>
+              <ma14:wrappingTextBoxFlag xmlns:ma14="http://schemas.microsoft.com/office/mac/drawingml/2011/main" xmlns:a14="http://schemas.microsoft.com/office/drawing/2010/main" xmlns:m="http://schemas.openxmlformats.org/officeDocument/2006/math" xmlns="" val="1"/>
             </a:ext>
           </a:extLst>
         </p:spPr>
@@ -36441,7 +36569,7 @@
           </a:ln>
           <a:extLst>
             <a:ext uri="{C572A759-6A51-4108-AA02-DFA0A04FC94B}">
-              <ma14:wrappingTextBoxFlag xmlns="" xmlns:m="http://schemas.openxmlformats.org/officeDocument/2006/math" xmlns:a14="http://schemas.microsoft.com/office/drawing/2010/main" xmlns:ma14="http://schemas.microsoft.com/office/mac/drawingml/2011/main" val="1"/>
+              <ma14:wrappingTextBoxFlag xmlns:ma14="http://schemas.microsoft.com/office/mac/drawingml/2011/main" xmlns:a14="http://schemas.microsoft.com/office/drawing/2010/main" xmlns:m="http://schemas.openxmlformats.org/officeDocument/2006/math" xmlns="" val="1"/>
             </a:ext>
           </a:extLst>
         </p:spPr>
@@ -36484,7 +36612,7 @@
           </a:ln>
           <a:extLst>
             <a:ext uri="{C572A759-6A51-4108-AA02-DFA0A04FC94B}">
-              <ma14:wrappingTextBoxFlag xmlns="" xmlns:m="http://schemas.openxmlformats.org/officeDocument/2006/math" xmlns:a14="http://schemas.microsoft.com/office/drawing/2010/main" xmlns:ma14="http://schemas.microsoft.com/office/mac/drawingml/2011/main" val="1"/>
+              <ma14:wrappingTextBoxFlag xmlns:ma14="http://schemas.microsoft.com/office/mac/drawingml/2011/main" xmlns:a14="http://schemas.microsoft.com/office/drawing/2010/main" xmlns:m="http://schemas.openxmlformats.org/officeDocument/2006/math" xmlns="" val="1"/>
             </a:ext>
           </a:extLst>
         </p:spPr>
@@ -36527,7 +36655,7 @@
           </a:ln>
           <a:extLst>
             <a:ext uri="{C572A759-6A51-4108-AA02-DFA0A04FC94B}">
-              <ma14:wrappingTextBoxFlag xmlns="" xmlns:m="http://schemas.openxmlformats.org/officeDocument/2006/math" xmlns:a14="http://schemas.microsoft.com/office/drawing/2010/main" xmlns:ma14="http://schemas.microsoft.com/office/mac/drawingml/2011/main" val="1"/>
+              <ma14:wrappingTextBoxFlag xmlns:ma14="http://schemas.microsoft.com/office/mac/drawingml/2011/main" xmlns:a14="http://schemas.microsoft.com/office/drawing/2010/main" xmlns:m="http://schemas.openxmlformats.org/officeDocument/2006/math" xmlns="" val="1"/>
             </a:ext>
           </a:extLst>
         </p:spPr>
@@ -36728,7 +36856,7 @@
           </a:ln>
           <a:extLst>
             <a:ext uri="{C572A759-6A51-4108-AA02-DFA0A04FC94B}">
-              <ma14:wrappingTextBoxFlag xmlns="" xmlns:m="http://schemas.openxmlformats.org/officeDocument/2006/math" xmlns:a14="http://schemas.microsoft.com/office/drawing/2010/main" xmlns:ma14="http://schemas.microsoft.com/office/mac/drawingml/2011/main" val="1"/>
+              <ma14:wrappingTextBoxFlag xmlns:ma14="http://schemas.microsoft.com/office/mac/drawingml/2011/main" xmlns:a14="http://schemas.microsoft.com/office/drawing/2010/main" xmlns:m="http://schemas.openxmlformats.org/officeDocument/2006/math" xmlns="" val="1"/>
             </a:ext>
           </a:extLst>
         </p:spPr>
@@ -36872,7 +37000,7 @@
           </a:ln>
           <a:extLst>
             <a:ext uri="{C572A759-6A51-4108-AA02-DFA0A04FC94B}">
-              <ma14:wrappingTextBoxFlag xmlns="" xmlns:m="http://schemas.openxmlformats.org/officeDocument/2006/math" xmlns:a14="http://schemas.microsoft.com/office/drawing/2010/main" xmlns:ma14="http://schemas.microsoft.com/office/mac/drawingml/2011/main" val="1"/>
+              <ma14:wrappingTextBoxFlag xmlns:ma14="http://schemas.microsoft.com/office/mac/drawingml/2011/main" xmlns:a14="http://schemas.microsoft.com/office/drawing/2010/main" xmlns:m="http://schemas.openxmlformats.org/officeDocument/2006/math" xmlns="" val="1"/>
             </a:ext>
           </a:extLst>
         </p:spPr>
@@ -36935,7 +37063,7 @@
           </a:prstGeom>
           <a:extLst>
             <a:ext uri="{C572A759-6A51-4108-AA02-DFA0A04FC94B}">
-              <ma14:wrappingTextBoxFlag xmlns="" xmlns:m="http://schemas.openxmlformats.org/officeDocument/2006/math" xmlns:a14="http://schemas.microsoft.com/office/drawing/2010/main" xmlns:ma14="http://schemas.microsoft.com/office/mac/drawingml/2011/main" val="1"/>
+              <ma14:wrappingTextBoxFlag xmlns:ma14="http://schemas.microsoft.com/office/mac/drawingml/2011/main" xmlns:a14="http://schemas.microsoft.com/office/drawing/2010/main" xmlns:m="http://schemas.openxmlformats.org/officeDocument/2006/math" xmlns="" val="1"/>
             </a:ext>
           </a:extLst>
         </p:spPr>
@@ -36973,7 +37101,7 @@
           </a:ln>
           <a:extLst>
             <a:ext uri="{C572A759-6A51-4108-AA02-DFA0A04FC94B}">
-              <ma14:wrappingTextBoxFlag xmlns="" xmlns:m="http://schemas.openxmlformats.org/officeDocument/2006/math" xmlns:a14="http://schemas.microsoft.com/office/drawing/2010/main" xmlns:ma14="http://schemas.microsoft.com/office/mac/drawingml/2011/main" val="1"/>
+              <ma14:wrappingTextBoxFlag xmlns:ma14="http://schemas.microsoft.com/office/mac/drawingml/2011/main" xmlns:a14="http://schemas.microsoft.com/office/drawing/2010/main" xmlns:m="http://schemas.openxmlformats.org/officeDocument/2006/math" xmlns="" val="1"/>
             </a:ext>
           </a:extLst>
         </p:spPr>
@@ -37016,7 +37144,7 @@
           </a:ln>
           <a:extLst>
             <a:ext uri="{C572A759-6A51-4108-AA02-DFA0A04FC94B}">
-              <ma14:wrappingTextBoxFlag xmlns="" xmlns:m="http://schemas.openxmlformats.org/officeDocument/2006/math" xmlns:a14="http://schemas.microsoft.com/office/drawing/2010/main" xmlns:ma14="http://schemas.microsoft.com/office/mac/drawingml/2011/main" val="1"/>
+              <ma14:wrappingTextBoxFlag xmlns:ma14="http://schemas.microsoft.com/office/mac/drawingml/2011/main" xmlns:a14="http://schemas.microsoft.com/office/drawing/2010/main" xmlns:m="http://schemas.openxmlformats.org/officeDocument/2006/math" xmlns="" val="1"/>
             </a:ext>
           </a:extLst>
         </p:spPr>
@@ -37241,7 +37369,7 @@
           </a:prstGeom>
           <a:extLst>
             <a:ext uri="{C572A759-6A51-4108-AA02-DFA0A04FC94B}">
-              <ma14:wrappingTextBoxFlag xmlns="" xmlns:m="http://schemas.openxmlformats.org/officeDocument/2006/math" xmlns:a14="http://schemas.microsoft.com/office/drawing/2010/main" xmlns:ma14="http://schemas.microsoft.com/office/mac/drawingml/2011/main" val="1"/>
+              <ma14:wrappingTextBoxFlag xmlns:ma14="http://schemas.microsoft.com/office/mac/drawingml/2011/main" xmlns:a14="http://schemas.microsoft.com/office/drawing/2010/main" xmlns:m="http://schemas.openxmlformats.org/officeDocument/2006/math" xmlns="" val="1"/>
             </a:ext>
           </a:extLst>
         </p:spPr>
@@ -37275,7 +37403,7 @@
           </a:ln>
           <a:extLst>
             <a:ext uri="{C572A759-6A51-4108-AA02-DFA0A04FC94B}">
-              <ma14:wrappingTextBoxFlag xmlns="" xmlns:m="http://schemas.openxmlformats.org/officeDocument/2006/math" xmlns:a14="http://schemas.microsoft.com/office/drawing/2010/main" xmlns:ma14="http://schemas.microsoft.com/office/mac/drawingml/2011/main" val="1"/>
+              <ma14:wrappingTextBoxFlag xmlns:ma14="http://schemas.microsoft.com/office/mac/drawingml/2011/main" xmlns:a14="http://schemas.microsoft.com/office/drawing/2010/main" xmlns:m="http://schemas.openxmlformats.org/officeDocument/2006/math" xmlns="" val="1"/>
             </a:ext>
           </a:extLst>
         </p:spPr>
@@ -37450,7 +37578,7 @@
           </a:prstGeom>
           <a:extLst>
             <a:ext uri="{C572A759-6A51-4108-AA02-DFA0A04FC94B}">
-              <ma14:wrappingTextBoxFlag xmlns="" xmlns:m="http://schemas.openxmlformats.org/officeDocument/2006/math" xmlns:a14="http://schemas.microsoft.com/office/drawing/2010/main" xmlns:ma14="http://schemas.microsoft.com/office/mac/drawingml/2011/main" val="1"/>
+              <ma14:wrappingTextBoxFlag xmlns:ma14="http://schemas.microsoft.com/office/mac/drawingml/2011/main" xmlns:a14="http://schemas.microsoft.com/office/drawing/2010/main" xmlns:m="http://schemas.openxmlformats.org/officeDocument/2006/math" xmlns="" val="1"/>
             </a:ext>
           </a:extLst>
         </p:spPr>
@@ -37484,7 +37612,7 @@
           </a:ln>
           <a:extLst>
             <a:ext uri="{C572A759-6A51-4108-AA02-DFA0A04FC94B}">
-              <ma14:wrappingTextBoxFlag xmlns="" xmlns:m="http://schemas.openxmlformats.org/officeDocument/2006/math" xmlns:a14="http://schemas.microsoft.com/office/drawing/2010/main" xmlns:ma14="http://schemas.microsoft.com/office/mac/drawingml/2011/main" val="1"/>
+              <ma14:wrappingTextBoxFlag xmlns:ma14="http://schemas.microsoft.com/office/mac/drawingml/2011/main" xmlns:a14="http://schemas.microsoft.com/office/drawing/2010/main" xmlns:m="http://schemas.openxmlformats.org/officeDocument/2006/math" xmlns="" val="1"/>
             </a:ext>
           </a:extLst>
         </p:spPr>
@@ -37624,7 +37752,7 @@
           </a:prstGeom>
           <a:extLst>
             <a:ext uri="{C572A759-6A51-4108-AA02-DFA0A04FC94B}">
-              <ma14:wrappingTextBoxFlag xmlns="" xmlns:m="http://schemas.openxmlformats.org/officeDocument/2006/math" xmlns:a14="http://schemas.microsoft.com/office/drawing/2010/main" xmlns:ma14="http://schemas.microsoft.com/office/mac/drawingml/2011/main" val="1"/>
+              <ma14:wrappingTextBoxFlag xmlns:ma14="http://schemas.microsoft.com/office/mac/drawingml/2011/main" xmlns:a14="http://schemas.microsoft.com/office/drawing/2010/main" xmlns:m="http://schemas.openxmlformats.org/officeDocument/2006/math" xmlns="" val="1"/>
             </a:ext>
           </a:extLst>
         </p:spPr>
@@ -37658,7 +37786,7 @@
           </a:ln>
           <a:extLst>
             <a:ext uri="{C572A759-6A51-4108-AA02-DFA0A04FC94B}">
-              <ma14:wrappingTextBoxFlag xmlns="" xmlns:m="http://schemas.openxmlformats.org/officeDocument/2006/math" xmlns:a14="http://schemas.microsoft.com/office/drawing/2010/main" xmlns:ma14="http://schemas.microsoft.com/office/mac/drawingml/2011/main" val="1"/>
+              <ma14:wrappingTextBoxFlag xmlns:ma14="http://schemas.microsoft.com/office/mac/drawingml/2011/main" xmlns:a14="http://schemas.microsoft.com/office/drawing/2010/main" xmlns:m="http://schemas.openxmlformats.org/officeDocument/2006/math" xmlns="" val="1"/>
             </a:ext>
           </a:extLst>
         </p:spPr>
@@ -37802,7 +37930,7 @@
           </a:ln>
           <a:extLst>
             <a:ext uri="{C572A759-6A51-4108-AA02-DFA0A04FC94B}">
-              <ma14:wrappingTextBoxFlag xmlns="" xmlns:m="http://schemas.openxmlformats.org/officeDocument/2006/math" xmlns:a14="http://schemas.microsoft.com/office/drawing/2010/main" xmlns:ma14="http://schemas.microsoft.com/office/mac/drawingml/2011/main" val="1"/>
+              <ma14:wrappingTextBoxFlag xmlns:ma14="http://schemas.microsoft.com/office/mac/drawingml/2011/main" xmlns:a14="http://schemas.microsoft.com/office/drawing/2010/main" xmlns:m="http://schemas.openxmlformats.org/officeDocument/2006/math" xmlns="" val="1"/>
             </a:ext>
           </a:extLst>
         </p:spPr>
@@ -37891,7 +38019,7 @@
           </a:prstGeom>
           <a:extLst>
             <a:ext uri="{C572A759-6A51-4108-AA02-DFA0A04FC94B}">
-              <ma14:wrappingTextBoxFlag xmlns="" xmlns:m="http://schemas.openxmlformats.org/officeDocument/2006/math" xmlns:a14="http://schemas.microsoft.com/office/drawing/2010/main" xmlns:ma14="http://schemas.microsoft.com/office/mac/drawingml/2011/main" val="1"/>
+              <ma14:wrappingTextBoxFlag xmlns:ma14="http://schemas.microsoft.com/office/mac/drawingml/2011/main" xmlns:a14="http://schemas.microsoft.com/office/drawing/2010/main" xmlns:m="http://schemas.openxmlformats.org/officeDocument/2006/math" xmlns="" val="1"/>
             </a:ext>
           </a:extLst>
         </p:spPr>
@@ -37925,7 +38053,7 @@
           </a:ln>
           <a:extLst>
             <a:ext uri="{C572A759-6A51-4108-AA02-DFA0A04FC94B}">
-              <ma14:wrappingTextBoxFlag xmlns="" xmlns:m="http://schemas.openxmlformats.org/officeDocument/2006/math" xmlns:a14="http://schemas.microsoft.com/office/drawing/2010/main" xmlns:ma14="http://schemas.microsoft.com/office/mac/drawingml/2011/main" val="1"/>
+              <ma14:wrappingTextBoxFlag xmlns:ma14="http://schemas.microsoft.com/office/mac/drawingml/2011/main" xmlns:a14="http://schemas.microsoft.com/office/drawing/2010/main" xmlns:m="http://schemas.openxmlformats.org/officeDocument/2006/math" xmlns="" val="1"/>
             </a:ext>
           </a:extLst>
         </p:spPr>
@@ -37967,7 +38095,7 @@
           </a:ln>
           <a:extLst>
             <a:ext uri="{C572A759-6A51-4108-AA02-DFA0A04FC94B}">
-              <ma14:wrappingTextBoxFlag xmlns="" xmlns:m="http://schemas.openxmlformats.org/officeDocument/2006/math" xmlns:a14="http://schemas.microsoft.com/office/drawing/2010/main" xmlns:ma14="http://schemas.microsoft.com/office/mac/drawingml/2011/main" val="1"/>
+              <ma14:wrappingTextBoxFlag xmlns:ma14="http://schemas.microsoft.com/office/mac/drawingml/2011/main" xmlns:a14="http://schemas.microsoft.com/office/drawing/2010/main" xmlns:m="http://schemas.openxmlformats.org/officeDocument/2006/math" xmlns="" val="1"/>
             </a:ext>
           </a:extLst>
         </p:spPr>
@@ -38010,7 +38138,7 @@
           </a:ln>
           <a:extLst>
             <a:ext uri="{C572A759-6A51-4108-AA02-DFA0A04FC94B}">
-              <ma14:wrappingTextBoxFlag xmlns="" xmlns:m="http://schemas.openxmlformats.org/officeDocument/2006/math" xmlns:a14="http://schemas.microsoft.com/office/drawing/2010/main" xmlns:ma14="http://schemas.microsoft.com/office/mac/drawingml/2011/main" val="1"/>
+              <ma14:wrappingTextBoxFlag xmlns:ma14="http://schemas.microsoft.com/office/mac/drawingml/2011/main" xmlns:a14="http://schemas.microsoft.com/office/drawing/2010/main" xmlns:m="http://schemas.openxmlformats.org/officeDocument/2006/math" xmlns="" val="1"/>
             </a:ext>
           </a:extLst>
         </p:spPr>
@@ -38049,7 +38177,7 @@
           </a:ln>
           <a:extLst>
             <a:ext uri="{C572A759-6A51-4108-AA02-DFA0A04FC94B}">
-              <ma14:wrappingTextBoxFlag xmlns="" xmlns:m="http://schemas.openxmlformats.org/officeDocument/2006/math" xmlns:a14="http://schemas.microsoft.com/office/drawing/2010/main" xmlns:ma14="http://schemas.microsoft.com/office/mac/drawingml/2011/main" val="1"/>
+              <ma14:wrappingTextBoxFlag xmlns:ma14="http://schemas.microsoft.com/office/mac/drawingml/2011/main" xmlns:a14="http://schemas.microsoft.com/office/drawing/2010/main" xmlns:m="http://schemas.openxmlformats.org/officeDocument/2006/math" xmlns="" val="1"/>
             </a:ext>
           </a:extLst>
         </p:spPr>
@@ -38149,7 +38277,7 @@
           </a:prstGeom>
           <a:extLst>
             <a:ext uri="{C572A759-6A51-4108-AA02-DFA0A04FC94B}">
-              <ma14:wrappingTextBoxFlag xmlns="" xmlns:m="http://schemas.openxmlformats.org/officeDocument/2006/math" xmlns:a14="http://schemas.microsoft.com/office/drawing/2010/main" xmlns:ma14="http://schemas.microsoft.com/office/mac/drawingml/2011/main" val="1"/>
+              <ma14:wrappingTextBoxFlag xmlns:ma14="http://schemas.microsoft.com/office/mac/drawingml/2011/main" xmlns:a14="http://schemas.microsoft.com/office/drawing/2010/main" xmlns:m="http://schemas.openxmlformats.org/officeDocument/2006/math" xmlns="" val="1"/>
             </a:ext>
           </a:extLst>
         </p:spPr>
@@ -38183,7 +38311,7 @@
           </a:ln>
           <a:extLst>
             <a:ext uri="{C572A759-6A51-4108-AA02-DFA0A04FC94B}">
-              <ma14:wrappingTextBoxFlag xmlns="" xmlns:m="http://schemas.openxmlformats.org/officeDocument/2006/math" xmlns:a14="http://schemas.microsoft.com/office/drawing/2010/main" xmlns:ma14="http://schemas.microsoft.com/office/mac/drawingml/2011/main" val="1"/>
+              <ma14:wrappingTextBoxFlag xmlns:ma14="http://schemas.microsoft.com/office/mac/drawingml/2011/main" xmlns:a14="http://schemas.microsoft.com/office/drawing/2010/main" xmlns:m="http://schemas.openxmlformats.org/officeDocument/2006/math" xmlns="" val="1"/>
             </a:ext>
           </a:extLst>
         </p:spPr>
@@ -38225,7 +38353,7 @@
           </a:ln>
           <a:extLst>
             <a:ext uri="{C572A759-6A51-4108-AA02-DFA0A04FC94B}">
-              <ma14:wrappingTextBoxFlag xmlns="" xmlns:m="http://schemas.openxmlformats.org/officeDocument/2006/math" xmlns:a14="http://schemas.microsoft.com/office/drawing/2010/main" xmlns:ma14="http://schemas.microsoft.com/office/mac/drawingml/2011/main" val="1"/>
+              <ma14:wrappingTextBoxFlag xmlns:ma14="http://schemas.microsoft.com/office/mac/drawingml/2011/main" xmlns:a14="http://schemas.microsoft.com/office/drawing/2010/main" xmlns:m="http://schemas.openxmlformats.org/officeDocument/2006/math" xmlns="" val="1"/>
             </a:ext>
           </a:extLst>
         </p:spPr>
@@ -38268,7 +38396,7 @@
           </a:ln>
           <a:extLst>
             <a:ext uri="{C572A759-6A51-4108-AA02-DFA0A04FC94B}">
-              <ma14:wrappingTextBoxFlag xmlns="" xmlns:m="http://schemas.openxmlformats.org/officeDocument/2006/math" xmlns:a14="http://schemas.microsoft.com/office/drawing/2010/main" xmlns:ma14="http://schemas.microsoft.com/office/mac/drawingml/2011/main" val="1"/>
+              <ma14:wrappingTextBoxFlag xmlns:ma14="http://schemas.microsoft.com/office/mac/drawingml/2011/main" xmlns:a14="http://schemas.microsoft.com/office/drawing/2010/main" xmlns:m="http://schemas.openxmlformats.org/officeDocument/2006/math" xmlns="" val="1"/>
             </a:ext>
           </a:extLst>
         </p:spPr>
@@ -38393,7 +38521,7 @@
           </a:ln>
           <a:extLst>
             <a:ext uri="{C572A759-6A51-4108-AA02-DFA0A04FC94B}">
-              <ma14:wrappingTextBoxFlag xmlns="" xmlns:m="http://schemas.openxmlformats.org/officeDocument/2006/math" xmlns:a14="http://schemas.microsoft.com/office/drawing/2010/main" xmlns:ma14="http://schemas.microsoft.com/office/mac/drawingml/2011/main" val="1"/>
+              <ma14:wrappingTextBoxFlag xmlns:ma14="http://schemas.microsoft.com/office/mac/drawingml/2011/main" xmlns:a14="http://schemas.microsoft.com/office/drawing/2010/main" xmlns:m="http://schemas.openxmlformats.org/officeDocument/2006/math" xmlns="" val="1"/>
             </a:ext>
           </a:extLst>
         </p:spPr>
@@ -38443,7 +38571,7 @@
           </a:ln>
           <a:extLst>
             <a:ext uri="{C572A759-6A51-4108-AA02-DFA0A04FC94B}">
-              <ma14:wrappingTextBoxFlag xmlns="" xmlns:m="http://schemas.openxmlformats.org/officeDocument/2006/math" xmlns:a14="http://schemas.microsoft.com/office/drawing/2010/main" xmlns:ma14="http://schemas.microsoft.com/office/mac/drawingml/2011/main" val="1"/>
+              <ma14:wrappingTextBoxFlag xmlns:ma14="http://schemas.microsoft.com/office/mac/drawingml/2011/main" xmlns:a14="http://schemas.microsoft.com/office/drawing/2010/main" xmlns:m="http://schemas.openxmlformats.org/officeDocument/2006/math" xmlns="" val="1"/>
             </a:ext>
           </a:extLst>
         </p:spPr>
@@ -38490,7 +38618,7 @@
           </a:ln>
           <a:extLst>
             <a:ext uri="{C572A759-6A51-4108-AA02-DFA0A04FC94B}">
-              <ma14:wrappingTextBoxFlag xmlns="" xmlns:m="http://schemas.openxmlformats.org/officeDocument/2006/math" xmlns:a14="http://schemas.microsoft.com/office/drawing/2010/main" xmlns:ma14="http://schemas.microsoft.com/office/mac/drawingml/2011/main" val="1"/>
+              <ma14:wrappingTextBoxFlag xmlns:ma14="http://schemas.microsoft.com/office/mac/drawingml/2011/main" xmlns:a14="http://schemas.microsoft.com/office/drawing/2010/main" xmlns:m="http://schemas.openxmlformats.org/officeDocument/2006/math" xmlns="" val="1"/>
             </a:ext>
           </a:extLst>
         </p:spPr>
@@ -38559,7 +38687,7 @@
           </a:ln>
           <a:extLst>
             <a:ext uri="{C572A759-6A51-4108-AA02-DFA0A04FC94B}">
-              <ma14:wrappingTextBoxFlag xmlns="" xmlns:m="http://schemas.openxmlformats.org/officeDocument/2006/math" xmlns:a14="http://schemas.microsoft.com/office/drawing/2010/main" xmlns:ma14="http://schemas.microsoft.com/office/mac/drawingml/2011/main" val="1"/>
+              <ma14:wrappingTextBoxFlag xmlns:ma14="http://schemas.microsoft.com/office/mac/drawingml/2011/main" xmlns:a14="http://schemas.microsoft.com/office/drawing/2010/main" xmlns:m="http://schemas.openxmlformats.org/officeDocument/2006/math" xmlns="" val="1"/>
             </a:ext>
           </a:extLst>
         </p:spPr>
@@ -38595,7 +38723,7 @@
           </a:prstGeom>
           <a:extLst>
             <a:ext uri="{C572A759-6A51-4108-AA02-DFA0A04FC94B}">
-              <ma14:wrappingTextBoxFlag xmlns="" xmlns:m="http://schemas.openxmlformats.org/officeDocument/2006/math" xmlns:a14="http://schemas.microsoft.com/office/drawing/2010/main" xmlns:ma14="http://schemas.microsoft.com/office/mac/drawingml/2011/main" val="1"/>
+              <ma14:wrappingTextBoxFlag xmlns:ma14="http://schemas.microsoft.com/office/mac/drawingml/2011/main" xmlns:a14="http://schemas.microsoft.com/office/drawing/2010/main" xmlns:m="http://schemas.openxmlformats.org/officeDocument/2006/math" xmlns="" val="1"/>
             </a:ext>
           </a:extLst>
         </p:spPr>
@@ -38633,7 +38761,7 @@
           </a:ln>
           <a:extLst>
             <a:ext uri="{C572A759-6A51-4108-AA02-DFA0A04FC94B}">
-              <ma14:wrappingTextBoxFlag xmlns="" xmlns:m="http://schemas.openxmlformats.org/officeDocument/2006/math" xmlns:a14="http://schemas.microsoft.com/office/drawing/2010/main" xmlns:ma14="http://schemas.microsoft.com/office/mac/drawingml/2011/main" val="1"/>
+              <ma14:wrappingTextBoxFlag xmlns:ma14="http://schemas.microsoft.com/office/mac/drawingml/2011/main" xmlns:a14="http://schemas.microsoft.com/office/drawing/2010/main" xmlns:m="http://schemas.openxmlformats.org/officeDocument/2006/math" xmlns="" val="1"/>
             </a:ext>
           </a:extLst>
         </p:spPr>
@@ -38746,7 +38874,7 @@
               </a:ln>
               <a:extLst>
                 <a:ext uri="{C572A759-6A51-4108-AA02-DFA0A04FC94B}">
-                  <ma14:wrappingTextBoxFlag xmlns="" xmlns:m="http://schemas.openxmlformats.org/officeDocument/2006/math" xmlns:ma14="http://schemas.microsoft.com/office/mac/drawingml/2011/main" val="1"/>
+                  <ma14:wrappingTextBoxFlag xmlns:ma14="http://schemas.microsoft.com/office/mac/drawingml/2011/main" xmlns:m="http://schemas.openxmlformats.org/officeDocument/2006/math" xmlns="" val="1"/>
                 </a:ext>
               </a:extLst>
             </p:spPr>
@@ -38996,7 +39124,7 @@
           </a:ln>
           <a:extLst>
             <a:ext uri="{C572A759-6A51-4108-AA02-DFA0A04FC94B}">
-              <ma14:wrappingTextBoxFlag xmlns="" xmlns:m="http://schemas.openxmlformats.org/officeDocument/2006/math" xmlns:a14="http://schemas.microsoft.com/office/drawing/2010/main" xmlns:ma14="http://schemas.microsoft.com/office/mac/drawingml/2011/main" val="1"/>
+              <ma14:wrappingTextBoxFlag xmlns:ma14="http://schemas.microsoft.com/office/mac/drawingml/2011/main" xmlns:a14="http://schemas.microsoft.com/office/drawing/2010/main" xmlns:m="http://schemas.openxmlformats.org/officeDocument/2006/math" xmlns="" val="1"/>
             </a:ext>
           </a:extLst>
         </p:spPr>
@@ -39037,7 +39165,7 @@
               </a:ln>
               <a:extLst>
                 <a:ext uri="{C572A759-6A51-4108-AA02-DFA0A04FC94B}">
-                  <ma14:wrappingTextBoxFlag xmlns="" xmlns:m="http://schemas.openxmlformats.org/officeDocument/2006/math" xmlns:ma14="http://schemas.microsoft.com/office/mac/drawingml/2011/main" val="1"/>
+                  <ma14:wrappingTextBoxFlag xmlns:ma14="http://schemas.microsoft.com/office/mac/drawingml/2011/main" xmlns:m="http://schemas.openxmlformats.org/officeDocument/2006/math" xmlns="" val="1"/>
                 </a:ext>
               </a:extLst>
             </p:spPr>
@@ -39399,7 +39527,7 @@
               </a:ln>
               <a:extLst>
                 <a:ext uri="{C572A759-6A51-4108-AA02-DFA0A04FC94B}">
-                  <ma14:wrappingTextBoxFlag xmlns="" xmlns:m="http://schemas.openxmlformats.org/officeDocument/2006/math" xmlns:ma14="http://schemas.microsoft.com/office/mac/drawingml/2011/main" val="1"/>
+                  <ma14:wrappingTextBoxFlag xmlns:ma14="http://schemas.microsoft.com/office/mac/drawingml/2011/main" xmlns:m="http://schemas.openxmlformats.org/officeDocument/2006/math" xmlns="" val="1"/>
                 </a:ext>
               </a:extLst>
             </p:spPr>
@@ -39602,7 +39730,7 @@
           </a:ln>
           <a:extLst>
             <a:ext uri="{C572A759-6A51-4108-AA02-DFA0A04FC94B}">
-              <ma14:wrappingTextBoxFlag xmlns="" xmlns:m="http://schemas.openxmlformats.org/officeDocument/2006/math" xmlns:a14="http://schemas.microsoft.com/office/drawing/2010/main" xmlns:ma14="http://schemas.microsoft.com/office/mac/drawingml/2011/main" val="1"/>
+              <ma14:wrappingTextBoxFlag xmlns:ma14="http://schemas.microsoft.com/office/mac/drawingml/2011/main" xmlns:a14="http://schemas.microsoft.com/office/drawing/2010/main" xmlns:m="http://schemas.openxmlformats.org/officeDocument/2006/math" xmlns="" val="1"/>
             </a:ext>
           </a:extLst>
         </p:spPr>
@@ -39664,7 +39792,7 @@
           </a:prstGeom>
           <a:extLst>
             <a:ext uri="{C572A759-6A51-4108-AA02-DFA0A04FC94B}">
-              <ma14:wrappingTextBoxFlag xmlns="" xmlns:m="http://schemas.openxmlformats.org/officeDocument/2006/math" xmlns:a14="http://schemas.microsoft.com/office/drawing/2010/main" xmlns:ma14="http://schemas.microsoft.com/office/mac/drawingml/2011/main" val="1"/>
+              <ma14:wrappingTextBoxFlag xmlns:ma14="http://schemas.microsoft.com/office/mac/drawingml/2011/main" xmlns:a14="http://schemas.microsoft.com/office/drawing/2010/main" xmlns:m="http://schemas.openxmlformats.org/officeDocument/2006/math" xmlns="" val="1"/>
             </a:ext>
           </a:extLst>
         </p:spPr>
@@ -39698,7 +39826,7 @@
           </a:ln>
           <a:extLst>
             <a:ext uri="{C572A759-6A51-4108-AA02-DFA0A04FC94B}">
-              <ma14:wrappingTextBoxFlag xmlns="" xmlns:m="http://schemas.openxmlformats.org/officeDocument/2006/math" xmlns:a14="http://schemas.microsoft.com/office/drawing/2010/main" xmlns:ma14="http://schemas.microsoft.com/office/mac/drawingml/2011/main" val="1"/>
+              <ma14:wrappingTextBoxFlag xmlns:ma14="http://schemas.microsoft.com/office/mac/drawingml/2011/main" xmlns:a14="http://schemas.microsoft.com/office/drawing/2010/main" xmlns:m="http://schemas.openxmlformats.org/officeDocument/2006/math" xmlns="" val="1"/>
             </a:ext>
           </a:extLst>
         </p:spPr>
@@ -39737,7 +39865,7 @@
           </a:ln>
           <a:extLst>
             <a:ext uri="{C572A759-6A51-4108-AA02-DFA0A04FC94B}">
-              <ma14:wrappingTextBoxFlag xmlns="" xmlns:m="http://schemas.openxmlformats.org/officeDocument/2006/math" xmlns:a14="http://schemas.microsoft.com/office/drawing/2010/main" xmlns:ma14="http://schemas.microsoft.com/office/mac/drawingml/2011/main" val="1"/>
+              <ma14:wrappingTextBoxFlag xmlns:ma14="http://schemas.microsoft.com/office/mac/drawingml/2011/main" xmlns:a14="http://schemas.microsoft.com/office/drawing/2010/main" xmlns:m="http://schemas.openxmlformats.org/officeDocument/2006/math" xmlns="" val="1"/>
             </a:ext>
           </a:extLst>
         </p:spPr>
@@ -39842,7 +39970,7 @@
           </a:ln>
           <a:extLst>
             <a:ext uri="{C572A759-6A51-4108-AA02-DFA0A04FC94B}">
-              <ma14:wrappingTextBoxFlag xmlns="" xmlns:m="http://schemas.openxmlformats.org/officeDocument/2006/math" xmlns:a14="http://schemas.microsoft.com/office/drawing/2010/main" xmlns:ma14="http://schemas.microsoft.com/office/mac/drawingml/2011/main" val="1"/>
+              <ma14:wrappingTextBoxFlag xmlns:ma14="http://schemas.microsoft.com/office/mac/drawingml/2011/main" xmlns:a14="http://schemas.microsoft.com/office/drawing/2010/main" xmlns:m="http://schemas.openxmlformats.org/officeDocument/2006/math" xmlns="" val="1"/>
             </a:ext>
           </a:extLst>
         </p:spPr>
@@ -39904,7 +40032,7 @@
           </a:prstGeom>
           <a:extLst>
             <a:ext uri="{C572A759-6A51-4108-AA02-DFA0A04FC94B}">
-              <ma14:wrappingTextBoxFlag xmlns="" xmlns:m="http://schemas.openxmlformats.org/officeDocument/2006/math" xmlns:a14="http://schemas.microsoft.com/office/drawing/2010/main" xmlns:ma14="http://schemas.microsoft.com/office/mac/drawingml/2011/main" val="1"/>
+              <ma14:wrappingTextBoxFlag xmlns:ma14="http://schemas.microsoft.com/office/mac/drawingml/2011/main" xmlns:a14="http://schemas.microsoft.com/office/drawing/2010/main" xmlns:m="http://schemas.openxmlformats.org/officeDocument/2006/math" xmlns="" val="1"/>
             </a:ext>
           </a:extLst>
         </p:spPr>
@@ -39938,7 +40066,7 @@
           </a:ln>
           <a:extLst>
             <a:ext uri="{C572A759-6A51-4108-AA02-DFA0A04FC94B}">
-              <ma14:wrappingTextBoxFlag xmlns="" xmlns:m="http://schemas.openxmlformats.org/officeDocument/2006/math" xmlns:a14="http://schemas.microsoft.com/office/drawing/2010/main" xmlns:ma14="http://schemas.microsoft.com/office/mac/drawingml/2011/main" val="1"/>
+              <ma14:wrappingTextBoxFlag xmlns:ma14="http://schemas.microsoft.com/office/mac/drawingml/2011/main" xmlns:a14="http://schemas.microsoft.com/office/drawing/2010/main" xmlns:m="http://schemas.openxmlformats.org/officeDocument/2006/math" xmlns="" val="1"/>
             </a:ext>
           </a:extLst>
         </p:spPr>
@@ -39977,7 +40105,7 @@
           </a:ln>
           <a:extLst>
             <a:ext uri="{C572A759-6A51-4108-AA02-DFA0A04FC94B}">
-              <ma14:wrappingTextBoxFlag xmlns="" xmlns:m="http://schemas.openxmlformats.org/officeDocument/2006/math" xmlns:a14="http://schemas.microsoft.com/office/drawing/2010/main" xmlns:ma14="http://schemas.microsoft.com/office/mac/drawingml/2011/main" val="1"/>
+              <ma14:wrappingTextBoxFlag xmlns:ma14="http://schemas.microsoft.com/office/mac/drawingml/2011/main" xmlns:a14="http://schemas.microsoft.com/office/drawing/2010/main" xmlns:m="http://schemas.openxmlformats.org/officeDocument/2006/math" xmlns="" val="1"/>
             </a:ext>
           </a:extLst>
         </p:spPr>
@@ -40016,7 +40144,7 @@
           </a:ln>
           <a:extLst>
             <a:ext uri="{C572A759-6A51-4108-AA02-DFA0A04FC94B}">
-              <ma14:wrappingTextBoxFlag xmlns="" xmlns:m="http://schemas.openxmlformats.org/officeDocument/2006/math" xmlns:a14="http://schemas.microsoft.com/office/drawing/2010/main" xmlns:ma14="http://schemas.microsoft.com/office/mac/drawingml/2011/main" val="1"/>
+              <ma14:wrappingTextBoxFlag xmlns:ma14="http://schemas.microsoft.com/office/mac/drawingml/2011/main" xmlns:a14="http://schemas.microsoft.com/office/drawing/2010/main" xmlns:m="http://schemas.openxmlformats.org/officeDocument/2006/math" xmlns="" val="1"/>
             </a:ext>
           </a:extLst>
         </p:spPr>
@@ -40153,7 +40281,7 @@
           </a:prstGeom>
           <a:extLst>
             <a:ext uri="{C572A759-6A51-4108-AA02-DFA0A04FC94B}">
-              <ma14:wrappingTextBoxFlag xmlns="" xmlns:m="http://schemas.openxmlformats.org/officeDocument/2006/math" xmlns:a14="http://schemas.microsoft.com/office/drawing/2010/main" xmlns:ma14="http://schemas.microsoft.com/office/mac/drawingml/2011/main" val="1"/>
+              <ma14:wrappingTextBoxFlag xmlns:ma14="http://schemas.microsoft.com/office/mac/drawingml/2011/main" xmlns:a14="http://schemas.microsoft.com/office/drawing/2010/main" xmlns:m="http://schemas.openxmlformats.org/officeDocument/2006/math" xmlns="" val="1"/>
             </a:ext>
           </a:extLst>
         </p:spPr>
@@ -40217,7 +40345,7 @@
           </a:ln>
           <a:extLst>
             <a:ext uri="{C572A759-6A51-4108-AA02-DFA0A04FC94B}">
-              <ma14:wrappingTextBoxFlag xmlns="" xmlns:m="http://schemas.openxmlformats.org/officeDocument/2006/math" xmlns:a14="http://schemas.microsoft.com/office/drawing/2010/main" xmlns:ma14="http://schemas.microsoft.com/office/mac/drawingml/2011/main" val="1"/>
+              <ma14:wrappingTextBoxFlag xmlns:ma14="http://schemas.microsoft.com/office/mac/drawingml/2011/main" xmlns:a14="http://schemas.microsoft.com/office/drawing/2010/main" xmlns:m="http://schemas.openxmlformats.org/officeDocument/2006/math" xmlns="" val="1"/>
             </a:ext>
           </a:extLst>
         </p:spPr>
@@ -40253,7 +40381,7 @@
           </a:prstGeom>
           <a:extLst>
             <a:ext uri="{C572A759-6A51-4108-AA02-DFA0A04FC94B}">
-              <ma14:wrappingTextBoxFlag xmlns="" xmlns:m="http://schemas.openxmlformats.org/officeDocument/2006/math" xmlns:a14="http://schemas.microsoft.com/office/drawing/2010/main" xmlns:ma14="http://schemas.microsoft.com/office/mac/drawingml/2011/main" val="1"/>
+              <ma14:wrappingTextBoxFlag xmlns:ma14="http://schemas.microsoft.com/office/mac/drawingml/2011/main" xmlns:a14="http://schemas.microsoft.com/office/drawing/2010/main" xmlns:m="http://schemas.openxmlformats.org/officeDocument/2006/math" xmlns="" val="1"/>
             </a:ext>
           </a:extLst>
         </p:spPr>
@@ -40291,7 +40419,7 @@
           </a:ln>
           <a:extLst>
             <a:ext uri="{C572A759-6A51-4108-AA02-DFA0A04FC94B}">
-              <ma14:wrappingTextBoxFlag xmlns="" xmlns:m="http://schemas.openxmlformats.org/officeDocument/2006/math" xmlns:a14="http://schemas.microsoft.com/office/drawing/2010/main" xmlns:ma14="http://schemas.microsoft.com/office/mac/drawingml/2011/main" val="1"/>
+              <ma14:wrappingTextBoxFlag xmlns:ma14="http://schemas.microsoft.com/office/mac/drawingml/2011/main" xmlns:a14="http://schemas.microsoft.com/office/drawing/2010/main" xmlns:m="http://schemas.openxmlformats.org/officeDocument/2006/math" xmlns="" val="1"/>
             </a:ext>
           </a:extLst>
         </p:spPr>
@@ -40402,7 +40530,7 @@
           </a:ln>
           <a:extLst>
             <a:ext uri="{C572A759-6A51-4108-AA02-DFA0A04FC94B}">
-              <ma14:wrappingTextBoxFlag xmlns="" xmlns:m="http://schemas.openxmlformats.org/officeDocument/2006/math" xmlns:a14="http://schemas.microsoft.com/office/drawing/2010/main" xmlns:ma14="http://schemas.microsoft.com/office/mac/drawingml/2011/main" val="1"/>
+              <ma14:wrappingTextBoxFlag xmlns:ma14="http://schemas.microsoft.com/office/mac/drawingml/2011/main" xmlns:a14="http://schemas.microsoft.com/office/drawing/2010/main" xmlns:m="http://schemas.openxmlformats.org/officeDocument/2006/math" xmlns="" val="1"/>
             </a:ext>
           </a:extLst>
         </p:spPr>
@@ -40494,7 +40622,7 @@
           </a:ln>
           <a:extLst>
             <a:ext uri="{C572A759-6A51-4108-AA02-DFA0A04FC94B}">
-              <ma14:wrappingTextBoxFlag xmlns="" xmlns:m="http://schemas.openxmlformats.org/officeDocument/2006/math" xmlns:a14="http://schemas.microsoft.com/office/drawing/2010/main" xmlns:ma14="http://schemas.microsoft.com/office/mac/drawingml/2011/main" val="1"/>
+              <ma14:wrappingTextBoxFlag xmlns:ma14="http://schemas.microsoft.com/office/mac/drawingml/2011/main" xmlns:a14="http://schemas.microsoft.com/office/drawing/2010/main" xmlns:m="http://schemas.openxmlformats.org/officeDocument/2006/math" xmlns="" val="1"/>
             </a:ext>
           </a:extLst>
         </p:spPr>
@@ -40530,7 +40658,7 @@
           </a:prstGeom>
           <a:extLst>
             <a:ext uri="{C572A759-6A51-4108-AA02-DFA0A04FC94B}">
-              <ma14:wrappingTextBoxFlag xmlns="" xmlns:m="http://schemas.openxmlformats.org/officeDocument/2006/math" xmlns:a14="http://schemas.microsoft.com/office/drawing/2010/main" xmlns:ma14="http://schemas.microsoft.com/office/mac/drawingml/2011/main" val="1"/>
+              <ma14:wrappingTextBoxFlag xmlns:ma14="http://schemas.microsoft.com/office/mac/drawingml/2011/main" xmlns:a14="http://schemas.microsoft.com/office/drawing/2010/main" xmlns:m="http://schemas.openxmlformats.org/officeDocument/2006/math" xmlns="" val="1"/>
             </a:ext>
           </a:extLst>
         </p:spPr>
@@ -40568,7 +40696,7 @@
           </a:ln>
           <a:extLst>
             <a:ext uri="{C572A759-6A51-4108-AA02-DFA0A04FC94B}">
-              <ma14:wrappingTextBoxFlag xmlns="" xmlns:m="http://schemas.openxmlformats.org/officeDocument/2006/math" xmlns:a14="http://schemas.microsoft.com/office/drawing/2010/main" xmlns:ma14="http://schemas.microsoft.com/office/mac/drawingml/2011/main" val="1"/>
+              <ma14:wrappingTextBoxFlag xmlns:ma14="http://schemas.microsoft.com/office/mac/drawingml/2011/main" xmlns:a14="http://schemas.microsoft.com/office/drawing/2010/main" xmlns:m="http://schemas.openxmlformats.org/officeDocument/2006/math" xmlns="" val="1"/>
             </a:ext>
           </a:extLst>
         </p:spPr>
@@ -40679,7 +40807,7 @@
           </a:ln>
           <a:extLst>
             <a:ext uri="{C572A759-6A51-4108-AA02-DFA0A04FC94B}">
-              <ma14:wrappingTextBoxFlag xmlns="" xmlns:m="http://schemas.openxmlformats.org/officeDocument/2006/math" xmlns:a14="http://schemas.microsoft.com/office/drawing/2010/main" xmlns:ma14="http://schemas.microsoft.com/office/mac/drawingml/2011/main" val="1"/>
+              <ma14:wrappingTextBoxFlag xmlns:ma14="http://schemas.microsoft.com/office/mac/drawingml/2011/main" xmlns:a14="http://schemas.microsoft.com/office/drawing/2010/main" xmlns:m="http://schemas.openxmlformats.org/officeDocument/2006/math" xmlns="" val="1"/>
             </a:ext>
           </a:extLst>
         </p:spPr>
@@ -40718,7 +40846,7 @@
           </a:ln>
           <a:extLst>
             <a:ext uri="{C572A759-6A51-4108-AA02-DFA0A04FC94B}">
-              <ma14:wrappingTextBoxFlag xmlns="" xmlns:m="http://schemas.openxmlformats.org/officeDocument/2006/math" xmlns:a14="http://schemas.microsoft.com/office/drawing/2010/main" xmlns:ma14="http://schemas.microsoft.com/office/mac/drawingml/2011/main" val="1"/>
+              <ma14:wrappingTextBoxFlag xmlns:ma14="http://schemas.microsoft.com/office/mac/drawingml/2011/main" xmlns:a14="http://schemas.microsoft.com/office/drawing/2010/main" xmlns:m="http://schemas.openxmlformats.org/officeDocument/2006/math" xmlns="" val="1"/>
             </a:ext>
           </a:extLst>
         </p:spPr>
@@ -40810,7 +40938,7 @@
           </a:ln>
           <a:extLst>
             <a:ext uri="{C572A759-6A51-4108-AA02-DFA0A04FC94B}">
-              <ma14:wrappingTextBoxFlag xmlns="" xmlns:m="http://schemas.openxmlformats.org/officeDocument/2006/math" xmlns:a14="http://schemas.microsoft.com/office/drawing/2010/main" xmlns:ma14="http://schemas.microsoft.com/office/mac/drawingml/2011/main" val="1"/>
+              <ma14:wrappingTextBoxFlag xmlns:ma14="http://schemas.microsoft.com/office/mac/drawingml/2011/main" xmlns:a14="http://schemas.microsoft.com/office/drawing/2010/main" xmlns:m="http://schemas.openxmlformats.org/officeDocument/2006/math" xmlns="" val="1"/>
             </a:ext>
           </a:extLst>
         </p:spPr>
@@ -40846,7 +40974,7 @@
           </a:prstGeom>
           <a:extLst>
             <a:ext uri="{C572A759-6A51-4108-AA02-DFA0A04FC94B}">
-              <ma14:wrappingTextBoxFlag xmlns="" xmlns:m="http://schemas.openxmlformats.org/officeDocument/2006/math" xmlns:a14="http://schemas.microsoft.com/office/drawing/2010/main" xmlns:ma14="http://schemas.microsoft.com/office/mac/drawingml/2011/main" val="1"/>
+              <ma14:wrappingTextBoxFlag xmlns:ma14="http://schemas.microsoft.com/office/mac/drawingml/2011/main" xmlns:a14="http://schemas.microsoft.com/office/drawing/2010/main" xmlns:m="http://schemas.openxmlformats.org/officeDocument/2006/math" xmlns="" val="1"/>
             </a:ext>
           </a:extLst>
         </p:spPr>
@@ -40884,7 +41012,7 @@
           </a:ln>
           <a:extLst>
             <a:ext uri="{C572A759-6A51-4108-AA02-DFA0A04FC94B}">
-              <ma14:wrappingTextBoxFlag xmlns="" xmlns:m="http://schemas.openxmlformats.org/officeDocument/2006/math" xmlns:a14="http://schemas.microsoft.com/office/drawing/2010/main" xmlns:ma14="http://schemas.microsoft.com/office/mac/drawingml/2011/main" val="1"/>
+              <ma14:wrappingTextBoxFlag xmlns:ma14="http://schemas.microsoft.com/office/mac/drawingml/2011/main" xmlns:a14="http://schemas.microsoft.com/office/drawing/2010/main" xmlns:m="http://schemas.openxmlformats.org/officeDocument/2006/math" xmlns="" val="1"/>
             </a:ext>
           </a:extLst>
         </p:spPr>
@@ -40995,7 +41123,7 @@
           </a:ln>
           <a:extLst>
             <a:ext uri="{C572A759-6A51-4108-AA02-DFA0A04FC94B}">
-              <ma14:wrappingTextBoxFlag xmlns="" xmlns:m="http://schemas.openxmlformats.org/officeDocument/2006/math" xmlns:a14="http://schemas.microsoft.com/office/drawing/2010/main" xmlns:ma14="http://schemas.microsoft.com/office/mac/drawingml/2011/main" val="1"/>
+              <ma14:wrappingTextBoxFlag xmlns:ma14="http://schemas.microsoft.com/office/mac/drawingml/2011/main" xmlns:a14="http://schemas.microsoft.com/office/drawing/2010/main" xmlns:m="http://schemas.openxmlformats.org/officeDocument/2006/math" xmlns="" val="1"/>
             </a:ext>
           </a:extLst>
         </p:spPr>
@@ -41034,7 +41162,7 @@
           </a:ln>
           <a:extLst>
             <a:ext uri="{C572A759-6A51-4108-AA02-DFA0A04FC94B}">
-              <ma14:wrappingTextBoxFlag xmlns="" xmlns:m="http://schemas.openxmlformats.org/officeDocument/2006/math" xmlns:a14="http://schemas.microsoft.com/office/drawing/2010/main" xmlns:ma14="http://schemas.microsoft.com/office/mac/drawingml/2011/main" val="1"/>
+              <ma14:wrappingTextBoxFlag xmlns:ma14="http://schemas.microsoft.com/office/mac/drawingml/2011/main" xmlns:a14="http://schemas.microsoft.com/office/drawing/2010/main" xmlns:m="http://schemas.openxmlformats.org/officeDocument/2006/math" xmlns="" val="1"/>
             </a:ext>
           </a:extLst>
         </p:spPr>
@@ -41126,7 +41254,7 @@
           </a:ln>
           <a:extLst>
             <a:ext uri="{C572A759-6A51-4108-AA02-DFA0A04FC94B}">
-              <ma14:wrappingTextBoxFlag xmlns="" xmlns:m="http://schemas.openxmlformats.org/officeDocument/2006/math" xmlns:a14="http://schemas.microsoft.com/office/drawing/2010/main" xmlns:ma14="http://schemas.microsoft.com/office/mac/drawingml/2011/main" val="1"/>
+              <ma14:wrappingTextBoxFlag xmlns:ma14="http://schemas.microsoft.com/office/mac/drawingml/2011/main" xmlns:a14="http://schemas.microsoft.com/office/drawing/2010/main" xmlns:m="http://schemas.openxmlformats.org/officeDocument/2006/math" xmlns="" val="1"/>
             </a:ext>
           </a:extLst>
         </p:spPr>
@@ -41162,7 +41290,7 @@
           </a:prstGeom>
           <a:extLst>
             <a:ext uri="{C572A759-6A51-4108-AA02-DFA0A04FC94B}">
-              <ma14:wrappingTextBoxFlag xmlns="" xmlns:m="http://schemas.openxmlformats.org/officeDocument/2006/math" xmlns:a14="http://schemas.microsoft.com/office/drawing/2010/main" xmlns:ma14="http://schemas.microsoft.com/office/mac/drawingml/2011/main" val="1"/>
+              <ma14:wrappingTextBoxFlag xmlns:ma14="http://schemas.microsoft.com/office/mac/drawingml/2011/main" xmlns:a14="http://schemas.microsoft.com/office/drawing/2010/main" xmlns:m="http://schemas.openxmlformats.org/officeDocument/2006/math" xmlns="" val="1"/>
             </a:ext>
           </a:extLst>
         </p:spPr>
@@ -41200,7 +41328,7 @@
           </a:ln>
           <a:extLst>
             <a:ext uri="{C572A759-6A51-4108-AA02-DFA0A04FC94B}">
-              <ma14:wrappingTextBoxFlag xmlns="" xmlns:m="http://schemas.openxmlformats.org/officeDocument/2006/math" xmlns:a14="http://schemas.microsoft.com/office/drawing/2010/main" xmlns:ma14="http://schemas.microsoft.com/office/mac/drawingml/2011/main" val="1"/>
+              <ma14:wrappingTextBoxFlag xmlns:ma14="http://schemas.microsoft.com/office/mac/drawingml/2011/main" xmlns:a14="http://schemas.microsoft.com/office/drawing/2010/main" xmlns:m="http://schemas.openxmlformats.org/officeDocument/2006/math" xmlns="" val="1"/>
             </a:ext>
           </a:extLst>
         </p:spPr>
@@ -41311,7 +41439,7 @@
           </a:ln>
           <a:extLst>
             <a:ext uri="{C572A759-6A51-4108-AA02-DFA0A04FC94B}">
-              <ma14:wrappingTextBoxFlag xmlns="" xmlns:m="http://schemas.openxmlformats.org/officeDocument/2006/math" xmlns:a14="http://schemas.microsoft.com/office/drawing/2010/main" xmlns:ma14="http://schemas.microsoft.com/office/mac/drawingml/2011/main" val="1"/>
+              <ma14:wrappingTextBoxFlag xmlns:ma14="http://schemas.microsoft.com/office/mac/drawingml/2011/main" xmlns:a14="http://schemas.microsoft.com/office/drawing/2010/main" xmlns:m="http://schemas.openxmlformats.org/officeDocument/2006/math" xmlns="" val="1"/>
             </a:ext>
           </a:extLst>
         </p:spPr>
@@ -41373,7 +41501,7 @@
           </a:prstGeom>
           <a:extLst>
             <a:ext uri="{C572A759-6A51-4108-AA02-DFA0A04FC94B}">
-              <ma14:wrappingTextBoxFlag xmlns="" xmlns:m="http://schemas.openxmlformats.org/officeDocument/2006/math" xmlns:a14="http://schemas.microsoft.com/office/drawing/2010/main" xmlns:ma14="http://schemas.microsoft.com/office/mac/drawingml/2011/main" val="1"/>
+              <ma14:wrappingTextBoxFlag xmlns:ma14="http://schemas.microsoft.com/office/mac/drawingml/2011/main" xmlns:a14="http://schemas.microsoft.com/office/drawing/2010/main" xmlns:m="http://schemas.openxmlformats.org/officeDocument/2006/math" xmlns="" val="1"/>
             </a:ext>
           </a:extLst>
         </p:spPr>
@@ -41411,7 +41539,7 @@
           </a:ln>
           <a:extLst>
             <a:ext uri="{C572A759-6A51-4108-AA02-DFA0A04FC94B}">
-              <ma14:wrappingTextBoxFlag xmlns="" xmlns:m="http://schemas.openxmlformats.org/officeDocument/2006/math" xmlns:a14="http://schemas.microsoft.com/office/drawing/2010/main" xmlns:ma14="http://schemas.microsoft.com/office/mac/drawingml/2011/main" val="1"/>
+              <ma14:wrappingTextBoxFlag xmlns:ma14="http://schemas.microsoft.com/office/mac/drawingml/2011/main" xmlns:a14="http://schemas.microsoft.com/office/drawing/2010/main" xmlns:m="http://schemas.openxmlformats.org/officeDocument/2006/math" xmlns="" val="1"/>
             </a:ext>
           </a:extLst>
         </p:spPr>
@@ -41534,7 +41662,7 @@
           </a:ln>
           <a:extLst>
             <a:ext uri="{C572A759-6A51-4108-AA02-DFA0A04FC94B}">
-              <ma14:wrappingTextBoxFlag xmlns="" xmlns:m="http://schemas.openxmlformats.org/officeDocument/2006/math" xmlns:a14="http://schemas.microsoft.com/office/drawing/2010/main" xmlns:ma14="http://schemas.microsoft.com/office/mac/drawingml/2011/main" val="1"/>
+              <ma14:wrappingTextBoxFlag xmlns:ma14="http://schemas.microsoft.com/office/mac/drawingml/2011/main" xmlns:a14="http://schemas.microsoft.com/office/drawing/2010/main" xmlns:m="http://schemas.openxmlformats.org/officeDocument/2006/math" xmlns="" val="1"/>
             </a:ext>
           </a:extLst>
         </p:spPr>
@@ -41657,7 +41785,7 @@
           </a:ln>
           <a:extLst>
             <a:ext uri="{C572A759-6A51-4108-AA02-DFA0A04FC94B}">
-              <ma14:wrappingTextBoxFlag xmlns="" xmlns:m="http://schemas.openxmlformats.org/officeDocument/2006/math" xmlns:a14="http://schemas.microsoft.com/office/drawing/2010/main" xmlns:ma14="http://schemas.microsoft.com/office/mac/drawingml/2011/main" val="1"/>
+              <ma14:wrappingTextBoxFlag xmlns:ma14="http://schemas.microsoft.com/office/mac/drawingml/2011/main" xmlns:a14="http://schemas.microsoft.com/office/drawing/2010/main" xmlns:m="http://schemas.openxmlformats.org/officeDocument/2006/math" xmlns="" val="1"/>
             </a:ext>
           </a:extLst>
         </p:spPr>
@@ -41703,7 +41831,7 @@
           </a:ln>
           <a:extLst>
             <a:ext uri="{C572A759-6A51-4108-AA02-DFA0A04FC94B}">
-              <ma14:wrappingTextBoxFlag xmlns="" xmlns:m="http://schemas.openxmlformats.org/officeDocument/2006/math" xmlns:a14="http://schemas.microsoft.com/office/drawing/2010/main" xmlns:ma14="http://schemas.microsoft.com/office/mac/drawingml/2011/main" val="1"/>
+              <ma14:wrappingTextBoxFlag xmlns:ma14="http://schemas.microsoft.com/office/mac/drawingml/2011/main" xmlns:a14="http://schemas.microsoft.com/office/drawing/2010/main" xmlns:m="http://schemas.openxmlformats.org/officeDocument/2006/math" xmlns="" val="1"/>
             </a:ext>
           </a:extLst>
         </p:spPr>

--- a/ESS_May_2021/Wednesday_May_5th/2_Component_basics/2_Sources_and_Monitors_2.pptx
+++ b/ESS_May_2021/Wednesday_May_5th/2_Component_basics/2_Sources_and_Monitors_2.pptx
@@ -357,14 +357,39 @@
 <file path=ppt/revisionInfo.xml><?xml version="1.0" encoding="utf-8"?>
 <p1510:revInfo xmlns:a="http://schemas.openxmlformats.org/drawingml/2006/main" xmlns:r="http://schemas.openxmlformats.org/officeDocument/2006/relationships" xmlns:p1510="http://schemas.microsoft.com/office/powerpoint/2015/10/main">
   <p1510:revLst>
-    <p1510:client id="{192497DD-4841-1F2E-2102-CD52C9305636}" v="460" dt="2021-05-03T18:20:52.827"/>
+    <p1510:client id="{192497DD-4841-1F2E-2102-CD52C9305636}" v="463" dt="2021-05-04T06:47:51.123"/>
     <p1510:client id="{4DBFD482-A271-941E-7EBB-8524531C8CF1}" v="14" dt="2021-05-03T19:36:18.840"/>
+    <p1510:client id="{9FDAC49F-40FE-C000-02A9-2CE33347FC67}" v="3" dt="2021-05-05T07:46:27.270"/>
   </p1510:revLst>
 </p1510:revInfo>
 </file>
 
 <file path=ppt/changesInfos/changesInfo1.xml><?xml version="1.0" encoding="utf-8"?>
 <pc:chgInfo xmlns:a="http://schemas.openxmlformats.org/drawingml/2006/main" xmlns:r="http://schemas.openxmlformats.org/officeDocument/2006/relationships" xmlns:ac="http://schemas.microsoft.com/office/drawing/2013/main/command" xmlns:pc="http://schemas.microsoft.com/office/powerpoint/2013/main/command">
+  <pc:docChgLst>
+    <pc:chgData name="Erik Bergbäck Knudsen" userId="S::erkn@dtu.dk::7028c474-af22-41ee-9ddd-5fdf2cd26899" providerId="AD" clId="Web-{9FDAC49F-40FE-C000-02A9-2CE33347FC67}"/>
+    <pc:docChg chg="modSld">
+      <pc:chgData name="Erik Bergbäck Knudsen" userId="S::erkn@dtu.dk::7028c474-af22-41ee-9ddd-5fdf2cd26899" providerId="AD" clId="Web-{9FDAC49F-40FE-C000-02A9-2CE33347FC67}" dt="2021-05-05T07:46:25.614" v="0" actId="20577"/>
+      <pc:docMkLst>
+        <pc:docMk/>
+      </pc:docMkLst>
+      <pc:sldChg chg="modSp">
+        <pc:chgData name="Erik Bergbäck Knudsen" userId="S::erkn@dtu.dk::7028c474-af22-41ee-9ddd-5fdf2cd26899" providerId="AD" clId="Web-{9FDAC49F-40FE-C000-02A9-2CE33347FC67}" dt="2021-05-05T07:46:25.614" v="0" actId="20577"/>
+        <pc:sldMkLst>
+          <pc:docMk/>
+          <pc:sldMk cId="0" sldId="288"/>
+        </pc:sldMkLst>
+        <pc:spChg chg="mod">
+          <ac:chgData name="Erik Bergbäck Knudsen" userId="S::erkn@dtu.dk::7028c474-af22-41ee-9ddd-5fdf2cd26899" providerId="AD" clId="Web-{9FDAC49F-40FE-C000-02A9-2CE33347FC67}" dt="2021-05-05T07:46:25.614" v="0" actId="20577"/>
+          <ac:spMkLst>
+            <pc:docMk/>
+            <pc:sldMk cId="0" sldId="288"/>
+            <ac:spMk id="676" creationId="{00000000-0000-0000-0000-000000000000}"/>
+          </ac:spMkLst>
+        </pc:spChg>
+      </pc:sldChg>
+    </pc:docChg>
+  </pc:docChgLst>
   <pc:docChgLst>
     <pc:chgData name="Erik Bergbäck Knudsen" userId="S::erkn@dtu.dk::7028c474-af22-41ee-9ddd-5fdf2cd26899" providerId="AD" clId="Web-{4DBFD482-A271-941E-7EBB-8524531C8CF1}"/>
     <pc:docChg chg="modSld">
@@ -495,10 +520,31 @@
   <pc:docChgLst>
     <pc:chgData name="Erik Bergbäck Knudsen" userId="S::erkn@dtu.dk::7028c474-af22-41ee-9ddd-5fdf2cd26899" providerId="AD" clId="Web-{192497DD-4841-1F2E-2102-CD52C9305636}"/>
     <pc:docChg chg="addSld delSld modSld sldOrd">
-      <pc:chgData name="Erik Bergbäck Knudsen" userId="S::erkn@dtu.dk::7028c474-af22-41ee-9ddd-5fdf2cd26899" providerId="AD" clId="Web-{192497DD-4841-1F2E-2102-CD52C9305636}" dt="2021-05-03T18:20:52.827" v="323" actId="1076"/>
+      <pc:chgData name="Erik Bergbäck Knudsen" userId="S::erkn@dtu.dk::7028c474-af22-41ee-9ddd-5fdf2cd26899" providerId="AD" clId="Web-{192497DD-4841-1F2E-2102-CD52C9305636}" dt="2021-05-04T06:47:51.123" v="326"/>
       <pc:docMkLst>
         <pc:docMk/>
       </pc:docMkLst>
+      <pc:sldChg chg="mod modShow">
+        <pc:chgData name="Erik Bergbäck Knudsen" userId="S::erkn@dtu.dk::7028c474-af22-41ee-9ddd-5fdf2cd26899" providerId="AD" clId="Web-{192497DD-4841-1F2E-2102-CD52C9305636}" dt="2021-05-04T06:47:51.123" v="326"/>
+        <pc:sldMkLst>
+          <pc:docMk/>
+          <pc:sldMk cId="0" sldId="265"/>
+        </pc:sldMkLst>
+      </pc:sldChg>
+      <pc:sldChg chg="mod modShow">
+        <pc:chgData name="Erik Bergbäck Knudsen" userId="S::erkn@dtu.dk::7028c474-af22-41ee-9ddd-5fdf2cd26899" providerId="AD" clId="Web-{192497DD-4841-1F2E-2102-CD52C9305636}" dt="2021-05-04T06:47:50.576" v="324"/>
+        <pc:sldMkLst>
+          <pc:docMk/>
+          <pc:sldMk cId="0" sldId="266"/>
+        </pc:sldMkLst>
+      </pc:sldChg>
+      <pc:sldChg chg="mod modShow">
+        <pc:chgData name="Erik Bergbäck Knudsen" userId="S::erkn@dtu.dk::7028c474-af22-41ee-9ddd-5fdf2cd26899" providerId="AD" clId="Web-{192497DD-4841-1F2E-2102-CD52C9305636}" dt="2021-05-04T06:47:50.842" v="325"/>
+        <pc:sldMkLst>
+          <pc:docMk/>
+          <pc:sldMk cId="0" sldId="267"/>
+        </pc:sldMkLst>
+      </pc:sldChg>
       <pc:sldChg chg="ord">
         <pc:chgData name="Erik Bergbäck Knudsen" userId="S::erkn@dtu.dk::7028c474-af22-41ee-9ddd-5fdf2cd26899" providerId="AD" clId="Web-{192497DD-4841-1F2E-2102-CD52C9305636}" dt="2021-05-03T18:18:06.038" v="297"/>
         <pc:sldMkLst>
@@ -2041,7 +2087,7 @@
           </a:ln>
           <a:extLst>
             <a:ext uri="{C572A759-6A51-4108-AA02-DFA0A04FC94B}">
-              <ma14:wrappingTextBoxFlag xmlns:ma14="http://schemas.microsoft.com/office/mac/drawingml/2011/main" xmlns:a14="http://schemas.microsoft.com/office/drawing/2010/main" xmlns:m="http://schemas.openxmlformats.org/officeDocument/2006/math" xmlns="" val="1"/>
+              <ma14:wrappingTextBoxFlag xmlns="" xmlns:m="http://schemas.openxmlformats.org/officeDocument/2006/math" xmlns:a14="http://schemas.microsoft.com/office/drawing/2010/main" xmlns:ma14="http://schemas.microsoft.com/office/mac/drawingml/2011/main" val="1"/>
             </a:ext>
           </a:extLst>
         </p:spPr>
@@ -2945,7 +2991,7 @@
           </a:ln>
           <a:extLst>
             <a:ext uri="{C572A759-6A51-4108-AA02-DFA0A04FC94B}">
-              <ma14:wrappingTextBoxFlag xmlns:ma14="http://schemas.microsoft.com/office/mac/drawingml/2011/main" xmlns:a14="http://schemas.microsoft.com/office/drawing/2010/main" xmlns:m="http://schemas.openxmlformats.org/officeDocument/2006/math" xmlns="" val="1"/>
+              <ma14:wrappingTextBoxFlag xmlns="" xmlns:m="http://schemas.openxmlformats.org/officeDocument/2006/math" xmlns:a14="http://schemas.microsoft.com/office/drawing/2010/main" xmlns:ma14="http://schemas.microsoft.com/office/mac/drawingml/2011/main" val="1"/>
             </a:ext>
           </a:extLst>
         </p:spPr>
@@ -3192,7 +3238,7 @@
             <a:effectLst/>
             <a:extLst>
               <a:ext uri="{C572A759-6A51-4108-AA02-DFA0A04FC94B}">
-                <ma14:wrappingTextBoxFlag xmlns:ma14="http://schemas.microsoft.com/office/mac/drawingml/2011/main" xmlns:a14="http://schemas.microsoft.com/office/drawing/2010/main" xmlns:m="http://schemas.openxmlformats.org/officeDocument/2006/math" xmlns="" val="1"/>
+                <ma14:wrappingTextBoxFlag xmlns="" xmlns:m="http://schemas.openxmlformats.org/officeDocument/2006/math" xmlns:a14="http://schemas.microsoft.com/office/drawing/2010/main" xmlns:ma14="http://schemas.microsoft.com/office/mac/drawingml/2011/main" val="1"/>
               </a:ext>
             </a:extLst>
           </p:spPr>
@@ -4666,7 +4712,7 @@
           </a:ln>
           <a:extLst>
             <a:ext uri="{C572A759-6A51-4108-AA02-DFA0A04FC94B}">
-              <ma14:wrappingTextBoxFlag xmlns:ma14="http://schemas.microsoft.com/office/mac/drawingml/2011/main" xmlns:a14="http://schemas.microsoft.com/office/drawing/2010/main" xmlns:m="http://schemas.openxmlformats.org/officeDocument/2006/math" xmlns="" val="1"/>
+              <ma14:wrappingTextBoxFlag xmlns="" xmlns:m="http://schemas.openxmlformats.org/officeDocument/2006/math" xmlns:a14="http://schemas.microsoft.com/office/drawing/2010/main" xmlns:ma14="http://schemas.microsoft.com/office/mac/drawingml/2011/main" val="1"/>
             </a:ext>
           </a:extLst>
         </p:spPr>
@@ -4913,7 +4959,7 @@
             <a:effectLst/>
             <a:extLst>
               <a:ext uri="{C572A759-6A51-4108-AA02-DFA0A04FC94B}">
-                <ma14:wrappingTextBoxFlag xmlns:ma14="http://schemas.microsoft.com/office/mac/drawingml/2011/main" xmlns:a14="http://schemas.microsoft.com/office/drawing/2010/main" xmlns:m="http://schemas.openxmlformats.org/officeDocument/2006/math" xmlns="" val="1"/>
+                <ma14:wrappingTextBoxFlag xmlns="" xmlns:m="http://schemas.openxmlformats.org/officeDocument/2006/math" xmlns:a14="http://schemas.microsoft.com/office/drawing/2010/main" xmlns:ma14="http://schemas.microsoft.com/office/mac/drawingml/2011/main" val="1"/>
               </a:ext>
             </a:extLst>
           </p:spPr>
@@ -6441,7 +6487,7 @@
           </a:ln>
           <a:extLst>
             <a:ext uri="{C572A759-6A51-4108-AA02-DFA0A04FC94B}">
-              <ma14:wrappingTextBoxFlag xmlns:ma14="http://schemas.microsoft.com/office/mac/drawingml/2011/main" xmlns:a14="http://schemas.microsoft.com/office/drawing/2010/main" xmlns:m="http://schemas.openxmlformats.org/officeDocument/2006/math" xmlns="" val="1"/>
+              <ma14:wrappingTextBoxFlag xmlns="" xmlns:m="http://schemas.openxmlformats.org/officeDocument/2006/math" xmlns:a14="http://schemas.microsoft.com/office/drawing/2010/main" xmlns:ma14="http://schemas.microsoft.com/office/mac/drawingml/2011/main" val="1"/>
             </a:ext>
           </a:extLst>
         </p:spPr>
@@ -6688,7 +6734,7 @@
             <a:effectLst/>
             <a:extLst>
               <a:ext uri="{C572A759-6A51-4108-AA02-DFA0A04FC94B}">
-                <ma14:wrappingTextBoxFlag xmlns:ma14="http://schemas.microsoft.com/office/mac/drawingml/2011/main" xmlns:a14="http://schemas.microsoft.com/office/drawing/2010/main" xmlns:m="http://schemas.openxmlformats.org/officeDocument/2006/math" xmlns="" val="1"/>
+                <ma14:wrappingTextBoxFlag xmlns="" xmlns:m="http://schemas.openxmlformats.org/officeDocument/2006/math" xmlns:a14="http://schemas.microsoft.com/office/drawing/2010/main" xmlns:ma14="http://schemas.microsoft.com/office/mac/drawingml/2011/main" val="1"/>
               </a:ext>
             </a:extLst>
           </p:spPr>
@@ -8216,7 +8262,7 @@
           </a:ln>
           <a:extLst>
             <a:ext uri="{C572A759-6A51-4108-AA02-DFA0A04FC94B}">
-              <ma14:wrappingTextBoxFlag xmlns:ma14="http://schemas.microsoft.com/office/mac/drawingml/2011/main" xmlns:a14="http://schemas.microsoft.com/office/drawing/2010/main" xmlns:m="http://schemas.openxmlformats.org/officeDocument/2006/math" xmlns="" val="1"/>
+              <ma14:wrappingTextBoxFlag xmlns="" xmlns:m="http://schemas.openxmlformats.org/officeDocument/2006/math" xmlns:a14="http://schemas.microsoft.com/office/drawing/2010/main" xmlns:ma14="http://schemas.microsoft.com/office/mac/drawingml/2011/main" val="1"/>
             </a:ext>
           </a:extLst>
         </p:spPr>
@@ -8490,7 +8536,7 @@
             <a:effectLst/>
             <a:extLst>
               <a:ext uri="{C572A759-6A51-4108-AA02-DFA0A04FC94B}">
-                <ma14:wrappingTextBoxFlag xmlns:ma14="http://schemas.microsoft.com/office/mac/drawingml/2011/main" xmlns:a14="http://schemas.microsoft.com/office/drawing/2010/main" xmlns:m="http://schemas.openxmlformats.org/officeDocument/2006/math" xmlns="" val="1"/>
+                <ma14:wrappingTextBoxFlag xmlns="" xmlns:m="http://schemas.openxmlformats.org/officeDocument/2006/math" xmlns:a14="http://schemas.microsoft.com/office/drawing/2010/main" xmlns:ma14="http://schemas.microsoft.com/office/mac/drawingml/2011/main" val="1"/>
               </a:ext>
             </a:extLst>
           </p:spPr>
@@ -10776,7 +10822,7 @@
           </a:ln>
           <a:extLst>
             <a:ext uri="{C572A759-6A51-4108-AA02-DFA0A04FC94B}">
-              <ma14:wrappingTextBoxFlag xmlns:ma14="http://schemas.microsoft.com/office/mac/drawingml/2011/main" xmlns:a14="http://schemas.microsoft.com/office/drawing/2010/main" xmlns:m="http://schemas.openxmlformats.org/officeDocument/2006/math" xmlns="" val="1"/>
+              <ma14:wrappingTextBoxFlag xmlns="" xmlns:m="http://schemas.openxmlformats.org/officeDocument/2006/math" xmlns:a14="http://schemas.microsoft.com/office/drawing/2010/main" xmlns:ma14="http://schemas.microsoft.com/office/mac/drawingml/2011/main" val="1"/>
             </a:ext>
           </a:extLst>
         </p:spPr>
@@ -10824,7 +10870,7 @@
           </a:ln>
           <a:extLst>
             <a:ext uri="{C572A759-6A51-4108-AA02-DFA0A04FC94B}">
-              <ma14:wrappingTextBoxFlag xmlns:ma14="http://schemas.microsoft.com/office/mac/drawingml/2011/main" xmlns:a14="http://schemas.microsoft.com/office/drawing/2010/main" xmlns:m="http://schemas.openxmlformats.org/officeDocument/2006/math" xmlns="" val="1"/>
+              <ma14:wrappingTextBoxFlag xmlns="" xmlns:m="http://schemas.openxmlformats.org/officeDocument/2006/math" xmlns:a14="http://schemas.microsoft.com/office/drawing/2010/main" xmlns:ma14="http://schemas.microsoft.com/office/mac/drawingml/2011/main" val="1"/>
             </a:ext>
           </a:extLst>
         </p:spPr>
@@ -11646,7 +11692,7 @@
           </a:ln>
           <a:extLst>
             <a:ext uri="{C572A759-6A51-4108-AA02-DFA0A04FC94B}">
-              <ma14:wrappingTextBoxFlag xmlns:ma14="http://schemas.microsoft.com/office/mac/drawingml/2011/main" xmlns:a14="http://schemas.microsoft.com/office/drawing/2010/main" xmlns:m="http://schemas.openxmlformats.org/officeDocument/2006/math" xmlns="" val="1"/>
+              <ma14:wrappingTextBoxFlag xmlns="" xmlns:m="http://schemas.openxmlformats.org/officeDocument/2006/math" xmlns:a14="http://schemas.microsoft.com/office/drawing/2010/main" xmlns:ma14="http://schemas.microsoft.com/office/mac/drawingml/2011/main" val="1"/>
             </a:ext>
           </a:extLst>
         </p:spPr>
@@ -11893,7 +11939,7 @@
             <a:effectLst/>
             <a:extLst>
               <a:ext uri="{C572A759-6A51-4108-AA02-DFA0A04FC94B}">
-                <ma14:wrappingTextBoxFlag xmlns:ma14="http://schemas.microsoft.com/office/mac/drawingml/2011/main" xmlns:a14="http://schemas.microsoft.com/office/drawing/2010/main" xmlns:m="http://schemas.openxmlformats.org/officeDocument/2006/math" xmlns="" val="1"/>
+                <ma14:wrappingTextBoxFlag xmlns="" xmlns:m="http://schemas.openxmlformats.org/officeDocument/2006/math" xmlns:a14="http://schemas.microsoft.com/office/drawing/2010/main" xmlns:ma14="http://schemas.microsoft.com/office/mac/drawingml/2011/main" val="1"/>
               </a:ext>
             </a:extLst>
           </p:spPr>
@@ -13241,7 +13287,7 @@
           </a:ln>
           <a:extLst>
             <a:ext uri="{C572A759-6A51-4108-AA02-DFA0A04FC94B}">
-              <ma14:wrappingTextBoxFlag xmlns:ma14="http://schemas.microsoft.com/office/mac/drawingml/2011/main" xmlns:a14="http://schemas.microsoft.com/office/drawing/2010/main" xmlns:m="http://schemas.openxmlformats.org/officeDocument/2006/math" xmlns="" val="1"/>
+              <ma14:wrappingTextBoxFlag xmlns="" xmlns:m="http://schemas.openxmlformats.org/officeDocument/2006/math" xmlns:a14="http://schemas.microsoft.com/office/drawing/2010/main" xmlns:ma14="http://schemas.microsoft.com/office/mac/drawingml/2011/main" val="1"/>
             </a:ext>
           </a:extLst>
         </p:spPr>
@@ -13287,7 +13333,7 @@
           </a:ln>
           <a:extLst>
             <a:ext uri="{C572A759-6A51-4108-AA02-DFA0A04FC94B}">
-              <ma14:wrappingTextBoxFlag xmlns:ma14="http://schemas.microsoft.com/office/mac/drawingml/2011/main" xmlns:a14="http://schemas.microsoft.com/office/drawing/2010/main" xmlns:m="http://schemas.openxmlformats.org/officeDocument/2006/math" xmlns="" val="1"/>
+              <ma14:wrappingTextBoxFlag xmlns="" xmlns:m="http://schemas.openxmlformats.org/officeDocument/2006/math" xmlns:a14="http://schemas.microsoft.com/office/drawing/2010/main" xmlns:ma14="http://schemas.microsoft.com/office/mac/drawingml/2011/main" val="1"/>
             </a:ext>
           </a:extLst>
         </p:spPr>
@@ -15326,7 +15372,7 @@
           </a:ln>
           <a:extLst>
             <a:ext uri="{C572A759-6A51-4108-AA02-DFA0A04FC94B}">
-              <ma14:wrappingTextBoxFlag xmlns:ma14="http://schemas.microsoft.com/office/mac/drawingml/2011/main" xmlns:a14="http://schemas.microsoft.com/office/drawing/2010/main" xmlns:m="http://schemas.openxmlformats.org/officeDocument/2006/math" xmlns="" val="1"/>
+              <ma14:wrappingTextBoxFlag xmlns="" xmlns:m="http://schemas.openxmlformats.org/officeDocument/2006/math" xmlns:a14="http://schemas.microsoft.com/office/drawing/2010/main" xmlns:ma14="http://schemas.microsoft.com/office/mac/drawingml/2011/main" val="1"/>
             </a:ext>
           </a:extLst>
         </p:spPr>
@@ -16172,7 +16218,7 @@
           </a:ln>
           <a:extLst>
             <a:ext uri="{C572A759-6A51-4108-AA02-DFA0A04FC94B}">
-              <ma14:wrappingTextBoxFlag xmlns:ma14="http://schemas.microsoft.com/office/mac/drawingml/2011/main" xmlns:a14="http://schemas.microsoft.com/office/drawing/2010/main" xmlns:m="http://schemas.openxmlformats.org/officeDocument/2006/math" xmlns="" val="1"/>
+              <ma14:wrappingTextBoxFlag xmlns="" xmlns:m="http://schemas.openxmlformats.org/officeDocument/2006/math" xmlns:a14="http://schemas.microsoft.com/office/drawing/2010/main" xmlns:ma14="http://schemas.microsoft.com/office/mac/drawingml/2011/main" val="1"/>
             </a:ext>
           </a:extLst>
         </p:spPr>
@@ -16447,7 +16493,7 @@
             <a:effectLst/>
             <a:extLst>
               <a:ext uri="{C572A759-6A51-4108-AA02-DFA0A04FC94B}">
-                <ma14:wrappingTextBoxFlag xmlns:ma14="http://schemas.microsoft.com/office/mac/drawingml/2011/main" xmlns:a14="http://schemas.microsoft.com/office/drawing/2010/main" xmlns:m="http://schemas.openxmlformats.org/officeDocument/2006/math" xmlns="" val="1"/>
+                <ma14:wrappingTextBoxFlag xmlns="" xmlns:m="http://schemas.openxmlformats.org/officeDocument/2006/math" xmlns:a14="http://schemas.microsoft.com/office/drawing/2010/main" xmlns:ma14="http://schemas.microsoft.com/office/mac/drawingml/2011/main" val="1"/>
               </a:ext>
             </a:extLst>
           </p:spPr>
@@ -17198,7 +17244,7 @@
           </a:ln>
           <a:extLst>
             <a:ext uri="{C572A759-6A51-4108-AA02-DFA0A04FC94B}">
-              <ma14:wrappingTextBoxFlag xmlns:ma14="http://schemas.microsoft.com/office/mac/drawingml/2011/main" xmlns:a14="http://schemas.microsoft.com/office/drawing/2010/main" xmlns:m="http://schemas.openxmlformats.org/officeDocument/2006/math" xmlns="" val="1"/>
+              <ma14:wrappingTextBoxFlag xmlns="" xmlns:m="http://schemas.openxmlformats.org/officeDocument/2006/math" xmlns:a14="http://schemas.microsoft.com/office/drawing/2010/main" xmlns:ma14="http://schemas.microsoft.com/office/mac/drawingml/2011/main" val="1"/>
             </a:ext>
           </a:extLst>
         </p:spPr>
@@ -17235,7 +17281,7 @@
           </a:ln>
           <a:extLst>
             <a:ext uri="{C572A759-6A51-4108-AA02-DFA0A04FC94B}">
-              <ma14:wrappingTextBoxFlag xmlns:ma14="http://schemas.microsoft.com/office/mac/drawingml/2011/main" xmlns:a14="http://schemas.microsoft.com/office/drawing/2010/main" xmlns:m="http://schemas.openxmlformats.org/officeDocument/2006/math" xmlns="" val="1"/>
+              <ma14:wrappingTextBoxFlag xmlns="" xmlns:m="http://schemas.openxmlformats.org/officeDocument/2006/math" xmlns:a14="http://schemas.microsoft.com/office/drawing/2010/main" xmlns:ma14="http://schemas.microsoft.com/office/mac/drawingml/2011/main" val="1"/>
             </a:ext>
           </a:extLst>
         </p:spPr>
@@ -18037,7 +18083,7 @@
           </a:ln>
           <a:extLst>
             <a:ext uri="{C572A759-6A51-4108-AA02-DFA0A04FC94B}">
-              <ma14:wrappingTextBoxFlag xmlns:ma14="http://schemas.microsoft.com/office/mac/drawingml/2011/main" xmlns:a14="http://schemas.microsoft.com/office/drawing/2010/main" xmlns:m="http://schemas.openxmlformats.org/officeDocument/2006/math" xmlns="" val="1"/>
+              <ma14:wrappingTextBoxFlag xmlns="" xmlns:m="http://schemas.openxmlformats.org/officeDocument/2006/math" xmlns:a14="http://schemas.microsoft.com/office/drawing/2010/main" xmlns:ma14="http://schemas.microsoft.com/office/mac/drawingml/2011/main" val="1"/>
             </a:ext>
           </a:extLst>
         </p:spPr>
@@ -18082,7 +18128,7 @@
           </a:ln>
           <a:extLst>
             <a:ext uri="{C572A759-6A51-4108-AA02-DFA0A04FC94B}">
-              <ma14:wrappingTextBoxFlag xmlns:ma14="http://schemas.microsoft.com/office/mac/drawingml/2011/main" xmlns:a14="http://schemas.microsoft.com/office/drawing/2010/main" xmlns:m="http://schemas.openxmlformats.org/officeDocument/2006/math" xmlns="" val="1"/>
+              <ma14:wrappingTextBoxFlag xmlns="" xmlns:m="http://schemas.openxmlformats.org/officeDocument/2006/math" xmlns:a14="http://schemas.microsoft.com/office/drawing/2010/main" xmlns:ma14="http://schemas.microsoft.com/office/mac/drawingml/2011/main" val="1"/>
             </a:ext>
           </a:extLst>
         </p:spPr>
@@ -18121,7 +18167,7 @@
           </a:prstGeom>
           <a:extLst>
             <a:ext uri="{C572A759-6A51-4108-AA02-DFA0A04FC94B}">
-              <ma14:wrappingTextBoxFlag xmlns:ma14="http://schemas.microsoft.com/office/mac/drawingml/2011/main" xmlns:a14="http://schemas.microsoft.com/office/drawing/2010/main" xmlns:m="http://schemas.openxmlformats.org/officeDocument/2006/math" xmlns="" val="1"/>
+              <ma14:wrappingTextBoxFlag xmlns="" xmlns:m="http://schemas.openxmlformats.org/officeDocument/2006/math" xmlns:a14="http://schemas.microsoft.com/office/drawing/2010/main" xmlns:ma14="http://schemas.microsoft.com/office/mac/drawingml/2011/main" val="1"/>
             </a:ext>
           </a:extLst>
         </p:spPr>
@@ -18150,7 +18196,7 @@
 </file>
 
 <file path=ppt/slides/slide10.xml><?xml version="1.0" encoding="utf-8"?>
-<p:sld xmlns:a="http://schemas.openxmlformats.org/drawingml/2006/main" xmlns:r="http://schemas.openxmlformats.org/officeDocument/2006/relationships" xmlns:p="http://schemas.openxmlformats.org/presentationml/2006/main">
+<p:sld xmlns:a="http://schemas.openxmlformats.org/drawingml/2006/main" xmlns:r="http://schemas.openxmlformats.org/officeDocument/2006/relationships" xmlns:p="http://schemas.openxmlformats.org/presentationml/2006/main" show="0">
   <p:cSld>
     <p:spTree>
       <p:nvGrpSpPr>
@@ -18185,7 +18231,7 @@
           </a:ln>
           <a:extLst>
             <a:ext uri="{C572A759-6A51-4108-AA02-DFA0A04FC94B}">
-              <ma14:wrappingTextBoxFlag xmlns:ma14="http://schemas.microsoft.com/office/mac/drawingml/2011/main" xmlns:a14="http://schemas.microsoft.com/office/drawing/2010/main" xmlns:m="http://schemas.openxmlformats.org/officeDocument/2006/math" xmlns="" val="1"/>
+              <ma14:wrappingTextBoxFlag xmlns="" xmlns:m="http://schemas.openxmlformats.org/officeDocument/2006/math" xmlns:a14="http://schemas.microsoft.com/office/drawing/2010/main" xmlns:ma14="http://schemas.microsoft.com/office/mac/drawingml/2011/main" val="1"/>
             </a:ext>
           </a:extLst>
         </p:spPr>
@@ -18221,7 +18267,7 @@
           </a:prstGeom>
           <a:extLst>
             <a:ext uri="{C572A759-6A51-4108-AA02-DFA0A04FC94B}">
-              <ma14:wrappingTextBoxFlag xmlns:ma14="http://schemas.microsoft.com/office/mac/drawingml/2011/main" xmlns:a14="http://schemas.microsoft.com/office/drawing/2010/main" xmlns:m="http://schemas.openxmlformats.org/officeDocument/2006/math" xmlns="" val="1"/>
+              <ma14:wrappingTextBoxFlag xmlns="" xmlns:m="http://schemas.openxmlformats.org/officeDocument/2006/math" xmlns:a14="http://schemas.microsoft.com/office/drawing/2010/main" xmlns:ma14="http://schemas.microsoft.com/office/mac/drawingml/2011/main" val="1"/>
             </a:ext>
           </a:extLst>
         </p:spPr>
@@ -18259,7 +18305,7 @@
           </a:ln>
           <a:extLst>
             <a:ext uri="{C572A759-6A51-4108-AA02-DFA0A04FC94B}">
-              <ma14:wrappingTextBoxFlag xmlns:ma14="http://schemas.microsoft.com/office/mac/drawingml/2011/main" xmlns:a14="http://schemas.microsoft.com/office/drawing/2010/main" xmlns:m="http://schemas.openxmlformats.org/officeDocument/2006/math" xmlns="" val="1"/>
+              <ma14:wrappingTextBoxFlag xmlns="" xmlns:m="http://schemas.openxmlformats.org/officeDocument/2006/math" xmlns:a14="http://schemas.microsoft.com/office/drawing/2010/main" xmlns:ma14="http://schemas.microsoft.com/office/mac/drawingml/2011/main" val="1"/>
             </a:ext>
           </a:extLst>
         </p:spPr>
@@ -18447,7 +18493,7 @@
           </a:ln>
           <a:extLst>
             <a:ext uri="{C572A759-6A51-4108-AA02-DFA0A04FC94B}">
-              <ma14:wrappingTextBoxFlag xmlns:ma14="http://schemas.microsoft.com/office/mac/drawingml/2011/main" xmlns:a14="http://schemas.microsoft.com/office/drawing/2010/main" xmlns:m="http://schemas.openxmlformats.org/officeDocument/2006/math" xmlns="" val="1"/>
+              <ma14:wrappingTextBoxFlag xmlns="" xmlns:m="http://schemas.openxmlformats.org/officeDocument/2006/math" xmlns:a14="http://schemas.microsoft.com/office/drawing/2010/main" xmlns:ma14="http://schemas.microsoft.com/office/mac/drawingml/2011/main" val="1"/>
             </a:ext>
           </a:extLst>
         </p:spPr>
@@ -18479,10 +18525,10 @@
         </p:nvGrpSpPr>
         <p:grpSpPr>
           <a:xfrm>
-            <a:off x="3894840" y="5664691"/>
-            <a:ext cx="604801" cy="431148"/>
-            <a:chOff x="0" y="0"/>
-            <a:chExt cx="604800" cy="431147"/>
+            <a:off x="3894840" y="5682239"/>
+            <a:ext cx="604802" cy="390962"/>
+            <a:chOff x="0" y="17548"/>
+            <a:chExt cx="604801" cy="390961"/>
           </a:xfrm>
         </p:grpSpPr>
         <p:sp>
@@ -18575,7 +18621,7 @@
             <a:effectLst/>
             <a:extLst>
               <a:ext uri="{C572A759-6A51-4108-AA02-DFA0A04FC94B}">
-                <ma14:wrappingTextBoxFlag xmlns:ma14="http://schemas.microsoft.com/office/mac/drawingml/2011/main" xmlns:a14="http://schemas.microsoft.com/office/drawing/2010/main" xmlns:m="http://schemas.openxmlformats.org/officeDocument/2006/math" xmlns="" val="1"/>
+                <ma14:wrappingTextBoxFlag xmlns="" xmlns:m="http://schemas.openxmlformats.org/officeDocument/2006/math" xmlns:a14="http://schemas.microsoft.com/office/drawing/2010/main" xmlns:ma14="http://schemas.microsoft.com/office/mac/drawingml/2011/main" val="1"/>
               </a:ext>
             </a:extLst>
           </p:spPr>
@@ -18608,10 +18654,10 @@
         </p:nvGrpSpPr>
         <p:grpSpPr>
           <a:xfrm>
-            <a:off x="2235599" y="4694130"/>
-            <a:ext cx="686881" cy="407973"/>
-            <a:chOff x="0" y="0"/>
-            <a:chExt cx="686880" cy="407971"/>
+            <a:off x="2235599" y="4721520"/>
+            <a:ext cx="686882" cy="344042"/>
+            <a:chOff x="0" y="27389"/>
+            <a:chExt cx="686881" cy="344041"/>
           </a:xfrm>
         </p:grpSpPr>
         <p:sp>
@@ -18704,7 +18750,7 @@
             <a:effectLst/>
             <a:extLst>
               <a:ext uri="{C572A759-6A51-4108-AA02-DFA0A04FC94B}">
-                <ma14:wrappingTextBoxFlag xmlns:ma14="http://schemas.microsoft.com/office/mac/drawingml/2011/main" xmlns:a14="http://schemas.microsoft.com/office/drawing/2010/main" xmlns:m="http://schemas.openxmlformats.org/officeDocument/2006/math" xmlns="" val="1"/>
+                <ma14:wrappingTextBoxFlag xmlns="" xmlns:m="http://schemas.openxmlformats.org/officeDocument/2006/math" xmlns:a14="http://schemas.microsoft.com/office/drawing/2010/main" xmlns:ma14="http://schemas.microsoft.com/office/mac/drawingml/2011/main" val="1"/>
               </a:ext>
             </a:extLst>
           </p:spPr>
@@ -18835,7 +18881,7 @@
           </a:ln>
           <a:extLst>
             <a:ext uri="{C572A759-6A51-4108-AA02-DFA0A04FC94B}">
-              <ma14:wrappingTextBoxFlag xmlns:ma14="http://schemas.microsoft.com/office/mac/drawingml/2011/main" xmlns:a14="http://schemas.microsoft.com/office/drawing/2010/main" xmlns:m="http://schemas.openxmlformats.org/officeDocument/2006/math" xmlns="" val="1"/>
+              <ma14:wrappingTextBoxFlag xmlns="" xmlns:m="http://schemas.openxmlformats.org/officeDocument/2006/math" xmlns:a14="http://schemas.microsoft.com/office/drawing/2010/main" xmlns:ma14="http://schemas.microsoft.com/office/mac/drawingml/2011/main" val="1"/>
             </a:ext>
           </a:extLst>
         </p:spPr>
@@ -18898,7 +18944,7 @@
           </a:ln>
           <a:extLst>
             <a:ext uri="{C572A759-6A51-4108-AA02-DFA0A04FC94B}">
-              <ma14:wrappingTextBoxFlag xmlns:ma14="http://schemas.microsoft.com/office/mac/drawingml/2011/main" xmlns:a14="http://schemas.microsoft.com/office/drawing/2010/main" xmlns:m="http://schemas.openxmlformats.org/officeDocument/2006/math" xmlns="" val="1"/>
+              <ma14:wrappingTextBoxFlag xmlns="" xmlns:m="http://schemas.openxmlformats.org/officeDocument/2006/math" xmlns:a14="http://schemas.microsoft.com/office/drawing/2010/main" xmlns:ma14="http://schemas.microsoft.com/office/mac/drawingml/2011/main" val="1"/>
             </a:ext>
           </a:extLst>
         </p:spPr>
@@ -18961,7 +19007,7 @@
           </a:ln>
           <a:extLst>
             <a:ext uri="{C572A759-6A51-4108-AA02-DFA0A04FC94B}">
-              <ma14:wrappingTextBoxFlag xmlns:ma14="http://schemas.microsoft.com/office/mac/drawingml/2011/main" xmlns:a14="http://schemas.microsoft.com/office/drawing/2010/main" xmlns:m="http://schemas.openxmlformats.org/officeDocument/2006/math" xmlns="" val="1"/>
+              <ma14:wrappingTextBoxFlag xmlns="" xmlns:m="http://schemas.openxmlformats.org/officeDocument/2006/math" xmlns:a14="http://schemas.microsoft.com/office/drawing/2010/main" xmlns:ma14="http://schemas.microsoft.com/office/mac/drawingml/2011/main" val="1"/>
             </a:ext>
           </a:extLst>
         </p:spPr>
@@ -19024,7 +19070,7 @@
           </a:ln>
           <a:extLst>
             <a:ext uri="{C572A759-6A51-4108-AA02-DFA0A04FC94B}">
-              <ma14:wrappingTextBoxFlag xmlns:ma14="http://schemas.microsoft.com/office/mac/drawingml/2011/main" xmlns:a14="http://schemas.microsoft.com/office/drawing/2010/main" xmlns:m="http://schemas.openxmlformats.org/officeDocument/2006/math" xmlns="" val="1"/>
+              <ma14:wrappingTextBoxFlag xmlns="" xmlns:m="http://schemas.openxmlformats.org/officeDocument/2006/math" xmlns:a14="http://schemas.microsoft.com/office/drawing/2010/main" xmlns:ma14="http://schemas.microsoft.com/office/mac/drawingml/2011/main" val="1"/>
             </a:ext>
           </a:extLst>
         </p:spPr>
@@ -19091,7 +19137,7 @@
           </a:ln>
           <a:extLst>
             <a:ext uri="{C572A759-6A51-4108-AA02-DFA0A04FC94B}">
-              <ma14:wrappingTextBoxFlag xmlns:ma14="http://schemas.microsoft.com/office/mac/drawingml/2011/main" xmlns:a14="http://schemas.microsoft.com/office/drawing/2010/main" xmlns:m="http://schemas.openxmlformats.org/officeDocument/2006/math" xmlns="" val="1"/>
+              <ma14:wrappingTextBoxFlag xmlns="" xmlns:m="http://schemas.openxmlformats.org/officeDocument/2006/math" xmlns:a14="http://schemas.microsoft.com/office/drawing/2010/main" xmlns:ma14="http://schemas.microsoft.com/office/mac/drawingml/2011/main" val="1"/>
             </a:ext>
           </a:extLst>
         </p:spPr>
@@ -19134,7 +19180,7 @@
 </file>
 
 <file path=ppt/slides/slide11.xml><?xml version="1.0" encoding="utf-8"?>
-<p:sld xmlns:a="http://schemas.openxmlformats.org/drawingml/2006/main" xmlns:r="http://schemas.openxmlformats.org/officeDocument/2006/relationships" xmlns:p="http://schemas.openxmlformats.org/presentationml/2006/main">
+<p:sld xmlns:a="http://schemas.openxmlformats.org/drawingml/2006/main" xmlns:r="http://schemas.openxmlformats.org/officeDocument/2006/relationships" xmlns:p="http://schemas.openxmlformats.org/presentationml/2006/main" show="0">
   <p:cSld>
     <p:spTree>
       <p:nvGrpSpPr>
@@ -19166,7 +19212,7 @@
           </a:prstGeom>
           <a:extLst>
             <a:ext uri="{C572A759-6A51-4108-AA02-DFA0A04FC94B}">
-              <ma14:wrappingTextBoxFlag xmlns:ma14="http://schemas.microsoft.com/office/mac/drawingml/2011/main" xmlns:a14="http://schemas.microsoft.com/office/drawing/2010/main" xmlns:m="http://schemas.openxmlformats.org/officeDocument/2006/math" xmlns="" val="1"/>
+              <ma14:wrappingTextBoxFlag xmlns="" xmlns:m="http://schemas.openxmlformats.org/officeDocument/2006/math" xmlns:a14="http://schemas.microsoft.com/office/drawing/2010/main" xmlns:ma14="http://schemas.microsoft.com/office/mac/drawingml/2011/main" val="1"/>
             </a:ext>
           </a:extLst>
         </p:spPr>
@@ -19204,7 +19250,7 @@
           </a:ln>
           <a:extLst>
             <a:ext uri="{C572A759-6A51-4108-AA02-DFA0A04FC94B}">
-              <ma14:wrappingTextBoxFlag xmlns:ma14="http://schemas.microsoft.com/office/mac/drawingml/2011/main" xmlns:a14="http://schemas.microsoft.com/office/drawing/2010/main" xmlns:m="http://schemas.openxmlformats.org/officeDocument/2006/math" xmlns="" val="1"/>
+              <ma14:wrappingTextBoxFlag xmlns="" xmlns:m="http://schemas.openxmlformats.org/officeDocument/2006/math" xmlns:a14="http://schemas.microsoft.com/office/drawing/2010/main" xmlns:ma14="http://schemas.microsoft.com/office/mac/drawingml/2011/main" val="1"/>
             </a:ext>
           </a:extLst>
         </p:spPr>
@@ -19420,7 +19466,7 @@
           </a:ln>
           <a:extLst>
             <a:ext uri="{C572A759-6A51-4108-AA02-DFA0A04FC94B}">
-              <ma14:wrappingTextBoxFlag xmlns:ma14="http://schemas.microsoft.com/office/mac/drawingml/2011/main" xmlns:a14="http://schemas.microsoft.com/office/drawing/2010/main" xmlns:m="http://schemas.openxmlformats.org/officeDocument/2006/math" xmlns="" val="1"/>
+              <ma14:wrappingTextBoxFlag xmlns="" xmlns:m="http://schemas.openxmlformats.org/officeDocument/2006/math" xmlns:a14="http://schemas.microsoft.com/office/drawing/2010/main" xmlns:ma14="http://schemas.microsoft.com/office/mac/drawingml/2011/main" val="1"/>
             </a:ext>
           </a:extLst>
         </p:spPr>
@@ -19452,10 +19498,10 @@
         </p:nvGrpSpPr>
         <p:grpSpPr>
           <a:xfrm>
-            <a:off x="8740440" y="4059811"/>
-            <a:ext cx="604801" cy="431148"/>
-            <a:chOff x="0" y="0"/>
-            <a:chExt cx="604800" cy="431147"/>
+            <a:off x="8740440" y="4077359"/>
+            <a:ext cx="604802" cy="390962"/>
+            <a:chOff x="0" y="17548"/>
+            <a:chExt cx="604801" cy="390961"/>
           </a:xfrm>
         </p:grpSpPr>
         <p:sp>
@@ -19548,7 +19594,7 @@
             <a:effectLst/>
             <a:extLst>
               <a:ext uri="{C572A759-6A51-4108-AA02-DFA0A04FC94B}">
-                <ma14:wrappingTextBoxFlag xmlns:ma14="http://schemas.microsoft.com/office/mac/drawingml/2011/main" xmlns:a14="http://schemas.microsoft.com/office/drawing/2010/main" xmlns:m="http://schemas.openxmlformats.org/officeDocument/2006/math" xmlns="" val="1"/>
+                <ma14:wrappingTextBoxFlag xmlns="" xmlns:m="http://schemas.openxmlformats.org/officeDocument/2006/math" xmlns:a14="http://schemas.microsoft.com/office/drawing/2010/main" xmlns:ma14="http://schemas.microsoft.com/office/mac/drawingml/2011/main" val="1"/>
               </a:ext>
             </a:extLst>
           </p:spPr>
@@ -19581,10 +19627,10 @@
         </p:nvGrpSpPr>
         <p:grpSpPr>
           <a:xfrm>
-            <a:off x="7081559" y="3089250"/>
-            <a:ext cx="686882" cy="407972"/>
-            <a:chOff x="0" y="0"/>
-            <a:chExt cx="686880" cy="407971"/>
+            <a:off x="7081559" y="3116640"/>
+            <a:ext cx="686883" cy="344042"/>
+            <a:chOff x="0" y="27389"/>
+            <a:chExt cx="686881" cy="344041"/>
           </a:xfrm>
         </p:grpSpPr>
         <p:sp>
@@ -19677,7 +19723,7 @@
             <a:effectLst/>
             <a:extLst>
               <a:ext uri="{C572A759-6A51-4108-AA02-DFA0A04FC94B}">
-                <ma14:wrappingTextBoxFlag xmlns:ma14="http://schemas.microsoft.com/office/mac/drawingml/2011/main" xmlns:a14="http://schemas.microsoft.com/office/drawing/2010/main" xmlns:m="http://schemas.openxmlformats.org/officeDocument/2006/math" xmlns="" val="1"/>
+                <ma14:wrappingTextBoxFlag xmlns="" xmlns:m="http://schemas.openxmlformats.org/officeDocument/2006/math" xmlns:a14="http://schemas.microsoft.com/office/drawing/2010/main" xmlns:ma14="http://schemas.microsoft.com/office/mac/drawingml/2011/main" val="1"/>
               </a:ext>
             </a:extLst>
           </p:spPr>
@@ -19808,7 +19854,7 @@
           </a:ln>
           <a:extLst>
             <a:ext uri="{C572A759-6A51-4108-AA02-DFA0A04FC94B}">
-              <ma14:wrappingTextBoxFlag xmlns:ma14="http://schemas.microsoft.com/office/mac/drawingml/2011/main" xmlns:a14="http://schemas.microsoft.com/office/drawing/2010/main" xmlns:m="http://schemas.openxmlformats.org/officeDocument/2006/math" xmlns="" val="1"/>
+              <ma14:wrappingTextBoxFlag xmlns="" xmlns:m="http://schemas.openxmlformats.org/officeDocument/2006/math" xmlns:a14="http://schemas.microsoft.com/office/drawing/2010/main" xmlns:ma14="http://schemas.microsoft.com/office/mac/drawingml/2011/main" val="1"/>
             </a:ext>
           </a:extLst>
         </p:spPr>
@@ -19871,7 +19917,7 @@
           </a:ln>
           <a:extLst>
             <a:ext uri="{C572A759-6A51-4108-AA02-DFA0A04FC94B}">
-              <ma14:wrappingTextBoxFlag xmlns:ma14="http://schemas.microsoft.com/office/mac/drawingml/2011/main" xmlns:a14="http://schemas.microsoft.com/office/drawing/2010/main" xmlns:m="http://schemas.openxmlformats.org/officeDocument/2006/math" xmlns="" val="1"/>
+              <ma14:wrappingTextBoxFlag xmlns="" xmlns:m="http://schemas.openxmlformats.org/officeDocument/2006/math" xmlns:a14="http://schemas.microsoft.com/office/drawing/2010/main" xmlns:ma14="http://schemas.microsoft.com/office/mac/drawingml/2011/main" val="1"/>
             </a:ext>
           </a:extLst>
         </p:spPr>
@@ -19934,7 +19980,7 @@
           </a:ln>
           <a:extLst>
             <a:ext uri="{C572A759-6A51-4108-AA02-DFA0A04FC94B}">
-              <ma14:wrappingTextBoxFlag xmlns:ma14="http://schemas.microsoft.com/office/mac/drawingml/2011/main" xmlns:a14="http://schemas.microsoft.com/office/drawing/2010/main" xmlns:m="http://schemas.openxmlformats.org/officeDocument/2006/math" xmlns="" val="1"/>
+              <ma14:wrappingTextBoxFlag xmlns="" xmlns:m="http://schemas.openxmlformats.org/officeDocument/2006/math" xmlns:a14="http://schemas.microsoft.com/office/drawing/2010/main" xmlns:ma14="http://schemas.microsoft.com/office/mac/drawingml/2011/main" val="1"/>
             </a:ext>
           </a:extLst>
         </p:spPr>
@@ -20084,7 +20130,7 @@
           </a:ln>
           <a:extLst>
             <a:ext uri="{C572A759-6A51-4108-AA02-DFA0A04FC94B}">
-              <ma14:wrappingTextBoxFlag xmlns:ma14="http://schemas.microsoft.com/office/mac/drawingml/2011/main" xmlns:a14="http://schemas.microsoft.com/office/drawing/2010/main" xmlns:m="http://schemas.openxmlformats.org/officeDocument/2006/math" xmlns="" val="1"/>
+              <ma14:wrappingTextBoxFlag xmlns="" xmlns:m="http://schemas.openxmlformats.org/officeDocument/2006/math" xmlns:a14="http://schemas.microsoft.com/office/drawing/2010/main" xmlns:ma14="http://schemas.microsoft.com/office/mac/drawingml/2011/main" val="1"/>
             </a:ext>
           </a:extLst>
         </p:spPr>
@@ -20151,7 +20197,7 @@
           </a:ln>
           <a:extLst>
             <a:ext uri="{C572A759-6A51-4108-AA02-DFA0A04FC94B}">
-              <ma14:wrappingTextBoxFlag xmlns:ma14="http://schemas.microsoft.com/office/mac/drawingml/2011/main" xmlns:a14="http://schemas.microsoft.com/office/drawing/2010/main" xmlns:m="http://schemas.openxmlformats.org/officeDocument/2006/math" xmlns="" val="1"/>
+              <ma14:wrappingTextBoxFlag xmlns="" xmlns:m="http://schemas.openxmlformats.org/officeDocument/2006/math" xmlns:a14="http://schemas.microsoft.com/office/drawing/2010/main" xmlns:ma14="http://schemas.microsoft.com/office/mac/drawingml/2011/main" val="1"/>
             </a:ext>
           </a:extLst>
         </p:spPr>
@@ -20218,7 +20264,7 @@
           </a:ln>
           <a:extLst>
             <a:ext uri="{C572A759-6A51-4108-AA02-DFA0A04FC94B}">
-              <ma14:wrappingTextBoxFlag xmlns:ma14="http://schemas.microsoft.com/office/mac/drawingml/2011/main" xmlns:a14="http://schemas.microsoft.com/office/drawing/2010/main" xmlns:m="http://schemas.openxmlformats.org/officeDocument/2006/math" xmlns="" val="1"/>
+              <ma14:wrappingTextBoxFlag xmlns="" xmlns:m="http://schemas.openxmlformats.org/officeDocument/2006/math" xmlns:a14="http://schemas.microsoft.com/office/drawing/2010/main" xmlns:ma14="http://schemas.microsoft.com/office/mac/drawingml/2011/main" val="1"/>
             </a:ext>
           </a:extLst>
         </p:spPr>
@@ -20338,7 +20384,7 @@
           </a:ln>
           <a:extLst>
             <a:ext uri="{C572A759-6A51-4108-AA02-DFA0A04FC94B}">
-              <ma14:wrappingTextBoxFlag xmlns:ma14="http://schemas.microsoft.com/office/mac/drawingml/2011/main" xmlns:a14="http://schemas.microsoft.com/office/drawing/2010/main" xmlns:m="http://schemas.openxmlformats.org/officeDocument/2006/math" xmlns="" val="1"/>
+              <ma14:wrappingTextBoxFlag xmlns="" xmlns:m="http://schemas.openxmlformats.org/officeDocument/2006/math" xmlns:a14="http://schemas.microsoft.com/office/drawing/2010/main" xmlns:ma14="http://schemas.microsoft.com/office/mac/drawingml/2011/main" val="1"/>
             </a:ext>
           </a:extLst>
         </p:spPr>
@@ -20526,7 +20572,7 @@
           </a:ln>
           <a:extLst>
             <a:ext uri="{C572A759-6A51-4108-AA02-DFA0A04FC94B}">
-              <ma14:wrappingTextBoxFlag xmlns:ma14="http://schemas.microsoft.com/office/mac/drawingml/2011/main" xmlns:a14="http://schemas.microsoft.com/office/drawing/2010/main" xmlns:m="http://schemas.openxmlformats.org/officeDocument/2006/math" xmlns="" val="1"/>
+              <ma14:wrappingTextBoxFlag xmlns="" xmlns:m="http://schemas.openxmlformats.org/officeDocument/2006/math" xmlns:a14="http://schemas.microsoft.com/office/drawing/2010/main" xmlns:ma14="http://schemas.microsoft.com/office/mac/drawingml/2011/main" val="1"/>
             </a:ext>
           </a:extLst>
         </p:spPr>
@@ -20558,10 +20604,10 @@
         </p:nvGrpSpPr>
         <p:grpSpPr>
           <a:xfrm>
-            <a:off x="3498839" y="5665051"/>
-            <a:ext cx="604801" cy="431148"/>
-            <a:chOff x="0" y="0"/>
-            <a:chExt cx="604800" cy="431147"/>
+            <a:off x="3498839" y="5682599"/>
+            <a:ext cx="604802" cy="390962"/>
+            <a:chOff x="0" y="17548"/>
+            <a:chExt cx="604801" cy="390961"/>
           </a:xfrm>
         </p:grpSpPr>
         <p:sp>
@@ -20654,7 +20700,7 @@
             <a:effectLst/>
             <a:extLst>
               <a:ext uri="{C572A759-6A51-4108-AA02-DFA0A04FC94B}">
-                <ma14:wrappingTextBoxFlag xmlns:ma14="http://schemas.microsoft.com/office/mac/drawingml/2011/main" xmlns:a14="http://schemas.microsoft.com/office/drawing/2010/main" xmlns:m="http://schemas.openxmlformats.org/officeDocument/2006/math" xmlns="" val="1"/>
+                <ma14:wrappingTextBoxFlag xmlns="" xmlns:m="http://schemas.openxmlformats.org/officeDocument/2006/math" xmlns:a14="http://schemas.microsoft.com/office/drawing/2010/main" xmlns:ma14="http://schemas.microsoft.com/office/mac/drawingml/2011/main" val="1"/>
               </a:ext>
             </a:extLst>
           </p:spPr>
@@ -20687,10 +20733,10 @@
         </p:nvGrpSpPr>
         <p:grpSpPr>
           <a:xfrm>
-            <a:off x="1839599" y="4694490"/>
-            <a:ext cx="686881" cy="407973"/>
-            <a:chOff x="0" y="0"/>
-            <a:chExt cx="686880" cy="407971"/>
+            <a:off x="1839599" y="4721880"/>
+            <a:ext cx="686882" cy="344042"/>
+            <a:chOff x="0" y="27389"/>
+            <a:chExt cx="686881" cy="344041"/>
           </a:xfrm>
         </p:grpSpPr>
         <p:sp>
@@ -20783,7 +20829,7 @@
             <a:effectLst/>
             <a:extLst>
               <a:ext uri="{C572A759-6A51-4108-AA02-DFA0A04FC94B}">
-                <ma14:wrappingTextBoxFlag xmlns:ma14="http://schemas.microsoft.com/office/mac/drawingml/2011/main" xmlns:a14="http://schemas.microsoft.com/office/drawing/2010/main" xmlns:m="http://schemas.openxmlformats.org/officeDocument/2006/math" xmlns="" val="1"/>
+                <ma14:wrappingTextBoxFlag xmlns="" xmlns:m="http://schemas.openxmlformats.org/officeDocument/2006/math" xmlns:a14="http://schemas.microsoft.com/office/drawing/2010/main" xmlns:ma14="http://schemas.microsoft.com/office/mac/drawingml/2011/main" val="1"/>
               </a:ext>
             </a:extLst>
           </p:spPr>
@@ -20914,7 +20960,7 @@
           </a:ln>
           <a:extLst>
             <a:ext uri="{C572A759-6A51-4108-AA02-DFA0A04FC94B}">
-              <ma14:wrappingTextBoxFlag xmlns:ma14="http://schemas.microsoft.com/office/mac/drawingml/2011/main" xmlns:a14="http://schemas.microsoft.com/office/drawing/2010/main" xmlns:m="http://schemas.openxmlformats.org/officeDocument/2006/math" xmlns="" val="1"/>
+              <ma14:wrappingTextBoxFlag xmlns="" xmlns:m="http://schemas.openxmlformats.org/officeDocument/2006/math" xmlns:a14="http://schemas.microsoft.com/office/drawing/2010/main" xmlns:ma14="http://schemas.microsoft.com/office/mac/drawingml/2011/main" val="1"/>
             </a:ext>
           </a:extLst>
         </p:spPr>
@@ -20977,7 +21023,7 @@
           </a:ln>
           <a:extLst>
             <a:ext uri="{C572A759-6A51-4108-AA02-DFA0A04FC94B}">
-              <ma14:wrappingTextBoxFlag xmlns:ma14="http://schemas.microsoft.com/office/mac/drawingml/2011/main" xmlns:a14="http://schemas.microsoft.com/office/drawing/2010/main" xmlns:m="http://schemas.openxmlformats.org/officeDocument/2006/math" xmlns="" val="1"/>
+              <ma14:wrappingTextBoxFlag xmlns="" xmlns:m="http://schemas.openxmlformats.org/officeDocument/2006/math" xmlns:a14="http://schemas.microsoft.com/office/drawing/2010/main" xmlns:ma14="http://schemas.microsoft.com/office/mac/drawingml/2011/main" val="1"/>
             </a:ext>
           </a:extLst>
         </p:spPr>
@@ -21040,7 +21086,7 @@
           </a:ln>
           <a:extLst>
             <a:ext uri="{C572A759-6A51-4108-AA02-DFA0A04FC94B}">
-              <ma14:wrappingTextBoxFlag xmlns:ma14="http://schemas.microsoft.com/office/mac/drawingml/2011/main" xmlns:a14="http://schemas.microsoft.com/office/drawing/2010/main" xmlns:m="http://schemas.openxmlformats.org/officeDocument/2006/math" xmlns="" val="1"/>
+              <ma14:wrappingTextBoxFlag xmlns="" xmlns:m="http://schemas.openxmlformats.org/officeDocument/2006/math" xmlns:a14="http://schemas.microsoft.com/office/drawing/2010/main" xmlns:ma14="http://schemas.microsoft.com/office/mac/drawingml/2011/main" val="1"/>
             </a:ext>
           </a:extLst>
         </p:spPr>
@@ -21103,7 +21149,7 @@
           </a:ln>
           <a:extLst>
             <a:ext uri="{C572A759-6A51-4108-AA02-DFA0A04FC94B}">
-              <ma14:wrappingTextBoxFlag xmlns:ma14="http://schemas.microsoft.com/office/mac/drawingml/2011/main" xmlns:a14="http://schemas.microsoft.com/office/drawing/2010/main" xmlns:m="http://schemas.openxmlformats.org/officeDocument/2006/math" xmlns="" val="1"/>
+              <ma14:wrappingTextBoxFlag xmlns="" xmlns:m="http://schemas.openxmlformats.org/officeDocument/2006/math" xmlns:a14="http://schemas.microsoft.com/office/drawing/2010/main" xmlns:ma14="http://schemas.microsoft.com/office/mac/drawingml/2011/main" val="1"/>
             </a:ext>
           </a:extLst>
         </p:spPr>
@@ -21170,7 +21216,7 @@
           </a:ln>
           <a:extLst>
             <a:ext uri="{C572A759-6A51-4108-AA02-DFA0A04FC94B}">
-              <ma14:wrappingTextBoxFlag xmlns:ma14="http://schemas.microsoft.com/office/mac/drawingml/2011/main" xmlns:a14="http://schemas.microsoft.com/office/drawing/2010/main" xmlns:m="http://schemas.openxmlformats.org/officeDocument/2006/math" xmlns="" val="1"/>
+              <ma14:wrappingTextBoxFlag xmlns="" xmlns:m="http://schemas.openxmlformats.org/officeDocument/2006/math" xmlns:a14="http://schemas.microsoft.com/office/drawing/2010/main" xmlns:ma14="http://schemas.microsoft.com/office/mac/drawingml/2011/main" val="1"/>
             </a:ext>
           </a:extLst>
         </p:spPr>
@@ -21222,7 +21268,7 @@
           </a:ln>
           <a:extLst>
             <a:ext uri="{C572A759-6A51-4108-AA02-DFA0A04FC94B}">
-              <ma14:wrappingTextBoxFlag xmlns:ma14="http://schemas.microsoft.com/office/mac/drawingml/2011/main" xmlns:a14="http://schemas.microsoft.com/office/drawing/2010/main" xmlns:m="http://schemas.openxmlformats.org/officeDocument/2006/math" xmlns="" val="1"/>
+              <ma14:wrappingTextBoxFlag xmlns="" xmlns:m="http://schemas.openxmlformats.org/officeDocument/2006/math" xmlns:a14="http://schemas.microsoft.com/office/drawing/2010/main" xmlns:ma14="http://schemas.microsoft.com/office/mac/drawingml/2011/main" val="1"/>
             </a:ext>
           </a:extLst>
         </p:spPr>
@@ -21252,7 +21298,7 @@
 </file>
 
 <file path=ppt/slides/slide12.xml><?xml version="1.0" encoding="utf-8"?>
-<p:sld xmlns:a="http://schemas.openxmlformats.org/drawingml/2006/main" xmlns:r="http://schemas.openxmlformats.org/officeDocument/2006/relationships" xmlns:p="http://schemas.openxmlformats.org/presentationml/2006/main">
+<p:sld xmlns:a="http://schemas.openxmlformats.org/drawingml/2006/main" xmlns:r="http://schemas.openxmlformats.org/officeDocument/2006/relationships" xmlns:p="http://schemas.openxmlformats.org/presentationml/2006/main" show="0">
   <p:cSld>
     <p:spTree>
       <p:nvGrpSpPr>
@@ -21287,7 +21333,7 @@
           </a:ln>
           <a:extLst>
             <a:ext uri="{C572A759-6A51-4108-AA02-DFA0A04FC94B}">
-              <ma14:wrappingTextBoxFlag xmlns:ma14="http://schemas.microsoft.com/office/mac/drawingml/2011/main" xmlns:a14="http://schemas.microsoft.com/office/drawing/2010/main" xmlns:m="http://schemas.openxmlformats.org/officeDocument/2006/math" xmlns="" val="1"/>
+              <ma14:wrappingTextBoxFlag xmlns="" xmlns:m="http://schemas.openxmlformats.org/officeDocument/2006/math" xmlns:a14="http://schemas.microsoft.com/office/drawing/2010/main" xmlns:ma14="http://schemas.microsoft.com/office/mac/drawingml/2011/main" val="1"/>
             </a:ext>
           </a:extLst>
         </p:spPr>
@@ -21323,7 +21369,7 @@
           </a:prstGeom>
           <a:extLst>
             <a:ext uri="{C572A759-6A51-4108-AA02-DFA0A04FC94B}">
-              <ma14:wrappingTextBoxFlag xmlns:ma14="http://schemas.microsoft.com/office/mac/drawingml/2011/main" xmlns:a14="http://schemas.microsoft.com/office/drawing/2010/main" xmlns:m="http://schemas.openxmlformats.org/officeDocument/2006/math" xmlns="" val="1"/>
+              <ma14:wrappingTextBoxFlag xmlns="" xmlns:m="http://schemas.openxmlformats.org/officeDocument/2006/math" xmlns:a14="http://schemas.microsoft.com/office/drawing/2010/main" xmlns:ma14="http://schemas.microsoft.com/office/mac/drawingml/2011/main" val="1"/>
             </a:ext>
           </a:extLst>
         </p:spPr>
@@ -21361,7 +21407,7 @@
           </a:ln>
           <a:extLst>
             <a:ext uri="{C572A759-6A51-4108-AA02-DFA0A04FC94B}">
-              <ma14:wrappingTextBoxFlag xmlns:ma14="http://schemas.microsoft.com/office/mac/drawingml/2011/main" xmlns:a14="http://schemas.microsoft.com/office/drawing/2010/main" xmlns:m="http://schemas.openxmlformats.org/officeDocument/2006/math" xmlns="" val="1"/>
+              <ma14:wrappingTextBoxFlag xmlns="" xmlns:m="http://schemas.openxmlformats.org/officeDocument/2006/math" xmlns:a14="http://schemas.microsoft.com/office/drawing/2010/main" xmlns:ma14="http://schemas.microsoft.com/office/mac/drawingml/2011/main" val="1"/>
             </a:ext>
           </a:extLst>
         </p:spPr>
@@ -21460,10 +21506,10 @@
         </p:nvGrpSpPr>
         <p:grpSpPr>
           <a:xfrm>
-            <a:off x="2643479" y="4532040"/>
-            <a:ext cx="6140521" cy="1659960"/>
-            <a:chOff x="0" y="0"/>
-            <a:chExt cx="6140520" cy="1659958"/>
+            <a:off x="2643478" y="4532040"/>
+            <a:ext cx="6140523" cy="1659961"/>
+            <a:chOff x="-1" y="0"/>
+            <a:chExt cx="6140522" cy="1659959"/>
           </a:xfrm>
         </p:grpSpPr>
         <p:sp>
@@ -21558,7 +21604,7 @@
             <a:effectLst/>
             <a:extLst>
               <a:ext uri="{C572A759-6A51-4108-AA02-DFA0A04FC94B}">
-                <ma14:wrappingTextBoxFlag xmlns:ma14="http://schemas.microsoft.com/office/mac/drawingml/2011/main" xmlns:a14="http://schemas.microsoft.com/office/drawing/2010/main" xmlns:m="http://schemas.openxmlformats.org/officeDocument/2006/math" xmlns="" val="1"/>
+                <ma14:wrappingTextBoxFlag xmlns="" xmlns:m="http://schemas.openxmlformats.org/officeDocument/2006/math" xmlns:a14="http://schemas.microsoft.com/office/drawing/2010/main" xmlns:ma14="http://schemas.microsoft.com/office/mac/drawingml/2011/main" val="1"/>
               </a:ext>
             </a:extLst>
           </p:spPr>
@@ -21756,7 +21802,7 @@
           </a:prstGeom>
           <a:extLst>
             <a:ext uri="{C572A759-6A51-4108-AA02-DFA0A04FC94B}">
-              <ma14:wrappingTextBoxFlag xmlns:ma14="http://schemas.microsoft.com/office/mac/drawingml/2011/main" xmlns:a14="http://schemas.microsoft.com/office/drawing/2010/main" xmlns:m="http://schemas.openxmlformats.org/officeDocument/2006/math" xmlns="" val="1"/>
+              <ma14:wrappingTextBoxFlag xmlns="" xmlns:m="http://schemas.openxmlformats.org/officeDocument/2006/math" xmlns:a14="http://schemas.microsoft.com/office/drawing/2010/main" xmlns:ma14="http://schemas.microsoft.com/office/mac/drawingml/2011/main" val="1"/>
             </a:ext>
           </a:extLst>
         </p:spPr>
@@ -21784,9 +21830,9 @@
         <p:grpSpPr>
           <a:xfrm>
             <a:off x="2921061" y="4243104"/>
-            <a:ext cx="6140521" cy="2423161"/>
+            <a:ext cx="6140522" cy="2423162"/>
             <a:chOff x="0" y="0"/>
-            <a:chExt cx="6140520" cy="2423160"/>
+            <a:chExt cx="6140521" cy="2423161"/>
           </a:xfrm>
         </p:grpSpPr>
         <p:sp>
@@ -21881,7 +21927,7 @@
             <a:effectLst/>
             <a:extLst>
               <a:ext uri="{C572A759-6A51-4108-AA02-DFA0A04FC94B}">
-                <ma14:wrappingTextBoxFlag xmlns:ma14="http://schemas.microsoft.com/office/mac/drawingml/2011/main" xmlns:a14="http://schemas.microsoft.com/office/drawing/2010/main" xmlns:m="http://schemas.openxmlformats.org/officeDocument/2006/math" xmlns="" val="1"/>
+                <ma14:wrappingTextBoxFlag xmlns="" xmlns:m="http://schemas.openxmlformats.org/officeDocument/2006/math" xmlns:a14="http://schemas.microsoft.com/office/drawing/2010/main" xmlns:ma14="http://schemas.microsoft.com/office/mac/drawingml/2011/main" val="1"/>
               </a:ext>
             </a:extLst>
           </p:spPr>
@@ -22093,7 +22139,7 @@
           </a:ln>
           <a:extLst>
             <a:ext uri="{C572A759-6A51-4108-AA02-DFA0A04FC94B}">
-              <ma14:wrappingTextBoxFlag xmlns:ma14="http://schemas.microsoft.com/office/mac/drawingml/2011/main" xmlns:a14="http://schemas.microsoft.com/office/drawing/2010/main" xmlns:m="http://schemas.openxmlformats.org/officeDocument/2006/math" xmlns="" val="1"/>
+              <ma14:wrappingTextBoxFlag xmlns="" xmlns:m="http://schemas.openxmlformats.org/officeDocument/2006/math" xmlns:a14="http://schemas.microsoft.com/office/drawing/2010/main" xmlns:ma14="http://schemas.microsoft.com/office/mac/drawingml/2011/main" val="1"/>
             </a:ext>
           </a:extLst>
         </p:spPr>
@@ -22132,7 +22178,7 @@
           </a:ln>
           <a:extLst>
             <a:ext uri="{C572A759-6A51-4108-AA02-DFA0A04FC94B}">
-              <ma14:wrappingTextBoxFlag xmlns:ma14="http://schemas.microsoft.com/office/mac/drawingml/2011/main" xmlns:a14="http://schemas.microsoft.com/office/drawing/2010/main" xmlns:m="http://schemas.openxmlformats.org/officeDocument/2006/math" xmlns="" val="1"/>
+              <ma14:wrappingTextBoxFlag xmlns="" xmlns:m="http://schemas.openxmlformats.org/officeDocument/2006/math" xmlns:a14="http://schemas.microsoft.com/office/drawing/2010/main" xmlns:ma14="http://schemas.microsoft.com/office/mac/drawingml/2011/main" val="1"/>
             </a:ext>
           </a:extLst>
         </p:spPr>
@@ -22294,7 +22340,7 @@
           </a:prstGeom>
           <a:extLst>
             <a:ext uri="{C572A759-6A51-4108-AA02-DFA0A04FC94B}">
-              <ma14:wrappingTextBoxFlag xmlns:ma14="http://schemas.microsoft.com/office/mac/drawingml/2011/main" xmlns:a14="http://schemas.microsoft.com/office/drawing/2010/main" xmlns:m="http://schemas.openxmlformats.org/officeDocument/2006/math" xmlns="" val="1"/>
+              <ma14:wrappingTextBoxFlag xmlns="" xmlns:m="http://schemas.openxmlformats.org/officeDocument/2006/math" xmlns:a14="http://schemas.microsoft.com/office/drawing/2010/main" xmlns:ma14="http://schemas.microsoft.com/office/mac/drawingml/2011/main" val="1"/>
             </a:ext>
           </a:extLst>
         </p:spPr>
@@ -22322,9 +22368,9 @@
         <p:grpSpPr>
           <a:xfrm>
             <a:off x="2921061" y="4243104"/>
-            <a:ext cx="6140521" cy="2423161"/>
+            <a:ext cx="6140522" cy="2423162"/>
             <a:chOff x="0" y="0"/>
-            <a:chExt cx="6140520" cy="2423160"/>
+            <a:chExt cx="6140521" cy="2423161"/>
           </a:xfrm>
         </p:grpSpPr>
         <p:sp>
@@ -22419,7 +22465,7 @@
             <a:effectLst/>
             <a:extLst>
               <a:ext uri="{C572A759-6A51-4108-AA02-DFA0A04FC94B}">
-                <ma14:wrappingTextBoxFlag xmlns:ma14="http://schemas.microsoft.com/office/mac/drawingml/2011/main" xmlns:a14="http://schemas.microsoft.com/office/drawing/2010/main" xmlns:m="http://schemas.openxmlformats.org/officeDocument/2006/math" xmlns="" val="1"/>
+                <ma14:wrappingTextBoxFlag xmlns="" xmlns:m="http://schemas.openxmlformats.org/officeDocument/2006/math" xmlns:a14="http://schemas.microsoft.com/office/drawing/2010/main" xmlns:ma14="http://schemas.microsoft.com/office/mac/drawingml/2011/main" val="1"/>
               </a:ext>
             </a:extLst>
           </p:spPr>
@@ -22631,7 +22677,7 @@
           </a:ln>
           <a:extLst>
             <a:ext uri="{C572A759-6A51-4108-AA02-DFA0A04FC94B}">
-              <ma14:wrappingTextBoxFlag xmlns:ma14="http://schemas.microsoft.com/office/mac/drawingml/2011/main" xmlns:a14="http://schemas.microsoft.com/office/drawing/2010/main" xmlns:m="http://schemas.openxmlformats.org/officeDocument/2006/math" xmlns="" val="1"/>
+              <ma14:wrappingTextBoxFlag xmlns="" xmlns:m="http://schemas.openxmlformats.org/officeDocument/2006/math" xmlns:a14="http://schemas.microsoft.com/office/drawing/2010/main" xmlns:ma14="http://schemas.microsoft.com/office/mac/drawingml/2011/main" val="1"/>
             </a:ext>
           </a:extLst>
         </p:spPr>
@@ -22670,7 +22716,7 @@
           </a:ln>
           <a:extLst>
             <a:ext uri="{C572A759-6A51-4108-AA02-DFA0A04FC94B}">
-              <ma14:wrappingTextBoxFlag xmlns:ma14="http://schemas.microsoft.com/office/mac/drawingml/2011/main" xmlns:a14="http://schemas.microsoft.com/office/drawing/2010/main" xmlns:m="http://schemas.openxmlformats.org/officeDocument/2006/math" xmlns="" val="1"/>
+              <ma14:wrappingTextBoxFlag xmlns="" xmlns:m="http://schemas.openxmlformats.org/officeDocument/2006/math" xmlns:a14="http://schemas.microsoft.com/office/drawing/2010/main" xmlns:ma14="http://schemas.microsoft.com/office/mac/drawingml/2011/main" val="1"/>
             </a:ext>
           </a:extLst>
         </p:spPr>
@@ -22769,10 +22815,10 @@
         </p:nvGrpSpPr>
         <p:grpSpPr>
           <a:xfrm>
-            <a:off x="4104138" y="2980499"/>
-            <a:ext cx="3792684" cy="2350321"/>
-            <a:chOff x="0" y="0"/>
-            <a:chExt cx="3792682" cy="2350319"/>
+            <a:off x="4236479" y="3412798"/>
+            <a:ext cx="3528003" cy="1485722"/>
+            <a:chOff x="132341" y="432299"/>
+            <a:chExt cx="3528001" cy="1485721"/>
           </a:xfrm>
         </p:grpSpPr>
         <p:sp>
@@ -22836,7 +22882,7 @@
             <a:effectLst/>
             <a:extLst>
               <a:ext uri="{C572A759-6A51-4108-AA02-DFA0A04FC94B}">
-                <ma14:wrappingTextBoxFlag xmlns:ma14="http://schemas.microsoft.com/office/mac/drawingml/2011/main" xmlns:a14="http://schemas.microsoft.com/office/drawing/2010/main" xmlns:m="http://schemas.openxmlformats.org/officeDocument/2006/math" xmlns="" val="1"/>
+                <ma14:wrappingTextBoxFlag xmlns="" xmlns:m="http://schemas.openxmlformats.org/officeDocument/2006/math" xmlns:a14="http://schemas.microsoft.com/office/drawing/2010/main" xmlns:ma14="http://schemas.microsoft.com/office/mac/drawingml/2011/main" val="1"/>
               </a:ext>
             </a:extLst>
           </p:spPr>
@@ -22915,7 +22961,7 @@
           </a:ln>
           <a:extLst>
             <a:ext uri="{C572A759-6A51-4108-AA02-DFA0A04FC94B}">
-              <ma14:wrappingTextBoxFlag xmlns:ma14="http://schemas.microsoft.com/office/mac/drawingml/2011/main" xmlns:a14="http://schemas.microsoft.com/office/drawing/2010/main" xmlns:m="http://schemas.openxmlformats.org/officeDocument/2006/math" xmlns="" val="1"/>
+              <ma14:wrappingTextBoxFlag xmlns="" xmlns:m="http://schemas.openxmlformats.org/officeDocument/2006/math" xmlns:a14="http://schemas.microsoft.com/office/drawing/2010/main" xmlns:ma14="http://schemas.microsoft.com/office/mac/drawingml/2011/main" val="1"/>
             </a:ext>
           </a:extLst>
         </p:spPr>
@@ -22951,7 +22997,7 @@
           </a:prstGeom>
           <a:extLst>
             <a:ext uri="{C572A759-6A51-4108-AA02-DFA0A04FC94B}">
-              <ma14:wrappingTextBoxFlag xmlns:ma14="http://schemas.microsoft.com/office/mac/drawingml/2011/main" xmlns:a14="http://schemas.microsoft.com/office/drawing/2010/main" xmlns:m="http://schemas.openxmlformats.org/officeDocument/2006/math" xmlns="" val="1"/>
+              <ma14:wrappingTextBoxFlag xmlns="" xmlns:m="http://schemas.openxmlformats.org/officeDocument/2006/math" xmlns:a14="http://schemas.microsoft.com/office/drawing/2010/main" xmlns:ma14="http://schemas.microsoft.com/office/mac/drawingml/2011/main" val="1"/>
             </a:ext>
           </a:extLst>
         </p:spPr>
@@ -22989,7 +23035,7 @@
           </a:ln>
           <a:extLst>
             <a:ext uri="{C572A759-6A51-4108-AA02-DFA0A04FC94B}">
-              <ma14:wrappingTextBoxFlag xmlns:ma14="http://schemas.microsoft.com/office/mac/drawingml/2011/main" xmlns:a14="http://schemas.microsoft.com/office/drawing/2010/main" xmlns:m="http://schemas.openxmlformats.org/officeDocument/2006/math" xmlns="" val="1"/>
+              <ma14:wrappingTextBoxFlag xmlns="" xmlns:m="http://schemas.openxmlformats.org/officeDocument/2006/math" xmlns:a14="http://schemas.microsoft.com/office/drawing/2010/main" xmlns:ma14="http://schemas.microsoft.com/office/mac/drawingml/2011/main" val="1"/>
             </a:ext>
           </a:extLst>
         </p:spPr>
@@ -23030,7 +23076,7 @@
               </a:ln>
               <a:extLst>
                 <a:ext uri="{C572A759-6A51-4108-AA02-DFA0A04FC94B}">
-                  <ma14:wrappingTextBoxFlag xmlns:ma14="http://schemas.microsoft.com/office/mac/drawingml/2011/main" xmlns:m="http://schemas.openxmlformats.org/officeDocument/2006/math" xmlns="" val="1"/>
+                  <ma14:wrappingTextBoxFlag xmlns="" xmlns:m="http://schemas.openxmlformats.org/officeDocument/2006/math" xmlns:ma14="http://schemas.microsoft.com/office/mac/drawingml/2011/main" val="1"/>
                 </a:ext>
               </a:extLst>
             </p:spPr>
@@ -23365,7 +23411,7 @@
               </a:ln>
               <a:extLst>
                 <a:ext uri="{C572A759-6A51-4108-AA02-DFA0A04FC94B}">
-                  <ma14:wrappingTextBoxFlag xmlns:ma14="http://schemas.microsoft.com/office/mac/drawingml/2011/main" xmlns:a14="http://schemas.microsoft.com/office/drawing/2010/main" xmlns:m="http://schemas.openxmlformats.org/officeDocument/2006/math" xmlns="" val="1"/>
+                  <ma14:wrappingTextBoxFlag xmlns:a14="http://schemas.microsoft.com/office/drawing/2010/main" xmlns:ma14="http://schemas.microsoft.com/office/mac/drawingml/2011/main" xmlns:m="http://schemas.openxmlformats.org/officeDocument/2006/math" xmlns="" val="1"/>
                 </a:ext>
               </a:extLst>
             </p:spPr>
@@ -23405,7 +23451,7 @@
               </a:ln>
               <a:extLst>
                 <a:ext uri="{C572A759-6A51-4108-AA02-DFA0A04FC94B}">
-                  <ma14:wrappingTextBoxFlag xmlns:ma14="http://schemas.microsoft.com/office/mac/drawingml/2011/main" xmlns:m="http://schemas.openxmlformats.org/officeDocument/2006/math" xmlns="" val="1"/>
+                  <ma14:wrappingTextBoxFlag xmlns="" xmlns:m="http://schemas.openxmlformats.org/officeDocument/2006/math" xmlns:ma14="http://schemas.microsoft.com/office/mac/drawingml/2011/main" val="1"/>
                 </a:ext>
               </a:extLst>
             </p:spPr>
@@ -23659,7 +23705,7 @@
               </a:ln>
               <a:extLst>
                 <a:ext uri="{C572A759-6A51-4108-AA02-DFA0A04FC94B}">
-                  <ma14:wrappingTextBoxFlag xmlns:ma14="http://schemas.microsoft.com/office/mac/drawingml/2011/main" xmlns:a14="http://schemas.microsoft.com/office/drawing/2010/main" xmlns:m="http://schemas.openxmlformats.org/officeDocument/2006/math" xmlns="" val="1"/>
+                  <ma14:wrappingTextBoxFlag xmlns:a14="http://schemas.microsoft.com/office/drawing/2010/main" xmlns:ma14="http://schemas.microsoft.com/office/mac/drawingml/2011/main" xmlns:m="http://schemas.openxmlformats.org/officeDocument/2006/math" xmlns="" val="1"/>
                 </a:ext>
               </a:extLst>
             </p:spPr>
@@ -23697,7 +23743,7 @@
           </a:ln>
           <a:extLst>
             <a:ext uri="{C572A759-6A51-4108-AA02-DFA0A04FC94B}">
-              <ma14:wrappingTextBoxFlag xmlns:ma14="http://schemas.microsoft.com/office/mac/drawingml/2011/main" xmlns:a14="http://schemas.microsoft.com/office/drawing/2010/main" xmlns:m="http://schemas.openxmlformats.org/officeDocument/2006/math" xmlns="" val="1"/>
+              <ma14:wrappingTextBoxFlag xmlns="" xmlns:m="http://schemas.openxmlformats.org/officeDocument/2006/math" xmlns:a14="http://schemas.microsoft.com/office/drawing/2010/main" xmlns:ma14="http://schemas.microsoft.com/office/mac/drawingml/2011/main" val="1"/>
             </a:ext>
           </a:extLst>
         </p:spPr>
@@ -23738,7 +23784,7 @@
               </a:ln>
               <a:extLst>
                 <a:ext uri="{C572A759-6A51-4108-AA02-DFA0A04FC94B}">
-                  <ma14:wrappingTextBoxFlag xmlns:ma14="http://schemas.microsoft.com/office/mac/drawingml/2011/main" xmlns:m="http://schemas.openxmlformats.org/officeDocument/2006/math" xmlns="" val="1"/>
+                  <ma14:wrappingTextBoxFlag xmlns="" xmlns:m="http://schemas.openxmlformats.org/officeDocument/2006/math" xmlns:ma14="http://schemas.microsoft.com/office/mac/drawingml/2011/main" val="1"/>
                 </a:ext>
               </a:extLst>
             </p:spPr>
@@ -23943,7 +23989,7 @@
               </a:ln>
               <a:extLst>
                 <a:ext uri="{C572A759-6A51-4108-AA02-DFA0A04FC94B}">
-                  <ma14:wrappingTextBoxFlag xmlns:ma14="http://schemas.microsoft.com/office/mac/drawingml/2011/main" xmlns:a14="http://schemas.microsoft.com/office/drawing/2010/main" xmlns:m="http://schemas.openxmlformats.org/officeDocument/2006/math" xmlns="" val="1"/>
+                  <ma14:wrappingTextBoxFlag xmlns:a14="http://schemas.microsoft.com/office/drawing/2010/main" xmlns:ma14="http://schemas.microsoft.com/office/mac/drawingml/2011/main" xmlns:m="http://schemas.openxmlformats.org/officeDocument/2006/math" xmlns="" val="1"/>
                 </a:ext>
               </a:extLst>
             </p:spPr>
@@ -23983,7 +24029,7 @@
               </a:ln>
               <a:extLst>
                 <a:ext uri="{C572A759-6A51-4108-AA02-DFA0A04FC94B}">
-                  <ma14:wrappingTextBoxFlag xmlns:ma14="http://schemas.microsoft.com/office/mac/drawingml/2011/main" xmlns:m="http://schemas.openxmlformats.org/officeDocument/2006/math" xmlns="" val="1"/>
+                  <ma14:wrappingTextBoxFlag xmlns="" xmlns:m="http://schemas.openxmlformats.org/officeDocument/2006/math" xmlns:ma14="http://schemas.microsoft.com/office/mac/drawingml/2011/main" val="1"/>
                 </a:ext>
               </a:extLst>
             </p:spPr>
@@ -24416,7 +24462,7 @@
               </a:ln>
               <a:extLst>
                 <a:ext uri="{C572A759-6A51-4108-AA02-DFA0A04FC94B}">
-                  <ma14:wrappingTextBoxFlag xmlns:ma14="http://schemas.microsoft.com/office/mac/drawingml/2011/main" xmlns:a14="http://schemas.microsoft.com/office/drawing/2010/main" xmlns:m="http://schemas.openxmlformats.org/officeDocument/2006/math" xmlns="" val="1"/>
+                  <ma14:wrappingTextBoxFlag xmlns:a14="http://schemas.microsoft.com/office/drawing/2010/main" xmlns:ma14="http://schemas.microsoft.com/office/mac/drawingml/2011/main" xmlns:m="http://schemas.openxmlformats.org/officeDocument/2006/math" xmlns="" val="1"/>
                 </a:ext>
               </a:extLst>
             </p:spPr>
@@ -24507,7 +24553,7 @@
           </a:ln>
           <a:extLst>
             <a:ext uri="{C572A759-6A51-4108-AA02-DFA0A04FC94B}">
-              <ma14:wrappingTextBoxFlag xmlns="" xmlns:m="http://schemas.openxmlformats.org/officeDocument/2006/math" xmlns:a14="http://schemas.microsoft.com/office/drawing/2010/main" xmlns:ma14="http://schemas.microsoft.com/office/mac/drawingml/2011/main" val="1"/>
+              <ma14:wrappingTextBoxFlag xmlns:ma14="http://schemas.microsoft.com/office/mac/drawingml/2011/main" xmlns:a14="http://schemas.microsoft.com/office/drawing/2010/main" xmlns:m="http://schemas.openxmlformats.org/officeDocument/2006/math" xmlns="" val="1"/>
             </a:ext>
           </a:extLst>
         </p:spPr>
@@ -24552,7 +24598,7 @@
           </a:prstGeom>
           <a:extLst>
             <a:ext uri="{C572A759-6A51-4108-AA02-DFA0A04FC94B}">
-              <ma14:wrappingTextBoxFlag xmlns="" xmlns:m="http://schemas.openxmlformats.org/officeDocument/2006/math" xmlns:a14="http://schemas.microsoft.com/office/drawing/2010/main" xmlns:ma14="http://schemas.microsoft.com/office/mac/drawingml/2011/main" val="1"/>
+              <ma14:wrappingTextBoxFlag xmlns:ma14="http://schemas.microsoft.com/office/mac/drawingml/2011/main" xmlns:a14="http://schemas.microsoft.com/office/drawing/2010/main" xmlns:m="http://schemas.openxmlformats.org/officeDocument/2006/math" xmlns="" val="1"/>
             </a:ext>
           </a:extLst>
         </p:spPr>
@@ -24590,7 +24636,7 @@
           </a:ln>
           <a:extLst>
             <a:ext uri="{C572A759-6A51-4108-AA02-DFA0A04FC94B}">
-              <ma14:wrappingTextBoxFlag xmlns="" xmlns:m="http://schemas.openxmlformats.org/officeDocument/2006/math" xmlns:a14="http://schemas.microsoft.com/office/drawing/2010/main" xmlns:ma14="http://schemas.microsoft.com/office/mac/drawingml/2011/main" val="1"/>
+              <ma14:wrappingTextBoxFlag xmlns:ma14="http://schemas.microsoft.com/office/mac/drawingml/2011/main" xmlns:a14="http://schemas.microsoft.com/office/drawing/2010/main" xmlns:m="http://schemas.openxmlformats.org/officeDocument/2006/math" xmlns="" val="1"/>
             </a:ext>
           </a:extLst>
         </p:spPr>
@@ -24698,7 +24744,7 @@
           </a:ln>
           <a:extLst>
             <a:ext uri="{C572A759-6A51-4108-AA02-DFA0A04FC94B}">
-              <ma14:wrappingTextBoxFlag xmlns="" xmlns:m="http://schemas.openxmlformats.org/officeDocument/2006/math" xmlns:a14="http://schemas.microsoft.com/office/drawing/2010/main" xmlns:ma14="http://schemas.microsoft.com/office/mac/drawingml/2011/main" val="1"/>
+              <ma14:wrappingTextBoxFlag xmlns:ma14="http://schemas.microsoft.com/office/mac/drawingml/2011/main" xmlns:a14="http://schemas.microsoft.com/office/drawing/2010/main" xmlns:m="http://schemas.openxmlformats.org/officeDocument/2006/math" xmlns="" val="1"/>
             </a:ext>
           </a:extLst>
         </p:spPr>
@@ -24743,7 +24789,7 @@
           </a:prstGeom>
           <a:extLst>
             <a:ext uri="{C572A759-6A51-4108-AA02-DFA0A04FC94B}">
-              <ma14:wrappingTextBoxFlag xmlns="" xmlns:m="http://schemas.openxmlformats.org/officeDocument/2006/math" xmlns:a14="http://schemas.microsoft.com/office/drawing/2010/main" xmlns:ma14="http://schemas.microsoft.com/office/mac/drawingml/2011/main" val="1"/>
+              <ma14:wrappingTextBoxFlag xmlns:ma14="http://schemas.microsoft.com/office/mac/drawingml/2011/main" xmlns:a14="http://schemas.microsoft.com/office/drawing/2010/main" xmlns:m="http://schemas.openxmlformats.org/officeDocument/2006/math" xmlns="" val="1"/>
             </a:ext>
           </a:extLst>
         </p:spPr>
@@ -25006,7 +25052,7 @@
           </a:ln>
           <a:extLst>
             <a:ext uri="{C572A759-6A51-4108-AA02-DFA0A04FC94B}">
-              <ma14:wrappingTextBoxFlag xmlns:ma14="http://schemas.microsoft.com/office/mac/drawingml/2011/main" xmlns:a14="http://schemas.microsoft.com/office/drawing/2010/main" xmlns:m="http://schemas.openxmlformats.org/officeDocument/2006/math" xmlns="" val="1"/>
+              <ma14:wrappingTextBoxFlag xmlns="" xmlns:m="http://schemas.openxmlformats.org/officeDocument/2006/math" xmlns:a14="http://schemas.microsoft.com/office/drawing/2010/main" xmlns:ma14="http://schemas.microsoft.com/office/mac/drawingml/2011/main" val="1"/>
             </a:ext>
           </a:extLst>
         </p:spPr>
@@ -25051,7 +25097,7 @@
           </a:prstGeom>
           <a:extLst>
             <a:ext uri="{C572A759-6A51-4108-AA02-DFA0A04FC94B}">
-              <ma14:wrappingTextBoxFlag xmlns:ma14="http://schemas.microsoft.com/office/mac/drawingml/2011/main" xmlns:a14="http://schemas.microsoft.com/office/drawing/2010/main" xmlns:m="http://schemas.openxmlformats.org/officeDocument/2006/math" xmlns="" val="1"/>
+              <ma14:wrappingTextBoxFlag xmlns="" xmlns:m="http://schemas.openxmlformats.org/officeDocument/2006/math" xmlns:a14="http://schemas.microsoft.com/office/drawing/2010/main" xmlns:ma14="http://schemas.microsoft.com/office/mac/drawingml/2011/main" val="1"/>
             </a:ext>
           </a:extLst>
         </p:spPr>
@@ -25413,7 +25459,7 @@
           </a:ln>
           <a:extLst>
             <a:ext uri="{C572A759-6A51-4108-AA02-DFA0A04FC94B}">
-              <ma14:wrappingTextBoxFlag xmlns="" xmlns:m="http://schemas.openxmlformats.org/officeDocument/2006/math" xmlns:a14="http://schemas.microsoft.com/office/drawing/2010/main" xmlns:ma14="http://schemas.microsoft.com/office/mac/drawingml/2011/main" val="1"/>
+              <ma14:wrappingTextBoxFlag xmlns:ma14="http://schemas.microsoft.com/office/mac/drawingml/2011/main" xmlns:a14="http://schemas.microsoft.com/office/drawing/2010/main" xmlns:m="http://schemas.openxmlformats.org/officeDocument/2006/math" xmlns="" val="1"/>
             </a:ext>
           </a:extLst>
         </p:spPr>
@@ -25458,7 +25504,7 @@
           </a:prstGeom>
           <a:extLst>
             <a:ext uri="{C572A759-6A51-4108-AA02-DFA0A04FC94B}">
-              <ma14:wrappingTextBoxFlag xmlns="" xmlns:m="http://schemas.openxmlformats.org/officeDocument/2006/math" xmlns:a14="http://schemas.microsoft.com/office/drawing/2010/main" xmlns:ma14="http://schemas.microsoft.com/office/mac/drawingml/2011/main" val="1"/>
+              <ma14:wrappingTextBoxFlag xmlns:ma14="http://schemas.microsoft.com/office/mac/drawingml/2011/main" xmlns:a14="http://schemas.microsoft.com/office/drawing/2010/main" xmlns:m="http://schemas.openxmlformats.org/officeDocument/2006/math" xmlns="" val="1"/>
             </a:ext>
           </a:extLst>
         </p:spPr>
@@ -25850,7 +25896,7 @@
           </a:ln>
           <a:extLst>
             <a:ext uri="{C572A759-6A51-4108-AA02-DFA0A04FC94B}">
-              <ma14:wrappingTextBoxFlag xmlns:ma14="http://schemas.microsoft.com/office/mac/drawingml/2011/main" xmlns:a14="http://schemas.microsoft.com/office/drawing/2010/main" xmlns:m="http://schemas.openxmlformats.org/officeDocument/2006/math" xmlns="" val="1"/>
+              <ma14:wrappingTextBoxFlag xmlns="" xmlns:m="http://schemas.openxmlformats.org/officeDocument/2006/math" xmlns:a14="http://schemas.microsoft.com/office/drawing/2010/main" xmlns:ma14="http://schemas.microsoft.com/office/mac/drawingml/2011/main" val="1"/>
             </a:ext>
           </a:extLst>
         </p:spPr>
@@ -25886,7 +25932,7 @@
           </a:prstGeom>
           <a:extLst>
             <a:ext uri="{C572A759-6A51-4108-AA02-DFA0A04FC94B}">
-              <ma14:wrappingTextBoxFlag xmlns:ma14="http://schemas.microsoft.com/office/mac/drawingml/2011/main" xmlns:a14="http://schemas.microsoft.com/office/drawing/2010/main" xmlns:m="http://schemas.openxmlformats.org/officeDocument/2006/math" xmlns="" val="1"/>
+              <ma14:wrappingTextBoxFlag xmlns="" xmlns:m="http://schemas.openxmlformats.org/officeDocument/2006/math" xmlns:a14="http://schemas.microsoft.com/office/drawing/2010/main" xmlns:ma14="http://schemas.microsoft.com/office/mac/drawingml/2011/main" val="1"/>
             </a:ext>
           </a:extLst>
         </p:spPr>
@@ -25924,7 +25970,7 @@
           </a:ln>
           <a:extLst>
             <a:ext uri="{C572A759-6A51-4108-AA02-DFA0A04FC94B}">
-              <ma14:wrappingTextBoxFlag xmlns:ma14="http://schemas.microsoft.com/office/mac/drawingml/2011/main" xmlns:a14="http://schemas.microsoft.com/office/drawing/2010/main" xmlns:m="http://schemas.openxmlformats.org/officeDocument/2006/math" xmlns="" val="1"/>
+              <ma14:wrappingTextBoxFlag xmlns="" xmlns:m="http://schemas.openxmlformats.org/officeDocument/2006/math" xmlns:a14="http://schemas.microsoft.com/office/drawing/2010/main" xmlns:ma14="http://schemas.microsoft.com/office/mac/drawingml/2011/main" val="1"/>
             </a:ext>
           </a:extLst>
         </p:spPr>
@@ -26064,7 +26110,7 @@
           </a:ln>
           <a:extLst>
             <a:ext uri="{C572A759-6A51-4108-AA02-DFA0A04FC94B}">
-              <ma14:wrappingTextBoxFlag xmlns:ma14="http://schemas.microsoft.com/office/mac/drawingml/2011/main" xmlns:a14="http://schemas.microsoft.com/office/drawing/2010/main" xmlns:m="http://schemas.openxmlformats.org/officeDocument/2006/math" xmlns="" val="1"/>
+              <ma14:wrappingTextBoxFlag xmlns="" xmlns:m="http://schemas.openxmlformats.org/officeDocument/2006/math" xmlns:a14="http://schemas.microsoft.com/office/drawing/2010/main" xmlns:ma14="http://schemas.microsoft.com/office/mac/drawingml/2011/main" val="1"/>
             </a:ext>
           </a:extLst>
         </p:spPr>
@@ -26359,7 +26405,7 @@
           </a:ln>
           <a:extLst>
             <a:ext uri="{C572A759-6A51-4108-AA02-DFA0A04FC94B}">
-              <ma14:wrappingTextBoxFlag xmlns:ma14="http://schemas.microsoft.com/office/mac/drawingml/2011/main" xmlns:a14="http://schemas.microsoft.com/office/drawing/2010/main" xmlns:m="http://schemas.openxmlformats.org/officeDocument/2006/math" xmlns="" val="1"/>
+              <ma14:wrappingTextBoxFlag xmlns="" xmlns:m="http://schemas.openxmlformats.org/officeDocument/2006/math" xmlns:a14="http://schemas.microsoft.com/office/drawing/2010/main" xmlns:ma14="http://schemas.microsoft.com/office/mac/drawingml/2011/main" val="1"/>
             </a:ext>
           </a:extLst>
         </p:spPr>
@@ -26523,7 +26569,7 @@
           </a:ln>
           <a:extLst>
             <a:ext uri="{C572A759-6A51-4108-AA02-DFA0A04FC94B}">
-              <ma14:wrappingTextBoxFlag xmlns:ma14="http://schemas.microsoft.com/office/mac/drawingml/2011/main" xmlns:a14="http://schemas.microsoft.com/office/drawing/2010/main" xmlns:m="http://schemas.openxmlformats.org/officeDocument/2006/math" xmlns="" val="1"/>
+              <ma14:wrappingTextBoxFlag xmlns="" xmlns:m="http://schemas.openxmlformats.org/officeDocument/2006/math" xmlns:a14="http://schemas.microsoft.com/office/drawing/2010/main" xmlns:ma14="http://schemas.microsoft.com/office/mac/drawingml/2011/main" val="1"/>
             </a:ext>
           </a:extLst>
         </p:spPr>
@@ -26568,7 +26614,7 @@
           </a:prstGeom>
           <a:extLst>
             <a:ext uri="{C572A759-6A51-4108-AA02-DFA0A04FC94B}">
-              <ma14:wrappingTextBoxFlag xmlns:ma14="http://schemas.microsoft.com/office/mac/drawingml/2011/main" xmlns:a14="http://schemas.microsoft.com/office/drawing/2010/main" xmlns:m="http://schemas.openxmlformats.org/officeDocument/2006/math" xmlns="" val="1"/>
+              <ma14:wrappingTextBoxFlag xmlns="" xmlns:m="http://schemas.openxmlformats.org/officeDocument/2006/math" xmlns:a14="http://schemas.microsoft.com/office/drawing/2010/main" xmlns:ma14="http://schemas.microsoft.com/office/mac/drawingml/2011/main" val="1"/>
             </a:ext>
           </a:extLst>
         </p:spPr>
@@ -27124,7 +27170,7 @@
           </a:ln>
           <a:extLst>
             <a:ext uri="{C572A759-6A51-4108-AA02-DFA0A04FC94B}">
-              <ma14:wrappingTextBoxFlag xmlns:ma14="http://schemas.microsoft.com/office/mac/drawingml/2011/main" xmlns:a14="http://schemas.microsoft.com/office/drawing/2010/main" xmlns:m="http://schemas.openxmlformats.org/officeDocument/2006/math" xmlns="" val="1"/>
+              <ma14:wrappingTextBoxFlag xmlns="" xmlns:m="http://schemas.openxmlformats.org/officeDocument/2006/math" xmlns:a14="http://schemas.microsoft.com/office/drawing/2010/main" xmlns:ma14="http://schemas.microsoft.com/office/mac/drawingml/2011/main" val="1"/>
             </a:ext>
           </a:extLst>
         </p:spPr>
@@ -27169,7 +27215,7 @@
           </a:prstGeom>
           <a:extLst>
             <a:ext uri="{C572A759-6A51-4108-AA02-DFA0A04FC94B}">
-              <ma14:wrappingTextBoxFlag xmlns:ma14="http://schemas.microsoft.com/office/mac/drawingml/2011/main" xmlns:a14="http://schemas.microsoft.com/office/drawing/2010/main" xmlns:m="http://schemas.openxmlformats.org/officeDocument/2006/math" xmlns="" val="1"/>
+              <ma14:wrappingTextBoxFlag xmlns="" xmlns:m="http://schemas.openxmlformats.org/officeDocument/2006/math" xmlns:a14="http://schemas.microsoft.com/office/drawing/2010/main" xmlns:ma14="http://schemas.microsoft.com/office/mac/drawingml/2011/main" val="1"/>
             </a:ext>
           </a:extLst>
         </p:spPr>
@@ -27367,7 +27413,7 @@
           </a:ln>
           <a:extLst>
             <a:ext uri="{C572A759-6A51-4108-AA02-DFA0A04FC94B}">
-              <ma14:wrappingTextBoxFlag xmlns:ma14="http://schemas.microsoft.com/office/mac/drawingml/2011/main" xmlns:a14="http://schemas.microsoft.com/office/drawing/2010/main" xmlns:m="http://schemas.openxmlformats.org/officeDocument/2006/math" xmlns="" val="1"/>
+              <ma14:wrappingTextBoxFlag xmlns="" xmlns:m="http://schemas.openxmlformats.org/officeDocument/2006/math" xmlns:a14="http://schemas.microsoft.com/office/drawing/2010/main" xmlns:ma14="http://schemas.microsoft.com/office/mac/drawingml/2011/main" val="1"/>
             </a:ext>
           </a:extLst>
         </p:spPr>
@@ -27412,7 +27458,7 @@
           </a:prstGeom>
           <a:extLst>
             <a:ext uri="{C572A759-6A51-4108-AA02-DFA0A04FC94B}">
-              <ma14:wrappingTextBoxFlag xmlns:ma14="http://schemas.microsoft.com/office/mac/drawingml/2011/main" xmlns:a14="http://schemas.microsoft.com/office/drawing/2010/main" xmlns:m="http://schemas.openxmlformats.org/officeDocument/2006/math" xmlns="" val="1"/>
+              <ma14:wrappingTextBoxFlag xmlns="" xmlns:m="http://schemas.openxmlformats.org/officeDocument/2006/math" xmlns:a14="http://schemas.microsoft.com/office/drawing/2010/main" xmlns:ma14="http://schemas.microsoft.com/office/mac/drawingml/2011/main" val="1"/>
             </a:ext>
           </a:extLst>
         </p:spPr>
@@ -27843,7 +27889,7 @@
           </a:ln>
           <a:extLst>
             <a:ext uri="{C572A759-6A51-4108-AA02-DFA0A04FC94B}">
-              <ma14:wrappingTextBoxFlag xmlns="" xmlns:m="http://schemas.openxmlformats.org/officeDocument/2006/math" xmlns:a14="http://schemas.microsoft.com/office/drawing/2010/main" xmlns:ma14="http://schemas.microsoft.com/office/mac/drawingml/2011/main" val="1"/>
+              <ma14:wrappingTextBoxFlag xmlns:ma14="http://schemas.microsoft.com/office/mac/drawingml/2011/main" xmlns:a14="http://schemas.microsoft.com/office/drawing/2010/main" xmlns:m="http://schemas.openxmlformats.org/officeDocument/2006/math" xmlns="" val="1"/>
             </a:ext>
           </a:extLst>
         </p:spPr>
@@ -28000,7 +28046,7 @@
           </a:prstGeom>
           <a:extLst>
             <a:ext uri="{C572A759-6A51-4108-AA02-DFA0A04FC94B}">
-              <ma14:wrappingTextBoxFlag xmlns="" xmlns:m="http://schemas.openxmlformats.org/officeDocument/2006/math" xmlns:a14="http://schemas.microsoft.com/office/drawing/2010/main" xmlns:ma14="http://schemas.microsoft.com/office/mac/drawingml/2011/main" val="1"/>
+              <ma14:wrappingTextBoxFlag xmlns:ma14="http://schemas.microsoft.com/office/mac/drawingml/2011/main" xmlns:a14="http://schemas.microsoft.com/office/drawing/2010/main" xmlns:m="http://schemas.openxmlformats.org/officeDocument/2006/math" xmlns="" val="1"/>
             </a:ext>
           </a:extLst>
         </p:spPr>
@@ -28461,7 +28507,7 @@
           </a:ln>
           <a:extLst>
             <a:ext uri="{C572A759-6A51-4108-AA02-DFA0A04FC94B}">
-              <ma14:wrappingTextBoxFlag xmlns:ma14="http://schemas.microsoft.com/office/mac/drawingml/2011/main" xmlns:a14="http://schemas.microsoft.com/office/drawing/2010/main" xmlns:m="http://schemas.openxmlformats.org/officeDocument/2006/math" xmlns="" val="1"/>
+              <ma14:wrappingTextBoxFlag xmlns="" xmlns:m="http://schemas.openxmlformats.org/officeDocument/2006/math" xmlns:a14="http://schemas.microsoft.com/office/drawing/2010/main" xmlns:ma14="http://schemas.microsoft.com/office/mac/drawingml/2011/main" val="1"/>
             </a:ext>
           </a:extLst>
         </p:spPr>
@@ -28497,7 +28543,7 @@
           </a:prstGeom>
           <a:extLst>
             <a:ext uri="{C572A759-6A51-4108-AA02-DFA0A04FC94B}">
-              <ma14:wrappingTextBoxFlag xmlns:ma14="http://schemas.microsoft.com/office/mac/drawingml/2011/main" xmlns:a14="http://schemas.microsoft.com/office/drawing/2010/main" xmlns:m="http://schemas.openxmlformats.org/officeDocument/2006/math" xmlns="" val="1"/>
+              <ma14:wrappingTextBoxFlag xmlns="" xmlns:m="http://schemas.openxmlformats.org/officeDocument/2006/math" xmlns:a14="http://schemas.microsoft.com/office/drawing/2010/main" xmlns:ma14="http://schemas.microsoft.com/office/mac/drawingml/2011/main" val="1"/>
             </a:ext>
           </a:extLst>
         </p:spPr>
@@ -28535,7 +28581,7 @@
           </a:ln>
           <a:extLst>
             <a:ext uri="{C572A759-6A51-4108-AA02-DFA0A04FC94B}">
-              <ma14:wrappingTextBoxFlag xmlns:ma14="http://schemas.microsoft.com/office/mac/drawingml/2011/main" xmlns:a14="http://schemas.microsoft.com/office/drawing/2010/main" xmlns:m="http://schemas.openxmlformats.org/officeDocument/2006/math" xmlns="" val="1"/>
+              <ma14:wrappingTextBoxFlag xmlns="" xmlns:m="http://schemas.openxmlformats.org/officeDocument/2006/math" xmlns:a14="http://schemas.microsoft.com/office/drawing/2010/main" xmlns:ma14="http://schemas.microsoft.com/office/mac/drawingml/2011/main" val="1"/>
             </a:ext>
           </a:extLst>
         </p:spPr>
@@ -28625,7 +28671,7 @@
           </a:ln>
           <a:extLst>
             <a:ext uri="{C572A759-6A51-4108-AA02-DFA0A04FC94B}">
-              <ma14:wrappingTextBoxFlag xmlns:ma14="http://schemas.microsoft.com/office/mac/drawingml/2011/main" xmlns:a14="http://schemas.microsoft.com/office/drawing/2010/main" xmlns:m="http://schemas.openxmlformats.org/officeDocument/2006/math" xmlns="" val="1"/>
+              <ma14:wrappingTextBoxFlag xmlns="" xmlns:m="http://schemas.openxmlformats.org/officeDocument/2006/math" xmlns:a14="http://schemas.microsoft.com/office/drawing/2010/main" xmlns:ma14="http://schemas.microsoft.com/office/mac/drawingml/2011/main" val="1"/>
             </a:ext>
           </a:extLst>
         </p:spPr>
@@ -28661,7 +28707,7 @@
           </a:prstGeom>
           <a:extLst>
             <a:ext uri="{C572A759-6A51-4108-AA02-DFA0A04FC94B}">
-              <ma14:wrappingTextBoxFlag xmlns:ma14="http://schemas.microsoft.com/office/mac/drawingml/2011/main" xmlns:a14="http://schemas.microsoft.com/office/drawing/2010/main" xmlns:m="http://schemas.openxmlformats.org/officeDocument/2006/math" xmlns="" val="1"/>
+              <ma14:wrappingTextBoxFlag xmlns="" xmlns:m="http://schemas.openxmlformats.org/officeDocument/2006/math" xmlns:a14="http://schemas.microsoft.com/office/drawing/2010/main" xmlns:ma14="http://schemas.microsoft.com/office/mac/drawingml/2011/main" val="1"/>
             </a:ext>
           </a:extLst>
         </p:spPr>
@@ -28699,7 +28745,7 @@
           </a:ln>
           <a:extLst>
             <a:ext uri="{C572A759-6A51-4108-AA02-DFA0A04FC94B}">
-              <ma14:wrappingTextBoxFlag xmlns:ma14="http://schemas.microsoft.com/office/mac/drawingml/2011/main" xmlns:a14="http://schemas.microsoft.com/office/drawing/2010/main" xmlns:m="http://schemas.openxmlformats.org/officeDocument/2006/math" xmlns="" val="1"/>
+              <ma14:wrappingTextBoxFlag xmlns="" xmlns:m="http://schemas.openxmlformats.org/officeDocument/2006/math" xmlns:a14="http://schemas.microsoft.com/office/drawing/2010/main" xmlns:ma14="http://schemas.microsoft.com/office/mac/drawingml/2011/main" val="1"/>
             </a:ext>
           </a:extLst>
         </p:spPr>
@@ -28790,7 +28836,7 @@
           </a:ln>
           <a:extLst>
             <a:ext uri="{C572A759-6A51-4108-AA02-DFA0A04FC94B}">
-              <ma14:wrappingTextBoxFlag xmlns:ma14="http://schemas.microsoft.com/office/mac/drawingml/2011/main" xmlns:a14="http://schemas.microsoft.com/office/drawing/2010/main" xmlns:m="http://schemas.openxmlformats.org/officeDocument/2006/math" xmlns="" val="1"/>
+              <ma14:wrappingTextBoxFlag xmlns="" xmlns:m="http://schemas.openxmlformats.org/officeDocument/2006/math" xmlns:a14="http://schemas.microsoft.com/office/drawing/2010/main" xmlns:ma14="http://schemas.microsoft.com/office/mac/drawingml/2011/main" val="1"/>
             </a:ext>
           </a:extLst>
         </p:spPr>
@@ -28859,7 +28905,7 @@
           </a:ln>
           <a:extLst>
             <a:ext uri="{C572A759-6A51-4108-AA02-DFA0A04FC94B}">
-              <ma14:wrappingTextBoxFlag xmlns:ma14="http://schemas.microsoft.com/office/mac/drawingml/2011/main" xmlns:a14="http://schemas.microsoft.com/office/drawing/2010/main" xmlns:m="http://schemas.openxmlformats.org/officeDocument/2006/math" xmlns="" val="1"/>
+              <ma14:wrappingTextBoxFlag xmlns="" xmlns:m="http://schemas.openxmlformats.org/officeDocument/2006/math" xmlns:a14="http://schemas.microsoft.com/office/drawing/2010/main" xmlns:ma14="http://schemas.microsoft.com/office/mac/drawingml/2011/main" val="1"/>
             </a:ext>
           </a:extLst>
         </p:spPr>
@@ -28895,7 +28941,7 @@
           </a:prstGeom>
           <a:extLst>
             <a:ext uri="{C572A759-6A51-4108-AA02-DFA0A04FC94B}">
-              <ma14:wrappingTextBoxFlag xmlns:ma14="http://schemas.microsoft.com/office/mac/drawingml/2011/main" xmlns:a14="http://schemas.microsoft.com/office/drawing/2010/main" xmlns:m="http://schemas.openxmlformats.org/officeDocument/2006/math" xmlns="" val="1"/>
+              <ma14:wrappingTextBoxFlag xmlns="" xmlns:m="http://schemas.openxmlformats.org/officeDocument/2006/math" xmlns:a14="http://schemas.microsoft.com/office/drawing/2010/main" xmlns:ma14="http://schemas.microsoft.com/office/mac/drawingml/2011/main" val="1"/>
             </a:ext>
           </a:extLst>
         </p:spPr>
@@ -28933,7 +28979,7 @@
           </a:ln>
           <a:extLst>
             <a:ext uri="{C572A759-6A51-4108-AA02-DFA0A04FC94B}">
-              <ma14:wrappingTextBoxFlag xmlns:ma14="http://schemas.microsoft.com/office/mac/drawingml/2011/main" xmlns:a14="http://schemas.microsoft.com/office/drawing/2010/main" xmlns:m="http://schemas.openxmlformats.org/officeDocument/2006/math" xmlns="" val="1"/>
+              <ma14:wrappingTextBoxFlag xmlns="" xmlns:m="http://schemas.openxmlformats.org/officeDocument/2006/math" xmlns:a14="http://schemas.microsoft.com/office/drawing/2010/main" xmlns:ma14="http://schemas.microsoft.com/office/mac/drawingml/2011/main" val="1"/>
             </a:ext>
           </a:extLst>
         </p:spPr>
@@ -29045,7 +29091,7 @@
           </a:ln>
           <a:extLst>
             <a:ext uri="{C572A759-6A51-4108-AA02-DFA0A04FC94B}">
-              <ma14:wrappingTextBoxFlag xmlns:ma14="http://schemas.microsoft.com/office/mac/drawingml/2011/main" xmlns:a14="http://schemas.microsoft.com/office/drawing/2010/main" xmlns:m="http://schemas.openxmlformats.org/officeDocument/2006/math" xmlns="" val="1"/>
+              <ma14:wrappingTextBoxFlag xmlns="" xmlns:m="http://schemas.openxmlformats.org/officeDocument/2006/math" xmlns:a14="http://schemas.microsoft.com/office/drawing/2010/main" xmlns:ma14="http://schemas.microsoft.com/office/mac/drawingml/2011/main" val="1"/>
             </a:ext>
           </a:extLst>
         </p:spPr>
@@ -29081,7 +29127,7 @@
           </a:prstGeom>
           <a:extLst>
             <a:ext uri="{C572A759-6A51-4108-AA02-DFA0A04FC94B}">
-              <ma14:wrappingTextBoxFlag xmlns:ma14="http://schemas.microsoft.com/office/mac/drawingml/2011/main" xmlns:a14="http://schemas.microsoft.com/office/drawing/2010/main" xmlns:m="http://schemas.openxmlformats.org/officeDocument/2006/math" xmlns="" val="1"/>
+              <ma14:wrappingTextBoxFlag xmlns="" xmlns:m="http://schemas.openxmlformats.org/officeDocument/2006/math" xmlns:a14="http://schemas.microsoft.com/office/drawing/2010/main" xmlns:ma14="http://schemas.microsoft.com/office/mac/drawingml/2011/main" val="1"/>
             </a:ext>
           </a:extLst>
         </p:spPr>
@@ -29119,7 +29165,7 @@
           </a:ln>
           <a:extLst>
             <a:ext uri="{C572A759-6A51-4108-AA02-DFA0A04FC94B}">
-              <ma14:wrappingTextBoxFlag xmlns:ma14="http://schemas.microsoft.com/office/mac/drawingml/2011/main" xmlns:a14="http://schemas.microsoft.com/office/drawing/2010/main" xmlns:m="http://schemas.openxmlformats.org/officeDocument/2006/math" xmlns="" val="1"/>
+              <ma14:wrappingTextBoxFlag xmlns="" xmlns:m="http://schemas.openxmlformats.org/officeDocument/2006/math" xmlns:a14="http://schemas.microsoft.com/office/drawing/2010/main" xmlns:ma14="http://schemas.microsoft.com/office/mac/drawingml/2011/main" val="1"/>
             </a:ext>
           </a:extLst>
         </p:spPr>
@@ -29248,7 +29294,7 @@
           </a:ln>
           <a:extLst>
             <a:ext uri="{C572A759-6A51-4108-AA02-DFA0A04FC94B}">
-              <ma14:wrappingTextBoxFlag xmlns:ma14="http://schemas.microsoft.com/office/mac/drawingml/2011/main" xmlns:a14="http://schemas.microsoft.com/office/drawing/2010/main" xmlns:m="http://schemas.openxmlformats.org/officeDocument/2006/math" xmlns="" val="1"/>
+              <ma14:wrappingTextBoxFlag xmlns="" xmlns:m="http://schemas.openxmlformats.org/officeDocument/2006/math" xmlns:a14="http://schemas.microsoft.com/office/drawing/2010/main" xmlns:ma14="http://schemas.microsoft.com/office/mac/drawingml/2011/main" val="1"/>
             </a:ext>
           </a:extLst>
         </p:spPr>
@@ -29284,7 +29330,7 @@
           </a:prstGeom>
           <a:extLst>
             <a:ext uri="{C572A759-6A51-4108-AA02-DFA0A04FC94B}">
-              <ma14:wrappingTextBoxFlag xmlns:ma14="http://schemas.microsoft.com/office/mac/drawingml/2011/main" xmlns:a14="http://schemas.microsoft.com/office/drawing/2010/main" xmlns:m="http://schemas.openxmlformats.org/officeDocument/2006/math" xmlns="" val="1"/>
+              <ma14:wrappingTextBoxFlag xmlns="" xmlns:m="http://schemas.openxmlformats.org/officeDocument/2006/math" xmlns:a14="http://schemas.microsoft.com/office/drawing/2010/main" xmlns:ma14="http://schemas.microsoft.com/office/mac/drawingml/2011/main" val="1"/>
             </a:ext>
           </a:extLst>
         </p:spPr>
@@ -29322,7 +29368,7 @@
           </a:ln>
           <a:extLst>
             <a:ext uri="{C572A759-6A51-4108-AA02-DFA0A04FC94B}">
-              <ma14:wrappingTextBoxFlag xmlns:ma14="http://schemas.microsoft.com/office/mac/drawingml/2011/main" xmlns:a14="http://schemas.microsoft.com/office/drawing/2010/main" xmlns:m="http://schemas.openxmlformats.org/officeDocument/2006/math" xmlns="" val="1"/>
+              <ma14:wrappingTextBoxFlag xmlns="" xmlns:m="http://schemas.openxmlformats.org/officeDocument/2006/math" xmlns:a14="http://schemas.microsoft.com/office/drawing/2010/main" xmlns:ma14="http://schemas.microsoft.com/office/mac/drawingml/2011/main" val="1"/>
             </a:ext>
           </a:extLst>
         </p:spPr>
@@ -29440,7 +29486,7 @@
           </a:ln>
           <a:extLst>
             <a:ext uri="{C572A759-6A51-4108-AA02-DFA0A04FC94B}">
-              <ma14:wrappingTextBoxFlag xmlns:ma14="http://schemas.microsoft.com/office/mac/drawingml/2011/main" xmlns:a14="http://schemas.microsoft.com/office/drawing/2010/main" xmlns:m="http://schemas.openxmlformats.org/officeDocument/2006/math" xmlns="" val="1"/>
+              <ma14:wrappingTextBoxFlag xmlns="" xmlns:m="http://schemas.openxmlformats.org/officeDocument/2006/math" xmlns:a14="http://schemas.microsoft.com/office/drawing/2010/main" xmlns:ma14="http://schemas.microsoft.com/office/mac/drawingml/2011/main" val="1"/>
             </a:ext>
           </a:extLst>
         </p:spPr>
@@ -29476,7 +29522,7 @@
           </a:prstGeom>
           <a:extLst>
             <a:ext uri="{C572A759-6A51-4108-AA02-DFA0A04FC94B}">
-              <ma14:wrappingTextBoxFlag xmlns:ma14="http://schemas.microsoft.com/office/mac/drawingml/2011/main" xmlns:a14="http://schemas.microsoft.com/office/drawing/2010/main" xmlns:m="http://schemas.openxmlformats.org/officeDocument/2006/math" xmlns="" val="1"/>
+              <ma14:wrappingTextBoxFlag xmlns="" xmlns:m="http://schemas.openxmlformats.org/officeDocument/2006/math" xmlns:a14="http://schemas.microsoft.com/office/drawing/2010/main" xmlns:ma14="http://schemas.microsoft.com/office/mac/drawingml/2011/main" val="1"/>
             </a:ext>
           </a:extLst>
         </p:spPr>
@@ -29514,7 +29560,7 @@
           </a:ln>
           <a:extLst>
             <a:ext uri="{C572A759-6A51-4108-AA02-DFA0A04FC94B}">
-              <ma14:wrappingTextBoxFlag xmlns:ma14="http://schemas.microsoft.com/office/mac/drawingml/2011/main" xmlns:a14="http://schemas.microsoft.com/office/drawing/2010/main" xmlns:m="http://schemas.openxmlformats.org/officeDocument/2006/math" xmlns="" val="1"/>
+              <ma14:wrappingTextBoxFlag xmlns="" xmlns:m="http://schemas.openxmlformats.org/officeDocument/2006/math" xmlns:a14="http://schemas.microsoft.com/office/drawing/2010/main" xmlns:ma14="http://schemas.microsoft.com/office/mac/drawingml/2011/main" val="1"/>
             </a:ext>
           </a:extLst>
         </p:spPr>
@@ -29652,7 +29698,7 @@
           </a:ln>
           <a:extLst>
             <a:ext uri="{C572A759-6A51-4108-AA02-DFA0A04FC94B}">
-              <ma14:wrappingTextBoxFlag xmlns:ma14="http://schemas.microsoft.com/office/mac/drawingml/2011/main" xmlns:a14="http://schemas.microsoft.com/office/drawing/2010/main" xmlns:m="http://schemas.openxmlformats.org/officeDocument/2006/math" xmlns="" val="1"/>
+              <ma14:wrappingTextBoxFlag xmlns="" xmlns:m="http://schemas.openxmlformats.org/officeDocument/2006/math" xmlns:a14="http://schemas.microsoft.com/office/drawing/2010/main" xmlns:ma14="http://schemas.microsoft.com/office/mac/drawingml/2011/main" val="1"/>
             </a:ext>
           </a:extLst>
         </p:spPr>
@@ -29790,7 +29836,7 @@
           </a:ln>
           <a:extLst>
             <a:ext uri="{C572A759-6A51-4108-AA02-DFA0A04FC94B}">
-              <ma14:wrappingTextBoxFlag xmlns:ma14="http://schemas.microsoft.com/office/mac/drawingml/2011/main" xmlns:a14="http://schemas.microsoft.com/office/drawing/2010/main" xmlns:m="http://schemas.openxmlformats.org/officeDocument/2006/math" xmlns="" val="1"/>
+              <ma14:wrappingTextBoxFlag xmlns="" xmlns:m="http://schemas.openxmlformats.org/officeDocument/2006/math" xmlns:a14="http://schemas.microsoft.com/office/drawing/2010/main" xmlns:ma14="http://schemas.microsoft.com/office/mac/drawingml/2011/main" val="1"/>
             </a:ext>
           </a:extLst>
         </p:spPr>
@@ -29849,7 +29895,7 @@
               </a:ln>
               <a:extLst>
                 <a:ext uri="{C572A759-6A51-4108-AA02-DFA0A04FC94B}">
-                  <ma14:wrappingTextBoxFlag xmlns:ma14="http://schemas.microsoft.com/office/mac/drawingml/2011/main" xmlns:m="http://schemas.openxmlformats.org/officeDocument/2006/math" xmlns="" val="1"/>
+                  <ma14:wrappingTextBoxFlag xmlns="" xmlns:m="http://schemas.openxmlformats.org/officeDocument/2006/math" xmlns:ma14="http://schemas.microsoft.com/office/mac/drawingml/2011/main" val="1"/>
                 </a:ext>
               </a:extLst>
             </p:spPr>
@@ -29934,7 +29980,7 @@
               </a:ln>
               <a:extLst>
                 <a:ext uri="{C572A759-6A51-4108-AA02-DFA0A04FC94B}">
-                  <ma14:wrappingTextBoxFlag xmlns:ma14="http://schemas.microsoft.com/office/mac/drawingml/2011/main" xmlns:a14="http://schemas.microsoft.com/office/drawing/2010/main" xmlns:m="http://schemas.openxmlformats.org/officeDocument/2006/math" xmlns="" val="1"/>
+                  <ma14:wrappingTextBoxFlag xmlns:a14="http://schemas.microsoft.com/office/drawing/2010/main" xmlns:ma14="http://schemas.microsoft.com/office/mac/drawingml/2011/main" xmlns:m="http://schemas.openxmlformats.org/officeDocument/2006/math" xmlns="" val="1"/>
                 </a:ext>
               </a:extLst>
             </p:spPr>
@@ -29974,7 +30020,7 @@
               </a:ln>
               <a:extLst>
                 <a:ext uri="{C572A759-6A51-4108-AA02-DFA0A04FC94B}">
-                  <ma14:wrappingTextBoxFlag xmlns:ma14="http://schemas.microsoft.com/office/mac/drawingml/2011/main" xmlns:m="http://schemas.openxmlformats.org/officeDocument/2006/math" xmlns="" val="1"/>
+                  <ma14:wrappingTextBoxFlag xmlns="" xmlns:m="http://schemas.openxmlformats.org/officeDocument/2006/math" xmlns:ma14="http://schemas.microsoft.com/office/mac/drawingml/2011/main" val="1"/>
                 </a:ext>
               </a:extLst>
             </p:spPr>
@@ -30059,7 +30105,7 @@
               </a:ln>
               <a:extLst>
                 <a:ext uri="{C572A759-6A51-4108-AA02-DFA0A04FC94B}">
-                  <ma14:wrappingTextBoxFlag xmlns:ma14="http://schemas.microsoft.com/office/mac/drawingml/2011/main" xmlns:a14="http://schemas.microsoft.com/office/drawing/2010/main" xmlns:m="http://schemas.openxmlformats.org/officeDocument/2006/math" xmlns="" val="1"/>
+                  <ma14:wrappingTextBoxFlag xmlns:a14="http://schemas.microsoft.com/office/drawing/2010/main" xmlns:ma14="http://schemas.microsoft.com/office/mac/drawingml/2011/main" xmlns:m="http://schemas.openxmlformats.org/officeDocument/2006/math" xmlns="" val="1"/>
                 </a:ext>
               </a:extLst>
             </p:spPr>
@@ -30099,7 +30145,7 @@
               </a:ln>
               <a:extLst>
                 <a:ext uri="{C572A759-6A51-4108-AA02-DFA0A04FC94B}">
-                  <ma14:wrappingTextBoxFlag xmlns:ma14="http://schemas.microsoft.com/office/mac/drawingml/2011/main" xmlns:m="http://schemas.openxmlformats.org/officeDocument/2006/math" xmlns="" val="1"/>
+                  <ma14:wrappingTextBoxFlag xmlns="" xmlns:m="http://schemas.openxmlformats.org/officeDocument/2006/math" xmlns:ma14="http://schemas.microsoft.com/office/mac/drawingml/2011/main" val="1"/>
                 </a:ext>
               </a:extLst>
             </p:spPr>
@@ -30224,7 +30270,7 @@
               </a:ln>
               <a:extLst>
                 <a:ext uri="{C572A759-6A51-4108-AA02-DFA0A04FC94B}">
-                  <ma14:wrappingTextBoxFlag xmlns:ma14="http://schemas.microsoft.com/office/mac/drawingml/2011/main" xmlns:a14="http://schemas.microsoft.com/office/drawing/2010/main" xmlns:m="http://schemas.openxmlformats.org/officeDocument/2006/math" xmlns="" val="1"/>
+                  <ma14:wrappingTextBoxFlag xmlns:a14="http://schemas.microsoft.com/office/drawing/2010/main" xmlns:ma14="http://schemas.microsoft.com/office/mac/drawingml/2011/main" xmlns:m="http://schemas.openxmlformats.org/officeDocument/2006/math" xmlns="" val="1"/>
                 </a:ext>
               </a:extLst>
             </p:spPr>
@@ -30264,7 +30310,7 @@
               </a:ln>
               <a:extLst>
                 <a:ext uri="{C572A759-6A51-4108-AA02-DFA0A04FC94B}">
-                  <ma14:wrappingTextBoxFlag xmlns:ma14="http://schemas.microsoft.com/office/mac/drawingml/2011/main" xmlns:m="http://schemas.openxmlformats.org/officeDocument/2006/math" xmlns="" val="1"/>
+                  <ma14:wrappingTextBoxFlag xmlns="" xmlns:m="http://schemas.openxmlformats.org/officeDocument/2006/math" xmlns:ma14="http://schemas.microsoft.com/office/mac/drawingml/2011/main" val="1"/>
                 </a:ext>
               </a:extLst>
             </p:spPr>
@@ -30390,7 +30436,7 @@
               </a:ln>
               <a:extLst>
                 <a:ext uri="{C572A759-6A51-4108-AA02-DFA0A04FC94B}">
-                  <ma14:wrappingTextBoxFlag xmlns:ma14="http://schemas.microsoft.com/office/mac/drawingml/2011/main" xmlns:a14="http://schemas.microsoft.com/office/drawing/2010/main" xmlns:m="http://schemas.openxmlformats.org/officeDocument/2006/math" xmlns="" val="1"/>
+                  <ma14:wrappingTextBoxFlag xmlns:a14="http://schemas.microsoft.com/office/drawing/2010/main" xmlns:ma14="http://schemas.microsoft.com/office/mac/drawingml/2011/main" xmlns:m="http://schemas.openxmlformats.org/officeDocument/2006/math" xmlns="" val="1"/>
                 </a:ext>
               </a:extLst>
             </p:spPr>
@@ -30430,7 +30476,7 @@
               </a:ln>
               <a:extLst>
                 <a:ext uri="{C572A759-6A51-4108-AA02-DFA0A04FC94B}">
-                  <ma14:wrappingTextBoxFlag xmlns:ma14="http://schemas.microsoft.com/office/mac/drawingml/2011/main" xmlns:m="http://schemas.openxmlformats.org/officeDocument/2006/math" xmlns="" val="1"/>
+                  <ma14:wrappingTextBoxFlag xmlns="" xmlns:m="http://schemas.openxmlformats.org/officeDocument/2006/math" xmlns:ma14="http://schemas.microsoft.com/office/mac/drawingml/2011/main" val="1"/>
                 </a:ext>
               </a:extLst>
             </p:spPr>
@@ -30515,7 +30561,7 @@
               </a:ln>
               <a:extLst>
                 <a:ext uri="{C572A759-6A51-4108-AA02-DFA0A04FC94B}">
-                  <ma14:wrappingTextBoxFlag xmlns:ma14="http://schemas.microsoft.com/office/mac/drawingml/2011/main" xmlns:a14="http://schemas.microsoft.com/office/drawing/2010/main" xmlns:m="http://schemas.openxmlformats.org/officeDocument/2006/math" xmlns="" val="1"/>
+                  <ma14:wrappingTextBoxFlag xmlns:a14="http://schemas.microsoft.com/office/drawing/2010/main" xmlns:ma14="http://schemas.microsoft.com/office/mac/drawingml/2011/main" xmlns:m="http://schemas.openxmlformats.org/officeDocument/2006/math" xmlns="" val="1"/>
                 </a:ext>
               </a:extLst>
             </p:spPr>
@@ -30555,7 +30601,7 @@
               </a:ln>
               <a:extLst>
                 <a:ext uri="{C572A759-6A51-4108-AA02-DFA0A04FC94B}">
-                  <ma14:wrappingTextBoxFlag xmlns:ma14="http://schemas.microsoft.com/office/mac/drawingml/2011/main" xmlns:m="http://schemas.openxmlformats.org/officeDocument/2006/math" xmlns="" val="1"/>
+                  <ma14:wrappingTextBoxFlag xmlns="" xmlns:m="http://schemas.openxmlformats.org/officeDocument/2006/math" xmlns:ma14="http://schemas.microsoft.com/office/mac/drawingml/2011/main" val="1"/>
                 </a:ext>
               </a:extLst>
             </p:spPr>
@@ -30658,7 +30704,7 @@
               </a:ln>
               <a:extLst>
                 <a:ext uri="{C572A759-6A51-4108-AA02-DFA0A04FC94B}">
-                  <ma14:wrappingTextBoxFlag xmlns:ma14="http://schemas.microsoft.com/office/mac/drawingml/2011/main" xmlns:a14="http://schemas.microsoft.com/office/drawing/2010/main" xmlns:m="http://schemas.openxmlformats.org/officeDocument/2006/math" xmlns="" val="1"/>
+                  <ma14:wrappingTextBoxFlag xmlns:a14="http://schemas.microsoft.com/office/drawing/2010/main" xmlns:ma14="http://schemas.microsoft.com/office/mac/drawingml/2011/main" xmlns:m="http://schemas.openxmlformats.org/officeDocument/2006/math" xmlns="" val="1"/>
                 </a:ext>
               </a:extLst>
             </p:spPr>
@@ -30698,7 +30744,7 @@
               </a:ln>
               <a:extLst>
                 <a:ext uri="{C572A759-6A51-4108-AA02-DFA0A04FC94B}">
-                  <ma14:wrappingTextBoxFlag xmlns:ma14="http://schemas.microsoft.com/office/mac/drawingml/2011/main" xmlns:m="http://schemas.openxmlformats.org/officeDocument/2006/math" xmlns="" val="1"/>
+                  <ma14:wrappingTextBoxFlag xmlns="" xmlns:m="http://schemas.openxmlformats.org/officeDocument/2006/math" xmlns:ma14="http://schemas.microsoft.com/office/mac/drawingml/2011/main" val="1"/>
                 </a:ext>
               </a:extLst>
             </p:spPr>
@@ -30801,7 +30847,7 @@
               </a:ln>
               <a:extLst>
                 <a:ext uri="{C572A759-6A51-4108-AA02-DFA0A04FC94B}">
-                  <ma14:wrappingTextBoxFlag xmlns="" xmlns:m="http://schemas.openxmlformats.org/officeDocument/2006/math" xmlns:ma14="http://schemas.microsoft.com/office/mac/drawingml/2011/main" xmlns:a14="http://schemas.microsoft.com/office/drawing/2010/main" val="1"/>
+                  <ma14:wrappingTextBoxFlag xmlns:a14="http://schemas.microsoft.com/office/drawing/2010/main" xmlns:ma14="http://schemas.microsoft.com/office/mac/drawingml/2011/main" xmlns:m="http://schemas.openxmlformats.org/officeDocument/2006/math" xmlns="" val="1"/>
                 </a:ext>
               </a:extLst>
             </p:spPr>
@@ -30841,7 +30887,7 @@
               </a:ln>
               <a:extLst>
                 <a:ext uri="{C572A759-6A51-4108-AA02-DFA0A04FC94B}">
-                  <ma14:wrappingTextBoxFlag xmlns:ma14="http://schemas.microsoft.com/office/mac/drawingml/2011/main" xmlns:m="http://schemas.openxmlformats.org/officeDocument/2006/math" xmlns="" val="1"/>
+                  <ma14:wrappingTextBoxFlag xmlns="" xmlns:m="http://schemas.openxmlformats.org/officeDocument/2006/math" xmlns:ma14="http://schemas.microsoft.com/office/mac/drawingml/2011/main" val="1"/>
                 </a:ext>
               </a:extLst>
             </p:spPr>
@@ -30969,7 +31015,7 @@
               </a:ln>
               <a:extLst>
                 <a:ext uri="{C572A759-6A51-4108-AA02-DFA0A04FC94B}">
-                  <ma14:wrappingTextBoxFlag xmlns="" xmlns:m="http://schemas.openxmlformats.org/officeDocument/2006/math" xmlns:ma14="http://schemas.microsoft.com/office/mac/drawingml/2011/main" xmlns:a14="http://schemas.microsoft.com/office/drawing/2010/main" val="1"/>
+                  <ma14:wrappingTextBoxFlag xmlns:a14="http://schemas.microsoft.com/office/drawing/2010/main" xmlns:ma14="http://schemas.microsoft.com/office/mac/drawingml/2011/main" xmlns:m="http://schemas.openxmlformats.org/officeDocument/2006/math" xmlns="" val="1"/>
                 </a:ext>
               </a:extLst>
             </p:spPr>
@@ -31009,7 +31055,7 @@
               </a:ln>
               <a:extLst>
                 <a:ext uri="{C572A759-6A51-4108-AA02-DFA0A04FC94B}">
-                  <ma14:wrappingTextBoxFlag xmlns:ma14="http://schemas.microsoft.com/office/mac/drawingml/2011/main" xmlns:m="http://schemas.openxmlformats.org/officeDocument/2006/math" xmlns="" val="1"/>
+                  <ma14:wrappingTextBoxFlag xmlns="" xmlns:m="http://schemas.openxmlformats.org/officeDocument/2006/math" xmlns:ma14="http://schemas.microsoft.com/office/mac/drawingml/2011/main" val="1"/>
                 </a:ext>
               </a:extLst>
             </p:spPr>
@@ -31094,7 +31140,7 @@
               </a:ln>
               <a:extLst>
                 <a:ext uri="{C572A759-6A51-4108-AA02-DFA0A04FC94B}">
-                  <ma14:wrappingTextBoxFlag xmlns="" xmlns:m="http://schemas.openxmlformats.org/officeDocument/2006/math" xmlns:ma14="http://schemas.microsoft.com/office/mac/drawingml/2011/main" xmlns:a14="http://schemas.microsoft.com/office/drawing/2010/main" val="1"/>
+                  <ma14:wrappingTextBoxFlag xmlns:a14="http://schemas.microsoft.com/office/drawing/2010/main" xmlns:ma14="http://schemas.microsoft.com/office/mac/drawingml/2011/main" xmlns:m="http://schemas.openxmlformats.org/officeDocument/2006/math" xmlns="" val="1"/>
                 </a:ext>
               </a:extLst>
             </p:spPr>
@@ -31134,7 +31180,7 @@
               </a:ln>
               <a:extLst>
                 <a:ext uri="{C572A759-6A51-4108-AA02-DFA0A04FC94B}">
-                  <ma14:wrappingTextBoxFlag xmlns:ma14="http://schemas.microsoft.com/office/mac/drawingml/2011/main" xmlns:m="http://schemas.openxmlformats.org/officeDocument/2006/math" xmlns="" val="1"/>
+                  <ma14:wrappingTextBoxFlag xmlns="" xmlns:m="http://schemas.openxmlformats.org/officeDocument/2006/math" xmlns:ma14="http://schemas.microsoft.com/office/mac/drawingml/2011/main" val="1"/>
                 </a:ext>
               </a:extLst>
             </p:spPr>
@@ -31237,7 +31283,7 @@
               </a:ln>
               <a:extLst>
                 <a:ext uri="{C572A759-6A51-4108-AA02-DFA0A04FC94B}">
-                  <ma14:wrappingTextBoxFlag xmlns="" xmlns:m="http://schemas.openxmlformats.org/officeDocument/2006/math" xmlns:ma14="http://schemas.microsoft.com/office/mac/drawingml/2011/main" xmlns:a14="http://schemas.microsoft.com/office/drawing/2010/main" val="1"/>
+                  <ma14:wrappingTextBoxFlag xmlns:a14="http://schemas.microsoft.com/office/drawing/2010/main" xmlns:ma14="http://schemas.microsoft.com/office/mac/drawingml/2011/main" xmlns:m="http://schemas.openxmlformats.org/officeDocument/2006/math" xmlns="" val="1"/>
                 </a:ext>
               </a:extLst>
             </p:spPr>
@@ -31277,7 +31323,7 @@
               </a:ln>
               <a:extLst>
                 <a:ext uri="{C572A759-6A51-4108-AA02-DFA0A04FC94B}">
-                  <ma14:wrappingTextBoxFlag xmlns:ma14="http://schemas.microsoft.com/office/mac/drawingml/2011/main" xmlns:m="http://schemas.openxmlformats.org/officeDocument/2006/math" xmlns="" val="1"/>
+                  <ma14:wrappingTextBoxFlag xmlns="" xmlns:m="http://schemas.openxmlformats.org/officeDocument/2006/math" xmlns:ma14="http://schemas.microsoft.com/office/mac/drawingml/2011/main" val="1"/>
                 </a:ext>
               </a:extLst>
             </p:spPr>
@@ -31398,7 +31444,7 @@
               </a:ln>
               <a:extLst>
                 <a:ext uri="{C572A759-6A51-4108-AA02-DFA0A04FC94B}">
-                  <ma14:wrappingTextBoxFlag xmlns="" xmlns:m="http://schemas.openxmlformats.org/officeDocument/2006/math" xmlns:ma14="http://schemas.microsoft.com/office/mac/drawingml/2011/main" xmlns:a14="http://schemas.microsoft.com/office/drawing/2010/main" val="1"/>
+                  <ma14:wrappingTextBoxFlag xmlns:a14="http://schemas.microsoft.com/office/drawing/2010/main" xmlns:ma14="http://schemas.microsoft.com/office/mac/drawingml/2011/main" xmlns:m="http://schemas.openxmlformats.org/officeDocument/2006/math" xmlns="" val="1"/>
                 </a:ext>
               </a:extLst>
             </p:spPr>
@@ -31436,7 +31482,7 @@
           </a:ln>
           <a:extLst>
             <a:ext uri="{C572A759-6A51-4108-AA02-DFA0A04FC94B}">
-              <ma14:wrappingTextBoxFlag xmlns:ma14="http://schemas.microsoft.com/office/mac/drawingml/2011/main" xmlns:a14="http://schemas.microsoft.com/office/drawing/2010/main" xmlns:m="http://schemas.openxmlformats.org/officeDocument/2006/math" xmlns="" val="1"/>
+              <ma14:wrappingTextBoxFlag xmlns="" xmlns:m="http://schemas.openxmlformats.org/officeDocument/2006/math" xmlns:a14="http://schemas.microsoft.com/office/drawing/2010/main" xmlns:ma14="http://schemas.microsoft.com/office/mac/drawingml/2011/main" val="1"/>
             </a:ext>
           </a:extLst>
         </p:spPr>
@@ -31475,7 +31521,7 @@
           </a:ln>
           <a:extLst>
             <a:ext uri="{C572A759-6A51-4108-AA02-DFA0A04FC94B}">
-              <ma14:wrappingTextBoxFlag xmlns:ma14="http://schemas.microsoft.com/office/mac/drawingml/2011/main" xmlns:a14="http://schemas.microsoft.com/office/drawing/2010/main" xmlns:m="http://schemas.openxmlformats.org/officeDocument/2006/math" xmlns="" val="1"/>
+              <ma14:wrappingTextBoxFlag xmlns="" xmlns:m="http://schemas.openxmlformats.org/officeDocument/2006/math" xmlns:a14="http://schemas.microsoft.com/office/drawing/2010/main" xmlns:ma14="http://schemas.microsoft.com/office/mac/drawingml/2011/main" val="1"/>
             </a:ext>
           </a:extLst>
         </p:spPr>
@@ -31570,7 +31616,7 @@
           </a:ln>
           <a:extLst>
             <a:ext uri="{C572A759-6A51-4108-AA02-DFA0A04FC94B}">
-              <ma14:wrappingTextBoxFlag xmlns:ma14="http://schemas.microsoft.com/office/mac/drawingml/2011/main" xmlns:a14="http://schemas.microsoft.com/office/drawing/2010/main" xmlns:m="http://schemas.openxmlformats.org/officeDocument/2006/math" xmlns="" val="1"/>
+              <ma14:wrappingTextBoxFlag xmlns="" xmlns:m="http://schemas.openxmlformats.org/officeDocument/2006/math" xmlns:a14="http://schemas.microsoft.com/office/drawing/2010/main" xmlns:ma14="http://schemas.microsoft.com/office/mac/drawingml/2011/main" val="1"/>
             </a:ext>
           </a:extLst>
         </p:spPr>
@@ -31611,7 +31657,7 @@
               </a:ln>
               <a:extLst>
                 <a:ext uri="{C572A759-6A51-4108-AA02-DFA0A04FC94B}">
-                  <ma14:wrappingTextBoxFlag xmlns:ma14="http://schemas.microsoft.com/office/mac/drawingml/2011/main" xmlns:m="http://schemas.openxmlformats.org/officeDocument/2006/math" xmlns="" val="1"/>
+                  <ma14:wrappingTextBoxFlag xmlns="" xmlns:m="http://schemas.openxmlformats.org/officeDocument/2006/math" xmlns:ma14="http://schemas.microsoft.com/office/mac/drawingml/2011/main" val="1"/>
                 </a:ext>
               </a:extLst>
             </p:spPr>
@@ -31794,7 +31840,7 @@
               </a:ln>
               <a:extLst>
                 <a:ext uri="{C572A759-6A51-4108-AA02-DFA0A04FC94B}">
-                  <ma14:wrappingTextBoxFlag xmlns:ma14="http://schemas.microsoft.com/office/mac/drawingml/2011/main" xmlns:a14="http://schemas.microsoft.com/office/drawing/2010/main" xmlns:m="http://schemas.openxmlformats.org/officeDocument/2006/math" xmlns="" val="1"/>
+                  <ma14:wrappingTextBoxFlag xmlns:a14="http://schemas.microsoft.com/office/drawing/2010/main" xmlns:ma14="http://schemas.microsoft.com/office/mac/drawingml/2011/main" xmlns:m="http://schemas.openxmlformats.org/officeDocument/2006/math" xmlns="" val="1"/>
                 </a:ext>
               </a:extLst>
             </p:spPr>
@@ -31834,7 +31880,7 @@
               </a:ln>
               <a:extLst>
                 <a:ext uri="{C572A759-6A51-4108-AA02-DFA0A04FC94B}">
-                  <ma14:wrappingTextBoxFlag xmlns:ma14="http://schemas.microsoft.com/office/mac/drawingml/2011/main" xmlns:m="http://schemas.openxmlformats.org/officeDocument/2006/math" xmlns="" val="1"/>
+                  <ma14:wrappingTextBoxFlag xmlns="" xmlns:m="http://schemas.openxmlformats.org/officeDocument/2006/math" xmlns:ma14="http://schemas.microsoft.com/office/mac/drawingml/2011/main" val="1"/>
                 </a:ext>
               </a:extLst>
             </p:spPr>
@@ -31977,7 +32023,7 @@
               </a:ln>
               <a:extLst>
                 <a:ext uri="{C572A759-6A51-4108-AA02-DFA0A04FC94B}">
-                  <ma14:wrappingTextBoxFlag xmlns:ma14="http://schemas.microsoft.com/office/mac/drawingml/2011/main" xmlns:a14="http://schemas.microsoft.com/office/drawing/2010/main" xmlns:m="http://schemas.openxmlformats.org/officeDocument/2006/math" xmlns="" val="1"/>
+                  <ma14:wrappingTextBoxFlag xmlns:a14="http://schemas.microsoft.com/office/drawing/2010/main" xmlns:ma14="http://schemas.microsoft.com/office/mac/drawingml/2011/main" xmlns:m="http://schemas.openxmlformats.org/officeDocument/2006/math" xmlns="" val="1"/>
                 </a:ext>
               </a:extLst>
             </p:spPr>
@@ -32108,7 +32154,7 @@
           </a:ln>
           <a:extLst>
             <a:ext uri="{C572A759-6A51-4108-AA02-DFA0A04FC94B}">
-              <ma14:wrappingTextBoxFlag xmlns:ma14="http://schemas.microsoft.com/office/mac/drawingml/2011/main" xmlns:a14="http://schemas.microsoft.com/office/drawing/2010/main" xmlns:m="http://schemas.openxmlformats.org/officeDocument/2006/math" xmlns="" val="1"/>
+              <ma14:wrappingTextBoxFlag xmlns="" xmlns:m="http://schemas.openxmlformats.org/officeDocument/2006/math" xmlns:a14="http://schemas.microsoft.com/office/drawing/2010/main" xmlns:ma14="http://schemas.microsoft.com/office/mac/drawingml/2011/main" val="1"/>
             </a:ext>
           </a:extLst>
         </p:spPr>
@@ -32144,7 +32190,7 @@
           </a:prstGeom>
           <a:extLst>
             <a:ext uri="{C572A759-6A51-4108-AA02-DFA0A04FC94B}">
-              <ma14:wrappingTextBoxFlag xmlns:ma14="http://schemas.microsoft.com/office/mac/drawingml/2011/main" xmlns:a14="http://schemas.microsoft.com/office/drawing/2010/main" xmlns:m="http://schemas.openxmlformats.org/officeDocument/2006/math" xmlns="" val="1"/>
+              <ma14:wrappingTextBoxFlag xmlns="" xmlns:m="http://schemas.openxmlformats.org/officeDocument/2006/math" xmlns:a14="http://schemas.microsoft.com/office/drawing/2010/main" xmlns:ma14="http://schemas.microsoft.com/office/mac/drawingml/2011/main" val="1"/>
             </a:ext>
           </a:extLst>
         </p:spPr>
@@ -32182,7 +32228,7 @@
           </a:ln>
           <a:extLst>
             <a:ext uri="{C572A759-6A51-4108-AA02-DFA0A04FC94B}">
-              <ma14:wrappingTextBoxFlag xmlns:ma14="http://schemas.microsoft.com/office/mac/drawingml/2011/main" xmlns:a14="http://schemas.microsoft.com/office/drawing/2010/main" xmlns:m="http://schemas.openxmlformats.org/officeDocument/2006/math" xmlns="" val="1"/>
+              <ma14:wrappingTextBoxFlag xmlns="" xmlns:m="http://schemas.openxmlformats.org/officeDocument/2006/math" xmlns:a14="http://schemas.microsoft.com/office/drawing/2010/main" xmlns:ma14="http://schemas.microsoft.com/office/mac/drawingml/2011/main" val="1"/>
             </a:ext>
           </a:extLst>
         </p:spPr>
@@ -32500,7 +32546,7 @@
           </a:ln>
           <a:extLst>
             <a:ext uri="{C572A759-6A51-4108-AA02-DFA0A04FC94B}">
-              <ma14:wrappingTextBoxFlag xmlns:ma14="http://schemas.microsoft.com/office/mac/drawingml/2011/main" xmlns:a14="http://schemas.microsoft.com/office/drawing/2010/main" xmlns:m="http://schemas.openxmlformats.org/officeDocument/2006/math" xmlns="" val="1"/>
+              <ma14:wrappingTextBoxFlag xmlns="" xmlns:m="http://schemas.openxmlformats.org/officeDocument/2006/math" xmlns:a14="http://schemas.microsoft.com/office/drawing/2010/main" xmlns:ma14="http://schemas.microsoft.com/office/mac/drawingml/2011/main" val="1"/>
             </a:ext>
           </a:extLst>
         </p:spPr>
@@ -32611,7 +32657,7 @@
           </a:ln>
           <a:extLst>
             <a:ext uri="{C572A759-6A51-4108-AA02-DFA0A04FC94B}">
-              <ma14:wrappingTextBoxFlag xmlns:ma14="http://schemas.microsoft.com/office/mac/drawingml/2011/main" xmlns:a14="http://schemas.microsoft.com/office/drawing/2010/main" xmlns:m="http://schemas.openxmlformats.org/officeDocument/2006/math" xmlns="" val="1"/>
+              <ma14:wrappingTextBoxFlag xmlns="" xmlns:m="http://schemas.openxmlformats.org/officeDocument/2006/math" xmlns:a14="http://schemas.microsoft.com/office/drawing/2010/main" xmlns:ma14="http://schemas.microsoft.com/office/mac/drawingml/2011/main" val="1"/>
             </a:ext>
           </a:extLst>
         </p:spPr>
@@ -32676,7 +32722,7 @@
           </a:ln>
           <a:extLst>
             <a:ext uri="{C572A759-6A51-4108-AA02-DFA0A04FC94B}">
-              <ma14:wrappingTextBoxFlag xmlns:ma14="http://schemas.microsoft.com/office/mac/drawingml/2011/main" xmlns:a14="http://schemas.microsoft.com/office/drawing/2010/main" xmlns:m="http://schemas.openxmlformats.org/officeDocument/2006/math" xmlns="" val="1"/>
+              <ma14:wrappingTextBoxFlag xmlns="" xmlns:m="http://schemas.openxmlformats.org/officeDocument/2006/math" xmlns:a14="http://schemas.microsoft.com/office/drawing/2010/main" xmlns:ma14="http://schemas.microsoft.com/office/mac/drawingml/2011/main" val="1"/>
             </a:ext>
           </a:extLst>
         </p:spPr>
@@ -32712,7 +32758,7 @@
           </a:prstGeom>
           <a:extLst>
             <a:ext uri="{C572A759-6A51-4108-AA02-DFA0A04FC94B}">
-              <ma14:wrappingTextBoxFlag xmlns:ma14="http://schemas.microsoft.com/office/mac/drawingml/2011/main" xmlns:a14="http://schemas.microsoft.com/office/drawing/2010/main" xmlns:m="http://schemas.openxmlformats.org/officeDocument/2006/math" xmlns="" val="1"/>
+              <ma14:wrappingTextBoxFlag xmlns="" xmlns:m="http://schemas.openxmlformats.org/officeDocument/2006/math" xmlns:a14="http://schemas.microsoft.com/office/drawing/2010/main" xmlns:ma14="http://schemas.microsoft.com/office/mac/drawingml/2011/main" val="1"/>
             </a:ext>
           </a:extLst>
         </p:spPr>
@@ -32750,7 +32796,7 @@
           </a:ln>
           <a:extLst>
             <a:ext uri="{C572A759-6A51-4108-AA02-DFA0A04FC94B}">
-              <ma14:wrappingTextBoxFlag xmlns:ma14="http://schemas.microsoft.com/office/mac/drawingml/2011/main" xmlns:a14="http://schemas.microsoft.com/office/drawing/2010/main" xmlns:m="http://schemas.openxmlformats.org/officeDocument/2006/math" xmlns="" val="1"/>
+              <ma14:wrappingTextBoxFlag xmlns="" xmlns:m="http://schemas.openxmlformats.org/officeDocument/2006/math" xmlns:a14="http://schemas.microsoft.com/office/drawing/2010/main" xmlns:ma14="http://schemas.microsoft.com/office/mac/drawingml/2011/main" val="1"/>
             </a:ext>
           </a:extLst>
         </p:spPr>
@@ -32862,7 +32908,7 @@
           </a:prstGeom>
           <a:extLst>
             <a:ext uri="{C572A759-6A51-4108-AA02-DFA0A04FC94B}">
-              <ma14:wrappingTextBoxFlag xmlns:ma14="http://schemas.microsoft.com/office/mac/drawingml/2011/main" xmlns:a14="http://schemas.microsoft.com/office/drawing/2010/main" xmlns:m="http://schemas.openxmlformats.org/officeDocument/2006/math" xmlns="" val="1"/>
+              <ma14:wrappingTextBoxFlag xmlns="" xmlns:m="http://schemas.openxmlformats.org/officeDocument/2006/math" xmlns:a14="http://schemas.microsoft.com/office/drawing/2010/main" xmlns:ma14="http://schemas.microsoft.com/office/mac/drawingml/2011/main" val="1"/>
             </a:ext>
           </a:extLst>
         </p:spPr>
@@ -32896,7 +32942,7 @@
           </a:ln>
           <a:extLst>
             <a:ext uri="{C572A759-6A51-4108-AA02-DFA0A04FC94B}">
-              <ma14:wrappingTextBoxFlag xmlns:ma14="http://schemas.microsoft.com/office/mac/drawingml/2011/main" xmlns:a14="http://schemas.microsoft.com/office/drawing/2010/main" xmlns:m="http://schemas.openxmlformats.org/officeDocument/2006/math" xmlns="" val="1"/>
+              <ma14:wrappingTextBoxFlag xmlns="" xmlns:m="http://schemas.openxmlformats.org/officeDocument/2006/math" xmlns:a14="http://schemas.microsoft.com/office/drawing/2010/main" xmlns:ma14="http://schemas.microsoft.com/office/mac/drawingml/2011/main" val="1"/>
             </a:ext>
           </a:extLst>
         </p:spPr>
@@ -33042,7 +33088,7 @@
           </a:ln>
           <a:extLst>
             <a:ext uri="{C572A759-6A51-4108-AA02-DFA0A04FC94B}">
-              <ma14:wrappingTextBoxFlag xmlns:ma14="http://schemas.microsoft.com/office/mac/drawingml/2011/main" xmlns:a14="http://schemas.microsoft.com/office/drawing/2010/main" xmlns:m="http://schemas.openxmlformats.org/officeDocument/2006/math" xmlns="" val="1"/>
+              <ma14:wrappingTextBoxFlag xmlns="" xmlns:m="http://schemas.openxmlformats.org/officeDocument/2006/math" xmlns:a14="http://schemas.microsoft.com/office/drawing/2010/main" xmlns:ma14="http://schemas.microsoft.com/office/mac/drawingml/2011/main" val="1"/>
             </a:ext>
           </a:extLst>
         </p:spPr>
@@ -33298,7 +33344,7 @@
           </a:ln>
           <a:extLst>
             <a:ext uri="{C572A759-6A51-4108-AA02-DFA0A04FC94B}">
-              <ma14:wrappingTextBoxFlag xmlns:ma14="http://schemas.microsoft.com/office/mac/drawingml/2011/main" xmlns:a14="http://schemas.microsoft.com/office/drawing/2010/main" xmlns:m="http://schemas.openxmlformats.org/officeDocument/2006/math" xmlns="" val="1"/>
+              <ma14:wrappingTextBoxFlag xmlns="" xmlns:m="http://schemas.openxmlformats.org/officeDocument/2006/math" xmlns:a14="http://schemas.microsoft.com/office/drawing/2010/main" xmlns:ma14="http://schemas.microsoft.com/office/mac/drawingml/2011/main" val="1"/>
             </a:ext>
           </a:extLst>
         </p:spPr>
@@ -33337,7 +33383,7 @@
           </a:ln>
           <a:extLst>
             <a:ext uri="{C572A759-6A51-4108-AA02-DFA0A04FC94B}">
-              <ma14:wrappingTextBoxFlag xmlns:ma14="http://schemas.microsoft.com/office/mac/drawingml/2011/main" xmlns:a14="http://schemas.microsoft.com/office/drawing/2010/main" xmlns:m="http://schemas.openxmlformats.org/officeDocument/2006/math" xmlns="" val="1"/>
+              <ma14:wrappingTextBoxFlag xmlns="" xmlns:m="http://schemas.openxmlformats.org/officeDocument/2006/math" xmlns:a14="http://schemas.microsoft.com/office/drawing/2010/main" xmlns:ma14="http://schemas.microsoft.com/office/mac/drawingml/2011/main" val="1"/>
             </a:ext>
           </a:extLst>
         </p:spPr>
@@ -33441,7 +33487,7 @@
           </a:ln>
           <a:extLst>
             <a:ext uri="{C572A759-6A51-4108-AA02-DFA0A04FC94B}">
-              <ma14:wrappingTextBoxFlag xmlns:ma14="http://schemas.microsoft.com/office/mac/drawingml/2011/main" xmlns:a14="http://schemas.microsoft.com/office/drawing/2010/main" xmlns:m="http://schemas.openxmlformats.org/officeDocument/2006/math" xmlns="" val="1"/>
+              <ma14:wrappingTextBoxFlag xmlns="" xmlns:m="http://schemas.openxmlformats.org/officeDocument/2006/math" xmlns:a14="http://schemas.microsoft.com/office/drawing/2010/main" xmlns:ma14="http://schemas.microsoft.com/office/mac/drawingml/2011/main" val="1"/>
             </a:ext>
           </a:extLst>
         </p:spPr>
@@ -33520,7 +33566,7 @@
           </a:ln>
           <a:extLst>
             <a:ext uri="{C572A759-6A51-4108-AA02-DFA0A04FC94B}">
-              <ma14:wrappingTextBoxFlag xmlns:ma14="http://schemas.microsoft.com/office/mac/drawingml/2011/main" xmlns:a14="http://schemas.microsoft.com/office/drawing/2010/main" xmlns:m="http://schemas.openxmlformats.org/officeDocument/2006/math" xmlns="" val="1"/>
+              <ma14:wrappingTextBoxFlag xmlns="" xmlns:m="http://schemas.openxmlformats.org/officeDocument/2006/math" xmlns:a14="http://schemas.microsoft.com/office/drawing/2010/main" xmlns:ma14="http://schemas.microsoft.com/office/mac/drawingml/2011/main" val="1"/>
             </a:ext>
           </a:extLst>
         </p:spPr>
@@ -33559,7 +33605,7 @@
           </a:ln>
           <a:extLst>
             <a:ext uri="{C572A759-6A51-4108-AA02-DFA0A04FC94B}">
-              <ma14:wrappingTextBoxFlag xmlns:ma14="http://schemas.microsoft.com/office/mac/drawingml/2011/main" xmlns:a14="http://schemas.microsoft.com/office/drawing/2010/main" xmlns:m="http://schemas.openxmlformats.org/officeDocument/2006/math" xmlns="" val="1"/>
+              <ma14:wrappingTextBoxFlag xmlns="" xmlns:m="http://schemas.openxmlformats.org/officeDocument/2006/math" xmlns:a14="http://schemas.microsoft.com/office/drawing/2010/main" xmlns:ma14="http://schemas.microsoft.com/office/mac/drawingml/2011/main" val="1"/>
             </a:ext>
           </a:extLst>
         </p:spPr>
@@ -33598,7 +33644,7 @@
           </a:ln>
           <a:extLst>
             <a:ext uri="{C572A759-6A51-4108-AA02-DFA0A04FC94B}">
-              <ma14:wrappingTextBoxFlag xmlns:ma14="http://schemas.microsoft.com/office/mac/drawingml/2011/main" xmlns:a14="http://schemas.microsoft.com/office/drawing/2010/main" xmlns:m="http://schemas.openxmlformats.org/officeDocument/2006/math" xmlns="" val="1"/>
+              <ma14:wrappingTextBoxFlag xmlns="" xmlns:m="http://schemas.openxmlformats.org/officeDocument/2006/math" xmlns:a14="http://schemas.microsoft.com/office/drawing/2010/main" xmlns:ma14="http://schemas.microsoft.com/office/mac/drawingml/2011/main" val="1"/>
             </a:ext>
           </a:extLst>
         </p:spPr>
@@ -33637,7 +33683,7 @@
           </a:ln>
           <a:extLst>
             <a:ext uri="{C572A759-6A51-4108-AA02-DFA0A04FC94B}">
-              <ma14:wrappingTextBoxFlag xmlns:ma14="http://schemas.microsoft.com/office/mac/drawingml/2011/main" xmlns:a14="http://schemas.microsoft.com/office/drawing/2010/main" xmlns:m="http://schemas.openxmlformats.org/officeDocument/2006/math" xmlns="" val="1"/>
+              <ma14:wrappingTextBoxFlag xmlns="" xmlns:m="http://schemas.openxmlformats.org/officeDocument/2006/math" xmlns:a14="http://schemas.microsoft.com/office/drawing/2010/main" xmlns:ma14="http://schemas.microsoft.com/office/mac/drawingml/2011/main" val="1"/>
             </a:ext>
           </a:extLst>
         </p:spPr>
@@ -33676,7 +33722,7 @@
           </a:ln>
           <a:extLst>
             <a:ext uri="{C572A759-6A51-4108-AA02-DFA0A04FC94B}">
-              <ma14:wrappingTextBoxFlag xmlns:ma14="http://schemas.microsoft.com/office/mac/drawingml/2011/main" xmlns:a14="http://schemas.microsoft.com/office/drawing/2010/main" xmlns:m="http://schemas.openxmlformats.org/officeDocument/2006/math" xmlns="" val="1"/>
+              <ma14:wrappingTextBoxFlag xmlns="" xmlns:m="http://schemas.openxmlformats.org/officeDocument/2006/math" xmlns:a14="http://schemas.microsoft.com/office/drawing/2010/main" xmlns:ma14="http://schemas.microsoft.com/office/mac/drawingml/2011/main" val="1"/>
             </a:ext>
           </a:extLst>
         </p:spPr>
@@ -33814,7 +33860,7 @@
           </a:ln>
           <a:extLst>
             <a:ext uri="{C572A759-6A51-4108-AA02-DFA0A04FC94B}">
-              <ma14:wrappingTextBoxFlag xmlns:ma14="http://schemas.microsoft.com/office/mac/drawingml/2011/main" xmlns:a14="http://schemas.microsoft.com/office/drawing/2010/main" xmlns:m="http://schemas.openxmlformats.org/officeDocument/2006/math" xmlns="" val="1"/>
+              <ma14:wrappingTextBoxFlag xmlns="" xmlns:m="http://schemas.openxmlformats.org/officeDocument/2006/math" xmlns:a14="http://schemas.microsoft.com/office/drawing/2010/main" xmlns:ma14="http://schemas.microsoft.com/office/mac/drawingml/2011/main" val="1"/>
             </a:ext>
           </a:extLst>
         </p:spPr>
@@ -33960,7 +34006,7 @@
           </a:ln>
           <a:extLst>
             <a:ext uri="{C572A759-6A51-4108-AA02-DFA0A04FC94B}">
-              <ma14:wrappingTextBoxFlag xmlns:ma14="http://schemas.microsoft.com/office/mac/drawingml/2011/main" xmlns:a14="http://schemas.microsoft.com/office/drawing/2010/main" xmlns:m="http://schemas.openxmlformats.org/officeDocument/2006/math" xmlns="" val="1"/>
+              <ma14:wrappingTextBoxFlag xmlns="" xmlns:m="http://schemas.openxmlformats.org/officeDocument/2006/math" xmlns:a14="http://schemas.microsoft.com/office/drawing/2010/main" xmlns:ma14="http://schemas.microsoft.com/office/mac/drawingml/2011/main" val="1"/>
             </a:ext>
           </a:extLst>
         </p:spPr>
@@ -34216,7 +34262,7 @@
           </a:ln>
           <a:extLst>
             <a:ext uri="{C572A759-6A51-4108-AA02-DFA0A04FC94B}">
-              <ma14:wrappingTextBoxFlag xmlns:ma14="http://schemas.microsoft.com/office/mac/drawingml/2011/main" xmlns:a14="http://schemas.microsoft.com/office/drawing/2010/main" xmlns:m="http://schemas.openxmlformats.org/officeDocument/2006/math" xmlns="" val="1"/>
+              <ma14:wrappingTextBoxFlag xmlns="" xmlns:m="http://schemas.openxmlformats.org/officeDocument/2006/math" xmlns:a14="http://schemas.microsoft.com/office/drawing/2010/main" xmlns:ma14="http://schemas.microsoft.com/office/mac/drawingml/2011/main" val="1"/>
             </a:ext>
           </a:extLst>
         </p:spPr>
@@ -34255,7 +34301,7 @@
           </a:ln>
           <a:extLst>
             <a:ext uri="{C572A759-6A51-4108-AA02-DFA0A04FC94B}">
-              <ma14:wrappingTextBoxFlag xmlns:ma14="http://schemas.microsoft.com/office/mac/drawingml/2011/main" xmlns:a14="http://schemas.microsoft.com/office/drawing/2010/main" xmlns:m="http://schemas.openxmlformats.org/officeDocument/2006/math" xmlns="" val="1"/>
+              <ma14:wrappingTextBoxFlag xmlns="" xmlns:m="http://schemas.openxmlformats.org/officeDocument/2006/math" xmlns:a14="http://schemas.microsoft.com/office/drawing/2010/main" xmlns:ma14="http://schemas.microsoft.com/office/mac/drawingml/2011/main" val="1"/>
             </a:ext>
           </a:extLst>
         </p:spPr>
@@ -34359,7 +34405,7 @@
           </a:ln>
           <a:extLst>
             <a:ext uri="{C572A759-6A51-4108-AA02-DFA0A04FC94B}">
-              <ma14:wrappingTextBoxFlag xmlns:ma14="http://schemas.microsoft.com/office/mac/drawingml/2011/main" xmlns:a14="http://schemas.microsoft.com/office/drawing/2010/main" xmlns:m="http://schemas.openxmlformats.org/officeDocument/2006/math" xmlns="" val="1"/>
+              <ma14:wrappingTextBoxFlag xmlns="" xmlns:m="http://schemas.openxmlformats.org/officeDocument/2006/math" xmlns:a14="http://schemas.microsoft.com/office/drawing/2010/main" xmlns:ma14="http://schemas.microsoft.com/office/mac/drawingml/2011/main" val="1"/>
             </a:ext>
           </a:extLst>
         </p:spPr>
@@ -34434,7 +34480,7 @@
           </a:ln>
           <a:extLst>
             <a:ext uri="{C572A759-6A51-4108-AA02-DFA0A04FC94B}">
-              <ma14:wrappingTextBoxFlag xmlns:ma14="http://schemas.microsoft.com/office/mac/drawingml/2011/main" xmlns:a14="http://schemas.microsoft.com/office/drawing/2010/main" xmlns:m="http://schemas.openxmlformats.org/officeDocument/2006/math" xmlns="" val="1"/>
+              <ma14:wrappingTextBoxFlag xmlns="" xmlns:m="http://schemas.openxmlformats.org/officeDocument/2006/math" xmlns:a14="http://schemas.microsoft.com/office/drawing/2010/main" xmlns:ma14="http://schemas.microsoft.com/office/mac/drawingml/2011/main" val="1"/>
             </a:ext>
           </a:extLst>
         </p:spPr>
@@ -34473,7 +34519,7 @@
           </a:ln>
           <a:extLst>
             <a:ext uri="{C572A759-6A51-4108-AA02-DFA0A04FC94B}">
-              <ma14:wrappingTextBoxFlag xmlns:ma14="http://schemas.microsoft.com/office/mac/drawingml/2011/main" xmlns:a14="http://schemas.microsoft.com/office/drawing/2010/main" xmlns:m="http://schemas.openxmlformats.org/officeDocument/2006/math" xmlns="" val="1"/>
+              <ma14:wrappingTextBoxFlag xmlns="" xmlns:m="http://schemas.openxmlformats.org/officeDocument/2006/math" xmlns:a14="http://schemas.microsoft.com/office/drawing/2010/main" xmlns:ma14="http://schemas.microsoft.com/office/mac/drawingml/2011/main" val="1"/>
             </a:ext>
           </a:extLst>
         </p:spPr>
@@ -34512,7 +34558,7 @@
           </a:ln>
           <a:extLst>
             <a:ext uri="{C572A759-6A51-4108-AA02-DFA0A04FC94B}">
-              <ma14:wrappingTextBoxFlag xmlns:ma14="http://schemas.microsoft.com/office/mac/drawingml/2011/main" xmlns:a14="http://schemas.microsoft.com/office/drawing/2010/main" xmlns:m="http://schemas.openxmlformats.org/officeDocument/2006/math" xmlns="" val="1"/>
+              <ma14:wrappingTextBoxFlag xmlns="" xmlns:m="http://schemas.openxmlformats.org/officeDocument/2006/math" xmlns:a14="http://schemas.microsoft.com/office/drawing/2010/main" xmlns:ma14="http://schemas.microsoft.com/office/mac/drawingml/2011/main" val="1"/>
             </a:ext>
           </a:extLst>
         </p:spPr>
@@ -34551,7 +34597,7 @@
           </a:ln>
           <a:extLst>
             <a:ext uri="{C572A759-6A51-4108-AA02-DFA0A04FC94B}">
-              <ma14:wrappingTextBoxFlag xmlns:ma14="http://schemas.microsoft.com/office/mac/drawingml/2011/main" xmlns:a14="http://schemas.microsoft.com/office/drawing/2010/main" xmlns:m="http://schemas.openxmlformats.org/officeDocument/2006/math" xmlns="" val="1"/>
+              <ma14:wrappingTextBoxFlag xmlns="" xmlns:m="http://schemas.openxmlformats.org/officeDocument/2006/math" xmlns:a14="http://schemas.microsoft.com/office/drawing/2010/main" xmlns:ma14="http://schemas.microsoft.com/office/mac/drawingml/2011/main" val="1"/>
             </a:ext>
           </a:extLst>
         </p:spPr>
@@ -34590,7 +34636,7 @@
           </a:ln>
           <a:extLst>
             <a:ext uri="{C572A759-6A51-4108-AA02-DFA0A04FC94B}">
-              <ma14:wrappingTextBoxFlag xmlns:ma14="http://schemas.microsoft.com/office/mac/drawingml/2011/main" xmlns:a14="http://schemas.microsoft.com/office/drawing/2010/main" xmlns:m="http://schemas.openxmlformats.org/officeDocument/2006/math" xmlns="" val="1"/>
+              <ma14:wrappingTextBoxFlag xmlns="" xmlns:m="http://schemas.openxmlformats.org/officeDocument/2006/math" xmlns:a14="http://schemas.microsoft.com/office/drawing/2010/main" xmlns:ma14="http://schemas.microsoft.com/office/mac/drawingml/2011/main" val="1"/>
             </a:ext>
           </a:extLst>
         </p:spPr>
@@ -34629,7 +34675,7 @@
           </a:ln>
           <a:extLst>
             <a:ext uri="{C572A759-6A51-4108-AA02-DFA0A04FC94B}">
-              <ma14:wrappingTextBoxFlag xmlns:ma14="http://schemas.microsoft.com/office/mac/drawingml/2011/main" xmlns:a14="http://schemas.microsoft.com/office/drawing/2010/main" xmlns:m="http://schemas.openxmlformats.org/officeDocument/2006/math" xmlns="" val="1"/>
+              <ma14:wrappingTextBoxFlag xmlns="" xmlns:m="http://schemas.openxmlformats.org/officeDocument/2006/math" xmlns:a14="http://schemas.microsoft.com/office/drawing/2010/main" xmlns:ma14="http://schemas.microsoft.com/office/mac/drawingml/2011/main" val="1"/>
             </a:ext>
           </a:extLst>
         </p:spPr>
@@ -34676,7 +34722,7 @@
           </a:ln>
           <a:extLst>
             <a:ext uri="{C572A759-6A51-4108-AA02-DFA0A04FC94B}">
-              <ma14:wrappingTextBoxFlag xmlns:ma14="http://schemas.microsoft.com/office/mac/drawingml/2011/main" xmlns:a14="http://schemas.microsoft.com/office/drawing/2010/main" xmlns:m="http://schemas.openxmlformats.org/officeDocument/2006/math" xmlns="" val="1"/>
+              <ma14:wrappingTextBoxFlag xmlns="" xmlns:m="http://schemas.openxmlformats.org/officeDocument/2006/math" xmlns:a14="http://schemas.microsoft.com/office/drawing/2010/main" xmlns:ma14="http://schemas.microsoft.com/office/mac/drawingml/2011/main" val="1"/>
             </a:ext>
           </a:extLst>
         </p:spPr>
@@ -34723,7 +34769,7 @@
           </a:ln>
           <a:extLst>
             <a:ext uri="{C572A759-6A51-4108-AA02-DFA0A04FC94B}">
-              <ma14:wrappingTextBoxFlag xmlns:ma14="http://schemas.microsoft.com/office/mac/drawingml/2011/main" xmlns:a14="http://schemas.microsoft.com/office/drawing/2010/main" xmlns:m="http://schemas.openxmlformats.org/officeDocument/2006/math" xmlns="" val="1"/>
+              <ma14:wrappingTextBoxFlag xmlns="" xmlns:m="http://schemas.openxmlformats.org/officeDocument/2006/math" xmlns:a14="http://schemas.microsoft.com/office/drawing/2010/main" xmlns:ma14="http://schemas.microsoft.com/office/mac/drawingml/2011/main" val="1"/>
             </a:ext>
           </a:extLst>
         </p:spPr>
@@ -34797,7 +34843,7 @@
           </a:ln>
           <a:extLst>
             <a:ext uri="{C572A759-6A51-4108-AA02-DFA0A04FC94B}">
-              <ma14:wrappingTextBoxFlag xmlns:ma14="http://schemas.microsoft.com/office/mac/drawingml/2011/main" xmlns:a14="http://schemas.microsoft.com/office/drawing/2010/main" xmlns:m="http://schemas.openxmlformats.org/officeDocument/2006/math" xmlns="" val="1"/>
+              <ma14:wrappingTextBoxFlag xmlns="" xmlns:m="http://schemas.openxmlformats.org/officeDocument/2006/math" xmlns:a14="http://schemas.microsoft.com/office/drawing/2010/main" xmlns:ma14="http://schemas.microsoft.com/office/mac/drawingml/2011/main" val="1"/>
             </a:ext>
           </a:extLst>
         </p:spPr>
@@ -34833,7 +34879,7 @@
           </a:prstGeom>
           <a:extLst>
             <a:ext uri="{C572A759-6A51-4108-AA02-DFA0A04FC94B}">
-              <ma14:wrappingTextBoxFlag xmlns:ma14="http://schemas.microsoft.com/office/mac/drawingml/2011/main" xmlns:a14="http://schemas.microsoft.com/office/drawing/2010/main" xmlns:m="http://schemas.openxmlformats.org/officeDocument/2006/math" xmlns="" val="1"/>
+              <ma14:wrappingTextBoxFlag xmlns="" xmlns:m="http://schemas.openxmlformats.org/officeDocument/2006/math" xmlns:a14="http://schemas.microsoft.com/office/drawing/2010/main" xmlns:ma14="http://schemas.microsoft.com/office/mac/drawingml/2011/main" val="1"/>
             </a:ext>
           </a:extLst>
         </p:spPr>
@@ -34926,7 +34972,7 @@
           </a:ln>
           <a:extLst>
             <a:ext uri="{C572A759-6A51-4108-AA02-DFA0A04FC94B}">
-              <ma14:wrappingTextBoxFlag xmlns:ma14="http://schemas.microsoft.com/office/mac/drawingml/2011/main" xmlns:a14="http://schemas.microsoft.com/office/drawing/2010/main" xmlns:m="http://schemas.openxmlformats.org/officeDocument/2006/math" xmlns="" val="1"/>
+              <ma14:wrappingTextBoxFlag xmlns="" xmlns:m="http://schemas.openxmlformats.org/officeDocument/2006/math" xmlns:a14="http://schemas.microsoft.com/office/drawing/2010/main" xmlns:ma14="http://schemas.microsoft.com/office/mac/drawingml/2011/main" val="1"/>
             </a:ext>
           </a:extLst>
         </p:spPr>
@@ -34969,7 +35015,7 @@
           </a:ln>
           <a:extLst>
             <a:ext uri="{C572A759-6A51-4108-AA02-DFA0A04FC94B}">
-              <ma14:wrappingTextBoxFlag xmlns:ma14="http://schemas.microsoft.com/office/mac/drawingml/2011/main" xmlns:a14="http://schemas.microsoft.com/office/drawing/2010/main" xmlns:m="http://schemas.openxmlformats.org/officeDocument/2006/math" xmlns="" val="1"/>
+              <ma14:wrappingTextBoxFlag xmlns="" xmlns:m="http://schemas.openxmlformats.org/officeDocument/2006/math" xmlns:a14="http://schemas.microsoft.com/office/drawing/2010/main" xmlns:ma14="http://schemas.microsoft.com/office/mac/drawingml/2011/main" val="1"/>
             </a:ext>
           </a:extLst>
         </p:spPr>
@@ -35012,7 +35058,7 @@
           </a:ln>
           <a:extLst>
             <a:ext uri="{C572A759-6A51-4108-AA02-DFA0A04FC94B}">
-              <ma14:wrappingTextBoxFlag xmlns:ma14="http://schemas.microsoft.com/office/mac/drawingml/2011/main" xmlns:a14="http://schemas.microsoft.com/office/drawing/2010/main" xmlns:m="http://schemas.openxmlformats.org/officeDocument/2006/math" xmlns="" val="1"/>
+              <ma14:wrappingTextBoxFlag xmlns="" xmlns:m="http://schemas.openxmlformats.org/officeDocument/2006/math" xmlns:a14="http://schemas.microsoft.com/office/drawing/2010/main" xmlns:ma14="http://schemas.microsoft.com/office/mac/drawingml/2011/main" val="1"/>
             </a:ext>
           </a:extLst>
         </p:spPr>
@@ -35055,7 +35101,7 @@
           </a:ln>
           <a:extLst>
             <a:ext uri="{C572A759-6A51-4108-AA02-DFA0A04FC94B}">
-              <ma14:wrappingTextBoxFlag xmlns:ma14="http://schemas.microsoft.com/office/mac/drawingml/2011/main" xmlns:a14="http://schemas.microsoft.com/office/drawing/2010/main" xmlns:m="http://schemas.openxmlformats.org/officeDocument/2006/math" xmlns="" val="1"/>
+              <ma14:wrappingTextBoxFlag xmlns="" xmlns:m="http://schemas.openxmlformats.org/officeDocument/2006/math" xmlns:a14="http://schemas.microsoft.com/office/drawing/2010/main" xmlns:ma14="http://schemas.microsoft.com/office/mac/drawingml/2011/main" val="1"/>
             </a:ext>
           </a:extLst>
         </p:spPr>
@@ -35098,7 +35144,7 @@
           </a:ln>
           <a:extLst>
             <a:ext uri="{C572A759-6A51-4108-AA02-DFA0A04FC94B}">
-              <ma14:wrappingTextBoxFlag xmlns:ma14="http://schemas.microsoft.com/office/mac/drawingml/2011/main" xmlns:a14="http://schemas.microsoft.com/office/drawing/2010/main" xmlns:m="http://schemas.openxmlformats.org/officeDocument/2006/math" xmlns="" val="1"/>
+              <ma14:wrappingTextBoxFlag xmlns="" xmlns:m="http://schemas.openxmlformats.org/officeDocument/2006/math" xmlns:a14="http://schemas.microsoft.com/office/drawing/2010/main" xmlns:ma14="http://schemas.microsoft.com/office/mac/drawingml/2011/main" val="1"/>
             </a:ext>
           </a:extLst>
         </p:spPr>
@@ -35371,7 +35417,7 @@
           </a:ln>
           <a:extLst>
             <a:ext uri="{C572A759-6A51-4108-AA02-DFA0A04FC94B}">
-              <ma14:wrappingTextBoxFlag xmlns:ma14="http://schemas.microsoft.com/office/mac/drawingml/2011/main" xmlns:a14="http://schemas.microsoft.com/office/drawing/2010/main" xmlns:m="http://schemas.openxmlformats.org/officeDocument/2006/math" xmlns="" val="1"/>
+              <ma14:wrappingTextBoxFlag xmlns="" xmlns:m="http://schemas.openxmlformats.org/officeDocument/2006/math" xmlns:a14="http://schemas.microsoft.com/office/drawing/2010/main" xmlns:ma14="http://schemas.microsoft.com/office/mac/drawingml/2011/main" val="1"/>
             </a:ext>
           </a:extLst>
         </p:spPr>
@@ -35517,7 +35563,7 @@
           </a:ln>
           <a:extLst>
             <a:ext uri="{C572A759-6A51-4108-AA02-DFA0A04FC94B}">
-              <ma14:wrappingTextBoxFlag xmlns:ma14="http://schemas.microsoft.com/office/mac/drawingml/2011/main" xmlns:a14="http://schemas.microsoft.com/office/drawing/2010/main" xmlns:m="http://schemas.openxmlformats.org/officeDocument/2006/math" xmlns="" val="1"/>
+              <ma14:wrappingTextBoxFlag xmlns="" xmlns:m="http://schemas.openxmlformats.org/officeDocument/2006/math" xmlns:a14="http://schemas.microsoft.com/office/drawing/2010/main" xmlns:ma14="http://schemas.microsoft.com/office/mac/drawingml/2011/main" val="1"/>
             </a:ext>
           </a:extLst>
         </p:spPr>
@@ -35773,7 +35819,7 @@
           </a:ln>
           <a:extLst>
             <a:ext uri="{C572A759-6A51-4108-AA02-DFA0A04FC94B}">
-              <ma14:wrappingTextBoxFlag xmlns:ma14="http://schemas.microsoft.com/office/mac/drawingml/2011/main" xmlns:a14="http://schemas.microsoft.com/office/drawing/2010/main" xmlns:m="http://schemas.openxmlformats.org/officeDocument/2006/math" xmlns="" val="1"/>
+              <ma14:wrappingTextBoxFlag xmlns="" xmlns:m="http://schemas.openxmlformats.org/officeDocument/2006/math" xmlns:a14="http://schemas.microsoft.com/office/drawing/2010/main" xmlns:ma14="http://schemas.microsoft.com/office/mac/drawingml/2011/main" val="1"/>
             </a:ext>
           </a:extLst>
         </p:spPr>
@@ -35812,7 +35858,7 @@
           </a:ln>
           <a:extLst>
             <a:ext uri="{C572A759-6A51-4108-AA02-DFA0A04FC94B}">
-              <ma14:wrappingTextBoxFlag xmlns:ma14="http://schemas.microsoft.com/office/mac/drawingml/2011/main" xmlns:a14="http://schemas.microsoft.com/office/drawing/2010/main" xmlns:m="http://schemas.openxmlformats.org/officeDocument/2006/math" xmlns="" val="1"/>
+              <ma14:wrappingTextBoxFlag xmlns="" xmlns:m="http://schemas.openxmlformats.org/officeDocument/2006/math" xmlns:a14="http://schemas.microsoft.com/office/drawing/2010/main" xmlns:ma14="http://schemas.microsoft.com/office/mac/drawingml/2011/main" val="1"/>
             </a:ext>
           </a:extLst>
         </p:spPr>
@@ -35916,7 +35962,7 @@
           </a:ln>
           <a:extLst>
             <a:ext uri="{C572A759-6A51-4108-AA02-DFA0A04FC94B}">
-              <ma14:wrappingTextBoxFlag xmlns:ma14="http://schemas.microsoft.com/office/mac/drawingml/2011/main" xmlns:a14="http://schemas.microsoft.com/office/drawing/2010/main" xmlns:m="http://schemas.openxmlformats.org/officeDocument/2006/math" xmlns="" val="1"/>
+              <ma14:wrappingTextBoxFlag xmlns="" xmlns:m="http://schemas.openxmlformats.org/officeDocument/2006/math" xmlns:a14="http://schemas.microsoft.com/office/drawing/2010/main" xmlns:ma14="http://schemas.microsoft.com/office/mac/drawingml/2011/main" val="1"/>
             </a:ext>
           </a:extLst>
         </p:spPr>
@@ -35991,7 +36037,7 @@
           </a:ln>
           <a:extLst>
             <a:ext uri="{C572A759-6A51-4108-AA02-DFA0A04FC94B}">
-              <ma14:wrappingTextBoxFlag xmlns:ma14="http://schemas.microsoft.com/office/mac/drawingml/2011/main" xmlns:a14="http://schemas.microsoft.com/office/drawing/2010/main" xmlns:m="http://schemas.openxmlformats.org/officeDocument/2006/math" xmlns="" val="1"/>
+              <ma14:wrappingTextBoxFlag xmlns="" xmlns:m="http://schemas.openxmlformats.org/officeDocument/2006/math" xmlns:a14="http://schemas.microsoft.com/office/drawing/2010/main" xmlns:ma14="http://schemas.microsoft.com/office/mac/drawingml/2011/main" val="1"/>
             </a:ext>
           </a:extLst>
         </p:spPr>
@@ -36030,7 +36076,7 @@
           </a:ln>
           <a:extLst>
             <a:ext uri="{C572A759-6A51-4108-AA02-DFA0A04FC94B}">
-              <ma14:wrappingTextBoxFlag xmlns:ma14="http://schemas.microsoft.com/office/mac/drawingml/2011/main" xmlns:a14="http://schemas.microsoft.com/office/drawing/2010/main" xmlns:m="http://schemas.openxmlformats.org/officeDocument/2006/math" xmlns="" val="1"/>
+              <ma14:wrappingTextBoxFlag xmlns="" xmlns:m="http://schemas.openxmlformats.org/officeDocument/2006/math" xmlns:a14="http://schemas.microsoft.com/office/drawing/2010/main" xmlns:ma14="http://schemas.microsoft.com/office/mac/drawingml/2011/main" val="1"/>
             </a:ext>
           </a:extLst>
         </p:spPr>
@@ -36069,7 +36115,7 @@
           </a:ln>
           <a:extLst>
             <a:ext uri="{C572A759-6A51-4108-AA02-DFA0A04FC94B}">
-              <ma14:wrappingTextBoxFlag xmlns:ma14="http://schemas.microsoft.com/office/mac/drawingml/2011/main" xmlns:a14="http://schemas.microsoft.com/office/drawing/2010/main" xmlns:m="http://schemas.openxmlformats.org/officeDocument/2006/math" xmlns="" val="1"/>
+              <ma14:wrappingTextBoxFlag xmlns="" xmlns:m="http://schemas.openxmlformats.org/officeDocument/2006/math" xmlns:a14="http://schemas.microsoft.com/office/drawing/2010/main" xmlns:ma14="http://schemas.microsoft.com/office/mac/drawingml/2011/main" val="1"/>
             </a:ext>
           </a:extLst>
         </p:spPr>
@@ -36108,7 +36154,7 @@
           </a:ln>
           <a:extLst>
             <a:ext uri="{C572A759-6A51-4108-AA02-DFA0A04FC94B}">
-              <ma14:wrappingTextBoxFlag xmlns:ma14="http://schemas.microsoft.com/office/mac/drawingml/2011/main" xmlns:a14="http://schemas.microsoft.com/office/drawing/2010/main" xmlns:m="http://schemas.openxmlformats.org/officeDocument/2006/math" xmlns="" val="1"/>
+              <ma14:wrappingTextBoxFlag xmlns="" xmlns:m="http://schemas.openxmlformats.org/officeDocument/2006/math" xmlns:a14="http://schemas.microsoft.com/office/drawing/2010/main" xmlns:ma14="http://schemas.microsoft.com/office/mac/drawingml/2011/main" val="1"/>
             </a:ext>
           </a:extLst>
         </p:spPr>
@@ -36147,7 +36193,7 @@
           </a:ln>
           <a:extLst>
             <a:ext uri="{C572A759-6A51-4108-AA02-DFA0A04FC94B}">
-              <ma14:wrappingTextBoxFlag xmlns:ma14="http://schemas.microsoft.com/office/mac/drawingml/2011/main" xmlns:a14="http://schemas.microsoft.com/office/drawing/2010/main" xmlns:m="http://schemas.openxmlformats.org/officeDocument/2006/math" xmlns="" val="1"/>
+              <ma14:wrappingTextBoxFlag xmlns="" xmlns:m="http://schemas.openxmlformats.org/officeDocument/2006/math" xmlns:a14="http://schemas.microsoft.com/office/drawing/2010/main" xmlns:ma14="http://schemas.microsoft.com/office/mac/drawingml/2011/main" val="1"/>
             </a:ext>
           </a:extLst>
         </p:spPr>
@@ -36186,7 +36232,7 @@
           </a:ln>
           <a:extLst>
             <a:ext uri="{C572A759-6A51-4108-AA02-DFA0A04FC94B}">
-              <ma14:wrappingTextBoxFlag xmlns:ma14="http://schemas.microsoft.com/office/mac/drawingml/2011/main" xmlns:a14="http://schemas.microsoft.com/office/drawing/2010/main" xmlns:m="http://schemas.openxmlformats.org/officeDocument/2006/math" xmlns="" val="1"/>
+              <ma14:wrappingTextBoxFlag xmlns="" xmlns:m="http://schemas.openxmlformats.org/officeDocument/2006/math" xmlns:a14="http://schemas.microsoft.com/office/drawing/2010/main" xmlns:ma14="http://schemas.microsoft.com/office/mac/drawingml/2011/main" val="1"/>
             </a:ext>
           </a:extLst>
         </p:spPr>
@@ -36233,7 +36279,7 @@
           </a:ln>
           <a:extLst>
             <a:ext uri="{C572A759-6A51-4108-AA02-DFA0A04FC94B}">
-              <ma14:wrappingTextBoxFlag xmlns:ma14="http://schemas.microsoft.com/office/mac/drawingml/2011/main" xmlns:a14="http://schemas.microsoft.com/office/drawing/2010/main" xmlns:m="http://schemas.openxmlformats.org/officeDocument/2006/math" xmlns="" val="1"/>
+              <ma14:wrappingTextBoxFlag xmlns="" xmlns:m="http://schemas.openxmlformats.org/officeDocument/2006/math" xmlns:a14="http://schemas.microsoft.com/office/drawing/2010/main" xmlns:ma14="http://schemas.microsoft.com/office/mac/drawingml/2011/main" val="1"/>
             </a:ext>
           </a:extLst>
         </p:spPr>
@@ -36280,7 +36326,7 @@
           </a:ln>
           <a:extLst>
             <a:ext uri="{C572A759-6A51-4108-AA02-DFA0A04FC94B}">
-              <ma14:wrappingTextBoxFlag xmlns:ma14="http://schemas.microsoft.com/office/mac/drawingml/2011/main" xmlns:a14="http://schemas.microsoft.com/office/drawing/2010/main" xmlns:m="http://schemas.openxmlformats.org/officeDocument/2006/math" xmlns="" val="1"/>
+              <ma14:wrappingTextBoxFlag xmlns="" xmlns:m="http://schemas.openxmlformats.org/officeDocument/2006/math" xmlns:a14="http://schemas.microsoft.com/office/drawing/2010/main" xmlns:ma14="http://schemas.microsoft.com/office/mac/drawingml/2011/main" val="1"/>
             </a:ext>
           </a:extLst>
         </p:spPr>
@@ -36354,7 +36400,7 @@
           </a:ln>
           <a:extLst>
             <a:ext uri="{C572A759-6A51-4108-AA02-DFA0A04FC94B}">
-              <ma14:wrappingTextBoxFlag xmlns:ma14="http://schemas.microsoft.com/office/mac/drawingml/2011/main" xmlns:a14="http://schemas.microsoft.com/office/drawing/2010/main" xmlns:m="http://schemas.openxmlformats.org/officeDocument/2006/math" xmlns="" val="1"/>
+              <ma14:wrappingTextBoxFlag xmlns="" xmlns:m="http://schemas.openxmlformats.org/officeDocument/2006/math" xmlns:a14="http://schemas.microsoft.com/office/drawing/2010/main" xmlns:ma14="http://schemas.microsoft.com/office/mac/drawingml/2011/main" val="1"/>
             </a:ext>
           </a:extLst>
         </p:spPr>
@@ -36390,7 +36436,7 @@
           </a:prstGeom>
           <a:extLst>
             <a:ext uri="{C572A759-6A51-4108-AA02-DFA0A04FC94B}">
-              <ma14:wrappingTextBoxFlag xmlns:ma14="http://schemas.microsoft.com/office/mac/drawingml/2011/main" xmlns:a14="http://schemas.microsoft.com/office/drawing/2010/main" xmlns:m="http://schemas.openxmlformats.org/officeDocument/2006/math" xmlns="" val="1"/>
+              <ma14:wrappingTextBoxFlag xmlns="" xmlns:m="http://schemas.openxmlformats.org/officeDocument/2006/math" xmlns:a14="http://schemas.microsoft.com/office/drawing/2010/main" xmlns:ma14="http://schemas.microsoft.com/office/mac/drawingml/2011/main" val="1"/>
             </a:ext>
           </a:extLst>
         </p:spPr>
@@ -36483,7 +36529,7 @@
           </a:ln>
           <a:extLst>
             <a:ext uri="{C572A759-6A51-4108-AA02-DFA0A04FC94B}">
-              <ma14:wrappingTextBoxFlag xmlns:ma14="http://schemas.microsoft.com/office/mac/drawingml/2011/main" xmlns:a14="http://schemas.microsoft.com/office/drawing/2010/main" xmlns:m="http://schemas.openxmlformats.org/officeDocument/2006/math" xmlns="" val="1"/>
+              <ma14:wrappingTextBoxFlag xmlns="" xmlns:m="http://schemas.openxmlformats.org/officeDocument/2006/math" xmlns:a14="http://schemas.microsoft.com/office/drawing/2010/main" xmlns:ma14="http://schemas.microsoft.com/office/mac/drawingml/2011/main" val="1"/>
             </a:ext>
           </a:extLst>
         </p:spPr>
@@ -36526,7 +36572,7 @@
           </a:ln>
           <a:extLst>
             <a:ext uri="{C572A759-6A51-4108-AA02-DFA0A04FC94B}">
-              <ma14:wrappingTextBoxFlag xmlns:ma14="http://schemas.microsoft.com/office/mac/drawingml/2011/main" xmlns:a14="http://schemas.microsoft.com/office/drawing/2010/main" xmlns:m="http://schemas.openxmlformats.org/officeDocument/2006/math" xmlns="" val="1"/>
+              <ma14:wrappingTextBoxFlag xmlns="" xmlns:m="http://schemas.openxmlformats.org/officeDocument/2006/math" xmlns:a14="http://schemas.microsoft.com/office/drawing/2010/main" xmlns:ma14="http://schemas.microsoft.com/office/mac/drawingml/2011/main" val="1"/>
             </a:ext>
           </a:extLst>
         </p:spPr>
@@ -36569,7 +36615,7 @@
           </a:ln>
           <a:extLst>
             <a:ext uri="{C572A759-6A51-4108-AA02-DFA0A04FC94B}">
-              <ma14:wrappingTextBoxFlag xmlns:ma14="http://schemas.microsoft.com/office/mac/drawingml/2011/main" xmlns:a14="http://schemas.microsoft.com/office/drawing/2010/main" xmlns:m="http://schemas.openxmlformats.org/officeDocument/2006/math" xmlns="" val="1"/>
+              <ma14:wrappingTextBoxFlag xmlns="" xmlns:m="http://schemas.openxmlformats.org/officeDocument/2006/math" xmlns:a14="http://schemas.microsoft.com/office/drawing/2010/main" xmlns:ma14="http://schemas.microsoft.com/office/mac/drawingml/2011/main" val="1"/>
             </a:ext>
           </a:extLst>
         </p:spPr>
@@ -36612,7 +36658,7 @@
           </a:ln>
           <a:extLst>
             <a:ext uri="{C572A759-6A51-4108-AA02-DFA0A04FC94B}">
-              <ma14:wrappingTextBoxFlag xmlns:ma14="http://schemas.microsoft.com/office/mac/drawingml/2011/main" xmlns:a14="http://schemas.microsoft.com/office/drawing/2010/main" xmlns:m="http://schemas.openxmlformats.org/officeDocument/2006/math" xmlns="" val="1"/>
+              <ma14:wrappingTextBoxFlag xmlns="" xmlns:m="http://schemas.openxmlformats.org/officeDocument/2006/math" xmlns:a14="http://schemas.microsoft.com/office/drawing/2010/main" xmlns:ma14="http://schemas.microsoft.com/office/mac/drawingml/2011/main" val="1"/>
             </a:ext>
           </a:extLst>
         </p:spPr>
@@ -36655,7 +36701,7 @@
           </a:ln>
           <a:extLst>
             <a:ext uri="{C572A759-6A51-4108-AA02-DFA0A04FC94B}">
-              <ma14:wrappingTextBoxFlag xmlns:ma14="http://schemas.microsoft.com/office/mac/drawingml/2011/main" xmlns:a14="http://schemas.microsoft.com/office/drawing/2010/main" xmlns:m="http://schemas.openxmlformats.org/officeDocument/2006/math" xmlns="" val="1"/>
+              <ma14:wrappingTextBoxFlag xmlns="" xmlns:m="http://schemas.openxmlformats.org/officeDocument/2006/math" xmlns:a14="http://schemas.microsoft.com/office/drawing/2010/main" xmlns:ma14="http://schemas.microsoft.com/office/mac/drawingml/2011/main" val="1"/>
             </a:ext>
           </a:extLst>
         </p:spPr>
@@ -36856,7 +36902,7 @@
           </a:ln>
           <a:extLst>
             <a:ext uri="{C572A759-6A51-4108-AA02-DFA0A04FC94B}">
-              <ma14:wrappingTextBoxFlag xmlns:ma14="http://schemas.microsoft.com/office/mac/drawingml/2011/main" xmlns:a14="http://schemas.microsoft.com/office/drawing/2010/main" xmlns:m="http://schemas.openxmlformats.org/officeDocument/2006/math" xmlns="" val="1"/>
+              <ma14:wrappingTextBoxFlag xmlns="" xmlns:m="http://schemas.openxmlformats.org/officeDocument/2006/math" xmlns:a14="http://schemas.microsoft.com/office/drawing/2010/main" xmlns:ma14="http://schemas.microsoft.com/office/mac/drawingml/2011/main" val="1"/>
             </a:ext>
           </a:extLst>
         </p:spPr>
@@ -37000,7 +37046,7 @@
           </a:ln>
           <a:extLst>
             <a:ext uri="{C572A759-6A51-4108-AA02-DFA0A04FC94B}">
-              <ma14:wrappingTextBoxFlag xmlns:ma14="http://schemas.microsoft.com/office/mac/drawingml/2011/main" xmlns:a14="http://schemas.microsoft.com/office/drawing/2010/main" xmlns:m="http://schemas.openxmlformats.org/officeDocument/2006/math" xmlns="" val="1"/>
+              <ma14:wrappingTextBoxFlag xmlns="" xmlns:m="http://schemas.openxmlformats.org/officeDocument/2006/math" xmlns:a14="http://schemas.microsoft.com/office/drawing/2010/main" xmlns:ma14="http://schemas.microsoft.com/office/mac/drawingml/2011/main" val="1"/>
             </a:ext>
           </a:extLst>
         </p:spPr>
@@ -37063,7 +37109,7 @@
           </a:prstGeom>
           <a:extLst>
             <a:ext uri="{C572A759-6A51-4108-AA02-DFA0A04FC94B}">
-              <ma14:wrappingTextBoxFlag xmlns:ma14="http://schemas.microsoft.com/office/mac/drawingml/2011/main" xmlns:a14="http://schemas.microsoft.com/office/drawing/2010/main" xmlns:m="http://schemas.openxmlformats.org/officeDocument/2006/math" xmlns="" val="1"/>
+              <ma14:wrappingTextBoxFlag xmlns="" xmlns:m="http://schemas.openxmlformats.org/officeDocument/2006/math" xmlns:a14="http://schemas.microsoft.com/office/drawing/2010/main" xmlns:ma14="http://schemas.microsoft.com/office/mac/drawingml/2011/main" val="1"/>
             </a:ext>
           </a:extLst>
         </p:spPr>
@@ -37101,7 +37147,7 @@
           </a:ln>
           <a:extLst>
             <a:ext uri="{C572A759-6A51-4108-AA02-DFA0A04FC94B}">
-              <ma14:wrappingTextBoxFlag xmlns:ma14="http://schemas.microsoft.com/office/mac/drawingml/2011/main" xmlns:a14="http://schemas.microsoft.com/office/drawing/2010/main" xmlns:m="http://schemas.openxmlformats.org/officeDocument/2006/math" xmlns="" val="1"/>
+              <ma14:wrappingTextBoxFlag xmlns="" xmlns:m="http://schemas.openxmlformats.org/officeDocument/2006/math" xmlns:a14="http://schemas.microsoft.com/office/drawing/2010/main" xmlns:ma14="http://schemas.microsoft.com/office/mac/drawingml/2011/main" val="1"/>
             </a:ext>
           </a:extLst>
         </p:spPr>
@@ -37144,7 +37190,7 @@
           </a:ln>
           <a:extLst>
             <a:ext uri="{C572A759-6A51-4108-AA02-DFA0A04FC94B}">
-              <ma14:wrappingTextBoxFlag xmlns:ma14="http://schemas.microsoft.com/office/mac/drawingml/2011/main" xmlns:a14="http://schemas.microsoft.com/office/drawing/2010/main" xmlns:m="http://schemas.openxmlformats.org/officeDocument/2006/math" xmlns="" val="1"/>
+              <ma14:wrappingTextBoxFlag xmlns="" xmlns:m="http://schemas.openxmlformats.org/officeDocument/2006/math" xmlns:a14="http://schemas.microsoft.com/office/drawing/2010/main" xmlns:ma14="http://schemas.microsoft.com/office/mac/drawingml/2011/main" val="1"/>
             </a:ext>
           </a:extLst>
         </p:spPr>
@@ -37369,7 +37415,7 @@
           </a:prstGeom>
           <a:extLst>
             <a:ext uri="{C572A759-6A51-4108-AA02-DFA0A04FC94B}">
-              <ma14:wrappingTextBoxFlag xmlns:ma14="http://schemas.microsoft.com/office/mac/drawingml/2011/main" xmlns:a14="http://schemas.microsoft.com/office/drawing/2010/main" xmlns:m="http://schemas.openxmlformats.org/officeDocument/2006/math" xmlns="" val="1"/>
+              <ma14:wrappingTextBoxFlag xmlns="" xmlns:m="http://schemas.openxmlformats.org/officeDocument/2006/math" xmlns:a14="http://schemas.microsoft.com/office/drawing/2010/main" xmlns:ma14="http://schemas.microsoft.com/office/mac/drawingml/2011/main" val="1"/>
             </a:ext>
           </a:extLst>
         </p:spPr>
@@ -37403,7 +37449,7 @@
           </a:ln>
           <a:extLst>
             <a:ext uri="{C572A759-6A51-4108-AA02-DFA0A04FC94B}">
-              <ma14:wrappingTextBoxFlag xmlns:ma14="http://schemas.microsoft.com/office/mac/drawingml/2011/main" xmlns:a14="http://schemas.microsoft.com/office/drawing/2010/main" xmlns:m="http://schemas.openxmlformats.org/officeDocument/2006/math" xmlns="" val="1"/>
+              <ma14:wrappingTextBoxFlag xmlns="" xmlns:m="http://schemas.openxmlformats.org/officeDocument/2006/math" xmlns:a14="http://schemas.microsoft.com/office/drawing/2010/main" xmlns:ma14="http://schemas.microsoft.com/office/mac/drawingml/2011/main" val="1"/>
             </a:ext>
           </a:extLst>
         </p:spPr>
@@ -37578,7 +37624,7 @@
           </a:prstGeom>
           <a:extLst>
             <a:ext uri="{C572A759-6A51-4108-AA02-DFA0A04FC94B}">
-              <ma14:wrappingTextBoxFlag xmlns:ma14="http://schemas.microsoft.com/office/mac/drawingml/2011/main" xmlns:a14="http://schemas.microsoft.com/office/drawing/2010/main" xmlns:m="http://schemas.openxmlformats.org/officeDocument/2006/math" xmlns="" val="1"/>
+              <ma14:wrappingTextBoxFlag xmlns="" xmlns:m="http://schemas.openxmlformats.org/officeDocument/2006/math" xmlns:a14="http://schemas.microsoft.com/office/drawing/2010/main" xmlns:ma14="http://schemas.microsoft.com/office/mac/drawingml/2011/main" val="1"/>
             </a:ext>
           </a:extLst>
         </p:spPr>
@@ -37612,7 +37658,7 @@
           </a:ln>
           <a:extLst>
             <a:ext uri="{C572A759-6A51-4108-AA02-DFA0A04FC94B}">
-              <ma14:wrappingTextBoxFlag xmlns:ma14="http://schemas.microsoft.com/office/mac/drawingml/2011/main" xmlns:a14="http://schemas.microsoft.com/office/drawing/2010/main" xmlns:m="http://schemas.openxmlformats.org/officeDocument/2006/math" xmlns="" val="1"/>
+              <ma14:wrappingTextBoxFlag xmlns="" xmlns:m="http://schemas.openxmlformats.org/officeDocument/2006/math" xmlns:a14="http://schemas.microsoft.com/office/drawing/2010/main" xmlns:ma14="http://schemas.microsoft.com/office/mac/drawingml/2011/main" val="1"/>
             </a:ext>
           </a:extLst>
         </p:spPr>
@@ -37752,7 +37798,7 @@
           </a:prstGeom>
           <a:extLst>
             <a:ext uri="{C572A759-6A51-4108-AA02-DFA0A04FC94B}">
-              <ma14:wrappingTextBoxFlag xmlns:ma14="http://schemas.microsoft.com/office/mac/drawingml/2011/main" xmlns:a14="http://schemas.microsoft.com/office/drawing/2010/main" xmlns:m="http://schemas.openxmlformats.org/officeDocument/2006/math" xmlns="" val="1"/>
+              <ma14:wrappingTextBoxFlag xmlns="" xmlns:m="http://schemas.openxmlformats.org/officeDocument/2006/math" xmlns:a14="http://schemas.microsoft.com/office/drawing/2010/main" xmlns:ma14="http://schemas.microsoft.com/office/mac/drawingml/2011/main" val="1"/>
             </a:ext>
           </a:extLst>
         </p:spPr>
@@ -37786,7 +37832,7 @@
           </a:ln>
           <a:extLst>
             <a:ext uri="{C572A759-6A51-4108-AA02-DFA0A04FC94B}">
-              <ma14:wrappingTextBoxFlag xmlns:ma14="http://schemas.microsoft.com/office/mac/drawingml/2011/main" xmlns:a14="http://schemas.microsoft.com/office/drawing/2010/main" xmlns:m="http://schemas.openxmlformats.org/officeDocument/2006/math" xmlns="" val="1"/>
+              <ma14:wrappingTextBoxFlag xmlns="" xmlns:m="http://schemas.openxmlformats.org/officeDocument/2006/math" xmlns:a14="http://schemas.microsoft.com/office/drawing/2010/main" xmlns:ma14="http://schemas.microsoft.com/office/mac/drawingml/2011/main" val="1"/>
             </a:ext>
           </a:extLst>
         </p:spPr>
@@ -37930,7 +37976,7 @@
           </a:ln>
           <a:extLst>
             <a:ext uri="{C572A759-6A51-4108-AA02-DFA0A04FC94B}">
-              <ma14:wrappingTextBoxFlag xmlns:ma14="http://schemas.microsoft.com/office/mac/drawingml/2011/main" xmlns:a14="http://schemas.microsoft.com/office/drawing/2010/main" xmlns:m="http://schemas.openxmlformats.org/officeDocument/2006/math" xmlns="" val="1"/>
+              <ma14:wrappingTextBoxFlag xmlns="" xmlns:m="http://schemas.openxmlformats.org/officeDocument/2006/math" xmlns:a14="http://schemas.microsoft.com/office/drawing/2010/main" xmlns:ma14="http://schemas.microsoft.com/office/mac/drawingml/2011/main" val="1"/>
             </a:ext>
           </a:extLst>
         </p:spPr>
@@ -38019,7 +38065,7 @@
           </a:prstGeom>
           <a:extLst>
             <a:ext uri="{C572A759-6A51-4108-AA02-DFA0A04FC94B}">
-              <ma14:wrappingTextBoxFlag xmlns:ma14="http://schemas.microsoft.com/office/mac/drawingml/2011/main" xmlns:a14="http://schemas.microsoft.com/office/drawing/2010/main" xmlns:m="http://schemas.openxmlformats.org/officeDocument/2006/math" xmlns="" val="1"/>
+              <ma14:wrappingTextBoxFlag xmlns="" xmlns:m="http://schemas.openxmlformats.org/officeDocument/2006/math" xmlns:a14="http://schemas.microsoft.com/office/drawing/2010/main" xmlns:ma14="http://schemas.microsoft.com/office/mac/drawingml/2011/main" val="1"/>
             </a:ext>
           </a:extLst>
         </p:spPr>
@@ -38053,7 +38099,7 @@
           </a:ln>
           <a:extLst>
             <a:ext uri="{C572A759-6A51-4108-AA02-DFA0A04FC94B}">
-              <ma14:wrappingTextBoxFlag xmlns:ma14="http://schemas.microsoft.com/office/mac/drawingml/2011/main" xmlns:a14="http://schemas.microsoft.com/office/drawing/2010/main" xmlns:m="http://schemas.openxmlformats.org/officeDocument/2006/math" xmlns="" val="1"/>
+              <ma14:wrappingTextBoxFlag xmlns="" xmlns:m="http://schemas.openxmlformats.org/officeDocument/2006/math" xmlns:a14="http://schemas.microsoft.com/office/drawing/2010/main" xmlns:ma14="http://schemas.microsoft.com/office/mac/drawingml/2011/main" val="1"/>
             </a:ext>
           </a:extLst>
         </p:spPr>
@@ -38095,7 +38141,7 @@
           </a:ln>
           <a:extLst>
             <a:ext uri="{C572A759-6A51-4108-AA02-DFA0A04FC94B}">
-              <ma14:wrappingTextBoxFlag xmlns:ma14="http://schemas.microsoft.com/office/mac/drawingml/2011/main" xmlns:a14="http://schemas.microsoft.com/office/drawing/2010/main" xmlns:m="http://schemas.openxmlformats.org/officeDocument/2006/math" xmlns="" val="1"/>
+              <ma14:wrappingTextBoxFlag xmlns="" xmlns:m="http://schemas.openxmlformats.org/officeDocument/2006/math" xmlns:a14="http://schemas.microsoft.com/office/drawing/2010/main" xmlns:ma14="http://schemas.microsoft.com/office/mac/drawingml/2011/main" val="1"/>
             </a:ext>
           </a:extLst>
         </p:spPr>
@@ -38138,7 +38184,7 @@
           </a:ln>
           <a:extLst>
             <a:ext uri="{C572A759-6A51-4108-AA02-DFA0A04FC94B}">
-              <ma14:wrappingTextBoxFlag xmlns:ma14="http://schemas.microsoft.com/office/mac/drawingml/2011/main" xmlns:a14="http://schemas.microsoft.com/office/drawing/2010/main" xmlns:m="http://schemas.openxmlformats.org/officeDocument/2006/math" xmlns="" val="1"/>
+              <ma14:wrappingTextBoxFlag xmlns="" xmlns:m="http://schemas.openxmlformats.org/officeDocument/2006/math" xmlns:a14="http://schemas.microsoft.com/office/drawing/2010/main" xmlns:ma14="http://schemas.microsoft.com/office/mac/drawingml/2011/main" val="1"/>
             </a:ext>
           </a:extLst>
         </p:spPr>
@@ -38177,7 +38223,7 @@
           </a:ln>
           <a:extLst>
             <a:ext uri="{C572A759-6A51-4108-AA02-DFA0A04FC94B}">
-              <ma14:wrappingTextBoxFlag xmlns:ma14="http://schemas.microsoft.com/office/mac/drawingml/2011/main" xmlns:a14="http://schemas.microsoft.com/office/drawing/2010/main" xmlns:m="http://schemas.openxmlformats.org/officeDocument/2006/math" xmlns="" val="1"/>
+              <ma14:wrappingTextBoxFlag xmlns="" xmlns:m="http://schemas.openxmlformats.org/officeDocument/2006/math" xmlns:a14="http://schemas.microsoft.com/office/drawing/2010/main" xmlns:ma14="http://schemas.microsoft.com/office/mac/drawingml/2011/main" val="1"/>
             </a:ext>
           </a:extLst>
         </p:spPr>
@@ -38277,7 +38323,7 @@
           </a:prstGeom>
           <a:extLst>
             <a:ext uri="{C572A759-6A51-4108-AA02-DFA0A04FC94B}">
-              <ma14:wrappingTextBoxFlag xmlns:ma14="http://schemas.microsoft.com/office/mac/drawingml/2011/main" xmlns:a14="http://schemas.microsoft.com/office/drawing/2010/main" xmlns:m="http://schemas.openxmlformats.org/officeDocument/2006/math" xmlns="" val="1"/>
+              <ma14:wrappingTextBoxFlag xmlns="" xmlns:m="http://schemas.openxmlformats.org/officeDocument/2006/math" xmlns:a14="http://schemas.microsoft.com/office/drawing/2010/main" xmlns:ma14="http://schemas.microsoft.com/office/mac/drawingml/2011/main" val="1"/>
             </a:ext>
           </a:extLst>
         </p:spPr>
@@ -38311,7 +38357,7 @@
           </a:ln>
           <a:extLst>
             <a:ext uri="{C572A759-6A51-4108-AA02-DFA0A04FC94B}">
-              <ma14:wrappingTextBoxFlag xmlns:ma14="http://schemas.microsoft.com/office/mac/drawingml/2011/main" xmlns:a14="http://schemas.microsoft.com/office/drawing/2010/main" xmlns:m="http://schemas.openxmlformats.org/officeDocument/2006/math" xmlns="" val="1"/>
+              <ma14:wrappingTextBoxFlag xmlns="" xmlns:m="http://schemas.openxmlformats.org/officeDocument/2006/math" xmlns:a14="http://schemas.microsoft.com/office/drawing/2010/main" xmlns:ma14="http://schemas.microsoft.com/office/mac/drawingml/2011/main" val="1"/>
             </a:ext>
           </a:extLst>
         </p:spPr>
@@ -38353,7 +38399,7 @@
           </a:ln>
           <a:extLst>
             <a:ext uri="{C572A759-6A51-4108-AA02-DFA0A04FC94B}">
-              <ma14:wrappingTextBoxFlag xmlns:ma14="http://schemas.microsoft.com/office/mac/drawingml/2011/main" xmlns:a14="http://schemas.microsoft.com/office/drawing/2010/main" xmlns:m="http://schemas.openxmlformats.org/officeDocument/2006/math" xmlns="" val="1"/>
+              <ma14:wrappingTextBoxFlag xmlns="" xmlns:m="http://schemas.openxmlformats.org/officeDocument/2006/math" xmlns:a14="http://schemas.microsoft.com/office/drawing/2010/main" xmlns:ma14="http://schemas.microsoft.com/office/mac/drawingml/2011/main" val="1"/>
             </a:ext>
           </a:extLst>
         </p:spPr>
@@ -38396,7 +38442,7 @@
           </a:ln>
           <a:extLst>
             <a:ext uri="{C572A759-6A51-4108-AA02-DFA0A04FC94B}">
-              <ma14:wrappingTextBoxFlag xmlns:ma14="http://schemas.microsoft.com/office/mac/drawingml/2011/main" xmlns:a14="http://schemas.microsoft.com/office/drawing/2010/main" xmlns:m="http://schemas.openxmlformats.org/officeDocument/2006/math" xmlns="" val="1"/>
+              <ma14:wrappingTextBoxFlag xmlns="" xmlns:m="http://schemas.openxmlformats.org/officeDocument/2006/math" xmlns:a14="http://schemas.microsoft.com/office/drawing/2010/main" xmlns:ma14="http://schemas.microsoft.com/office/mac/drawingml/2011/main" val="1"/>
             </a:ext>
           </a:extLst>
         </p:spPr>
@@ -38521,7 +38567,7 @@
           </a:ln>
           <a:extLst>
             <a:ext uri="{C572A759-6A51-4108-AA02-DFA0A04FC94B}">
-              <ma14:wrappingTextBoxFlag xmlns:ma14="http://schemas.microsoft.com/office/mac/drawingml/2011/main" xmlns:a14="http://schemas.microsoft.com/office/drawing/2010/main" xmlns:m="http://schemas.openxmlformats.org/officeDocument/2006/math" xmlns="" val="1"/>
+              <ma14:wrappingTextBoxFlag xmlns="" xmlns:m="http://schemas.openxmlformats.org/officeDocument/2006/math" xmlns:a14="http://schemas.microsoft.com/office/drawing/2010/main" xmlns:ma14="http://schemas.microsoft.com/office/mac/drawingml/2011/main" val="1"/>
             </a:ext>
           </a:extLst>
         </p:spPr>
@@ -38571,7 +38617,7 @@
           </a:ln>
           <a:extLst>
             <a:ext uri="{C572A759-6A51-4108-AA02-DFA0A04FC94B}">
-              <ma14:wrappingTextBoxFlag xmlns:ma14="http://schemas.microsoft.com/office/mac/drawingml/2011/main" xmlns:a14="http://schemas.microsoft.com/office/drawing/2010/main" xmlns:m="http://schemas.openxmlformats.org/officeDocument/2006/math" xmlns="" val="1"/>
+              <ma14:wrappingTextBoxFlag xmlns="" xmlns:m="http://schemas.openxmlformats.org/officeDocument/2006/math" xmlns:a14="http://schemas.microsoft.com/office/drawing/2010/main" xmlns:ma14="http://schemas.microsoft.com/office/mac/drawingml/2011/main" val="1"/>
             </a:ext>
           </a:extLst>
         </p:spPr>
@@ -38618,7 +38664,7 @@
           </a:ln>
           <a:extLst>
             <a:ext uri="{C572A759-6A51-4108-AA02-DFA0A04FC94B}">
-              <ma14:wrappingTextBoxFlag xmlns:ma14="http://schemas.microsoft.com/office/mac/drawingml/2011/main" xmlns:a14="http://schemas.microsoft.com/office/drawing/2010/main" xmlns:m="http://schemas.openxmlformats.org/officeDocument/2006/math" xmlns="" val="1"/>
+              <ma14:wrappingTextBoxFlag xmlns="" xmlns:m="http://schemas.openxmlformats.org/officeDocument/2006/math" xmlns:a14="http://schemas.microsoft.com/office/drawing/2010/main" xmlns:ma14="http://schemas.microsoft.com/office/mac/drawingml/2011/main" val="1"/>
             </a:ext>
           </a:extLst>
         </p:spPr>
@@ -38687,7 +38733,7 @@
           </a:ln>
           <a:extLst>
             <a:ext uri="{C572A759-6A51-4108-AA02-DFA0A04FC94B}">
-              <ma14:wrappingTextBoxFlag xmlns:ma14="http://schemas.microsoft.com/office/mac/drawingml/2011/main" xmlns:a14="http://schemas.microsoft.com/office/drawing/2010/main" xmlns:m="http://schemas.openxmlformats.org/officeDocument/2006/math" xmlns="" val="1"/>
+              <ma14:wrappingTextBoxFlag xmlns="" xmlns:m="http://schemas.openxmlformats.org/officeDocument/2006/math" xmlns:a14="http://schemas.microsoft.com/office/drawing/2010/main" xmlns:ma14="http://schemas.microsoft.com/office/mac/drawingml/2011/main" val="1"/>
             </a:ext>
           </a:extLst>
         </p:spPr>
@@ -38723,7 +38769,7 @@
           </a:prstGeom>
           <a:extLst>
             <a:ext uri="{C572A759-6A51-4108-AA02-DFA0A04FC94B}">
-              <ma14:wrappingTextBoxFlag xmlns:ma14="http://schemas.microsoft.com/office/mac/drawingml/2011/main" xmlns:a14="http://schemas.microsoft.com/office/drawing/2010/main" xmlns:m="http://schemas.openxmlformats.org/officeDocument/2006/math" xmlns="" val="1"/>
+              <ma14:wrappingTextBoxFlag xmlns="" xmlns:m="http://schemas.openxmlformats.org/officeDocument/2006/math" xmlns:a14="http://schemas.microsoft.com/office/drawing/2010/main" xmlns:ma14="http://schemas.microsoft.com/office/mac/drawingml/2011/main" val="1"/>
             </a:ext>
           </a:extLst>
         </p:spPr>
@@ -38761,7 +38807,7 @@
           </a:ln>
           <a:extLst>
             <a:ext uri="{C572A759-6A51-4108-AA02-DFA0A04FC94B}">
-              <ma14:wrappingTextBoxFlag xmlns:ma14="http://schemas.microsoft.com/office/mac/drawingml/2011/main" xmlns:a14="http://schemas.microsoft.com/office/drawing/2010/main" xmlns:m="http://schemas.openxmlformats.org/officeDocument/2006/math" xmlns="" val="1"/>
+              <ma14:wrappingTextBoxFlag xmlns="" xmlns:m="http://schemas.openxmlformats.org/officeDocument/2006/math" xmlns:a14="http://schemas.microsoft.com/office/drawing/2010/main" xmlns:ma14="http://schemas.microsoft.com/office/mac/drawingml/2011/main" val="1"/>
             </a:ext>
           </a:extLst>
         </p:spPr>
@@ -38874,7 +38920,7 @@
               </a:ln>
               <a:extLst>
                 <a:ext uri="{C572A759-6A51-4108-AA02-DFA0A04FC94B}">
-                  <ma14:wrappingTextBoxFlag xmlns:ma14="http://schemas.microsoft.com/office/mac/drawingml/2011/main" xmlns:m="http://schemas.openxmlformats.org/officeDocument/2006/math" xmlns="" val="1"/>
+                  <ma14:wrappingTextBoxFlag xmlns="" xmlns:m="http://schemas.openxmlformats.org/officeDocument/2006/math" xmlns:ma14="http://schemas.microsoft.com/office/mac/drawingml/2011/main" val="1"/>
                 </a:ext>
               </a:extLst>
             </p:spPr>
@@ -39086,7 +39132,7 @@
               </a:ln>
               <a:extLst>
                 <a:ext uri="{C572A759-6A51-4108-AA02-DFA0A04FC94B}">
-                  <ma14:wrappingTextBoxFlag xmlns:ma14="http://schemas.microsoft.com/office/mac/drawingml/2011/main" xmlns:a14="http://schemas.microsoft.com/office/drawing/2010/main" xmlns:m="http://schemas.openxmlformats.org/officeDocument/2006/math" xmlns="" val="1"/>
+                  <ma14:wrappingTextBoxFlag xmlns:a14="http://schemas.microsoft.com/office/drawing/2010/main" xmlns:ma14="http://schemas.microsoft.com/office/mac/drawingml/2011/main" xmlns:m="http://schemas.openxmlformats.org/officeDocument/2006/math" xmlns="" val="1"/>
                 </a:ext>
               </a:extLst>
             </p:spPr>
@@ -39124,7 +39170,7 @@
           </a:ln>
           <a:extLst>
             <a:ext uri="{C572A759-6A51-4108-AA02-DFA0A04FC94B}">
-              <ma14:wrappingTextBoxFlag xmlns:ma14="http://schemas.microsoft.com/office/mac/drawingml/2011/main" xmlns:a14="http://schemas.microsoft.com/office/drawing/2010/main" xmlns:m="http://schemas.openxmlformats.org/officeDocument/2006/math" xmlns="" val="1"/>
+              <ma14:wrappingTextBoxFlag xmlns="" xmlns:m="http://schemas.openxmlformats.org/officeDocument/2006/math" xmlns:a14="http://schemas.microsoft.com/office/drawing/2010/main" xmlns:ma14="http://schemas.microsoft.com/office/mac/drawingml/2011/main" val="1"/>
             </a:ext>
           </a:extLst>
         </p:spPr>
@@ -39165,7 +39211,7 @@
               </a:ln>
               <a:extLst>
                 <a:ext uri="{C572A759-6A51-4108-AA02-DFA0A04FC94B}">
-                  <ma14:wrappingTextBoxFlag xmlns:ma14="http://schemas.microsoft.com/office/mac/drawingml/2011/main" xmlns:m="http://schemas.openxmlformats.org/officeDocument/2006/math" xmlns="" val="1"/>
+                  <ma14:wrappingTextBoxFlag xmlns="" xmlns:m="http://schemas.openxmlformats.org/officeDocument/2006/math" xmlns:ma14="http://schemas.microsoft.com/office/mac/drawingml/2011/main" val="1"/>
                 </a:ext>
               </a:extLst>
             </p:spPr>
@@ -39487,7 +39533,7 @@
               </a:ln>
               <a:extLst>
                 <a:ext uri="{C572A759-6A51-4108-AA02-DFA0A04FC94B}">
-                  <ma14:wrappingTextBoxFlag xmlns:ma14="http://schemas.microsoft.com/office/mac/drawingml/2011/main" xmlns:a14="http://schemas.microsoft.com/office/drawing/2010/main" xmlns:m="http://schemas.openxmlformats.org/officeDocument/2006/math" xmlns="" val="1"/>
+                  <ma14:wrappingTextBoxFlag xmlns:a14="http://schemas.microsoft.com/office/drawing/2010/main" xmlns:ma14="http://schemas.microsoft.com/office/mac/drawingml/2011/main" xmlns:m="http://schemas.openxmlformats.org/officeDocument/2006/math" xmlns="" val="1"/>
                 </a:ext>
               </a:extLst>
             </p:spPr>
@@ -39527,7 +39573,7 @@
               </a:ln>
               <a:extLst>
                 <a:ext uri="{C572A759-6A51-4108-AA02-DFA0A04FC94B}">
-                  <ma14:wrappingTextBoxFlag xmlns:ma14="http://schemas.microsoft.com/office/mac/drawingml/2011/main" xmlns:m="http://schemas.openxmlformats.org/officeDocument/2006/math" xmlns="" val="1"/>
+                  <ma14:wrappingTextBoxFlag xmlns="" xmlns:m="http://schemas.openxmlformats.org/officeDocument/2006/math" xmlns:ma14="http://schemas.microsoft.com/office/mac/drawingml/2011/main" val="1"/>
                 </a:ext>
               </a:extLst>
             </p:spPr>
@@ -39692,7 +39738,7 @@
               </a:ln>
               <a:extLst>
                 <a:ext uri="{C572A759-6A51-4108-AA02-DFA0A04FC94B}">
-                  <ma14:wrappingTextBoxFlag xmlns:ma14="http://schemas.microsoft.com/office/mac/drawingml/2011/main" xmlns:a14="http://schemas.microsoft.com/office/drawing/2010/main" xmlns:m="http://schemas.openxmlformats.org/officeDocument/2006/math" xmlns="" val="1"/>
+                  <ma14:wrappingTextBoxFlag xmlns:a14="http://schemas.microsoft.com/office/drawing/2010/main" xmlns:ma14="http://schemas.microsoft.com/office/mac/drawingml/2011/main" xmlns:m="http://schemas.openxmlformats.org/officeDocument/2006/math" xmlns="" val="1"/>
                 </a:ext>
               </a:extLst>
             </p:spPr>
@@ -39730,7 +39776,7 @@
           </a:ln>
           <a:extLst>
             <a:ext uri="{C572A759-6A51-4108-AA02-DFA0A04FC94B}">
-              <ma14:wrappingTextBoxFlag xmlns:ma14="http://schemas.microsoft.com/office/mac/drawingml/2011/main" xmlns:a14="http://schemas.microsoft.com/office/drawing/2010/main" xmlns:m="http://schemas.openxmlformats.org/officeDocument/2006/math" xmlns="" val="1"/>
+              <ma14:wrappingTextBoxFlag xmlns="" xmlns:m="http://schemas.openxmlformats.org/officeDocument/2006/math" xmlns:a14="http://schemas.microsoft.com/office/drawing/2010/main" xmlns:ma14="http://schemas.microsoft.com/office/mac/drawingml/2011/main" val="1"/>
             </a:ext>
           </a:extLst>
         </p:spPr>
@@ -39792,7 +39838,7 @@
           </a:prstGeom>
           <a:extLst>
             <a:ext uri="{C572A759-6A51-4108-AA02-DFA0A04FC94B}">
-              <ma14:wrappingTextBoxFlag xmlns:ma14="http://schemas.microsoft.com/office/mac/drawingml/2011/main" xmlns:a14="http://schemas.microsoft.com/office/drawing/2010/main" xmlns:m="http://schemas.openxmlformats.org/officeDocument/2006/math" xmlns="" val="1"/>
+              <ma14:wrappingTextBoxFlag xmlns="" xmlns:m="http://schemas.openxmlformats.org/officeDocument/2006/math" xmlns:a14="http://schemas.microsoft.com/office/drawing/2010/main" xmlns:ma14="http://schemas.microsoft.com/office/mac/drawingml/2011/main" val="1"/>
             </a:ext>
           </a:extLst>
         </p:spPr>
@@ -39826,7 +39872,7 @@
           </a:ln>
           <a:extLst>
             <a:ext uri="{C572A759-6A51-4108-AA02-DFA0A04FC94B}">
-              <ma14:wrappingTextBoxFlag xmlns:ma14="http://schemas.microsoft.com/office/mac/drawingml/2011/main" xmlns:a14="http://schemas.microsoft.com/office/drawing/2010/main" xmlns:m="http://schemas.openxmlformats.org/officeDocument/2006/math" xmlns="" val="1"/>
+              <ma14:wrappingTextBoxFlag xmlns="" xmlns:m="http://schemas.openxmlformats.org/officeDocument/2006/math" xmlns:a14="http://schemas.microsoft.com/office/drawing/2010/main" xmlns:ma14="http://schemas.microsoft.com/office/mac/drawingml/2011/main" val="1"/>
             </a:ext>
           </a:extLst>
         </p:spPr>
@@ -39865,7 +39911,7 @@
           </a:ln>
           <a:extLst>
             <a:ext uri="{C572A759-6A51-4108-AA02-DFA0A04FC94B}">
-              <ma14:wrappingTextBoxFlag xmlns:ma14="http://schemas.microsoft.com/office/mac/drawingml/2011/main" xmlns:a14="http://schemas.microsoft.com/office/drawing/2010/main" xmlns:m="http://schemas.openxmlformats.org/officeDocument/2006/math" xmlns="" val="1"/>
+              <ma14:wrappingTextBoxFlag xmlns="" xmlns:m="http://schemas.openxmlformats.org/officeDocument/2006/math" xmlns:a14="http://schemas.microsoft.com/office/drawing/2010/main" xmlns:ma14="http://schemas.microsoft.com/office/mac/drawingml/2011/main" val="1"/>
             </a:ext>
           </a:extLst>
         </p:spPr>
@@ -39970,7 +40016,7 @@
           </a:ln>
           <a:extLst>
             <a:ext uri="{C572A759-6A51-4108-AA02-DFA0A04FC94B}">
-              <ma14:wrappingTextBoxFlag xmlns:ma14="http://schemas.microsoft.com/office/mac/drawingml/2011/main" xmlns:a14="http://schemas.microsoft.com/office/drawing/2010/main" xmlns:m="http://schemas.openxmlformats.org/officeDocument/2006/math" xmlns="" val="1"/>
+              <ma14:wrappingTextBoxFlag xmlns="" xmlns:m="http://schemas.openxmlformats.org/officeDocument/2006/math" xmlns:a14="http://schemas.microsoft.com/office/drawing/2010/main" xmlns:ma14="http://schemas.microsoft.com/office/mac/drawingml/2011/main" val="1"/>
             </a:ext>
           </a:extLst>
         </p:spPr>
@@ -40032,7 +40078,7 @@
           </a:prstGeom>
           <a:extLst>
             <a:ext uri="{C572A759-6A51-4108-AA02-DFA0A04FC94B}">
-              <ma14:wrappingTextBoxFlag xmlns:ma14="http://schemas.microsoft.com/office/mac/drawingml/2011/main" xmlns:a14="http://schemas.microsoft.com/office/drawing/2010/main" xmlns:m="http://schemas.openxmlformats.org/officeDocument/2006/math" xmlns="" val="1"/>
+              <ma14:wrappingTextBoxFlag xmlns="" xmlns:m="http://schemas.openxmlformats.org/officeDocument/2006/math" xmlns:a14="http://schemas.microsoft.com/office/drawing/2010/main" xmlns:ma14="http://schemas.microsoft.com/office/mac/drawingml/2011/main" val="1"/>
             </a:ext>
           </a:extLst>
         </p:spPr>
@@ -40066,7 +40112,7 @@
           </a:ln>
           <a:extLst>
             <a:ext uri="{C572A759-6A51-4108-AA02-DFA0A04FC94B}">
-              <ma14:wrappingTextBoxFlag xmlns:ma14="http://schemas.microsoft.com/office/mac/drawingml/2011/main" xmlns:a14="http://schemas.microsoft.com/office/drawing/2010/main" xmlns:m="http://schemas.openxmlformats.org/officeDocument/2006/math" xmlns="" val="1"/>
+              <ma14:wrappingTextBoxFlag xmlns="" xmlns:m="http://schemas.openxmlformats.org/officeDocument/2006/math" xmlns:a14="http://schemas.microsoft.com/office/drawing/2010/main" xmlns:ma14="http://schemas.microsoft.com/office/mac/drawingml/2011/main" val="1"/>
             </a:ext>
           </a:extLst>
         </p:spPr>
@@ -40105,7 +40151,7 @@
           </a:ln>
           <a:extLst>
             <a:ext uri="{C572A759-6A51-4108-AA02-DFA0A04FC94B}">
-              <ma14:wrappingTextBoxFlag xmlns:ma14="http://schemas.microsoft.com/office/mac/drawingml/2011/main" xmlns:a14="http://schemas.microsoft.com/office/drawing/2010/main" xmlns:m="http://schemas.openxmlformats.org/officeDocument/2006/math" xmlns="" val="1"/>
+              <ma14:wrappingTextBoxFlag xmlns="" xmlns:m="http://schemas.openxmlformats.org/officeDocument/2006/math" xmlns:a14="http://schemas.microsoft.com/office/drawing/2010/main" xmlns:ma14="http://schemas.microsoft.com/office/mac/drawingml/2011/main" val="1"/>
             </a:ext>
           </a:extLst>
         </p:spPr>
@@ -40134,7 +40180,7 @@
         <p:spPr>
           <a:xfrm>
             <a:off x="2788199" y="3200399"/>
-            <a:ext cx="7682402" cy="540554"/>
+            <a:ext cx="7682402" cy="583319"/>
           </a:xfrm>
           <a:prstGeom prst="rect">
             <a:avLst/>
@@ -40144,12 +40190,12 @@
           </a:ln>
           <a:extLst>
             <a:ext uri="{C572A759-6A51-4108-AA02-DFA0A04FC94B}">
-              <ma14:wrappingTextBoxFlag xmlns:ma14="http://schemas.microsoft.com/office/mac/drawingml/2011/main" xmlns:a14="http://schemas.microsoft.com/office/drawing/2010/main" xmlns:m="http://schemas.openxmlformats.org/officeDocument/2006/math" xmlns="" val="1"/>
+              <ma14:wrappingTextBoxFlag xmlns="" xmlns:m="http://schemas.openxmlformats.org/officeDocument/2006/math" xmlns:a14="http://schemas.microsoft.com/office/drawing/2010/main" xmlns:ma14="http://schemas.microsoft.com/office/mac/drawingml/2011/main" val="1"/>
             </a:ext>
           </a:extLst>
         </p:spPr>
         <p:txBody>
-          <a:bodyPr lIns="44999" tIns="44999" rIns="44999" bIns="44999">
+          <a:bodyPr lIns="44999" tIns="44999" rIns="44999" bIns="44999" anchor="t">
             <a:spAutoFit/>
           </a:bodyPr>
           <a:lstStyle>
@@ -40177,19 +40223,126 @@
               </a:defRPr>
             </a:pPr>
             <a:r>
-              <a:rPr u="sng">
-                <a:solidFill>
-                  <a:schemeClr val="accent2"/>
-                </a:solidFill>
+              <a:rPr u="sng" dirty="0">
                 <a:uFill>
                   <a:solidFill>
                     <a:schemeClr val="accent2"/>
                   </a:solidFill>
                 </a:uFill>
-                <a:hlinkClick r:id="rId2"/>
+                <a:hlinkClick r:id="rId3"/>
               </a:rPr>
-              <a:t>https://github.com/McStasMcXtrace/Schools/tree/master/ISIS_April_2021/Tuesday_April_13th/2_Component_Basics/Exercise/</a:t>
-            </a:r>
+              <a:t>https://github.com/McStasMcXtrace/Schools/tree/master/</a:t>
+            </a:r>
+            <a:r>
+              <a:rPr lang="en-US" dirty="0">
+                <a:hlinkClick r:id="rId3"/>
+              </a:rPr>
+              <a:t>ESS</a:t>
+            </a:r>
+            <a:r>
+              <a:rPr u="sng" dirty="0">
+                <a:uFill>
+                  <a:solidFill>
+                    <a:schemeClr val="accent2"/>
+                  </a:solidFill>
+                </a:uFill>
+                <a:hlinkClick r:id="rId3"/>
+              </a:rPr>
+              <a:t>_</a:t>
+            </a:r>
+            <a:r>
+              <a:rPr lang="en-US" dirty="0">
+                <a:hlinkClick r:id="rId3"/>
+              </a:rPr>
+              <a:t>May</a:t>
+            </a:r>
+            <a:r>
+              <a:rPr u="sng" dirty="0">
+                <a:uFill>
+                  <a:solidFill>
+                    <a:schemeClr val="accent2"/>
+                  </a:solidFill>
+                </a:uFill>
+                <a:hlinkClick r:id="rId3"/>
+              </a:rPr>
+              <a:t>_2021/</a:t>
+            </a:r>
+            <a:r>
+              <a:rPr lang="en-US" dirty="0">
+                <a:hlinkClick r:id="rId3"/>
+              </a:rPr>
+              <a:t>Wednesday</a:t>
+            </a:r>
+            <a:r>
+              <a:rPr u="sng" dirty="0">
+                <a:uFill>
+                  <a:solidFill>
+                    <a:schemeClr val="accent2"/>
+                  </a:solidFill>
+                </a:uFill>
+                <a:hlinkClick r:id="rId3"/>
+              </a:rPr>
+              <a:t>_</a:t>
+            </a:r>
+            <a:r>
+              <a:rPr lang="en-US" dirty="0">
+                <a:hlinkClick r:id="rId3"/>
+              </a:rPr>
+              <a:t>May</a:t>
+            </a:r>
+            <a:r>
+              <a:rPr u="sng" dirty="0">
+                <a:uFill>
+                  <a:solidFill>
+                    <a:schemeClr val="accent2"/>
+                  </a:solidFill>
+                </a:uFill>
+                <a:hlinkClick r:id="rId3"/>
+              </a:rPr>
+              <a:t>_</a:t>
+            </a:r>
+            <a:r>
+              <a:rPr lang="en-US" dirty="0">
+                <a:hlinkClick r:id="rId3"/>
+              </a:rPr>
+              <a:t>5th</a:t>
+            </a:r>
+            <a:r>
+              <a:rPr u="sng" dirty="0">
+                <a:uFill>
+                  <a:solidFill>
+                    <a:schemeClr val="accent2"/>
+                  </a:solidFill>
+                </a:uFill>
+                <a:hlinkClick r:id="rId3"/>
+              </a:rPr>
+              <a:t>/2_Component_</a:t>
+            </a:r>
+            <a:r>
+              <a:rPr lang="en-US" dirty="0">
+                <a:hlinkClick r:id="rId3"/>
+              </a:rPr>
+              <a:t>basics</a:t>
+            </a:r>
+            <a:r>
+              <a:rPr u="sng" dirty="0">
+                <a:uFill>
+                  <a:solidFill>
+                    <a:schemeClr val="accent2"/>
+                  </a:solidFill>
+                </a:uFill>
+                <a:hlinkClick r:id="rId3"/>
+              </a:rPr>
+              <a:t>/Exercise</a:t>
+            </a:r>
+            <a:endParaRPr lang="en-US" u="sng" dirty="0">
+              <a:uFill>
+                <a:solidFill>
+                  <a:srgbClr val="2F3EEA"/>
+                </a:solidFill>
+              </a:uFill>
+              <a:hlinkClick r:id="rId3"/>
+            </a:endParaRPr>
           </a:p>
         </p:txBody>
       </p:sp>
@@ -40281,7 +40434,7 @@
           </a:prstGeom>
           <a:extLst>
             <a:ext uri="{C572A759-6A51-4108-AA02-DFA0A04FC94B}">
-              <ma14:wrappingTextBoxFlag xmlns:ma14="http://schemas.microsoft.com/office/mac/drawingml/2011/main" xmlns:a14="http://schemas.microsoft.com/office/drawing/2010/main" xmlns:m="http://schemas.openxmlformats.org/officeDocument/2006/math" xmlns="" val="1"/>
+              <ma14:wrappingTextBoxFlag xmlns="" xmlns:m="http://schemas.openxmlformats.org/officeDocument/2006/math" xmlns:a14="http://schemas.microsoft.com/office/drawing/2010/main" xmlns:ma14="http://schemas.microsoft.com/office/mac/drawingml/2011/main" val="1"/>
             </a:ext>
           </a:extLst>
         </p:spPr>
@@ -40345,7 +40498,7 @@
           </a:ln>
           <a:extLst>
             <a:ext uri="{C572A759-6A51-4108-AA02-DFA0A04FC94B}">
-              <ma14:wrappingTextBoxFlag xmlns:ma14="http://schemas.microsoft.com/office/mac/drawingml/2011/main" xmlns:a14="http://schemas.microsoft.com/office/drawing/2010/main" xmlns:m="http://schemas.openxmlformats.org/officeDocument/2006/math" xmlns="" val="1"/>
+              <ma14:wrappingTextBoxFlag xmlns="" xmlns:m="http://schemas.openxmlformats.org/officeDocument/2006/math" xmlns:a14="http://schemas.microsoft.com/office/drawing/2010/main" xmlns:ma14="http://schemas.microsoft.com/office/mac/drawingml/2011/main" val="1"/>
             </a:ext>
           </a:extLst>
         </p:spPr>
@@ -40381,7 +40534,7 @@
           </a:prstGeom>
           <a:extLst>
             <a:ext uri="{C572A759-6A51-4108-AA02-DFA0A04FC94B}">
-              <ma14:wrappingTextBoxFlag xmlns:ma14="http://schemas.microsoft.com/office/mac/drawingml/2011/main" xmlns:a14="http://schemas.microsoft.com/office/drawing/2010/main" xmlns:m="http://schemas.openxmlformats.org/officeDocument/2006/math" xmlns="" val="1"/>
+              <ma14:wrappingTextBoxFlag xmlns="" xmlns:m="http://schemas.openxmlformats.org/officeDocument/2006/math" xmlns:a14="http://schemas.microsoft.com/office/drawing/2010/main" xmlns:ma14="http://schemas.microsoft.com/office/mac/drawingml/2011/main" val="1"/>
             </a:ext>
           </a:extLst>
         </p:spPr>
@@ -40419,7 +40572,7 @@
           </a:ln>
           <a:extLst>
             <a:ext uri="{C572A759-6A51-4108-AA02-DFA0A04FC94B}">
-              <ma14:wrappingTextBoxFlag xmlns:ma14="http://schemas.microsoft.com/office/mac/drawingml/2011/main" xmlns:a14="http://schemas.microsoft.com/office/drawing/2010/main" xmlns:m="http://schemas.openxmlformats.org/officeDocument/2006/math" xmlns="" val="1"/>
+              <ma14:wrappingTextBoxFlag xmlns="" xmlns:m="http://schemas.openxmlformats.org/officeDocument/2006/math" xmlns:a14="http://schemas.microsoft.com/office/drawing/2010/main" xmlns:ma14="http://schemas.microsoft.com/office/mac/drawingml/2011/main" val="1"/>
             </a:ext>
           </a:extLst>
         </p:spPr>
@@ -40530,7 +40683,7 @@
           </a:ln>
           <a:extLst>
             <a:ext uri="{C572A759-6A51-4108-AA02-DFA0A04FC94B}">
-              <ma14:wrappingTextBoxFlag xmlns:ma14="http://schemas.microsoft.com/office/mac/drawingml/2011/main" xmlns:a14="http://schemas.microsoft.com/office/drawing/2010/main" xmlns:m="http://schemas.openxmlformats.org/officeDocument/2006/math" xmlns="" val="1"/>
+              <ma14:wrappingTextBoxFlag xmlns="" xmlns:m="http://schemas.openxmlformats.org/officeDocument/2006/math" xmlns:a14="http://schemas.microsoft.com/office/drawing/2010/main" xmlns:ma14="http://schemas.microsoft.com/office/mac/drawingml/2011/main" val="1"/>
             </a:ext>
           </a:extLst>
         </p:spPr>
@@ -40622,7 +40775,7 @@
           </a:ln>
           <a:extLst>
             <a:ext uri="{C572A759-6A51-4108-AA02-DFA0A04FC94B}">
-              <ma14:wrappingTextBoxFlag xmlns:ma14="http://schemas.microsoft.com/office/mac/drawingml/2011/main" xmlns:a14="http://schemas.microsoft.com/office/drawing/2010/main" xmlns:m="http://schemas.openxmlformats.org/officeDocument/2006/math" xmlns="" val="1"/>
+              <ma14:wrappingTextBoxFlag xmlns="" xmlns:m="http://schemas.openxmlformats.org/officeDocument/2006/math" xmlns:a14="http://schemas.microsoft.com/office/drawing/2010/main" xmlns:ma14="http://schemas.microsoft.com/office/mac/drawingml/2011/main" val="1"/>
             </a:ext>
           </a:extLst>
         </p:spPr>
@@ -40658,7 +40811,7 @@
           </a:prstGeom>
           <a:extLst>
             <a:ext uri="{C572A759-6A51-4108-AA02-DFA0A04FC94B}">
-              <ma14:wrappingTextBoxFlag xmlns:ma14="http://schemas.microsoft.com/office/mac/drawingml/2011/main" xmlns:a14="http://schemas.microsoft.com/office/drawing/2010/main" xmlns:m="http://schemas.openxmlformats.org/officeDocument/2006/math" xmlns="" val="1"/>
+              <ma14:wrappingTextBoxFlag xmlns="" xmlns:m="http://schemas.openxmlformats.org/officeDocument/2006/math" xmlns:a14="http://schemas.microsoft.com/office/drawing/2010/main" xmlns:ma14="http://schemas.microsoft.com/office/mac/drawingml/2011/main" val="1"/>
             </a:ext>
           </a:extLst>
         </p:spPr>
@@ -40696,7 +40849,7 @@
           </a:ln>
           <a:extLst>
             <a:ext uri="{C572A759-6A51-4108-AA02-DFA0A04FC94B}">
-              <ma14:wrappingTextBoxFlag xmlns:ma14="http://schemas.microsoft.com/office/mac/drawingml/2011/main" xmlns:a14="http://schemas.microsoft.com/office/drawing/2010/main" xmlns:m="http://schemas.openxmlformats.org/officeDocument/2006/math" xmlns="" val="1"/>
+              <ma14:wrappingTextBoxFlag xmlns="" xmlns:m="http://schemas.openxmlformats.org/officeDocument/2006/math" xmlns:a14="http://schemas.microsoft.com/office/drawing/2010/main" xmlns:ma14="http://schemas.microsoft.com/office/mac/drawingml/2011/main" val="1"/>
             </a:ext>
           </a:extLst>
         </p:spPr>
@@ -40807,7 +40960,7 @@
           </a:ln>
           <a:extLst>
             <a:ext uri="{C572A759-6A51-4108-AA02-DFA0A04FC94B}">
-              <ma14:wrappingTextBoxFlag xmlns:ma14="http://schemas.microsoft.com/office/mac/drawingml/2011/main" xmlns:a14="http://schemas.microsoft.com/office/drawing/2010/main" xmlns:m="http://schemas.openxmlformats.org/officeDocument/2006/math" xmlns="" val="1"/>
+              <ma14:wrappingTextBoxFlag xmlns="" xmlns:m="http://schemas.openxmlformats.org/officeDocument/2006/math" xmlns:a14="http://schemas.microsoft.com/office/drawing/2010/main" xmlns:ma14="http://schemas.microsoft.com/office/mac/drawingml/2011/main" val="1"/>
             </a:ext>
           </a:extLst>
         </p:spPr>
@@ -40846,7 +40999,7 @@
           </a:ln>
           <a:extLst>
             <a:ext uri="{C572A759-6A51-4108-AA02-DFA0A04FC94B}">
-              <ma14:wrappingTextBoxFlag xmlns:ma14="http://schemas.microsoft.com/office/mac/drawingml/2011/main" xmlns:a14="http://schemas.microsoft.com/office/drawing/2010/main" xmlns:m="http://schemas.openxmlformats.org/officeDocument/2006/math" xmlns="" val="1"/>
+              <ma14:wrappingTextBoxFlag xmlns="" xmlns:m="http://schemas.openxmlformats.org/officeDocument/2006/math" xmlns:a14="http://schemas.microsoft.com/office/drawing/2010/main" xmlns:ma14="http://schemas.microsoft.com/office/mac/drawingml/2011/main" val="1"/>
             </a:ext>
           </a:extLst>
         </p:spPr>
@@ -40938,7 +41091,7 @@
           </a:ln>
           <a:extLst>
             <a:ext uri="{C572A759-6A51-4108-AA02-DFA0A04FC94B}">
-              <ma14:wrappingTextBoxFlag xmlns:ma14="http://schemas.microsoft.com/office/mac/drawingml/2011/main" xmlns:a14="http://schemas.microsoft.com/office/drawing/2010/main" xmlns:m="http://schemas.openxmlformats.org/officeDocument/2006/math" xmlns="" val="1"/>
+              <ma14:wrappingTextBoxFlag xmlns="" xmlns:m="http://schemas.openxmlformats.org/officeDocument/2006/math" xmlns:a14="http://schemas.microsoft.com/office/drawing/2010/main" xmlns:ma14="http://schemas.microsoft.com/office/mac/drawingml/2011/main" val="1"/>
             </a:ext>
           </a:extLst>
         </p:spPr>
@@ -40974,7 +41127,7 @@
           </a:prstGeom>
           <a:extLst>
             <a:ext uri="{C572A759-6A51-4108-AA02-DFA0A04FC94B}">
-              <ma14:wrappingTextBoxFlag xmlns:ma14="http://schemas.microsoft.com/office/mac/drawingml/2011/main" xmlns:a14="http://schemas.microsoft.com/office/drawing/2010/main" xmlns:m="http://schemas.openxmlformats.org/officeDocument/2006/math" xmlns="" val="1"/>
+              <ma14:wrappingTextBoxFlag xmlns="" xmlns:m="http://schemas.openxmlformats.org/officeDocument/2006/math" xmlns:a14="http://schemas.microsoft.com/office/drawing/2010/main" xmlns:ma14="http://schemas.microsoft.com/office/mac/drawingml/2011/main" val="1"/>
             </a:ext>
           </a:extLst>
         </p:spPr>
@@ -41012,7 +41165,7 @@
           </a:ln>
           <a:extLst>
             <a:ext uri="{C572A759-6A51-4108-AA02-DFA0A04FC94B}">
-              <ma14:wrappingTextBoxFlag xmlns:ma14="http://schemas.microsoft.com/office/mac/drawingml/2011/main" xmlns:a14="http://schemas.microsoft.com/office/drawing/2010/main" xmlns:m="http://schemas.openxmlformats.org/officeDocument/2006/math" xmlns="" val="1"/>
+              <ma14:wrappingTextBoxFlag xmlns="" xmlns:m="http://schemas.openxmlformats.org/officeDocument/2006/math" xmlns:a14="http://schemas.microsoft.com/office/drawing/2010/main" xmlns:ma14="http://schemas.microsoft.com/office/mac/drawingml/2011/main" val="1"/>
             </a:ext>
           </a:extLst>
         </p:spPr>
@@ -41123,7 +41276,7 @@
           </a:ln>
           <a:extLst>
             <a:ext uri="{C572A759-6A51-4108-AA02-DFA0A04FC94B}">
-              <ma14:wrappingTextBoxFlag xmlns:ma14="http://schemas.microsoft.com/office/mac/drawingml/2011/main" xmlns:a14="http://schemas.microsoft.com/office/drawing/2010/main" xmlns:m="http://schemas.openxmlformats.org/officeDocument/2006/math" xmlns="" val="1"/>
+              <ma14:wrappingTextBoxFlag xmlns="" xmlns:m="http://schemas.openxmlformats.org/officeDocument/2006/math" xmlns:a14="http://schemas.microsoft.com/office/drawing/2010/main" xmlns:ma14="http://schemas.microsoft.com/office/mac/drawingml/2011/main" val="1"/>
             </a:ext>
           </a:extLst>
         </p:spPr>
@@ -41162,7 +41315,7 @@
           </a:ln>
           <a:extLst>
             <a:ext uri="{C572A759-6A51-4108-AA02-DFA0A04FC94B}">
-              <ma14:wrappingTextBoxFlag xmlns:ma14="http://schemas.microsoft.com/office/mac/drawingml/2011/main" xmlns:a14="http://schemas.microsoft.com/office/drawing/2010/main" xmlns:m="http://schemas.openxmlformats.org/officeDocument/2006/math" xmlns="" val="1"/>
+              <ma14:wrappingTextBoxFlag xmlns="" xmlns:m="http://schemas.openxmlformats.org/officeDocument/2006/math" xmlns:a14="http://schemas.microsoft.com/office/drawing/2010/main" xmlns:ma14="http://schemas.microsoft.com/office/mac/drawingml/2011/main" val="1"/>
             </a:ext>
           </a:extLst>
         </p:spPr>
@@ -41254,7 +41407,7 @@
           </a:ln>
           <a:extLst>
             <a:ext uri="{C572A759-6A51-4108-AA02-DFA0A04FC94B}">
-              <ma14:wrappingTextBoxFlag xmlns:ma14="http://schemas.microsoft.com/office/mac/drawingml/2011/main" xmlns:a14="http://schemas.microsoft.com/office/drawing/2010/main" xmlns:m="http://schemas.openxmlformats.org/officeDocument/2006/math" xmlns="" val="1"/>
+              <ma14:wrappingTextBoxFlag xmlns="" xmlns:m="http://schemas.openxmlformats.org/officeDocument/2006/math" xmlns:a14="http://schemas.microsoft.com/office/drawing/2010/main" xmlns:ma14="http://schemas.microsoft.com/office/mac/drawingml/2011/main" val="1"/>
             </a:ext>
           </a:extLst>
         </p:spPr>
@@ -41290,7 +41443,7 @@
           </a:prstGeom>
           <a:extLst>
             <a:ext uri="{C572A759-6A51-4108-AA02-DFA0A04FC94B}">
-              <ma14:wrappingTextBoxFlag xmlns:ma14="http://schemas.microsoft.com/office/mac/drawingml/2011/main" xmlns:a14="http://schemas.microsoft.com/office/drawing/2010/main" xmlns:m="http://schemas.openxmlformats.org/officeDocument/2006/math" xmlns="" val="1"/>
+              <ma14:wrappingTextBoxFlag xmlns="" xmlns:m="http://schemas.openxmlformats.org/officeDocument/2006/math" xmlns:a14="http://schemas.microsoft.com/office/drawing/2010/main" xmlns:ma14="http://schemas.microsoft.com/office/mac/drawingml/2011/main" val="1"/>
             </a:ext>
           </a:extLst>
         </p:spPr>
@@ -41328,7 +41481,7 @@
           </a:ln>
           <a:extLst>
             <a:ext uri="{C572A759-6A51-4108-AA02-DFA0A04FC94B}">
-              <ma14:wrappingTextBoxFlag xmlns:ma14="http://schemas.microsoft.com/office/mac/drawingml/2011/main" xmlns:a14="http://schemas.microsoft.com/office/drawing/2010/main" xmlns:m="http://schemas.openxmlformats.org/officeDocument/2006/math" xmlns="" val="1"/>
+              <ma14:wrappingTextBoxFlag xmlns="" xmlns:m="http://schemas.openxmlformats.org/officeDocument/2006/math" xmlns:a14="http://schemas.microsoft.com/office/drawing/2010/main" xmlns:ma14="http://schemas.microsoft.com/office/mac/drawingml/2011/main" val="1"/>
             </a:ext>
           </a:extLst>
         </p:spPr>
@@ -41439,7 +41592,7 @@
           </a:ln>
           <a:extLst>
             <a:ext uri="{C572A759-6A51-4108-AA02-DFA0A04FC94B}">
-              <ma14:wrappingTextBoxFlag xmlns:ma14="http://schemas.microsoft.com/office/mac/drawingml/2011/main" xmlns:a14="http://schemas.microsoft.com/office/drawing/2010/main" xmlns:m="http://schemas.openxmlformats.org/officeDocument/2006/math" xmlns="" val="1"/>
+              <ma14:wrappingTextBoxFlag xmlns="" xmlns:m="http://schemas.openxmlformats.org/officeDocument/2006/math" xmlns:a14="http://schemas.microsoft.com/office/drawing/2010/main" xmlns:ma14="http://schemas.microsoft.com/office/mac/drawingml/2011/main" val="1"/>
             </a:ext>
           </a:extLst>
         </p:spPr>
@@ -41501,7 +41654,7 @@
           </a:prstGeom>
           <a:extLst>
             <a:ext uri="{C572A759-6A51-4108-AA02-DFA0A04FC94B}">
-              <ma14:wrappingTextBoxFlag xmlns:ma14="http://schemas.microsoft.com/office/mac/drawingml/2011/main" xmlns:a14="http://schemas.microsoft.com/office/drawing/2010/main" xmlns:m="http://schemas.openxmlformats.org/officeDocument/2006/math" xmlns="" val="1"/>
+              <ma14:wrappingTextBoxFlag xmlns="" xmlns:m="http://schemas.openxmlformats.org/officeDocument/2006/math" xmlns:a14="http://schemas.microsoft.com/office/drawing/2010/main" xmlns:ma14="http://schemas.microsoft.com/office/mac/drawingml/2011/main" val="1"/>
             </a:ext>
           </a:extLst>
         </p:spPr>
@@ -41539,7 +41692,7 @@
           </a:ln>
           <a:extLst>
             <a:ext uri="{C572A759-6A51-4108-AA02-DFA0A04FC94B}">
-              <ma14:wrappingTextBoxFlag xmlns:ma14="http://schemas.microsoft.com/office/mac/drawingml/2011/main" xmlns:a14="http://schemas.microsoft.com/office/drawing/2010/main" xmlns:m="http://schemas.openxmlformats.org/officeDocument/2006/math" xmlns="" val="1"/>
+              <ma14:wrappingTextBoxFlag xmlns="" xmlns:m="http://schemas.openxmlformats.org/officeDocument/2006/math" xmlns:a14="http://schemas.microsoft.com/office/drawing/2010/main" xmlns:ma14="http://schemas.microsoft.com/office/mac/drawingml/2011/main" val="1"/>
             </a:ext>
           </a:extLst>
         </p:spPr>
@@ -41662,7 +41815,7 @@
           </a:ln>
           <a:extLst>
             <a:ext uri="{C572A759-6A51-4108-AA02-DFA0A04FC94B}">
-              <ma14:wrappingTextBoxFlag xmlns:ma14="http://schemas.microsoft.com/office/mac/drawingml/2011/main" xmlns:a14="http://schemas.microsoft.com/office/drawing/2010/main" xmlns:m="http://schemas.openxmlformats.org/officeDocument/2006/math" xmlns="" val="1"/>
+              <ma14:wrappingTextBoxFlag xmlns="" xmlns:m="http://schemas.openxmlformats.org/officeDocument/2006/math" xmlns:a14="http://schemas.microsoft.com/office/drawing/2010/main" xmlns:ma14="http://schemas.microsoft.com/office/mac/drawingml/2011/main" val="1"/>
             </a:ext>
           </a:extLst>
         </p:spPr>
@@ -41785,7 +41938,7 @@
           </a:ln>
           <a:extLst>
             <a:ext uri="{C572A759-6A51-4108-AA02-DFA0A04FC94B}">
-              <ma14:wrappingTextBoxFlag xmlns:ma14="http://schemas.microsoft.com/office/mac/drawingml/2011/main" xmlns:a14="http://schemas.microsoft.com/office/drawing/2010/main" xmlns:m="http://schemas.openxmlformats.org/officeDocument/2006/math" xmlns="" val="1"/>
+              <ma14:wrappingTextBoxFlag xmlns="" xmlns:m="http://schemas.openxmlformats.org/officeDocument/2006/math" xmlns:a14="http://schemas.microsoft.com/office/drawing/2010/main" xmlns:ma14="http://schemas.microsoft.com/office/mac/drawingml/2011/main" val="1"/>
             </a:ext>
           </a:extLst>
         </p:spPr>
@@ -41831,7 +41984,7 @@
           </a:ln>
           <a:extLst>
             <a:ext uri="{C572A759-6A51-4108-AA02-DFA0A04FC94B}">
-              <ma14:wrappingTextBoxFlag xmlns:ma14="http://schemas.microsoft.com/office/mac/drawingml/2011/main" xmlns:a14="http://schemas.microsoft.com/office/drawing/2010/main" xmlns:m="http://schemas.openxmlformats.org/officeDocument/2006/math" xmlns="" val="1"/>
+              <ma14:wrappingTextBoxFlag xmlns="" xmlns:m="http://schemas.openxmlformats.org/officeDocument/2006/math" xmlns:a14="http://schemas.microsoft.com/office/drawing/2010/main" xmlns:ma14="http://schemas.microsoft.com/office/mac/drawingml/2011/main" val="1"/>
             </a:ext>
           </a:extLst>
         </p:spPr>
